--- a/organisation/Endpräsentation/entwurf_impl.pptx
+++ b/organisation/Endpräsentation/entwurf_impl.pptx
@@ -1,29 +1,124 @@
 
 <file path=ppt/presentation.xml><?xml version="1.0" encoding="utf-8"?>
-<p:presentation xmlns:a="http://schemas.openxmlformats.org/drawingml/2006/main" xmlns:p="http://schemas.openxmlformats.org/presentationml/2006/main" xmlns:r="http://schemas.openxmlformats.org/officeDocument/2006/relationships">
+<p:presentation xmlns:a="http://schemas.openxmlformats.org/drawingml/2006/main" xmlns:r="http://schemas.openxmlformats.org/officeDocument/2006/relationships" xmlns:p="http://schemas.openxmlformats.org/presentationml/2006/main">
   <p:sldMasterIdLst>
-    <p:sldMasterId id="2147483648" r:id="rId2"/>
-    <p:sldMasterId id="2147483661" r:id="rId3"/>
-    <p:sldMasterId id="2147483674" r:id="rId4"/>
+    <p:sldMasterId id="2147483648" r:id="rId1"/>
+    <p:sldMasterId id="2147483661" r:id="rId2"/>
+    <p:sldMasterId id="2147483674" r:id="rId3"/>
   </p:sldMasterIdLst>
   <p:sldIdLst>
-    <p:sldId id="256" r:id="rId5"/>
-    <p:sldId id="257" r:id="rId6"/>
-    <p:sldId id="258" r:id="rId7"/>
-    <p:sldId id="259" r:id="rId8"/>
-    <p:sldId id="260" r:id="rId9"/>
-    <p:sldId id="261" r:id="rId10"/>
-    <p:sldId id="262" r:id="rId11"/>
-    <p:sldId id="263" r:id="rId12"/>
-    <p:sldId id="264" r:id="rId13"/>
+    <p:sldId id="256" r:id="rId4"/>
+    <p:sldId id="257" r:id="rId5"/>
+    <p:sldId id="258" r:id="rId6"/>
+    <p:sldId id="259" r:id="rId7"/>
+    <p:sldId id="260" r:id="rId8"/>
+    <p:sldId id="261" r:id="rId9"/>
+    <p:sldId id="262" r:id="rId10"/>
+    <p:sldId id="263" r:id="rId11"/>
+    <p:sldId id="264" r:id="rId12"/>
   </p:sldIdLst>
-  <p:sldSz cx="9144000" cy="6858000"/>
+  <p:sldSz cx="9144000" cy="6858000" type="screen4x3"/>
   <p:notesSz cx="6858000" cy="9144000"/>
+  <p:defaultTextStyle>
+    <a:defPPr>
+      <a:defRPr lang="bg-BG"/>
+    </a:defPPr>
+    <a:lvl1pPr marL="0" algn="l" defTabSz="914400" rtl="0" eaLnBrk="1" latinLnBrk="0" hangingPunct="1">
+      <a:defRPr sz="1800" kern="1200">
+        <a:solidFill>
+          <a:schemeClr val="tx1"/>
+        </a:solidFill>
+        <a:latin typeface="+mn-lt"/>
+        <a:ea typeface="+mn-ea"/>
+        <a:cs typeface="+mn-cs"/>
+      </a:defRPr>
+    </a:lvl1pPr>
+    <a:lvl2pPr marL="457200" algn="l" defTabSz="914400" rtl="0" eaLnBrk="1" latinLnBrk="0" hangingPunct="1">
+      <a:defRPr sz="1800" kern="1200">
+        <a:solidFill>
+          <a:schemeClr val="tx1"/>
+        </a:solidFill>
+        <a:latin typeface="+mn-lt"/>
+        <a:ea typeface="+mn-ea"/>
+        <a:cs typeface="+mn-cs"/>
+      </a:defRPr>
+    </a:lvl2pPr>
+    <a:lvl3pPr marL="914400" algn="l" defTabSz="914400" rtl="0" eaLnBrk="1" latinLnBrk="0" hangingPunct="1">
+      <a:defRPr sz="1800" kern="1200">
+        <a:solidFill>
+          <a:schemeClr val="tx1"/>
+        </a:solidFill>
+        <a:latin typeface="+mn-lt"/>
+        <a:ea typeface="+mn-ea"/>
+        <a:cs typeface="+mn-cs"/>
+      </a:defRPr>
+    </a:lvl3pPr>
+    <a:lvl4pPr marL="1371600" algn="l" defTabSz="914400" rtl="0" eaLnBrk="1" latinLnBrk="0" hangingPunct="1">
+      <a:defRPr sz="1800" kern="1200">
+        <a:solidFill>
+          <a:schemeClr val="tx1"/>
+        </a:solidFill>
+        <a:latin typeface="+mn-lt"/>
+        <a:ea typeface="+mn-ea"/>
+        <a:cs typeface="+mn-cs"/>
+      </a:defRPr>
+    </a:lvl4pPr>
+    <a:lvl5pPr marL="1828800" algn="l" defTabSz="914400" rtl="0" eaLnBrk="1" latinLnBrk="0" hangingPunct="1">
+      <a:defRPr sz="1800" kern="1200">
+        <a:solidFill>
+          <a:schemeClr val="tx1"/>
+        </a:solidFill>
+        <a:latin typeface="+mn-lt"/>
+        <a:ea typeface="+mn-ea"/>
+        <a:cs typeface="+mn-cs"/>
+      </a:defRPr>
+    </a:lvl5pPr>
+    <a:lvl6pPr marL="2286000" algn="l" defTabSz="914400" rtl="0" eaLnBrk="1" latinLnBrk="0" hangingPunct="1">
+      <a:defRPr sz="1800" kern="1200">
+        <a:solidFill>
+          <a:schemeClr val="tx1"/>
+        </a:solidFill>
+        <a:latin typeface="+mn-lt"/>
+        <a:ea typeface="+mn-ea"/>
+        <a:cs typeface="+mn-cs"/>
+      </a:defRPr>
+    </a:lvl6pPr>
+    <a:lvl7pPr marL="2743200" algn="l" defTabSz="914400" rtl="0" eaLnBrk="1" latinLnBrk="0" hangingPunct="1">
+      <a:defRPr sz="1800" kern="1200">
+        <a:solidFill>
+          <a:schemeClr val="tx1"/>
+        </a:solidFill>
+        <a:latin typeface="+mn-lt"/>
+        <a:ea typeface="+mn-ea"/>
+        <a:cs typeface="+mn-cs"/>
+      </a:defRPr>
+    </a:lvl7pPr>
+    <a:lvl8pPr marL="3200400" algn="l" defTabSz="914400" rtl="0" eaLnBrk="1" latinLnBrk="0" hangingPunct="1">
+      <a:defRPr sz="1800" kern="1200">
+        <a:solidFill>
+          <a:schemeClr val="tx1"/>
+        </a:solidFill>
+        <a:latin typeface="+mn-lt"/>
+        <a:ea typeface="+mn-ea"/>
+        <a:cs typeface="+mn-cs"/>
+      </a:defRPr>
+    </a:lvl8pPr>
+    <a:lvl9pPr marL="3657600" algn="l" defTabSz="914400" rtl="0" eaLnBrk="1" latinLnBrk="0" hangingPunct="1">
+      <a:defRPr sz="1800" kern="1200">
+        <a:solidFill>
+          <a:schemeClr val="tx1"/>
+        </a:solidFill>
+        <a:latin typeface="+mn-lt"/>
+        <a:ea typeface="+mn-ea"/>
+        <a:cs typeface="+mn-cs"/>
+      </a:defRPr>
+    </a:lvl9pPr>
+  </p:defaultTextStyle>
 </p:presentation>
 </file>
 
 <file path=ppt/slideLayouts/slideLayout1.xml><?xml version="1.0" encoding="utf-8"?>
-<p:sldLayout xmlns:a="http://schemas.openxmlformats.org/drawingml/2006/main" xmlns:p="http://schemas.openxmlformats.org/presentationml/2006/main" xmlns:r="http://schemas.openxmlformats.org/officeDocument/2006/relationships" type="blank" preserve="1">
+<p:sldLayout xmlns:a="http://schemas.openxmlformats.org/drawingml/2006/main" xmlns:r="http://schemas.openxmlformats.org/officeDocument/2006/relationships" xmlns:p="http://schemas.openxmlformats.org/presentationml/2006/main" type="blank" preserve="1">
   <p:cSld name="Blank Slide">
     <p:spTree>
       <p:nvGrpSpPr>
@@ -41,11 +136,14 @@
       </p:grpSpPr>
     </p:spTree>
   </p:cSld>
+  <p:clrMapOvr>
+    <a:masterClrMapping/>
+  </p:clrMapOvr>
 </p:sldLayout>
 </file>
 
 <file path=ppt/slideLayouts/slideLayout10.xml><?xml version="1.0" encoding="utf-8"?>
-<p:sldLayout xmlns:a="http://schemas.openxmlformats.org/drawingml/2006/main" xmlns:p="http://schemas.openxmlformats.org/presentationml/2006/main" xmlns:r="http://schemas.openxmlformats.org/officeDocument/2006/relationships" type="objOverTx" preserve="1">
+<p:sldLayout xmlns:a="http://schemas.openxmlformats.org/drawingml/2006/main" xmlns:r="http://schemas.openxmlformats.org/officeDocument/2006/relationships" xmlns:p="http://schemas.openxmlformats.org/presentationml/2006/main" type="objOverTx" preserve="1">
   <p:cSld name="Title, Content over Content">
     <p:spTree>
       <p:nvGrpSpPr>
@@ -81,7 +179,8 @@
           </a:prstGeom>
         </p:spPr>
         <p:txBody>
-          <a:bodyPr lIns="0" rIns="0" tIns="0" bIns="0" anchor="ctr"/>
+          <a:bodyPr lIns="0" tIns="0" rIns="0" bIns="0" anchor="ctr"/>
+          <a:lstStyle/>
           <a:p>
             <a:endParaRPr/>
           </a:p>
@@ -107,7 +206,8 @@
           </a:prstGeom>
         </p:spPr>
         <p:txBody>
-          <a:bodyPr lIns="0" rIns="0" tIns="0" bIns="0"/>
+          <a:bodyPr lIns="0" tIns="0" rIns="0" bIns="0"/>
+          <a:lstStyle/>
           <a:p>
             <a:endParaRPr/>
           </a:p>
@@ -133,7 +233,8 @@
           </a:prstGeom>
         </p:spPr>
         <p:txBody>
-          <a:bodyPr lIns="0" rIns="0" tIns="0" bIns="0"/>
+          <a:bodyPr lIns="0" tIns="0" rIns="0" bIns="0"/>
+          <a:lstStyle/>
           <a:p>
             <a:endParaRPr/>
           </a:p>
@@ -141,11 +242,14 @@
       </p:sp>
     </p:spTree>
   </p:cSld>
+  <p:clrMapOvr>
+    <a:masterClrMapping/>
+  </p:clrMapOvr>
 </p:sldLayout>
 </file>
 
 <file path=ppt/slideLayouts/slideLayout11.xml><?xml version="1.0" encoding="utf-8"?>
-<p:sldLayout xmlns:a="http://schemas.openxmlformats.org/drawingml/2006/main" xmlns:p="http://schemas.openxmlformats.org/presentationml/2006/main" xmlns:r="http://schemas.openxmlformats.org/officeDocument/2006/relationships" type="fourObj" preserve="1">
+<p:sldLayout xmlns:a="http://schemas.openxmlformats.org/drawingml/2006/main" xmlns:r="http://schemas.openxmlformats.org/officeDocument/2006/relationships" xmlns:p="http://schemas.openxmlformats.org/presentationml/2006/main" type="fourObj" preserve="1">
   <p:cSld name="Title, 4 Content">
     <p:spTree>
       <p:nvGrpSpPr>
@@ -181,7 +285,8 @@
           </a:prstGeom>
         </p:spPr>
         <p:txBody>
-          <a:bodyPr lIns="0" rIns="0" tIns="0" bIns="0" anchor="ctr"/>
+          <a:bodyPr lIns="0" tIns="0" rIns="0" bIns="0" anchor="ctr"/>
+          <a:lstStyle/>
           <a:p>
             <a:endParaRPr/>
           </a:p>
@@ -207,7 +312,8 @@
           </a:prstGeom>
         </p:spPr>
         <p:txBody>
-          <a:bodyPr lIns="0" rIns="0" tIns="0" bIns="0"/>
+          <a:bodyPr lIns="0" tIns="0" rIns="0" bIns="0"/>
+          <a:lstStyle/>
           <a:p>
             <a:endParaRPr/>
           </a:p>
@@ -233,7 +339,8 @@
           </a:prstGeom>
         </p:spPr>
         <p:txBody>
-          <a:bodyPr lIns="0" rIns="0" tIns="0" bIns="0"/>
+          <a:bodyPr lIns="0" tIns="0" rIns="0" bIns="0"/>
+          <a:lstStyle/>
           <a:p>
             <a:endParaRPr/>
           </a:p>
@@ -259,7 +366,8 @@
           </a:prstGeom>
         </p:spPr>
         <p:txBody>
-          <a:bodyPr lIns="0" rIns="0" tIns="0" bIns="0"/>
+          <a:bodyPr lIns="0" tIns="0" rIns="0" bIns="0"/>
+          <a:lstStyle/>
           <a:p>
             <a:endParaRPr/>
           </a:p>
@@ -285,7 +393,8 @@
           </a:prstGeom>
         </p:spPr>
         <p:txBody>
-          <a:bodyPr lIns="0" rIns="0" tIns="0" bIns="0"/>
+          <a:bodyPr lIns="0" tIns="0" rIns="0" bIns="0"/>
+          <a:lstStyle/>
           <a:p>
             <a:endParaRPr/>
           </a:p>
@@ -293,11 +402,14 @@
       </p:sp>
     </p:spTree>
   </p:cSld>
+  <p:clrMapOvr>
+    <a:masterClrMapping/>
+  </p:clrMapOvr>
 </p:sldLayout>
 </file>
 
 <file path=ppt/slideLayouts/slideLayout12.xml><?xml version="1.0" encoding="utf-8"?>
-<p:sldLayout xmlns:a="http://schemas.openxmlformats.org/drawingml/2006/main" xmlns:p="http://schemas.openxmlformats.org/presentationml/2006/main" xmlns:r="http://schemas.openxmlformats.org/officeDocument/2006/relationships" type="blank" preserve="1">
+<p:sldLayout xmlns:a="http://schemas.openxmlformats.org/drawingml/2006/main" xmlns:r="http://schemas.openxmlformats.org/officeDocument/2006/relationships" xmlns:p="http://schemas.openxmlformats.org/presentationml/2006/main" type="blank" preserve="1">
   <p:cSld name="Title, 6 Content">
     <p:spTree>
       <p:nvGrpSpPr>
@@ -333,7 +445,8 @@
           </a:prstGeom>
         </p:spPr>
         <p:txBody>
-          <a:bodyPr lIns="0" rIns="0" tIns="0" bIns="0" anchor="ctr"/>
+          <a:bodyPr lIns="0" tIns="0" rIns="0" bIns="0" anchor="ctr"/>
+          <a:lstStyle/>
           <a:p>
             <a:endParaRPr/>
           </a:p>
@@ -359,7 +472,8 @@
           </a:prstGeom>
         </p:spPr>
         <p:txBody>
-          <a:bodyPr lIns="0" rIns="0" tIns="0" bIns="0"/>
+          <a:bodyPr lIns="0" tIns="0" rIns="0" bIns="0"/>
+          <a:lstStyle/>
           <a:p>
             <a:endParaRPr/>
           </a:p>
@@ -385,7 +499,8 @@
           </a:prstGeom>
         </p:spPr>
         <p:txBody>
-          <a:bodyPr lIns="0" rIns="0" tIns="0" bIns="0"/>
+          <a:bodyPr lIns="0" tIns="0" rIns="0" bIns="0"/>
+          <a:lstStyle/>
           <a:p>
             <a:endParaRPr/>
           </a:p>
@@ -393,7 +508,7 @@
       </p:sp>
       <p:pic>
         <p:nvPicPr>
-          <p:cNvPr id="43" name="" descr=""/>
+          <p:cNvPr id="43" name="Картина 42"/>
           <p:cNvPicPr/>
           <p:nvPr/>
         </p:nvPicPr>
@@ -416,12 +531,12 @@
       </p:pic>
       <p:pic>
         <p:nvPicPr>
-          <p:cNvPr id="44" name="" descr=""/>
+          <p:cNvPr id="44" name="Картина 43"/>
           <p:cNvPicPr/>
           <p:nvPr/>
         </p:nvPicPr>
         <p:blipFill>
-          <a:blip r:embed="rId3"/>
+          <a:blip r:embed="rId2"/>
           <a:stretch/>
         </p:blipFill>
         <p:spPr>
@@ -439,11 +554,14 @@
       </p:pic>
     </p:spTree>
   </p:cSld>
+  <p:clrMapOvr>
+    <a:masterClrMapping/>
+  </p:clrMapOvr>
 </p:sldLayout>
 </file>
 
 <file path=ppt/slideLayouts/slideLayout13.xml><?xml version="1.0" encoding="utf-8"?>
-<p:sldLayout xmlns:a="http://schemas.openxmlformats.org/drawingml/2006/main" xmlns:p="http://schemas.openxmlformats.org/presentationml/2006/main" xmlns:r="http://schemas.openxmlformats.org/officeDocument/2006/relationships" type="blank" preserve="1">
+<p:sldLayout xmlns:a="http://schemas.openxmlformats.org/drawingml/2006/main" xmlns:r="http://schemas.openxmlformats.org/officeDocument/2006/relationships" xmlns:p="http://schemas.openxmlformats.org/presentationml/2006/main" type="blank" preserve="1">
   <p:cSld name="Blank Slide">
     <p:spTree>
       <p:nvGrpSpPr>
@@ -461,11 +579,14 @@
       </p:grpSpPr>
     </p:spTree>
   </p:cSld>
+  <p:clrMapOvr>
+    <a:masterClrMapping/>
+  </p:clrMapOvr>
 </p:sldLayout>
 </file>
 
 <file path=ppt/slideLayouts/slideLayout14.xml><?xml version="1.0" encoding="utf-8"?>
-<p:sldLayout xmlns:a="http://schemas.openxmlformats.org/drawingml/2006/main" xmlns:p="http://schemas.openxmlformats.org/presentationml/2006/main" xmlns:r="http://schemas.openxmlformats.org/officeDocument/2006/relationships" type="tx" preserve="1">
+<p:sldLayout xmlns:a="http://schemas.openxmlformats.org/drawingml/2006/main" xmlns:r="http://schemas.openxmlformats.org/officeDocument/2006/relationships" xmlns:p="http://schemas.openxmlformats.org/presentationml/2006/main" type="tx" preserve="1">
   <p:cSld name="Title Slide">
     <p:spTree>
       <p:nvGrpSpPr>
@@ -501,7 +622,8 @@
           </a:prstGeom>
         </p:spPr>
         <p:txBody>
-          <a:bodyPr lIns="0" rIns="0" tIns="0" bIns="0" anchor="ctr"/>
+          <a:bodyPr lIns="0" tIns="0" rIns="0" bIns="0" anchor="ctr"/>
+          <a:lstStyle/>
           <a:p>
             <a:endParaRPr/>
           </a:p>
@@ -527,7 +649,8 @@
           </a:prstGeom>
         </p:spPr>
         <p:txBody>
-          <a:bodyPr lIns="0" rIns="0" tIns="0" bIns="0" anchor="ctr"/>
+          <a:bodyPr lIns="0" tIns="0" rIns="0" bIns="0" anchor="ctr"/>
+          <a:lstStyle/>
           <a:p>
             <a:pPr algn="ctr"/>
             <a:endParaRPr/>
@@ -536,11 +659,14 @@
       </p:sp>
     </p:spTree>
   </p:cSld>
+  <p:clrMapOvr>
+    <a:masterClrMapping/>
+  </p:clrMapOvr>
 </p:sldLayout>
 </file>
 
 <file path=ppt/slideLayouts/slideLayout15.xml><?xml version="1.0" encoding="utf-8"?>
-<p:sldLayout xmlns:a="http://schemas.openxmlformats.org/drawingml/2006/main" xmlns:p="http://schemas.openxmlformats.org/presentationml/2006/main" xmlns:r="http://schemas.openxmlformats.org/officeDocument/2006/relationships" type="obj" preserve="1">
+<p:sldLayout xmlns:a="http://schemas.openxmlformats.org/drawingml/2006/main" xmlns:r="http://schemas.openxmlformats.org/officeDocument/2006/relationships" xmlns:p="http://schemas.openxmlformats.org/presentationml/2006/main" type="obj" preserve="1">
   <p:cSld name="Title, Content">
     <p:spTree>
       <p:nvGrpSpPr>
@@ -576,7 +702,8 @@
           </a:prstGeom>
         </p:spPr>
         <p:txBody>
-          <a:bodyPr lIns="0" rIns="0" tIns="0" bIns="0" anchor="ctr"/>
+          <a:bodyPr lIns="0" tIns="0" rIns="0" bIns="0" anchor="ctr"/>
+          <a:lstStyle/>
           <a:p>
             <a:endParaRPr/>
           </a:p>
@@ -602,7 +729,8 @@
           </a:prstGeom>
         </p:spPr>
         <p:txBody>
-          <a:bodyPr lIns="0" rIns="0" tIns="0" bIns="0"/>
+          <a:bodyPr lIns="0" tIns="0" rIns="0" bIns="0"/>
+          <a:lstStyle/>
           <a:p>
             <a:endParaRPr/>
           </a:p>
@@ -610,11 +738,14 @@
       </p:sp>
     </p:spTree>
   </p:cSld>
+  <p:clrMapOvr>
+    <a:masterClrMapping/>
+  </p:clrMapOvr>
 </p:sldLayout>
 </file>
 
 <file path=ppt/slideLayouts/slideLayout16.xml><?xml version="1.0" encoding="utf-8"?>
-<p:sldLayout xmlns:a="http://schemas.openxmlformats.org/drawingml/2006/main" xmlns:p="http://schemas.openxmlformats.org/presentationml/2006/main" xmlns:r="http://schemas.openxmlformats.org/officeDocument/2006/relationships" type="twoObj" preserve="1">
+<p:sldLayout xmlns:a="http://schemas.openxmlformats.org/drawingml/2006/main" xmlns:r="http://schemas.openxmlformats.org/officeDocument/2006/relationships" xmlns:p="http://schemas.openxmlformats.org/presentationml/2006/main" type="twoObj" preserve="1">
   <p:cSld name="Title, 2 Content">
     <p:spTree>
       <p:nvGrpSpPr>
@@ -650,7 +781,8 @@
           </a:prstGeom>
         </p:spPr>
         <p:txBody>
-          <a:bodyPr lIns="0" rIns="0" tIns="0" bIns="0" anchor="ctr"/>
+          <a:bodyPr lIns="0" tIns="0" rIns="0" bIns="0" anchor="ctr"/>
+          <a:lstStyle/>
           <a:p>
             <a:endParaRPr/>
           </a:p>
@@ -676,7 +808,8 @@
           </a:prstGeom>
         </p:spPr>
         <p:txBody>
-          <a:bodyPr lIns="0" rIns="0" tIns="0" bIns="0"/>
+          <a:bodyPr lIns="0" tIns="0" rIns="0" bIns="0"/>
+          <a:lstStyle/>
           <a:p>
             <a:endParaRPr/>
           </a:p>
@@ -702,7 +835,8 @@
           </a:prstGeom>
         </p:spPr>
         <p:txBody>
-          <a:bodyPr lIns="0" rIns="0" tIns="0" bIns="0"/>
+          <a:bodyPr lIns="0" tIns="0" rIns="0" bIns="0"/>
+          <a:lstStyle/>
           <a:p>
             <a:endParaRPr/>
           </a:p>
@@ -710,11 +844,14 @@
       </p:sp>
     </p:spTree>
   </p:cSld>
+  <p:clrMapOvr>
+    <a:masterClrMapping/>
+  </p:clrMapOvr>
 </p:sldLayout>
 </file>
 
 <file path=ppt/slideLayouts/slideLayout17.xml><?xml version="1.0" encoding="utf-8"?>
-<p:sldLayout xmlns:a="http://schemas.openxmlformats.org/drawingml/2006/main" xmlns:p="http://schemas.openxmlformats.org/presentationml/2006/main" xmlns:r="http://schemas.openxmlformats.org/officeDocument/2006/relationships" type="titleOnly" preserve="1">
+<p:sldLayout xmlns:a="http://schemas.openxmlformats.org/drawingml/2006/main" xmlns:r="http://schemas.openxmlformats.org/officeDocument/2006/relationships" xmlns:p="http://schemas.openxmlformats.org/presentationml/2006/main" type="titleOnly" preserve="1">
   <p:cSld name="Title Only">
     <p:spTree>
       <p:nvGrpSpPr>
@@ -750,7 +887,8 @@
           </a:prstGeom>
         </p:spPr>
         <p:txBody>
-          <a:bodyPr lIns="0" rIns="0" tIns="0" bIns="0" anchor="ctr"/>
+          <a:bodyPr lIns="0" tIns="0" rIns="0" bIns="0" anchor="ctr"/>
+          <a:lstStyle/>
           <a:p>
             <a:endParaRPr/>
           </a:p>
@@ -758,11 +896,14 @@
       </p:sp>
     </p:spTree>
   </p:cSld>
+  <p:clrMapOvr>
+    <a:masterClrMapping/>
+  </p:clrMapOvr>
 </p:sldLayout>
 </file>
 
 <file path=ppt/slideLayouts/slideLayout18.xml><?xml version="1.0" encoding="utf-8"?>
-<p:sldLayout xmlns:a="http://schemas.openxmlformats.org/drawingml/2006/main" xmlns:p="http://schemas.openxmlformats.org/presentationml/2006/main" xmlns:r="http://schemas.openxmlformats.org/officeDocument/2006/relationships" type="objOnly" preserve="1">
+<p:sldLayout xmlns:a="http://schemas.openxmlformats.org/drawingml/2006/main" xmlns:r="http://schemas.openxmlformats.org/officeDocument/2006/relationships" xmlns:p="http://schemas.openxmlformats.org/presentationml/2006/main" type="objOnly" preserve="1">
   <p:cSld name="Centered Text">
     <p:spTree>
       <p:nvGrpSpPr>
@@ -798,7 +939,8 @@
           </a:prstGeom>
         </p:spPr>
         <p:txBody>
-          <a:bodyPr lIns="0" rIns="0" tIns="0" bIns="0" anchor="ctr"/>
+          <a:bodyPr lIns="0" tIns="0" rIns="0" bIns="0" anchor="ctr"/>
+          <a:lstStyle/>
           <a:p>
             <a:pPr algn="ctr"/>
             <a:endParaRPr/>
@@ -807,11 +949,14 @@
       </p:sp>
     </p:spTree>
   </p:cSld>
+  <p:clrMapOvr>
+    <a:masterClrMapping/>
+  </p:clrMapOvr>
 </p:sldLayout>
 </file>
 
 <file path=ppt/slideLayouts/slideLayout19.xml><?xml version="1.0" encoding="utf-8"?>
-<p:sldLayout xmlns:a="http://schemas.openxmlformats.org/drawingml/2006/main" xmlns:p="http://schemas.openxmlformats.org/presentationml/2006/main" xmlns:r="http://schemas.openxmlformats.org/officeDocument/2006/relationships" type="twoObjAndObj" preserve="1">
+<p:sldLayout xmlns:a="http://schemas.openxmlformats.org/drawingml/2006/main" xmlns:r="http://schemas.openxmlformats.org/officeDocument/2006/relationships" xmlns:p="http://schemas.openxmlformats.org/presentationml/2006/main" type="twoObjAndObj" preserve="1">
   <p:cSld name="Title, 2 Content and Content">
     <p:spTree>
       <p:nvGrpSpPr>
@@ -847,7 +992,8 @@
           </a:prstGeom>
         </p:spPr>
         <p:txBody>
-          <a:bodyPr lIns="0" rIns="0" tIns="0" bIns="0" anchor="ctr"/>
+          <a:bodyPr lIns="0" tIns="0" rIns="0" bIns="0" anchor="ctr"/>
+          <a:lstStyle/>
           <a:p>
             <a:endParaRPr/>
           </a:p>
@@ -873,7 +1019,8 @@
           </a:prstGeom>
         </p:spPr>
         <p:txBody>
-          <a:bodyPr lIns="0" rIns="0" tIns="0" bIns="0"/>
+          <a:bodyPr lIns="0" tIns="0" rIns="0" bIns="0"/>
+          <a:lstStyle/>
           <a:p>
             <a:endParaRPr/>
           </a:p>
@@ -899,7 +1046,8 @@
           </a:prstGeom>
         </p:spPr>
         <p:txBody>
-          <a:bodyPr lIns="0" rIns="0" tIns="0" bIns="0"/>
+          <a:bodyPr lIns="0" tIns="0" rIns="0" bIns="0"/>
+          <a:lstStyle/>
           <a:p>
             <a:endParaRPr/>
           </a:p>
@@ -925,7 +1073,8 @@
           </a:prstGeom>
         </p:spPr>
         <p:txBody>
-          <a:bodyPr lIns="0" rIns="0" tIns="0" bIns="0"/>
+          <a:bodyPr lIns="0" tIns="0" rIns="0" bIns="0"/>
+          <a:lstStyle/>
           <a:p>
             <a:endParaRPr/>
           </a:p>
@@ -933,11 +1082,14 @@
       </p:sp>
     </p:spTree>
   </p:cSld>
+  <p:clrMapOvr>
+    <a:masterClrMapping/>
+  </p:clrMapOvr>
 </p:sldLayout>
 </file>
 
 <file path=ppt/slideLayouts/slideLayout2.xml><?xml version="1.0" encoding="utf-8"?>
-<p:sldLayout xmlns:a="http://schemas.openxmlformats.org/drawingml/2006/main" xmlns:p="http://schemas.openxmlformats.org/presentationml/2006/main" xmlns:r="http://schemas.openxmlformats.org/officeDocument/2006/relationships" type="tx" preserve="1">
+<p:sldLayout xmlns:a="http://schemas.openxmlformats.org/drawingml/2006/main" xmlns:r="http://schemas.openxmlformats.org/officeDocument/2006/relationships" xmlns:p="http://schemas.openxmlformats.org/presentationml/2006/main" type="tx" preserve="1">
   <p:cSld name="Title Slide">
     <p:spTree>
       <p:nvGrpSpPr>
@@ -973,7 +1125,8 @@
           </a:prstGeom>
         </p:spPr>
         <p:txBody>
-          <a:bodyPr lIns="0" rIns="0" tIns="0" bIns="0" anchor="ctr"/>
+          <a:bodyPr lIns="0" tIns="0" rIns="0" bIns="0" anchor="ctr"/>
+          <a:lstStyle/>
           <a:p>
             <a:endParaRPr/>
           </a:p>
@@ -999,7 +1152,8 @@
           </a:prstGeom>
         </p:spPr>
         <p:txBody>
-          <a:bodyPr lIns="0" rIns="0" tIns="0" bIns="0" anchor="ctr"/>
+          <a:bodyPr lIns="0" tIns="0" rIns="0" bIns="0" anchor="ctr"/>
+          <a:lstStyle/>
           <a:p>
             <a:pPr algn="ctr"/>
             <a:endParaRPr/>
@@ -1008,11 +1162,14 @@
       </p:sp>
     </p:spTree>
   </p:cSld>
+  <p:clrMapOvr>
+    <a:masterClrMapping/>
+  </p:clrMapOvr>
 </p:sldLayout>
 </file>
 
 <file path=ppt/slideLayouts/slideLayout20.xml><?xml version="1.0" encoding="utf-8"?>
-<p:sldLayout xmlns:a="http://schemas.openxmlformats.org/drawingml/2006/main" xmlns:p="http://schemas.openxmlformats.org/presentationml/2006/main" xmlns:r="http://schemas.openxmlformats.org/officeDocument/2006/relationships" type="objAndTwoObj" preserve="1">
+<p:sldLayout xmlns:a="http://schemas.openxmlformats.org/drawingml/2006/main" xmlns:r="http://schemas.openxmlformats.org/officeDocument/2006/relationships" xmlns:p="http://schemas.openxmlformats.org/presentationml/2006/main" type="objAndTwoObj" preserve="1">
   <p:cSld name="Title Content and 2 Content">
     <p:spTree>
       <p:nvGrpSpPr>
@@ -1048,7 +1205,8 @@
           </a:prstGeom>
         </p:spPr>
         <p:txBody>
-          <a:bodyPr lIns="0" rIns="0" tIns="0" bIns="0" anchor="ctr"/>
+          <a:bodyPr lIns="0" tIns="0" rIns="0" bIns="0" anchor="ctr"/>
+          <a:lstStyle/>
           <a:p>
             <a:endParaRPr/>
           </a:p>
@@ -1074,7 +1232,8 @@
           </a:prstGeom>
         </p:spPr>
         <p:txBody>
-          <a:bodyPr lIns="0" rIns="0" tIns="0" bIns="0"/>
+          <a:bodyPr lIns="0" tIns="0" rIns="0" bIns="0"/>
+          <a:lstStyle/>
           <a:p>
             <a:endParaRPr/>
           </a:p>
@@ -1100,7 +1259,8 @@
           </a:prstGeom>
         </p:spPr>
         <p:txBody>
-          <a:bodyPr lIns="0" rIns="0" tIns="0" bIns="0"/>
+          <a:bodyPr lIns="0" tIns="0" rIns="0" bIns="0"/>
+          <a:lstStyle/>
           <a:p>
             <a:endParaRPr/>
           </a:p>
@@ -1126,7 +1286,8 @@
           </a:prstGeom>
         </p:spPr>
         <p:txBody>
-          <a:bodyPr lIns="0" rIns="0" tIns="0" bIns="0"/>
+          <a:bodyPr lIns="0" tIns="0" rIns="0" bIns="0"/>
+          <a:lstStyle/>
           <a:p>
             <a:endParaRPr/>
           </a:p>
@@ -1134,11 +1295,14 @@
       </p:sp>
     </p:spTree>
   </p:cSld>
+  <p:clrMapOvr>
+    <a:masterClrMapping/>
+  </p:clrMapOvr>
 </p:sldLayout>
 </file>
 
 <file path=ppt/slideLayouts/slideLayout21.xml><?xml version="1.0" encoding="utf-8"?>
-<p:sldLayout xmlns:a="http://schemas.openxmlformats.org/drawingml/2006/main" xmlns:p="http://schemas.openxmlformats.org/presentationml/2006/main" xmlns:r="http://schemas.openxmlformats.org/officeDocument/2006/relationships" type="twoObjOverTx" preserve="1">
+<p:sldLayout xmlns:a="http://schemas.openxmlformats.org/drawingml/2006/main" xmlns:r="http://schemas.openxmlformats.org/officeDocument/2006/relationships" xmlns:p="http://schemas.openxmlformats.org/presentationml/2006/main" type="twoObjOverTx" preserve="1">
   <p:cSld name="Title, 2 Content over Content">
     <p:spTree>
       <p:nvGrpSpPr>
@@ -1174,7 +1338,8 @@
           </a:prstGeom>
         </p:spPr>
         <p:txBody>
-          <a:bodyPr lIns="0" rIns="0" tIns="0" bIns="0" anchor="ctr"/>
+          <a:bodyPr lIns="0" tIns="0" rIns="0" bIns="0" anchor="ctr"/>
+          <a:lstStyle/>
           <a:p>
             <a:endParaRPr/>
           </a:p>
@@ -1200,7 +1365,8 @@
           </a:prstGeom>
         </p:spPr>
         <p:txBody>
-          <a:bodyPr lIns="0" rIns="0" tIns="0" bIns="0"/>
+          <a:bodyPr lIns="0" tIns="0" rIns="0" bIns="0"/>
+          <a:lstStyle/>
           <a:p>
             <a:endParaRPr/>
           </a:p>
@@ -1226,7 +1392,8 @@
           </a:prstGeom>
         </p:spPr>
         <p:txBody>
-          <a:bodyPr lIns="0" rIns="0" tIns="0" bIns="0"/>
+          <a:bodyPr lIns="0" tIns="0" rIns="0" bIns="0"/>
+          <a:lstStyle/>
           <a:p>
             <a:endParaRPr/>
           </a:p>
@@ -1252,7 +1419,8 @@
           </a:prstGeom>
         </p:spPr>
         <p:txBody>
-          <a:bodyPr lIns="0" rIns="0" tIns="0" bIns="0"/>
+          <a:bodyPr lIns="0" tIns="0" rIns="0" bIns="0"/>
+          <a:lstStyle/>
           <a:p>
             <a:endParaRPr/>
           </a:p>
@@ -1260,11 +1428,14 @@
       </p:sp>
     </p:spTree>
   </p:cSld>
+  <p:clrMapOvr>
+    <a:masterClrMapping/>
+  </p:clrMapOvr>
 </p:sldLayout>
 </file>
 
 <file path=ppt/slideLayouts/slideLayout22.xml><?xml version="1.0" encoding="utf-8"?>
-<p:sldLayout xmlns:a="http://schemas.openxmlformats.org/drawingml/2006/main" xmlns:p="http://schemas.openxmlformats.org/presentationml/2006/main" xmlns:r="http://schemas.openxmlformats.org/officeDocument/2006/relationships" type="objOverTx" preserve="1">
+<p:sldLayout xmlns:a="http://schemas.openxmlformats.org/drawingml/2006/main" xmlns:r="http://schemas.openxmlformats.org/officeDocument/2006/relationships" xmlns:p="http://schemas.openxmlformats.org/presentationml/2006/main" type="objOverTx" preserve="1">
   <p:cSld name="Title, Content over Content">
     <p:spTree>
       <p:nvGrpSpPr>
@@ -1300,7 +1471,8 @@
           </a:prstGeom>
         </p:spPr>
         <p:txBody>
-          <a:bodyPr lIns="0" rIns="0" tIns="0" bIns="0" anchor="ctr"/>
+          <a:bodyPr lIns="0" tIns="0" rIns="0" bIns="0" anchor="ctr"/>
+          <a:lstStyle/>
           <a:p>
             <a:endParaRPr/>
           </a:p>
@@ -1326,7 +1498,8 @@
           </a:prstGeom>
         </p:spPr>
         <p:txBody>
-          <a:bodyPr lIns="0" rIns="0" tIns="0" bIns="0"/>
+          <a:bodyPr lIns="0" tIns="0" rIns="0" bIns="0"/>
+          <a:lstStyle/>
           <a:p>
             <a:endParaRPr/>
           </a:p>
@@ -1352,7 +1525,8 @@
           </a:prstGeom>
         </p:spPr>
         <p:txBody>
-          <a:bodyPr lIns="0" rIns="0" tIns="0" bIns="0"/>
+          <a:bodyPr lIns="0" tIns="0" rIns="0" bIns="0"/>
+          <a:lstStyle/>
           <a:p>
             <a:endParaRPr/>
           </a:p>
@@ -1360,11 +1534,14 @@
       </p:sp>
     </p:spTree>
   </p:cSld>
+  <p:clrMapOvr>
+    <a:masterClrMapping/>
+  </p:clrMapOvr>
 </p:sldLayout>
 </file>
 
 <file path=ppt/slideLayouts/slideLayout23.xml><?xml version="1.0" encoding="utf-8"?>
-<p:sldLayout xmlns:a="http://schemas.openxmlformats.org/drawingml/2006/main" xmlns:p="http://schemas.openxmlformats.org/presentationml/2006/main" xmlns:r="http://schemas.openxmlformats.org/officeDocument/2006/relationships" type="fourObj" preserve="1">
+<p:sldLayout xmlns:a="http://schemas.openxmlformats.org/drawingml/2006/main" xmlns:r="http://schemas.openxmlformats.org/officeDocument/2006/relationships" xmlns:p="http://schemas.openxmlformats.org/presentationml/2006/main" type="fourObj" preserve="1">
   <p:cSld name="Title, 4 Content">
     <p:spTree>
       <p:nvGrpSpPr>
@@ -1400,7 +1577,8 @@
           </a:prstGeom>
         </p:spPr>
         <p:txBody>
-          <a:bodyPr lIns="0" rIns="0" tIns="0" bIns="0" anchor="ctr"/>
+          <a:bodyPr lIns="0" tIns="0" rIns="0" bIns="0" anchor="ctr"/>
+          <a:lstStyle/>
           <a:p>
             <a:endParaRPr/>
           </a:p>
@@ -1426,7 +1604,8 @@
           </a:prstGeom>
         </p:spPr>
         <p:txBody>
-          <a:bodyPr lIns="0" rIns="0" tIns="0" bIns="0"/>
+          <a:bodyPr lIns="0" tIns="0" rIns="0" bIns="0"/>
+          <a:lstStyle/>
           <a:p>
             <a:endParaRPr/>
           </a:p>
@@ -1452,7 +1631,8 @@
           </a:prstGeom>
         </p:spPr>
         <p:txBody>
-          <a:bodyPr lIns="0" rIns="0" tIns="0" bIns="0"/>
+          <a:bodyPr lIns="0" tIns="0" rIns="0" bIns="0"/>
+          <a:lstStyle/>
           <a:p>
             <a:endParaRPr/>
           </a:p>
@@ -1478,7 +1658,8 @@
           </a:prstGeom>
         </p:spPr>
         <p:txBody>
-          <a:bodyPr lIns="0" rIns="0" tIns="0" bIns="0"/>
+          <a:bodyPr lIns="0" tIns="0" rIns="0" bIns="0"/>
+          <a:lstStyle/>
           <a:p>
             <a:endParaRPr/>
           </a:p>
@@ -1504,7 +1685,8 @@
           </a:prstGeom>
         </p:spPr>
         <p:txBody>
-          <a:bodyPr lIns="0" rIns="0" tIns="0" bIns="0"/>
+          <a:bodyPr lIns="0" tIns="0" rIns="0" bIns="0"/>
+          <a:lstStyle/>
           <a:p>
             <a:endParaRPr/>
           </a:p>
@@ -1512,11 +1694,14 @@
       </p:sp>
     </p:spTree>
   </p:cSld>
+  <p:clrMapOvr>
+    <a:masterClrMapping/>
+  </p:clrMapOvr>
 </p:sldLayout>
 </file>
 
 <file path=ppt/slideLayouts/slideLayout24.xml><?xml version="1.0" encoding="utf-8"?>
-<p:sldLayout xmlns:a="http://schemas.openxmlformats.org/drawingml/2006/main" xmlns:p="http://schemas.openxmlformats.org/presentationml/2006/main" xmlns:r="http://schemas.openxmlformats.org/officeDocument/2006/relationships" type="blank" preserve="1">
+<p:sldLayout xmlns:a="http://schemas.openxmlformats.org/drawingml/2006/main" xmlns:r="http://schemas.openxmlformats.org/officeDocument/2006/relationships" xmlns:p="http://schemas.openxmlformats.org/presentationml/2006/main" type="blank" preserve="1">
   <p:cSld name="Title, 6 Content">
     <p:spTree>
       <p:nvGrpSpPr>
@@ -1552,7 +1737,8 @@
           </a:prstGeom>
         </p:spPr>
         <p:txBody>
-          <a:bodyPr lIns="0" rIns="0" tIns="0" bIns="0" anchor="ctr"/>
+          <a:bodyPr lIns="0" tIns="0" rIns="0" bIns="0" anchor="ctr"/>
+          <a:lstStyle/>
           <a:p>
             <a:endParaRPr/>
           </a:p>
@@ -1578,7 +1764,8 @@
           </a:prstGeom>
         </p:spPr>
         <p:txBody>
-          <a:bodyPr lIns="0" rIns="0" tIns="0" bIns="0"/>
+          <a:bodyPr lIns="0" tIns="0" rIns="0" bIns="0"/>
+          <a:lstStyle/>
           <a:p>
             <a:endParaRPr/>
           </a:p>
@@ -1604,7 +1791,8 @@
           </a:prstGeom>
         </p:spPr>
         <p:txBody>
-          <a:bodyPr lIns="0" rIns="0" tIns="0" bIns="0"/>
+          <a:bodyPr lIns="0" tIns="0" rIns="0" bIns="0"/>
+          <a:lstStyle/>
           <a:p>
             <a:endParaRPr/>
           </a:p>
@@ -1612,7 +1800,7 @@
       </p:sp>
       <p:pic>
         <p:nvPicPr>
-          <p:cNvPr id="85" name="" descr=""/>
+          <p:cNvPr id="85" name="Картина 84"/>
           <p:cNvPicPr/>
           <p:nvPr/>
         </p:nvPicPr>
@@ -1635,12 +1823,12 @@
       </p:pic>
       <p:pic>
         <p:nvPicPr>
-          <p:cNvPr id="86" name="" descr=""/>
+          <p:cNvPr id="86" name="Картина 85"/>
           <p:cNvPicPr/>
           <p:nvPr/>
         </p:nvPicPr>
         <p:blipFill>
-          <a:blip r:embed="rId3"/>
+          <a:blip r:embed="rId2"/>
           <a:stretch/>
         </p:blipFill>
         <p:spPr>
@@ -1658,11 +1846,14 @@
       </p:pic>
     </p:spTree>
   </p:cSld>
+  <p:clrMapOvr>
+    <a:masterClrMapping/>
+  </p:clrMapOvr>
 </p:sldLayout>
 </file>
 
 <file path=ppt/slideLayouts/slideLayout25.xml><?xml version="1.0" encoding="utf-8"?>
-<p:sldLayout xmlns:a="http://schemas.openxmlformats.org/drawingml/2006/main" xmlns:p="http://schemas.openxmlformats.org/presentationml/2006/main" xmlns:r="http://schemas.openxmlformats.org/officeDocument/2006/relationships" type="blank" preserve="1">
+<p:sldLayout xmlns:a="http://schemas.openxmlformats.org/drawingml/2006/main" xmlns:r="http://schemas.openxmlformats.org/officeDocument/2006/relationships" xmlns:p="http://schemas.openxmlformats.org/presentationml/2006/main" type="blank" preserve="1">
   <p:cSld name="Blank Slide">
     <p:spTree>
       <p:nvGrpSpPr>
@@ -1680,11 +1871,14 @@
       </p:grpSpPr>
     </p:spTree>
   </p:cSld>
+  <p:clrMapOvr>
+    <a:masterClrMapping/>
+  </p:clrMapOvr>
 </p:sldLayout>
 </file>
 
 <file path=ppt/slideLayouts/slideLayout26.xml><?xml version="1.0" encoding="utf-8"?>
-<p:sldLayout xmlns:a="http://schemas.openxmlformats.org/drawingml/2006/main" xmlns:p="http://schemas.openxmlformats.org/presentationml/2006/main" xmlns:r="http://schemas.openxmlformats.org/officeDocument/2006/relationships" type="tx" preserve="1">
+<p:sldLayout xmlns:a="http://schemas.openxmlformats.org/drawingml/2006/main" xmlns:r="http://schemas.openxmlformats.org/officeDocument/2006/relationships" xmlns:p="http://schemas.openxmlformats.org/presentationml/2006/main" type="tx" preserve="1">
   <p:cSld name="Title Slide">
     <p:spTree>
       <p:nvGrpSpPr>
@@ -1720,7 +1914,8 @@
           </a:prstGeom>
         </p:spPr>
         <p:txBody>
-          <a:bodyPr lIns="0" rIns="0" tIns="0" bIns="0" anchor="ctr"/>
+          <a:bodyPr lIns="0" tIns="0" rIns="0" bIns="0" anchor="ctr"/>
+          <a:lstStyle/>
           <a:p>
             <a:endParaRPr/>
           </a:p>
@@ -1746,7 +1941,8 @@
           </a:prstGeom>
         </p:spPr>
         <p:txBody>
-          <a:bodyPr lIns="0" rIns="0" tIns="0" bIns="0" anchor="ctr"/>
+          <a:bodyPr lIns="0" tIns="0" rIns="0" bIns="0" anchor="ctr"/>
+          <a:lstStyle/>
           <a:p>
             <a:pPr algn="ctr"/>
             <a:endParaRPr/>
@@ -1755,11 +1951,14 @@
       </p:sp>
     </p:spTree>
   </p:cSld>
+  <p:clrMapOvr>
+    <a:masterClrMapping/>
+  </p:clrMapOvr>
 </p:sldLayout>
 </file>
 
 <file path=ppt/slideLayouts/slideLayout27.xml><?xml version="1.0" encoding="utf-8"?>
-<p:sldLayout xmlns:a="http://schemas.openxmlformats.org/drawingml/2006/main" xmlns:p="http://schemas.openxmlformats.org/presentationml/2006/main" xmlns:r="http://schemas.openxmlformats.org/officeDocument/2006/relationships" type="obj" preserve="1">
+<p:sldLayout xmlns:a="http://schemas.openxmlformats.org/drawingml/2006/main" xmlns:r="http://schemas.openxmlformats.org/officeDocument/2006/relationships" xmlns:p="http://schemas.openxmlformats.org/presentationml/2006/main" type="obj" preserve="1">
   <p:cSld name="Title, Content">
     <p:spTree>
       <p:nvGrpSpPr>
@@ -1795,7 +1994,8 @@
           </a:prstGeom>
         </p:spPr>
         <p:txBody>
-          <a:bodyPr lIns="0" rIns="0" tIns="0" bIns="0" anchor="ctr"/>
+          <a:bodyPr lIns="0" tIns="0" rIns="0" bIns="0" anchor="ctr"/>
+          <a:lstStyle/>
           <a:p>
             <a:endParaRPr/>
           </a:p>
@@ -1821,7 +2021,8 @@
           </a:prstGeom>
         </p:spPr>
         <p:txBody>
-          <a:bodyPr lIns="0" rIns="0" tIns="0" bIns="0"/>
+          <a:bodyPr lIns="0" tIns="0" rIns="0" bIns="0"/>
+          <a:lstStyle/>
           <a:p>
             <a:endParaRPr/>
           </a:p>
@@ -1829,11 +2030,14 @@
       </p:sp>
     </p:spTree>
   </p:cSld>
+  <p:clrMapOvr>
+    <a:masterClrMapping/>
+  </p:clrMapOvr>
 </p:sldLayout>
 </file>
 
 <file path=ppt/slideLayouts/slideLayout28.xml><?xml version="1.0" encoding="utf-8"?>
-<p:sldLayout xmlns:a="http://schemas.openxmlformats.org/drawingml/2006/main" xmlns:p="http://schemas.openxmlformats.org/presentationml/2006/main" xmlns:r="http://schemas.openxmlformats.org/officeDocument/2006/relationships" type="twoObj" preserve="1">
+<p:sldLayout xmlns:a="http://schemas.openxmlformats.org/drawingml/2006/main" xmlns:r="http://schemas.openxmlformats.org/officeDocument/2006/relationships" xmlns:p="http://schemas.openxmlformats.org/presentationml/2006/main" type="twoObj" preserve="1">
   <p:cSld name="Title, 2 Content">
     <p:spTree>
       <p:nvGrpSpPr>
@@ -1869,7 +2073,8 @@
           </a:prstGeom>
         </p:spPr>
         <p:txBody>
-          <a:bodyPr lIns="0" rIns="0" tIns="0" bIns="0" anchor="ctr"/>
+          <a:bodyPr lIns="0" tIns="0" rIns="0" bIns="0" anchor="ctr"/>
+          <a:lstStyle/>
           <a:p>
             <a:endParaRPr/>
           </a:p>
@@ -1895,7 +2100,8 @@
           </a:prstGeom>
         </p:spPr>
         <p:txBody>
-          <a:bodyPr lIns="0" rIns="0" tIns="0" bIns="0"/>
+          <a:bodyPr lIns="0" tIns="0" rIns="0" bIns="0"/>
+          <a:lstStyle/>
           <a:p>
             <a:endParaRPr/>
           </a:p>
@@ -1921,7 +2127,8 @@
           </a:prstGeom>
         </p:spPr>
         <p:txBody>
-          <a:bodyPr lIns="0" rIns="0" tIns="0" bIns="0"/>
+          <a:bodyPr lIns="0" tIns="0" rIns="0" bIns="0"/>
+          <a:lstStyle/>
           <a:p>
             <a:endParaRPr/>
           </a:p>
@@ -1929,11 +2136,14 @@
       </p:sp>
     </p:spTree>
   </p:cSld>
+  <p:clrMapOvr>
+    <a:masterClrMapping/>
+  </p:clrMapOvr>
 </p:sldLayout>
 </file>
 
 <file path=ppt/slideLayouts/slideLayout29.xml><?xml version="1.0" encoding="utf-8"?>
-<p:sldLayout xmlns:a="http://schemas.openxmlformats.org/drawingml/2006/main" xmlns:p="http://schemas.openxmlformats.org/presentationml/2006/main" xmlns:r="http://schemas.openxmlformats.org/officeDocument/2006/relationships" type="titleOnly" preserve="1">
+<p:sldLayout xmlns:a="http://schemas.openxmlformats.org/drawingml/2006/main" xmlns:r="http://schemas.openxmlformats.org/officeDocument/2006/relationships" xmlns:p="http://schemas.openxmlformats.org/presentationml/2006/main" type="titleOnly" preserve="1">
   <p:cSld name="Title Only">
     <p:spTree>
       <p:nvGrpSpPr>
@@ -1969,7 +2179,8 @@
           </a:prstGeom>
         </p:spPr>
         <p:txBody>
-          <a:bodyPr lIns="0" rIns="0" tIns="0" bIns="0" anchor="ctr"/>
+          <a:bodyPr lIns="0" tIns="0" rIns="0" bIns="0" anchor="ctr"/>
+          <a:lstStyle/>
           <a:p>
             <a:endParaRPr/>
           </a:p>
@@ -1977,11 +2188,14 @@
       </p:sp>
     </p:spTree>
   </p:cSld>
+  <p:clrMapOvr>
+    <a:masterClrMapping/>
+  </p:clrMapOvr>
 </p:sldLayout>
 </file>
 
 <file path=ppt/slideLayouts/slideLayout3.xml><?xml version="1.0" encoding="utf-8"?>
-<p:sldLayout xmlns:a="http://schemas.openxmlformats.org/drawingml/2006/main" xmlns:p="http://schemas.openxmlformats.org/presentationml/2006/main" xmlns:r="http://schemas.openxmlformats.org/officeDocument/2006/relationships" type="obj" preserve="1">
+<p:sldLayout xmlns:a="http://schemas.openxmlformats.org/drawingml/2006/main" xmlns:r="http://schemas.openxmlformats.org/officeDocument/2006/relationships" xmlns:p="http://schemas.openxmlformats.org/presentationml/2006/main" type="obj" preserve="1">
   <p:cSld name="Title, Content">
     <p:spTree>
       <p:nvGrpSpPr>
@@ -2017,7 +2231,8 @@
           </a:prstGeom>
         </p:spPr>
         <p:txBody>
-          <a:bodyPr lIns="0" rIns="0" tIns="0" bIns="0" anchor="ctr"/>
+          <a:bodyPr lIns="0" tIns="0" rIns="0" bIns="0" anchor="ctr"/>
+          <a:lstStyle/>
           <a:p>
             <a:endParaRPr/>
           </a:p>
@@ -2043,7 +2258,8 @@
           </a:prstGeom>
         </p:spPr>
         <p:txBody>
-          <a:bodyPr lIns="0" rIns="0" tIns="0" bIns="0"/>
+          <a:bodyPr lIns="0" tIns="0" rIns="0" bIns="0"/>
+          <a:lstStyle/>
           <a:p>
             <a:endParaRPr/>
           </a:p>
@@ -2051,11 +2267,14 @@
       </p:sp>
     </p:spTree>
   </p:cSld>
+  <p:clrMapOvr>
+    <a:masterClrMapping/>
+  </p:clrMapOvr>
 </p:sldLayout>
 </file>
 
 <file path=ppt/slideLayouts/slideLayout30.xml><?xml version="1.0" encoding="utf-8"?>
-<p:sldLayout xmlns:a="http://schemas.openxmlformats.org/drawingml/2006/main" xmlns:p="http://schemas.openxmlformats.org/presentationml/2006/main" xmlns:r="http://schemas.openxmlformats.org/officeDocument/2006/relationships" type="objOnly" preserve="1">
+<p:sldLayout xmlns:a="http://schemas.openxmlformats.org/drawingml/2006/main" xmlns:r="http://schemas.openxmlformats.org/officeDocument/2006/relationships" xmlns:p="http://schemas.openxmlformats.org/presentationml/2006/main" type="objOnly" preserve="1">
   <p:cSld name="Centered Text">
     <p:spTree>
       <p:nvGrpSpPr>
@@ -2091,7 +2310,8 @@
           </a:prstGeom>
         </p:spPr>
         <p:txBody>
-          <a:bodyPr lIns="0" rIns="0" tIns="0" bIns="0" anchor="ctr"/>
+          <a:bodyPr lIns="0" tIns="0" rIns="0" bIns="0" anchor="ctr"/>
+          <a:lstStyle/>
           <a:p>
             <a:pPr algn="ctr"/>
             <a:endParaRPr/>
@@ -2100,11 +2320,14 @@
       </p:sp>
     </p:spTree>
   </p:cSld>
+  <p:clrMapOvr>
+    <a:masterClrMapping/>
+  </p:clrMapOvr>
 </p:sldLayout>
 </file>
 
 <file path=ppt/slideLayouts/slideLayout31.xml><?xml version="1.0" encoding="utf-8"?>
-<p:sldLayout xmlns:a="http://schemas.openxmlformats.org/drawingml/2006/main" xmlns:p="http://schemas.openxmlformats.org/presentationml/2006/main" xmlns:r="http://schemas.openxmlformats.org/officeDocument/2006/relationships" type="twoObjAndObj" preserve="1">
+<p:sldLayout xmlns:a="http://schemas.openxmlformats.org/drawingml/2006/main" xmlns:r="http://schemas.openxmlformats.org/officeDocument/2006/relationships" xmlns:p="http://schemas.openxmlformats.org/presentationml/2006/main" type="twoObjAndObj" preserve="1">
   <p:cSld name="Title, 2 Content and Content">
     <p:spTree>
       <p:nvGrpSpPr>
@@ -2140,7 +2363,8 @@
           </a:prstGeom>
         </p:spPr>
         <p:txBody>
-          <a:bodyPr lIns="0" rIns="0" tIns="0" bIns="0" anchor="ctr"/>
+          <a:bodyPr lIns="0" tIns="0" rIns="0" bIns="0" anchor="ctr"/>
+          <a:lstStyle/>
           <a:p>
             <a:endParaRPr/>
           </a:p>
@@ -2166,7 +2390,8 @@
           </a:prstGeom>
         </p:spPr>
         <p:txBody>
-          <a:bodyPr lIns="0" rIns="0" tIns="0" bIns="0"/>
+          <a:bodyPr lIns="0" tIns="0" rIns="0" bIns="0"/>
+          <a:lstStyle/>
           <a:p>
             <a:endParaRPr/>
           </a:p>
@@ -2192,7 +2417,8 @@
           </a:prstGeom>
         </p:spPr>
         <p:txBody>
-          <a:bodyPr lIns="0" rIns="0" tIns="0" bIns="0"/>
+          <a:bodyPr lIns="0" tIns="0" rIns="0" bIns="0"/>
+          <a:lstStyle/>
           <a:p>
             <a:endParaRPr/>
           </a:p>
@@ -2218,7 +2444,8 @@
           </a:prstGeom>
         </p:spPr>
         <p:txBody>
-          <a:bodyPr lIns="0" rIns="0" tIns="0" bIns="0"/>
+          <a:bodyPr lIns="0" tIns="0" rIns="0" bIns="0"/>
+          <a:lstStyle/>
           <a:p>
             <a:endParaRPr/>
           </a:p>
@@ -2226,11 +2453,14 @@
       </p:sp>
     </p:spTree>
   </p:cSld>
+  <p:clrMapOvr>
+    <a:masterClrMapping/>
+  </p:clrMapOvr>
 </p:sldLayout>
 </file>
 
 <file path=ppt/slideLayouts/slideLayout32.xml><?xml version="1.0" encoding="utf-8"?>
-<p:sldLayout xmlns:a="http://schemas.openxmlformats.org/drawingml/2006/main" xmlns:p="http://schemas.openxmlformats.org/presentationml/2006/main" xmlns:r="http://schemas.openxmlformats.org/officeDocument/2006/relationships" type="objAndTwoObj" preserve="1">
+<p:sldLayout xmlns:a="http://schemas.openxmlformats.org/drawingml/2006/main" xmlns:r="http://schemas.openxmlformats.org/officeDocument/2006/relationships" xmlns:p="http://schemas.openxmlformats.org/presentationml/2006/main" type="objAndTwoObj" preserve="1">
   <p:cSld name="Title Content and 2 Content">
     <p:spTree>
       <p:nvGrpSpPr>
@@ -2266,7 +2496,8 @@
           </a:prstGeom>
         </p:spPr>
         <p:txBody>
-          <a:bodyPr lIns="0" rIns="0" tIns="0" bIns="0" anchor="ctr"/>
+          <a:bodyPr lIns="0" tIns="0" rIns="0" bIns="0" anchor="ctr"/>
+          <a:lstStyle/>
           <a:p>
             <a:endParaRPr/>
           </a:p>
@@ -2292,7 +2523,8 @@
           </a:prstGeom>
         </p:spPr>
         <p:txBody>
-          <a:bodyPr lIns="0" rIns="0" tIns="0" bIns="0"/>
+          <a:bodyPr lIns="0" tIns="0" rIns="0" bIns="0"/>
+          <a:lstStyle/>
           <a:p>
             <a:endParaRPr/>
           </a:p>
@@ -2318,7 +2550,8 @@
           </a:prstGeom>
         </p:spPr>
         <p:txBody>
-          <a:bodyPr lIns="0" rIns="0" tIns="0" bIns="0"/>
+          <a:bodyPr lIns="0" tIns="0" rIns="0" bIns="0"/>
+          <a:lstStyle/>
           <a:p>
             <a:endParaRPr/>
           </a:p>
@@ -2344,7 +2577,8 @@
           </a:prstGeom>
         </p:spPr>
         <p:txBody>
-          <a:bodyPr lIns="0" rIns="0" tIns="0" bIns="0"/>
+          <a:bodyPr lIns="0" tIns="0" rIns="0" bIns="0"/>
+          <a:lstStyle/>
           <a:p>
             <a:endParaRPr/>
           </a:p>
@@ -2352,11 +2586,14 @@
       </p:sp>
     </p:spTree>
   </p:cSld>
+  <p:clrMapOvr>
+    <a:masterClrMapping/>
+  </p:clrMapOvr>
 </p:sldLayout>
 </file>
 
 <file path=ppt/slideLayouts/slideLayout33.xml><?xml version="1.0" encoding="utf-8"?>
-<p:sldLayout xmlns:a="http://schemas.openxmlformats.org/drawingml/2006/main" xmlns:p="http://schemas.openxmlformats.org/presentationml/2006/main" xmlns:r="http://schemas.openxmlformats.org/officeDocument/2006/relationships" type="twoObjOverTx" preserve="1">
+<p:sldLayout xmlns:a="http://schemas.openxmlformats.org/drawingml/2006/main" xmlns:r="http://schemas.openxmlformats.org/officeDocument/2006/relationships" xmlns:p="http://schemas.openxmlformats.org/presentationml/2006/main" type="twoObjOverTx" preserve="1">
   <p:cSld name="Title, 2 Content over Content">
     <p:spTree>
       <p:nvGrpSpPr>
@@ -2392,7 +2629,8 @@
           </a:prstGeom>
         </p:spPr>
         <p:txBody>
-          <a:bodyPr lIns="0" rIns="0" tIns="0" bIns="0" anchor="ctr"/>
+          <a:bodyPr lIns="0" tIns="0" rIns="0" bIns="0" anchor="ctr"/>
+          <a:lstStyle/>
           <a:p>
             <a:endParaRPr/>
           </a:p>
@@ -2418,7 +2656,8 @@
           </a:prstGeom>
         </p:spPr>
         <p:txBody>
-          <a:bodyPr lIns="0" rIns="0" tIns="0" bIns="0"/>
+          <a:bodyPr lIns="0" tIns="0" rIns="0" bIns="0"/>
+          <a:lstStyle/>
           <a:p>
             <a:endParaRPr/>
           </a:p>
@@ -2444,7 +2683,8 @@
           </a:prstGeom>
         </p:spPr>
         <p:txBody>
-          <a:bodyPr lIns="0" rIns="0" tIns="0" bIns="0"/>
+          <a:bodyPr lIns="0" tIns="0" rIns="0" bIns="0"/>
+          <a:lstStyle/>
           <a:p>
             <a:endParaRPr/>
           </a:p>
@@ -2470,7 +2710,8 @@
           </a:prstGeom>
         </p:spPr>
         <p:txBody>
-          <a:bodyPr lIns="0" rIns="0" tIns="0" bIns="0"/>
+          <a:bodyPr lIns="0" tIns="0" rIns="0" bIns="0"/>
+          <a:lstStyle/>
           <a:p>
             <a:endParaRPr/>
           </a:p>
@@ -2478,11 +2719,14 @@
       </p:sp>
     </p:spTree>
   </p:cSld>
+  <p:clrMapOvr>
+    <a:masterClrMapping/>
+  </p:clrMapOvr>
 </p:sldLayout>
 </file>
 
 <file path=ppt/slideLayouts/slideLayout34.xml><?xml version="1.0" encoding="utf-8"?>
-<p:sldLayout xmlns:a="http://schemas.openxmlformats.org/drawingml/2006/main" xmlns:p="http://schemas.openxmlformats.org/presentationml/2006/main" xmlns:r="http://schemas.openxmlformats.org/officeDocument/2006/relationships" type="objOverTx" preserve="1">
+<p:sldLayout xmlns:a="http://schemas.openxmlformats.org/drawingml/2006/main" xmlns:r="http://schemas.openxmlformats.org/officeDocument/2006/relationships" xmlns:p="http://schemas.openxmlformats.org/presentationml/2006/main" type="objOverTx" preserve="1">
   <p:cSld name="Title, Content over Content">
     <p:spTree>
       <p:nvGrpSpPr>
@@ -2518,7 +2762,8 @@
           </a:prstGeom>
         </p:spPr>
         <p:txBody>
-          <a:bodyPr lIns="0" rIns="0" tIns="0" bIns="0" anchor="ctr"/>
+          <a:bodyPr lIns="0" tIns="0" rIns="0" bIns="0" anchor="ctr"/>
+          <a:lstStyle/>
           <a:p>
             <a:endParaRPr/>
           </a:p>
@@ -2544,7 +2789,8 @@
           </a:prstGeom>
         </p:spPr>
         <p:txBody>
-          <a:bodyPr lIns="0" rIns="0" tIns="0" bIns="0"/>
+          <a:bodyPr lIns="0" tIns="0" rIns="0" bIns="0"/>
+          <a:lstStyle/>
           <a:p>
             <a:endParaRPr/>
           </a:p>
@@ -2570,7 +2816,8 @@
           </a:prstGeom>
         </p:spPr>
         <p:txBody>
-          <a:bodyPr lIns="0" rIns="0" tIns="0" bIns="0"/>
+          <a:bodyPr lIns="0" tIns="0" rIns="0" bIns="0"/>
+          <a:lstStyle/>
           <a:p>
             <a:endParaRPr/>
           </a:p>
@@ -2578,11 +2825,14 @@
       </p:sp>
     </p:spTree>
   </p:cSld>
+  <p:clrMapOvr>
+    <a:masterClrMapping/>
+  </p:clrMapOvr>
 </p:sldLayout>
 </file>
 
 <file path=ppt/slideLayouts/slideLayout35.xml><?xml version="1.0" encoding="utf-8"?>
-<p:sldLayout xmlns:a="http://schemas.openxmlformats.org/drawingml/2006/main" xmlns:p="http://schemas.openxmlformats.org/presentationml/2006/main" xmlns:r="http://schemas.openxmlformats.org/officeDocument/2006/relationships" type="fourObj" preserve="1">
+<p:sldLayout xmlns:a="http://schemas.openxmlformats.org/drawingml/2006/main" xmlns:r="http://schemas.openxmlformats.org/officeDocument/2006/relationships" xmlns:p="http://schemas.openxmlformats.org/presentationml/2006/main" type="fourObj" preserve="1">
   <p:cSld name="Title, 4 Content">
     <p:spTree>
       <p:nvGrpSpPr>
@@ -2618,7 +2868,8 @@
           </a:prstGeom>
         </p:spPr>
         <p:txBody>
-          <a:bodyPr lIns="0" rIns="0" tIns="0" bIns="0" anchor="ctr"/>
+          <a:bodyPr lIns="0" tIns="0" rIns="0" bIns="0" anchor="ctr"/>
+          <a:lstStyle/>
           <a:p>
             <a:endParaRPr/>
           </a:p>
@@ -2644,7 +2895,8 @@
           </a:prstGeom>
         </p:spPr>
         <p:txBody>
-          <a:bodyPr lIns="0" rIns="0" tIns="0" bIns="0"/>
+          <a:bodyPr lIns="0" tIns="0" rIns="0" bIns="0"/>
+          <a:lstStyle/>
           <a:p>
             <a:endParaRPr/>
           </a:p>
@@ -2670,7 +2922,8 @@
           </a:prstGeom>
         </p:spPr>
         <p:txBody>
-          <a:bodyPr lIns="0" rIns="0" tIns="0" bIns="0"/>
+          <a:bodyPr lIns="0" tIns="0" rIns="0" bIns="0"/>
+          <a:lstStyle/>
           <a:p>
             <a:endParaRPr/>
           </a:p>
@@ -2696,7 +2949,8 @@
           </a:prstGeom>
         </p:spPr>
         <p:txBody>
-          <a:bodyPr lIns="0" rIns="0" tIns="0" bIns="0"/>
+          <a:bodyPr lIns="0" tIns="0" rIns="0" bIns="0"/>
+          <a:lstStyle/>
           <a:p>
             <a:endParaRPr/>
           </a:p>
@@ -2722,7 +2976,8 @@
           </a:prstGeom>
         </p:spPr>
         <p:txBody>
-          <a:bodyPr lIns="0" rIns="0" tIns="0" bIns="0"/>
+          <a:bodyPr lIns="0" tIns="0" rIns="0" bIns="0"/>
+          <a:lstStyle/>
           <a:p>
             <a:endParaRPr/>
           </a:p>
@@ -2730,11 +2985,14 @@
       </p:sp>
     </p:spTree>
   </p:cSld>
+  <p:clrMapOvr>
+    <a:masterClrMapping/>
+  </p:clrMapOvr>
 </p:sldLayout>
 </file>
 
 <file path=ppt/slideLayouts/slideLayout36.xml><?xml version="1.0" encoding="utf-8"?>
-<p:sldLayout xmlns:a="http://schemas.openxmlformats.org/drawingml/2006/main" xmlns:p="http://schemas.openxmlformats.org/presentationml/2006/main" xmlns:r="http://schemas.openxmlformats.org/officeDocument/2006/relationships" type="blank" preserve="1">
+<p:sldLayout xmlns:a="http://schemas.openxmlformats.org/drawingml/2006/main" xmlns:r="http://schemas.openxmlformats.org/officeDocument/2006/relationships" xmlns:p="http://schemas.openxmlformats.org/presentationml/2006/main" type="blank" preserve="1">
   <p:cSld name="Title, 6 Content">
     <p:spTree>
       <p:nvGrpSpPr>
@@ -2770,7 +3028,8 @@
           </a:prstGeom>
         </p:spPr>
         <p:txBody>
-          <a:bodyPr lIns="0" rIns="0" tIns="0" bIns="0" anchor="ctr"/>
+          <a:bodyPr lIns="0" tIns="0" rIns="0" bIns="0" anchor="ctr"/>
+          <a:lstStyle/>
           <a:p>
             <a:endParaRPr/>
           </a:p>
@@ -2796,7 +3055,8 @@
           </a:prstGeom>
         </p:spPr>
         <p:txBody>
-          <a:bodyPr lIns="0" rIns="0" tIns="0" bIns="0"/>
+          <a:bodyPr lIns="0" tIns="0" rIns="0" bIns="0"/>
+          <a:lstStyle/>
           <a:p>
             <a:endParaRPr/>
           </a:p>
@@ -2822,7 +3082,8 @@
           </a:prstGeom>
         </p:spPr>
         <p:txBody>
-          <a:bodyPr lIns="0" rIns="0" tIns="0" bIns="0"/>
+          <a:bodyPr lIns="0" tIns="0" rIns="0" bIns="0"/>
+          <a:lstStyle/>
           <a:p>
             <a:endParaRPr/>
           </a:p>
@@ -2830,7 +3091,7 @@
       </p:sp>
       <p:pic>
         <p:nvPicPr>
-          <p:cNvPr id="128" name="" descr=""/>
+          <p:cNvPr id="128" name="Картина 127"/>
           <p:cNvPicPr/>
           <p:nvPr/>
         </p:nvPicPr>
@@ -2853,12 +3114,12 @@
       </p:pic>
       <p:pic>
         <p:nvPicPr>
-          <p:cNvPr id="129" name="" descr=""/>
+          <p:cNvPr id="129" name="Картина 128"/>
           <p:cNvPicPr/>
           <p:nvPr/>
         </p:nvPicPr>
         <p:blipFill>
-          <a:blip r:embed="rId3"/>
+          <a:blip r:embed="rId2"/>
           <a:stretch/>
         </p:blipFill>
         <p:spPr>
@@ -2876,11 +3137,14 @@
       </p:pic>
     </p:spTree>
   </p:cSld>
+  <p:clrMapOvr>
+    <a:masterClrMapping/>
+  </p:clrMapOvr>
 </p:sldLayout>
 </file>
 
 <file path=ppt/slideLayouts/slideLayout4.xml><?xml version="1.0" encoding="utf-8"?>
-<p:sldLayout xmlns:a="http://schemas.openxmlformats.org/drawingml/2006/main" xmlns:p="http://schemas.openxmlformats.org/presentationml/2006/main" xmlns:r="http://schemas.openxmlformats.org/officeDocument/2006/relationships" type="twoObj" preserve="1">
+<p:sldLayout xmlns:a="http://schemas.openxmlformats.org/drawingml/2006/main" xmlns:r="http://schemas.openxmlformats.org/officeDocument/2006/relationships" xmlns:p="http://schemas.openxmlformats.org/presentationml/2006/main" type="twoObj" preserve="1">
   <p:cSld name="Title, 2 Content">
     <p:spTree>
       <p:nvGrpSpPr>
@@ -2916,7 +3180,8 @@
           </a:prstGeom>
         </p:spPr>
         <p:txBody>
-          <a:bodyPr lIns="0" rIns="0" tIns="0" bIns="0" anchor="ctr"/>
+          <a:bodyPr lIns="0" tIns="0" rIns="0" bIns="0" anchor="ctr"/>
+          <a:lstStyle/>
           <a:p>
             <a:endParaRPr/>
           </a:p>
@@ -2942,7 +3207,8 @@
           </a:prstGeom>
         </p:spPr>
         <p:txBody>
-          <a:bodyPr lIns="0" rIns="0" tIns="0" bIns="0"/>
+          <a:bodyPr lIns="0" tIns="0" rIns="0" bIns="0"/>
+          <a:lstStyle/>
           <a:p>
             <a:endParaRPr/>
           </a:p>
@@ -2968,7 +3234,8 @@
           </a:prstGeom>
         </p:spPr>
         <p:txBody>
-          <a:bodyPr lIns="0" rIns="0" tIns="0" bIns="0"/>
+          <a:bodyPr lIns="0" tIns="0" rIns="0" bIns="0"/>
+          <a:lstStyle/>
           <a:p>
             <a:endParaRPr/>
           </a:p>
@@ -2976,11 +3243,14 @@
       </p:sp>
     </p:spTree>
   </p:cSld>
+  <p:clrMapOvr>
+    <a:masterClrMapping/>
+  </p:clrMapOvr>
 </p:sldLayout>
 </file>
 
 <file path=ppt/slideLayouts/slideLayout5.xml><?xml version="1.0" encoding="utf-8"?>
-<p:sldLayout xmlns:a="http://schemas.openxmlformats.org/drawingml/2006/main" xmlns:p="http://schemas.openxmlformats.org/presentationml/2006/main" xmlns:r="http://schemas.openxmlformats.org/officeDocument/2006/relationships" type="titleOnly" preserve="1">
+<p:sldLayout xmlns:a="http://schemas.openxmlformats.org/drawingml/2006/main" xmlns:r="http://schemas.openxmlformats.org/officeDocument/2006/relationships" xmlns:p="http://schemas.openxmlformats.org/presentationml/2006/main" type="titleOnly" preserve="1">
   <p:cSld name="Title Only">
     <p:spTree>
       <p:nvGrpSpPr>
@@ -3016,7 +3286,8 @@
           </a:prstGeom>
         </p:spPr>
         <p:txBody>
-          <a:bodyPr lIns="0" rIns="0" tIns="0" bIns="0" anchor="ctr"/>
+          <a:bodyPr lIns="0" tIns="0" rIns="0" bIns="0" anchor="ctr"/>
+          <a:lstStyle/>
           <a:p>
             <a:endParaRPr/>
           </a:p>
@@ -3024,11 +3295,14 @@
       </p:sp>
     </p:spTree>
   </p:cSld>
+  <p:clrMapOvr>
+    <a:masterClrMapping/>
+  </p:clrMapOvr>
 </p:sldLayout>
 </file>
 
 <file path=ppt/slideLayouts/slideLayout6.xml><?xml version="1.0" encoding="utf-8"?>
-<p:sldLayout xmlns:a="http://schemas.openxmlformats.org/drawingml/2006/main" xmlns:p="http://schemas.openxmlformats.org/presentationml/2006/main" xmlns:r="http://schemas.openxmlformats.org/officeDocument/2006/relationships" type="objOnly" preserve="1">
+<p:sldLayout xmlns:a="http://schemas.openxmlformats.org/drawingml/2006/main" xmlns:r="http://schemas.openxmlformats.org/officeDocument/2006/relationships" xmlns:p="http://schemas.openxmlformats.org/presentationml/2006/main" type="objOnly" preserve="1">
   <p:cSld name="Centered Text">
     <p:spTree>
       <p:nvGrpSpPr>
@@ -3064,7 +3338,8 @@
           </a:prstGeom>
         </p:spPr>
         <p:txBody>
-          <a:bodyPr lIns="0" rIns="0" tIns="0" bIns="0" anchor="ctr"/>
+          <a:bodyPr lIns="0" tIns="0" rIns="0" bIns="0" anchor="ctr"/>
+          <a:lstStyle/>
           <a:p>
             <a:pPr algn="ctr"/>
             <a:endParaRPr/>
@@ -3073,11 +3348,14 @@
       </p:sp>
     </p:spTree>
   </p:cSld>
+  <p:clrMapOvr>
+    <a:masterClrMapping/>
+  </p:clrMapOvr>
 </p:sldLayout>
 </file>
 
 <file path=ppt/slideLayouts/slideLayout7.xml><?xml version="1.0" encoding="utf-8"?>
-<p:sldLayout xmlns:a="http://schemas.openxmlformats.org/drawingml/2006/main" xmlns:p="http://schemas.openxmlformats.org/presentationml/2006/main" xmlns:r="http://schemas.openxmlformats.org/officeDocument/2006/relationships" type="twoObjAndObj" preserve="1">
+<p:sldLayout xmlns:a="http://schemas.openxmlformats.org/drawingml/2006/main" xmlns:r="http://schemas.openxmlformats.org/officeDocument/2006/relationships" xmlns:p="http://schemas.openxmlformats.org/presentationml/2006/main" type="twoObjAndObj" preserve="1">
   <p:cSld name="Title, 2 Content and Content">
     <p:spTree>
       <p:nvGrpSpPr>
@@ -3113,7 +3391,8 @@
           </a:prstGeom>
         </p:spPr>
         <p:txBody>
-          <a:bodyPr lIns="0" rIns="0" tIns="0" bIns="0" anchor="ctr"/>
+          <a:bodyPr lIns="0" tIns="0" rIns="0" bIns="0" anchor="ctr"/>
+          <a:lstStyle/>
           <a:p>
             <a:endParaRPr/>
           </a:p>
@@ -3139,7 +3418,8 @@
           </a:prstGeom>
         </p:spPr>
         <p:txBody>
-          <a:bodyPr lIns="0" rIns="0" tIns="0" bIns="0"/>
+          <a:bodyPr lIns="0" tIns="0" rIns="0" bIns="0"/>
+          <a:lstStyle/>
           <a:p>
             <a:endParaRPr/>
           </a:p>
@@ -3165,7 +3445,8 @@
           </a:prstGeom>
         </p:spPr>
         <p:txBody>
-          <a:bodyPr lIns="0" rIns="0" tIns="0" bIns="0"/>
+          <a:bodyPr lIns="0" tIns="0" rIns="0" bIns="0"/>
+          <a:lstStyle/>
           <a:p>
             <a:endParaRPr/>
           </a:p>
@@ -3191,7 +3472,8 @@
           </a:prstGeom>
         </p:spPr>
         <p:txBody>
-          <a:bodyPr lIns="0" rIns="0" tIns="0" bIns="0"/>
+          <a:bodyPr lIns="0" tIns="0" rIns="0" bIns="0"/>
+          <a:lstStyle/>
           <a:p>
             <a:endParaRPr/>
           </a:p>
@@ -3199,11 +3481,14 @@
       </p:sp>
     </p:spTree>
   </p:cSld>
+  <p:clrMapOvr>
+    <a:masterClrMapping/>
+  </p:clrMapOvr>
 </p:sldLayout>
 </file>
 
 <file path=ppt/slideLayouts/slideLayout8.xml><?xml version="1.0" encoding="utf-8"?>
-<p:sldLayout xmlns:a="http://schemas.openxmlformats.org/drawingml/2006/main" xmlns:p="http://schemas.openxmlformats.org/presentationml/2006/main" xmlns:r="http://schemas.openxmlformats.org/officeDocument/2006/relationships" type="objAndTwoObj" preserve="1">
+<p:sldLayout xmlns:a="http://schemas.openxmlformats.org/drawingml/2006/main" xmlns:r="http://schemas.openxmlformats.org/officeDocument/2006/relationships" xmlns:p="http://schemas.openxmlformats.org/presentationml/2006/main" type="objAndTwoObj" preserve="1">
   <p:cSld name="Title Content and 2 Content">
     <p:spTree>
       <p:nvGrpSpPr>
@@ -3239,7 +3524,8 @@
           </a:prstGeom>
         </p:spPr>
         <p:txBody>
-          <a:bodyPr lIns="0" rIns="0" tIns="0" bIns="0" anchor="ctr"/>
+          <a:bodyPr lIns="0" tIns="0" rIns="0" bIns="0" anchor="ctr"/>
+          <a:lstStyle/>
           <a:p>
             <a:endParaRPr/>
           </a:p>
@@ -3265,7 +3551,8 @@
           </a:prstGeom>
         </p:spPr>
         <p:txBody>
-          <a:bodyPr lIns="0" rIns="0" tIns="0" bIns="0"/>
+          <a:bodyPr lIns="0" tIns="0" rIns="0" bIns="0"/>
+          <a:lstStyle/>
           <a:p>
             <a:endParaRPr/>
           </a:p>
@@ -3291,7 +3578,8 @@
           </a:prstGeom>
         </p:spPr>
         <p:txBody>
-          <a:bodyPr lIns="0" rIns="0" tIns="0" bIns="0"/>
+          <a:bodyPr lIns="0" tIns="0" rIns="0" bIns="0"/>
+          <a:lstStyle/>
           <a:p>
             <a:endParaRPr/>
           </a:p>
@@ -3317,7 +3605,8 @@
           </a:prstGeom>
         </p:spPr>
         <p:txBody>
-          <a:bodyPr lIns="0" rIns="0" tIns="0" bIns="0"/>
+          <a:bodyPr lIns="0" tIns="0" rIns="0" bIns="0"/>
+          <a:lstStyle/>
           <a:p>
             <a:endParaRPr/>
           </a:p>
@@ -3325,11 +3614,14 @@
       </p:sp>
     </p:spTree>
   </p:cSld>
+  <p:clrMapOvr>
+    <a:masterClrMapping/>
+  </p:clrMapOvr>
 </p:sldLayout>
 </file>
 
 <file path=ppt/slideLayouts/slideLayout9.xml><?xml version="1.0" encoding="utf-8"?>
-<p:sldLayout xmlns:a="http://schemas.openxmlformats.org/drawingml/2006/main" xmlns:p="http://schemas.openxmlformats.org/presentationml/2006/main" xmlns:r="http://schemas.openxmlformats.org/officeDocument/2006/relationships" type="twoObjOverTx" preserve="1">
+<p:sldLayout xmlns:a="http://schemas.openxmlformats.org/drawingml/2006/main" xmlns:r="http://schemas.openxmlformats.org/officeDocument/2006/relationships" xmlns:p="http://schemas.openxmlformats.org/presentationml/2006/main" type="twoObjOverTx" preserve="1">
   <p:cSld name="Title, 2 Content over Content">
     <p:spTree>
       <p:nvGrpSpPr>
@@ -3365,7 +3657,8 @@
           </a:prstGeom>
         </p:spPr>
         <p:txBody>
-          <a:bodyPr lIns="0" rIns="0" tIns="0" bIns="0" anchor="ctr"/>
+          <a:bodyPr lIns="0" tIns="0" rIns="0" bIns="0" anchor="ctr"/>
+          <a:lstStyle/>
           <a:p>
             <a:endParaRPr/>
           </a:p>
@@ -3391,7 +3684,8 @@
           </a:prstGeom>
         </p:spPr>
         <p:txBody>
-          <a:bodyPr lIns="0" rIns="0" tIns="0" bIns="0"/>
+          <a:bodyPr lIns="0" tIns="0" rIns="0" bIns="0"/>
+          <a:lstStyle/>
           <a:p>
             <a:endParaRPr/>
           </a:p>
@@ -3417,7 +3711,8 @@
           </a:prstGeom>
         </p:spPr>
         <p:txBody>
-          <a:bodyPr lIns="0" rIns="0" tIns="0" bIns="0"/>
+          <a:bodyPr lIns="0" tIns="0" rIns="0" bIns="0"/>
+          <a:lstStyle/>
           <a:p>
             <a:endParaRPr/>
           </a:p>
@@ -3443,7 +3738,8 @@
           </a:prstGeom>
         </p:spPr>
         <p:txBody>
-          <a:bodyPr lIns="0" rIns="0" tIns="0" bIns="0"/>
+          <a:bodyPr lIns="0" tIns="0" rIns="0" bIns="0"/>
+          <a:lstStyle/>
           <a:p>
             <a:endParaRPr/>
           </a:p>
@@ -3451,17 +3747,557 @@
       </p:sp>
     </p:spTree>
   </p:cSld>
+  <p:clrMapOvr>
+    <a:masterClrMapping/>
+  </p:clrMapOvr>
 </p:sldLayout>
 </file>
 
 <file path=ppt/slideMasters/slideMaster1.xml><?xml version="1.0" encoding="utf-8"?>
-<p:sldMaster xmlns:a="http://schemas.openxmlformats.org/drawingml/2006/main" xmlns:p="http://schemas.openxmlformats.org/presentationml/2006/main" xmlns:r="http://schemas.openxmlformats.org/officeDocument/2006/relationships">
+<p:sldMaster xmlns:a="http://schemas.openxmlformats.org/drawingml/2006/main" xmlns:r="http://schemas.openxmlformats.org/officeDocument/2006/relationships" xmlns:p="http://schemas.openxmlformats.org/presentationml/2006/main">
+  <p:cSld>
+    <p:bg>
+      <p:bgRef idx="1001">
+        <a:schemeClr val="bg1"/>
+      </p:bgRef>
+    </p:bg>
+    <p:spTree>
+      <p:nvGrpSpPr>
+        <p:cNvPr id="1" name=""/>
+        <p:cNvGrpSpPr/>
+        <p:nvPr/>
+      </p:nvGrpSpPr>
+      <p:grpSpPr>
+        <a:xfrm>
+          <a:off x="0" y="0"/>
+          <a:ext cx="0" cy="0"/>
+          <a:chOff x="0" y="0"/>
+          <a:chExt cx="0" cy="0"/>
+        </a:xfrm>
+      </p:grpSpPr>
+      <p:sp>
+        <p:nvSpPr>
+          <p:cNvPr id="2" name="Контейнер за заглавие 1"/>
+          <p:cNvSpPr>
+            <a:spLocks noGrp="1"/>
+          </p:cNvSpPr>
+          <p:nvPr>
+            <p:ph type="title"/>
+          </p:nvPr>
+        </p:nvSpPr>
+        <p:spPr>
+          <a:xfrm>
+            <a:off x="628650" y="365125"/>
+            <a:ext cx="7886700" cy="1325563"/>
+          </a:xfrm>
+          <a:prstGeom prst="rect">
+            <a:avLst/>
+          </a:prstGeom>
+        </p:spPr>
+        <p:txBody>
+          <a:bodyPr vert="horz" lIns="91440" tIns="45720" rIns="91440" bIns="45720" rtlCol="0" anchor="ctr">
+            <a:normAutofit/>
+          </a:bodyPr>
+          <a:lstStyle/>
+          <a:p>
+            <a:r>
+              <a:rPr lang="bg-BG" smtClean="0"/>
+              <a:t>Редакт. стил загл. образец</a:t>
+            </a:r>
+            <a:endParaRPr lang="bg-BG"/>
+          </a:p>
+        </p:txBody>
+      </p:sp>
+      <p:sp>
+        <p:nvSpPr>
+          <p:cNvPr id="3" name="Текстов контейнер 2"/>
+          <p:cNvSpPr>
+            <a:spLocks noGrp="1"/>
+          </p:cNvSpPr>
+          <p:nvPr>
+            <p:ph type="body" idx="1"/>
+          </p:nvPr>
+        </p:nvSpPr>
+        <p:spPr>
+          <a:xfrm>
+            <a:off x="628650" y="1825625"/>
+            <a:ext cx="7886700" cy="4351338"/>
+          </a:xfrm>
+          <a:prstGeom prst="rect">
+            <a:avLst/>
+          </a:prstGeom>
+        </p:spPr>
+        <p:txBody>
+          <a:bodyPr vert="horz" lIns="91440" tIns="45720" rIns="91440" bIns="45720" rtlCol="0">
+            <a:normAutofit/>
+          </a:bodyPr>
+          <a:lstStyle/>
+          <a:p>
+            <a:pPr lvl="0"/>
+            <a:r>
+              <a:rPr lang="bg-BG" smtClean="0"/>
+              <a:t>Щракнете, за да редактирате стиловете на текста в образеца</a:t>
+            </a:r>
+          </a:p>
+          <a:p>
+            <a:pPr lvl="1"/>
+            <a:r>
+              <a:rPr lang="bg-BG" smtClean="0"/>
+              <a:t>Второ ниво</a:t>
+            </a:r>
+          </a:p>
+          <a:p>
+            <a:pPr lvl="2"/>
+            <a:r>
+              <a:rPr lang="bg-BG" smtClean="0"/>
+              <a:t>Трето ниво</a:t>
+            </a:r>
+          </a:p>
+          <a:p>
+            <a:pPr lvl="3"/>
+            <a:r>
+              <a:rPr lang="bg-BG" smtClean="0"/>
+              <a:t>Четвърто ниво</a:t>
+            </a:r>
+          </a:p>
+          <a:p>
+            <a:pPr lvl="4"/>
+            <a:r>
+              <a:rPr lang="bg-BG" smtClean="0"/>
+              <a:t>Пето ниво</a:t>
+            </a:r>
+            <a:endParaRPr lang="bg-BG"/>
+          </a:p>
+        </p:txBody>
+      </p:sp>
+      <p:sp>
+        <p:nvSpPr>
+          <p:cNvPr id="4" name="Контейнер за дата 3"/>
+          <p:cNvSpPr>
+            <a:spLocks noGrp="1"/>
+          </p:cNvSpPr>
+          <p:nvPr>
+            <p:ph type="dt" sz="half" idx="2"/>
+          </p:nvPr>
+        </p:nvSpPr>
+        <p:spPr>
+          <a:xfrm>
+            <a:off x="628650" y="6356350"/>
+            <a:ext cx="2057400" cy="365125"/>
+          </a:xfrm>
+          <a:prstGeom prst="rect">
+            <a:avLst/>
+          </a:prstGeom>
+        </p:spPr>
+        <p:txBody>
+          <a:bodyPr vert="horz" lIns="91440" tIns="45720" rIns="91440" bIns="45720" rtlCol="0" anchor="ctr"/>
+          <a:lstStyle>
+            <a:lvl1pPr algn="l">
+              <a:defRPr sz="1200">
+                <a:solidFill>
+                  <a:schemeClr val="tx1">
+                    <a:tint val="75000"/>
+                  </a:schemeClr>
+                </a:solidFill>
+              </a:defRPr>
+            </a:lvl1pPr>
+          </a:lstStyle>
+          <a:p>
+            <a:fld id="{DDE802E7-065B-4F30-88D3-71BDB028DF24}" type="datetimeFigureOut">
+              <a:rPr lang="bg-BG" smtClean="0"/>
+              <a:t>31.1.2016 г.</a:t>
+            </a:fld>
+            <a:endParaRPr lang="bg-BG"/>
+          </a:p>
+        </p:txBody>
+      </p:sp>
+      <p:sp>
+        <p:nvSpPr>
+          <p:cNvPr id="5" name="Контейнер за долния колонтитул 4"/>
+          <p:cNvSpPr>
+            <a:spLocks noGrp="1"/>
+          </p:cNvSpPr>
+          <p:nvPr>
+            <p:ph type="ftr" sz="quarter" idx="3"/>
+          </p:nvPr>
+        </p:nvSpPr>
+        <p:spPr>
+          <a:xfrm>
+            <a:off x="3028950" y="6356350"/>
+            <a:ext cx="3086100" cy="365125"/>
+          </a:xfrm>
+          <a:prstGeom prst="rect">
+            <a:avLst/>
+          </a:prstGeom>
+        </p:spPr>
+        <p:txBody>
+          <a:bodyPr vert="horz" lIns="91440" tIns="45720" rIns="91440" bIns="45720" rtlCol="0" anchor="ctr"/>
+          <a:lstStyle>
+            <a:lvl1pPr algn="ctr">
+              <a:defRPr sz="1200">
+                <a:solidFill>
+                  <a:schemeClr val="tx1">
+                    <a:tint val="75000"/>
+                  </a:schemeClr>
+                </a:solidFill>
+              </a:defRPr>
+            </a:lvl1pPr>
+          </a:lstStyle>
+          <a:p>
+            <a:endParaRPr lang="bg-BG"/>
+          </a:p>
+        </p:txBody>
+      </p:sp>
+      <p:sp>
+        <p:nvSpPr>
+          <p:cNvPr id="6" name="Контейнер за номер на слайда 5"/>
+          <p:cNvSpPr>
+            <a:spLocks noGrp="1"/>
+          </p:cNvSpPr>
+          <p:nvPr>
+            <p:ph type="sldNum" sz="quarter" idx="4"/>
+          </p:nvPr>
+        </p:nvSpPr>
+        <p:spPr>
+          <a:xfrm>
+            <a:off x="6457950" y="6356350"/>
+            <a:ext cx="2057400" cy="365125"/>
+          </a:xfrm>
+          <a:prstGeom prst="rect">
+            <a:avLst/>
+          </a:prstGeom>
+        </p:spPr>
+        <p:txBody>
+          <a:bodyPr vert="horz" lIns="91440" tIns="45720" rIns="91440" bIns="45720" rtlCol="0" anchor="ctr"/>
+          <a:lstStyle>
+            <a:lvl1pPr algn="r">
+              <a:defRPr sz="1200">
+                <a:solidFill>
+                  <a:schemeClr val="tx1">
+                    <a:tint val="75000"/>
+                  </a:schemeClr>
+                </a:solidFill>
+              </a:defRPr>
+            </a:lvl1pPr>
+          </a:lstStyle>
+          <a:p>
+            <a:fld id="{20BF5810-CA54-4A5B-8027-2F8306AD431C}" type="slidenum">
+              <a:rPr lang="bg-BG" smtClean="0"/>
+              <a:t>‹#›</a:t>
+            </a:fld>
+            <a:endParaRPr lang="bg-BG"/>
+          </a:p>
+        </p:txBody>
+      </p:sp>
+    </p:spTree>
+  </p:cSld>
+  <p:clrMap bg1="lt1" tx1="dk1" bg2="lt2" tx2="dk2" accent1="accent1" accent2="accent2" accent3="accent3" accent4="accent4" accent5="accent5" accent6="accent6" hlink="hlink" folHlink="folHlink"/>
+  <p:sldLayoutIdLst>
+    <p:sldLayoutId id="2147483649" r:id="rId1"/>
+    <p:sldLayoutId id="2147483650" r:id="rId2"/>
+    <p:sldLayoutId id="2147483651" r:id="rId3"/>
+    <p:sldLayoutId id="2147483652" r:id="rId4"/>
+    <p:sldLayoutId id="2147483653" r:id="rId5"/>
+    <p:sldLayoutId id="2147483654" r:id="rId6"/>
+    <p:sldLayoutId id="2147483655" r:id="rId7"/>
+    <p:sldLayoutId id="2147483656" r:id="rId8"/>
+    <p:sldLayoutId id="2147483657" r:id="rId9"/>
+    <p:sldLayoutId id="2147483658" r:id="rId10"/>
+    <p:sldLayoutId id="2147483659" r:id="rId11"/>
+    <p:sldLayoutId id="2147483660" r:id="rId12"/>
+  </p:sldLayoutIdLst>
+  <p:txStyles>
+    <p:titleStyle>
+      <a:lvl1pPr algn="l" defTabSz="914400" rtl="0" eaLnBrk="1" latinLnBrk="0" hangingPunct="1">
+        <a:lnSpc>
+          <a:spcPct val="90000"/>
+        </a:lnSpc>
+        <a:spcBef>
+          <a:spcPct val="0"/>
+        </a:spcBef>
+        <a:buNone/>
+        <a:defRPr sz="4400" kern="1200">
+          <a:solidFill>
+            <a:schemeClr val="tx1"/>
+          </a:solidFill>
+          <a:latin typeface="+mj-lt"/>
+          <a:ea typeface="+mj-ea"/>
+          <a:cs typeface="+mj-cs"/>
+        </a:defRPr>
+      </a:lvl1pPr>
+    </p:titleStyle>
+    <p:bodyStyle>
+      <a:lvl1pPr marL="228600" indent="-228600" algn="l" defTabSz="914400" rtl="0" eaLnBrk="1" latinLnBrk="0" hangingPunct="1">
+        <a:lnSpc>
+          <a:spcPct val="90000"/>
+        </a:lnSpc>
+        <a:spcBef>
+          <a:spcPts val="1000"/>
+        </a:spcBef>
+        <a:buFont typeface="Arial" panose="020B0604020202020204" pitchFamily="34" charset="0"/>
+        <a:buChar char="•"/>
+        <a:defRPr sz="2800" kern="1200">
+          <a:solidFill>
+            <a:schemeClr val="tx1"/>
+          </a:solidFill>
+          <a:latin typeface="+mn-lt"/>
+          <a:ea typeface="+mn-ea"/>
+          <a:cs typeface="+mn-cs"/>
+        </a:defRPr>
+      </a:lvl1pPr>
+      <a:lvl2pPr marL="685800" indent="-228600" algn="l" defTabSz="914400" rtl="0" eaLnBrk="1" latinLnBrk="0" hangingPunct="1">
+        <a:lnSpc>
+          <a:spcPct val="90000"/>
+        </a:lnSpc>
+        <a:spcBef>
+          <a:spcPts val="500"/>
+        </a:spcBef>
+        <a:buFont typeface="Arial" panose="020B0604020202020204" pitchFamily="34" charset="0"/>
+        <a:buChar char="•"/>
+        <a:defRPr sz="2400" kern="1200">
+          <a:solidFill>
+            <a:schemeClr val="tx1"/>
+          </a:solidFill>
+          <a:latin typeface="+mn-lt"/>
+          <a:ea typeface="+mn-ea"/>
+          <a:cs typeface="+mn-cs"/>
+        </a:defRPr>
+      </a:lvl2pPr>
+      <a:lvl3pPr marL="1143000" indent="-228600" algn="l" defTabSz="914400" rtl="0" eaLnBrk="1" latinLnBrk="0" hangingPunct="1">
+        <a:lnSpc>
+          <a:spcPct val="90000"/>
+        </a:lnSpc>
+        <a:spcBef>
+          <a:spcPts val="500"/>
+        </a:spcBef>
+        <a:buFont typeface="Arial" panose="020B0604020202020204" pitchFamily="34" charset="0"/>
+        <a:buChar char="•"/>
+        <a:defRPr sz="2000" kern="1200">
+          <a:solidFill>
+            <a:schemeClr val="tx1"/>
+          </a:solidFill>
+          <a:latin typeface="+mn-lt"/>
+          <a:ea typeface="+mn-ea"/>
+          <a:cs typeface="+mn-cs"/>
+        </a:defRPr>
+      </a:lvl3pPr>
+      <a:lvl4pPr marL="1600200" indent="-228600" algn="l" defTabSz="914400" rtl="0" eaLnBrk="1" latinLnBrk="0" hangingPunct="1">
+        <a:lnSpc>
+          <a:spcPct val="90000"/>
+        </a:lnSpc>
+        <a:spcBef>
+          <a:spcPts val="500"/>
+        </a:spcBef>
+        <a:buFont typeface="Arial" panose="020B0604020202020204" pitchFamily="34" charset="0"/>
+        <a:buChar char="•"/>
+        <a:defRPr sz="1800" kern="1200">
+          <a:solidFill>
+            <a:schemeClr val="tx1"/>
+          </a:solidFill>
+          <a:latin typeface="+mn-lt"/>
+          <a:ea typeface="+mn-ea"/>
+          <a:cs typeface="+mn-cs"/>
+        </a:defRPr>
+      </a:lvl4pPr>
+      <a:lvl5pPr marL="2057400" indent="-228600" algn="l" defTabSz="914400" rtl="0" eaLnBrk="1" latinLnBrk="0" hangingPunct="1">
+        <a:lnSpc>
+          <a:spcPct val="90000"/>
+        </a:lnSpc>
+        <a:spcBef>
+          <a:spcPts val="500"/>
+        </a:spcBef>
+        <a:buFont typeface="Arial" panose="020B0604020202020204" pitchFamily="34" charset="0"/>
+        <a:buChar char="•"/>
+        <a:defRPr sz="1800" kern="1200">
+          <a:solidFill>
+            <a:schemeClr val="tx1"/>
+          </a:solidFill>
+          <a:latin typeface="+mn-lt"/>
+          <a:ea typeface="+mn-ea"/>
+          <a:cs typeface="+mn-cs"/>
+        </a:defRPr>
+      </a:lvl5pPr>
+      <a:lvl6pPr marL="2514600" indent="-228600" algn="l" defTabSz="914400" rtl="0" eaLnBrk="1" latinLnBrk="0" hangingPunct="1">
+        <a:lnSpc>
+          <a:spcPct val="90000"/>
+        </a:lnSpc>
+        <a:spcBef>
+          <a:spcPts val="500"/>
+        </a:spcBef>
+        <a:buFont typeface="Arial" panose="020B0604020202020204" pitchFamily="34" charset="0"/>
+        <a:buChar char="•"/>
+        <a:defRPr sz="1800" kern="1200">
+          <a:solidFill>
+            <a:schemeClr val="tx1"/>
+          </a:solidFill>
+          <a:latin typeface="+mn-lt"/>
+          <a:ea typeface="+mn-ea"/>
+          <a:cs typeface="+mn-cs"/>
+        </a:defRPr>
+      </a:lvl6pPr>
+      <a:lvl7pPr marL="2971800" indent="-228600" algn="l" defTabSz="914400" rtl="0" eaLnBrk="1" latinLnBrk="0" hangingPunct="1">
+        <a:lnSpc>
+          <a:spcPct val="90000"/>
+        </a:lnSpc>
+        <a:spcBef>
+          <a:spcPts val="500"/>
+        </a:spcBef>
+        <a:buFont typeface="Arial" panose="020B0604020202020204" pitchFamily="34" charset="0"/>
+        <a:buChar char="•"/>
+        <a:defRPr sz="1800" kern="1200">
+          <a:solidFill>
+            <a:schemeClr val="tx1"/>
+          </a:solidFill>
+          <a:latin typeface="+mn-lt"/>
+          <a:ea typeface="+mn-ea"/>
+          <a:cs typeface="+mn-cs"/>
+        </a:defRPr>
+      </a:lvl7pPr>
+      <a:lvl8pPr marL="3429000" indent="-228600" algn="l" defTabSz="914400" rtl="0" eaLnBrk="1" latinLnBrk="0" hangingPunct="1">
+        <a:lnSpc>
+          <a:spcPct val="90000"/>
+        </a:lnSpc>
+        <a:spcBef>
+          <a:spcPts val="500"/>
+        </a:spcBef>
+        <a:buFont typeface="Arial" panose="020B0604020202020204" pitchFamily="34" charset="0"/>
+        <a:buChar char="•"/>
+        <a:defRPr sz="1800" kern="1200">
+          <a:solidFill>
+            <a:schemeClr val="tx1"/>
+          </a:solidFill>
+          <a:latin typeface="+mn-lt"/>
+          <a:ea typeface="+mn-ea"/>
+          <a:cs typeface="+mn-cs"/>
+        </a:defRPr>
+      </a:lvl8pPr>
+      <a:lvl9pPr marL="3886200" indent="-228600" algn="l" defTabSz="914400" rtl="0" eaLnBrk="1" latinLnBrk="0" hangingPunct="1">
+        <a:lnSpc>
+          <a:spcPct val="90000"/>
+        </a:lnSpc>
+        <a:spcBef>
+          <a:spcPts val="500"/>
+        </a:spcBef>
+        <a:buFont typeface="Arial" panose="020B0604020202020204" pitchFamily="34" charset="0"/>
+        <a:buChar char="•"/>
+        <a:defRPr sz="1800" kern="1200">
+          <a:solidFill>
+            <a:schemeClr val="tx1"/>
+          </a:solidFill>
+          <a:latin typeface="+mn-lt"/>
+          <a:ea typeface="+mn-ea"/>
+          <a:cs typeface="+mn-cs"/>
+        </a:defRPr>
+      </a:lvl9pPr>
+    </p:bodyStyle>
+    <p:otherStyle>
+      <a:defPPr>
+        <a:defRPr lang="bg-BG"/>
+      </a:defPPr>
+      <a:lvl1pPr marL="0" algn="l" defTabSz="914400" rtl="0" eaLnBrk="1" latinLnBrk="0" hangingPunct="1">
+        <a:defRPr sz="1800" kern="1200">
+          <a:solidFill>
+            <a:schemeClr val="tx1"/>
+          </a:solidFill>
+          <a:latin typeface="+mn-lt"/>
+          <a:ea typeface="+mn-ea"/>
+          <a:cs typeface="+mn-cs"/>
+        </a:defRPr>
+      </a:lvl1pPr>
+      <a:lvl2pPr marL="457200" algn="l" defTabSz="914400" rtl="0" eaLnBrk="1" latinLnBrk="0" hangingPunct="1">
+        <a:defRPr sz="1800" kern="1200">
+          <a:solidFill>
+            <a:schemeClr val="tx1"/>
+          </a:solidFill>
+          <a:latin typeface="+mn-lt"/>
+          <a:ea typeface="+mn-ea"/>
+          <a:cs typeface="+mn-cs"/>
+        </a:defRPr>
+      </a:lvl2pPr>
+      <a:lvl3pPr marL="914400" algn="l" defTabSz="914400" rtl="0" eaLnBrk="1" latinLnBrk="0" hangingPunct="1">
+        <a:defRPr sz="1800" kern="1200">
+          <a:solidFill>
+            <a:schemeClr val="tx1"/>
+          </a:solidFill>
+          <a:latin typeface="+mn-lt"/>
+          <a:ea typeface="+mn-ea"/>
+          <a:cs typeface="+mn-cs"/>
+        </a:defRPr>
+      </a:lvl3pPr>
+      <a:lvl4pPr marL="1371600" algn="l" defTabSz="914400" rtl="0" eaLnBrk="1" latinLnBrk="0" hangingPunct="1">
+        <a:defRPr sz="1800" kern="1200">
+          <a:solidFill>
+            <a:schemeClr val="tx1"/>
+          </a:solidFill>
+          <a:latin typeface="+mn-lt"/>
+          <a:ea typeface="+mn-ea"/>
+          <a:cs typeface="+mn-cs"/>
+        </a:defRPr>
+      </a:lvl4pPr>
+      <a:lvl5pPr marL="1828800" algn="l" defTabSz="914400" rtl="0" eaLnBrk="1" latinLnBrk="0" hangingPunct="1">
+        <a:defRPr sz="1800" kern="1200">
+          <a:solidFill>
+            <a:schemeClr val="tx1"/>
+          </a:solidFill>
+          <a:latin typeface="+mn-lt"/>
+          <a:ea typeface="+mn-ea"/>
+          <a:cs typeface="+mn-cs"/>
+        </a:defRPr>
+      </a:lvl5pPr>
+      <a:lvl6pPr marL="2286000" algn="l" defTabSz="914400" rtl="0" eaLnBrk="1" latinLnBrk="0" hangingPunct="1">
+        <a:defRPr sz="1800" kern="1200">
+          <a:solidFill>
+            <a:schemeClr val="tx1"/>
+          </a:solidFill>
+          <a:latin typeface="+mn-lt"/>
+          <a:ea typeface="+mn-ea"/>
+          <a:cs typeface="+mn-cs"/>
+        </a:defRPr>
+      </a:lvl6pPr>
+      <a:lvl7pPr marL="2743200" algn="l" defTabSz="914400" rtl="0" eaLnBrk="1" latinLnBrk="0" hangingPunct="1">
+        <a:defRPr sz="1800" kern="1200">
+          <a:solidFill>
+            <a:schemeClr val="tx1"/>
+          </a:solidFill>
+          <a:latin typeface="+mn-lt"/>
+          <a:ea typeface="+mn-ea"/>
+          <a:cs typeface="+mn-cs"/>
+        </a:defRPr>
+      </a:lvl7pPr>
+      <a:lvl8pPr marL="3200400" algn="l" defTabSz="914400" rtl="0" eaLnBrk="1" latinLnBrk="0" hangingPunct="1">
+        <a:defRPr sz="1800" kern="1200">
+          <a:solidFill>
+            <a:schemeClr val="tx1"/>
+          </a:solidFill>
+          <a:latin typeface="+mn-lt"/>
+          <a:ea typeface="+mn-ea"/>
+          <a:cs typeface="+mn-cs"/>
+        </a:defRPr>
+      </a:lvl8pPr>
+      <a:lvl9pPr marL="3657600" algn="l" defTabSz="914400" rtl="0" eaLnBrk="1" latinLnBrk="0" hangingPunct="1">
+        <a:defRPr sz="1800" kern="1200">
+          <a:solidFill>
+            <a:schemeClr val="tx1"/>
+          </a:solidFill>
+          <a:latin typeface="+mn-lt"/>
+          <a:ea typeface="+mn-ea"/>
+          <a:cs typeface="+mn-cs"/>
+        </a:defRPr>
+      </a:lvl9pPr>
+    </p:otherStyle>
+  </p:txStyles>
+</p:sldMaster>
+</file>
+
+<file path=ppt/slideMasters/slideMaster2.xml><?xml version="1.0" encoding="utf-8"?>
+<p:sldMaster xmlns:a="http://schemas.openxmlformats.org/drawingml/2006/main" xmlns:r="http://schemas.openxmlformats.org/officeDocument/2006/relationships" xmlns:p="http://schemas.openxmlformats.org/presentationml/2006/main">
   <p:cSld>
     <p:bg>
       <p:bgPr>
         <a:solidFill>
-          <a:srgbClr val="0b2a51"/>
+          <a:srgbClr val="FFFFFF"/>
         </a:solidFill>
+        <a:effectLst/>
       </p:bgPr>
     </p:bg>
     <p:spTree>
@@ -3480,7 +4316,7 @@
       </p:grpSpPr>
       <p:sp>
         <p:nvSpPr>
-          <p:cNvPr id="0" name="Line 1"/>
+          <p:cNvPr id="45" name="Line 1"/>
           <p:cNvSpPr/>
           <p:nvPr/>
         </p:nvSpPr>
@@ -3514,12 +4350,12 @@
       </p:sp>
       <p:pic>
         <p:nvPicPr>
-          <p:cNvPr id="1" name="Grafik 16" descr=""/>
+          <p:cNvPr id="46" name="Grafik 16"/>
           <p:cNvPicPr/>
           <p:nvPr/>
         </p:nvPicPr>
         <p:blipFill>
-          <a:blip r:embed="rId2"/>
+          <a:blip r:embed="rId14"/>
           <a:stretch/>
         </p:blipFill>
         <p:spPr>
@@ -3537,7 +4373,7 @@
       </p:pic>
       <p:sp>
         <p:nvSpPr>
-          <p:cNvPr id="2" name="Line 2"/>
+          <p:cNvPr id="47" name="Line 2"/>
           <p:cNvSpPr/>
           <p:nvPr/>
         </p:nvSpPr>
@@ -3571,7 +4407,7 @@
       </p:sp>
       <p:sp>
         <p:nvSpPr>
-          <p:cNvPr id="3" name="PlaceHolder 3"/>
+          <p:cNvPr id="48" name="PlaceHolder 3"/>
           <p:cNvSpPr>
             <a:spLocks noGrp="1"/>
           </p:cNvSpPr>
@@ -3581,8 +4417,8 @@
         </p:nvSpPr>
         <p:spPr>
           <a:xfrm>
-            <a:off x="957240" y="1845000"/>
-            <a:ext cx="7430760" cy="1469520"/>
+            <a:off x="947880" y="1052640"/>
+            <a:ext cx="7430760" cy="1142640"/>
           </a:xfrm>
           <a:prstGeom prst="rect">
             <a:avLst/>
@@ -3590,6 +4426,7 @@
         </p:spPr>
         <p:txBody>
           <a:bodyPr anchor="ctr"/>
+          <a:lstStyle/>
           <a:p>
             <a:pPr>
               <a:lnSpc>
@@ -3597,13 +4434,13 @@
               </a:lnSpc>
             </a:pPr>
             <a:r>
-              <a:rPr b="1" lang="de-DE" sz="2400" spc="-1" strike="noStrike">
+              <a:rPr lang="de-DE" sz="2400" b="1" strike="noStrike" spc="-1">
                 <a:solidFill>
-                  <a:srgbClr val="ffffff"/>
+                  <a:srgbClr val="808080"/>
                 </a:solidFill>
                 <a:uFill>
                   <a:solidFill>
-                    <a:srgbClr val="ffffff"/>
+                    <a:srgbClr val="FFFFFF"/>
                   </a:solidFill>
                 </a:uFill>
                 <a:latin typeface="Verdana"/>
@@ -3616,217 +4453,7 @@
       </p:sp>
       <p:sp>
         <p:nvSpPr>
-          <p:cNvPr id="4" name="PlaceHolder 4"/>
-          <p:cNvSpPr>
-            <a:spLocks noGrp="1"/>
-          </p:cNvSpPr>
-          <p:nvPr>
-            <p:ph type="subTitle"/>
-          </p:nvPr>
-        </p:nvSpPr>
-        <p:spPr>
-          <a:xfrm>
-            <a:off x="928800" y="3404520"/>
-            <a:ext cx="7459200" cy="1104120"/>
-          </a:xfrm>
-          <a:prstGeom prst="rect">
-            <a:avLst/>
-          </a:prstGeom>
-        </p:spPr>
-        <p:txBody>
-          <a:bodyPr/>
-          <a:p>
-            <a:pPr>
-              <a:lnSpc>
-                <a:spcPct val="100000"/>
-              </a:lnSpc>
-            </a:pPr>
-            <a:r>
-              <a:rPr lang="de-DE" sz="2000" spc="-1" strike="noStrike">
-                <a:solidFill>
-                  <a:srgbClr val="a8afc7"/>
-                </a:solidFill>
-                <a:uFill>
-                  <a:solidFill>
-                    <a:srgbClr val="ffffff"/>
-                  </a:solidFill>
-                </a:uFill>
-                <a:latin typeface="Verdana"/>
-              </a:rPr>
-              <a:t>Formatvorlage des Untertitelmasters durch Klicken bearbeiten</a:t>
-            </a:r>
-            <a:endParaRPr/>
-          </a:p>
-        </p:txBody>
-      </p:sp>
-      <p:sp>
-        <p:nvSpPr>
-          <p:cNvPr id="5" name="Line 5"/>
-          <p:cNvSpPr/>
-          <p:nvPr/>
-        </p:nvSpPr>
-        <p:spPr>
-          <a:xfrm>
-            <a:off x="0" y="1196640"/>
-            <a:ext cx="9143640" cy="0"/>
-          </a:xfrm>
-          <a:prstGeom prst="line">
-            <a:avLst/>
-          </a:prstGeom>
-          <a:ln w="6480">
-            <a:solidFill>
-              <a:schemeClr val="bg1"/>
-            </a:solidFill>
-            <a:round/>
-          </a:ln>
-        </p:spPr>
-        <p:style>
-          <a:lnRef idx="1">
-            <a:schemeClr val="accent1"/>
-          </a:lnRef>
-          <a:fillRef idx="0">
-            <a:schemeClr val="accent1"/>
-          </a:fillRef>
-          <a:effectRef idx="0">
-            <a:schemeClr val="accent1"/>
-          </a:effectRef>
-          <a:fontRef idx="minor"/>
-        </p:style>
-      </p:sp>
-      <p:sp>
-        <p:nvSpPr>
-          <p:cNvPr id="6" name="Line 6"/>
-          <p:cNvSpPr/>
-          <p:nvPr/>
-        </p:nvSpPr>
-        <p:spPr>
-          <a:xfrm>
-            <a:off x="0" y="1380960"/>
-            <a:ext cx="9143640" cy="0"/>
-          </a:xfrm>
-          <a:prstGeom prst="line">
-            <a:avLst/>
-          </a:prstGeom>
-          <a:ln w="6480">
-            <a:solidFill>
-              <a:schemeClr val="bg1"/>
-            </a:solidFill>
-            <a:round/>
-          </a:ln>
-        </p:spPr>
-        <p:style>
-          <a:lnRef idx="1">
-            <a:schemeClr val="accent1"/>
-          </a:lnRef>
-          <a:fillRef idx="0">
-            <a:schemeClr val="accent1"/>
-          </a:fillRef>
-          <a:effectRef idx="0">
-            <a:schemeClr val="accent1"/>
-          </a:effectRef>
-          <a:fontRef idx="minor"/>
-        </p:style>
-      </p:sp>
-      <p:pic>
-        <p:nvPicPr>
-          <p:cNvPr id="7" name="Grafik 5" descr=""/>
-          <p:cNvPicPr/>
-          <p:nvPr/>
-        </p:nvPicPr>
-        <p:blipFill>
-          <a:blip r:embed="rId3"/>
-          <a:stretch/>
-        </p:blipFill>
-        <p:spPr>
-          <a:xfrm>
-            <a:off x="405720" y="480240"/>
-            <a:ext cx="1887120" cy="546480"/>
-          </a:xfrm>
-          <a:prstGeom prst="rect">
-            <a:avLst/>
-          </a:prstGeom>
-          <a:ln>
-            <a:noFill/>
-          </a:ln>
-        </p:spPr>
-      </p:pic>
-      <p:sp>
-        <p:nvSpPr>
-          <p:cNvPr id="8" name="CustomShape 7"/>
-          <p:cNvSpPr/>
-          <p:nvPr/>
-        </p:nvSpPr>
-        <p:spPr>
-          <a:xfrm>
-            <a:off x="933480" y="5987520"/>
-            <a:ext cx="2664000" cy="364680"/>
-          </a:xfrm>
-          <a:prstGeom prst="rect">
-            <a:avLst/>
-          </a:prstGeom>
-          <a:noFill/>
-          <a:ln>
-            <a:noFill/>
-          </a:ln>
-        </p:spPr>
-        <p:style>
-          <a:lnRef idx="0"/>
-          <a:fillRef idx="0"/>
-          <a:effectRef idx="0"/>
-          <a:fontRef idx="minor"/>
-        </p:style>
-        <p:txBody>
-          <a:bodyPr lIns="90000" rIns="90000" tIns="45000" bIns="45000"/>
-          <a:p>
-            <a:pPr>
-              <a:lnSpc>
-                <a:spcPct val="100000"/>
-              </a:lnSpc>
-            </a:pPr>
-            <a:r>
-              <a:rPr lang="de-DE" sz="1800" spc="-1" strike="noStrike">
-                <a:solidFill>
-                  <a:srgbClr val="ffffff"/>
-                </a:solidFill>
-                <a:uFill>
-                  <a:solidFill>
-                    <a:srgbClr val="ffffff"/>
-                  </a:solidFill>
-                </a:uFill>
-                <a:latin typeface="Verdana"/>
-              </a:rPr>
-              <a:t>Dresden, 02.02.2016</a:t>
-            </a:r>
-            <a:endParaRPr/>
-          </a:p>
-        </p:txBody>
-      </p:sp>
-      <p:pic>
-        <p:nvPicPr>
-          <p:cNvPr id="9" name="Bild 12" descr=""/>
-          <p:cNvPicPr/>
-          <p:nvPr/>
-        </p:nvPicPr>
-        <p:blipFill>
-          <a:blip r:embed="rId4"/>
-          <a:stretch/>
-        </p:blipFill>
-        <p:spPr>
-          <a:xfrm>
-            <a:off x="7950240" y="5376600"/>
-            <a:ext cx="437760" cy="877680"/>
-          </a:xfrm>
-          <a:prstGeom prst="rect">
-            <a:avLst/>
-          </a:prstGeom>
-          <a:ln>
-            <a:noFill/>
-          </a:ln>
-        </p:spPr>
-      </p:pic>
-      <p:sp>
-        <p:nvSpPr>
-          <p:cNvPr id="10" name="PlaceHolder 8"/>
+          <p:cNvPr id="49" name="PlaceHolder 4"/>
           <p:cNvSpPr>
             <a:spLocks noGrp="1"/>
           </p:cNvSpPr>
@@ -3836,26 +4463,35 @@
         </p:nvSpPr>
         <p:spPr>
           <a:xfrm>
-            <a:off x="457200" y="1604520"/>
-            <a:ext cx="8229240" cy="3977280"/>
-          </a:xfrm>
-          <a:prstGeom prst="rect">
-            <a:avLst/>
-          </a:prstGeom>
-        </p:spPr>
-        <p:txBody>
-          <a:bodyPr lIns="0" rIns="0" tIns="0" bIns="0"/>
+            <a:off x="947880" y="2421000"/>
+            <a:ext cx="7440120" cy="3488760"/>
+          </a:xfrm>
+          <a:prstGeom prst="rect">
+            <a:avLst/>
+          </a:prstGeom>
+        </p:spPr>
+        <p:txBody>
+          <a:bodyPr/>
+          <a:lstStyle/>
           <a:p>
             <a:pPr marL="432000" indent="-324000">
               <a:buClr>
-                <a:srgbClr val="ffffff"/>
+                <a:srgbClr val="FFFFFF"/>
               </a:buClr>
               <a:buSzPct val="45000"/>
               <a:buFont typeface="StarSymbol"/>
               <a:buChar char=""/>
             </a:pPr>
             <a:r>
-              <a:rPr lang="de-DE" sz="2000" spc="-1">
+              <a:rPr lang="de-DE" sz="2000" strike="noStrike" spc="-1">
+                <a:solidFill>
+                  <a:srgbClr val="0B2A51"/>
+                </a:solidFill>
+                <a:uFill>
+                  <a:solidFill>
+                    <a:srgbClr val="FFFFFF"/>
+                  </a:solidFill>
+                </a:uFill>
                 <a:latin typeface="Verdana"/>
               </a:rPr>
               <a:t>Format des Gliederungstextes durch Klicken bearbeiten</a:t>
@@ -3863,16 +4499,24 @@
             <a:endParaRPr/>
           </a:p>
           <a:p>
-            <a:pPr lvl="1" marL="864000" indent="-324000">
+            <a:pPr marL="864000" lvl="1" indent="-324000">
               <a:buClr>
-                <a:srgbClr val="ffffff"/>
+                <a:srgbClr val="FFFFFF"/>
               </a:buClr>
               <a:buSzPct val="75000"/>
               <a:buFont typeface="StarSymbol"/>
               <a:buChar char=""/>
             </a:pPr>
             <a:r>
-              <a:rPr lang="de-DE" sz="1600" spc="-1">
+              <a:rPr lang="de-DE" sz="2000" strike="noStrike" spc="-1">
+                <a:solidFill>
+                  <a:srgbClr val="0B2A51"/>
+                </a:solidFill>
+                <a:uFill>
+                  <a:solidFill>
+                    <a:srgbClr val="FFFFFF"/>
+                  </a:solidFill>
+                </a:uFill>
                 <a:latin typeface="Verdana"/>
               </a:rPr>
               <a:t>Zweite Gliederungsebene</a:t>
@@ -3880,16 +4524,24 @@
             <a:endParaRPr/>
           </a:p>
           <a:p>
-            <a:pPr lvl="2" marL="1296000" indent="-288000">
+            <a:pPr marL="1296000" lvl="2" indent="-288000">
               <a:buClr>
-                <a:srgbClr val="ffffff"/>
+                <a:srgbClr val="FFFFFF"/>
               </a:buClr>
               <a:buSzPct val="45000"/>
               <a:buFont typeface="StarSymbol"/>
               <a:buChar char=""/>
             </a:pPr>
             <a:r>
-              <a:rPr lang="de-DE" sz="1400" spc="-1">
+              <a:rPr lang="de-DE" sz="2000" strike="noStrike" spc="-1">
+                <a:solidFill>
+                  <a:srgbClr val="0B2A51"/>
+                </a:solidFill>
+                <a:uFill>
+                  <a:solidFill>
+                    <a:srgbClr val="FFFFFF"/>
+                  </a:solidFill>
+                </a:uFill>
                 <a:latin typeface="Verdana"/>
               </a:rPr>
               <a:t>Dritte Gliederungsebene</a:t>
@@ -3897,16 +4549,24 @@
             <a:endParaRPr/>
           </a:p>
           <a:p>
-            <a:pPr lvl="3" marL="1728000" indent="-216000">
+            <a:pPr marL="1728000" lvl="3" indent="-216000">
               <a:buClr>
-                <a:srgbClr val="ffffff"/>
+                <a:srgbClr val="FFFFFF"/>
               </a:buClr>
               <a:buSzPct val="75000"/>
               <a:buFont typeface="StarSymbol"/>
               <a:buChar char=""/>
             </a:pPr>
             <a:r>
-              <a:rPr lang="de-DE" sz="1200" spc="-1">
+              <a:rPr lang="de-DE" sz="2000" strike="noStrike" spc="-1">
+                <a:solidFill>
+                  <a:srgbClr val="0B2A51"/>
+                </a:solidFill>
+                <a:uFill>
+                  <a:solidFill>
+                    <a:srgbClr val="FFFFFF"/>
+                  </a:solidFill>
+                </a:uFill>
                 <a:latin typeface="Verdana"/>
               </a:rPr>
               <a:t>Vierte Gliederungsebene</a:t>
@@ -3914,16 +4574,24 @@
             <a:endParaRPr/>
           </a:p>
           <a:p>
-            <a:pPr lvl="4" marL="2160000" indent="-216000">
+            <a:pPr marL="2160000" lvl="4" indent="-216000">
               <a:buClr>
-                <a:srgbClr val="ffffff"/>
+                <a:srgbClr val="FFFFFF"/>
               </a:buClr>
               <a:buSzPct val="45000"/>
               <a:buFont typeface="StarSymbol"/>
               <a:buChar char=""/>
             </a:pPr>
             <a:r>
-              <a:rPr lang="de-DE" sz="2000" spc="-1">
+              <a:rPr lang="de-DE" sz="2000" strike="noStrike" spc="-1">
+                <a:solidFill>
+                  <a:srgbClr val="0B2A51"/>
+                </a:solidFill>
+                <a:uFill>
+                  <a:solidFill>
+                    <a:srgbClr val="FFFFFF"/>
+                  </a:solidFill>
+                </a:uFill>
                 <a:latin typeface="Verdana"/>
               </a:rPr>
               <a:t>Fünfte Gliederungsebene</a:t>
@@ -3931,16 +4599,24 @@
             <a:endParaRPr/>
           </a:p>
           <a:p>
-            <a:pPr lvl="5" marL="2592000" indent="-216000">
+            <a:pPr marL="2592000" lvl="5" indent="-216000">
               <a:buClr>
-                <a:srgbClr val="ffffff"/>
+                <a:srgbClr val="FFFFFF"/>
               </a:buClr>
               <a:buSzPct val="45000"/>
               <a:buFont typeface="StarSymbol"/>
               <a:buChar char=""/>
             </a:pPr>
             <a:r>
-              <a:rPr lang="de-DE" sz="2000" spc="-1">
+              <a:rPr lang="de-DE" sz="2000" strike="noStrike" spc="-1">
+                <a:solidFill>
+                  <a:srgbClr val="0B2A51"/>
+                </a:solidFill>
+                <a:uFill>
+                  <a:solidFill>
+                    <a:srgbClr val="FFFFFF"/>
+                  </a:solidFill>
+                </a:uFill>
                 <a:latin typeface="Verdana"/>
               </a:rPr>
               <a:t>Sechste Gliederungsebene</a:t>
@@ -3948,19 +4624,320 @@
             <a:endParaRPr/>
           </a:p>
           <a:p>
-            <a:pPr lvl="6" marL="3024000" indent="-216000">
+            <a:pPr>
+              <a:lnSpc>
+                <a:spcPct val="100000"/>
+              </a:lnSpc>
+            </a:pPr>
+            <a:r>
+              <a:rPr lang="de-DE" sz="2000" strike="noStrike" spc="-1">
+                <a:solidFill>
+                  <a:srgbClr val="0B2A51"/>
+                </a:solidFill>
+                <a:uFill>
+                  <a:solidFill>
+                    <a:srgbClr val="FFFFFF"/>
+                  </a:solidFill>
+                </a:uFill>
+                <a:latin typeface="Verdana"/>
+              </a:rPr>
+              <a:t>Siebte GliederungsebeneTextmasterformat bearbeiten</a:t>
+            </a:r>
+            <a:endParaRPr/>
+          </a:p>
+          <a:p>
+            <a:pPr marL="743040" lvl="1" indent="-285480">
+              <a:lnSpc>
+                <a:spcPct val="100000"/>
+              </a:lnSpc>
               <a:buClr>
-                <a:srgbClr val="ffffff"/>
+                <a:srgbClr val="0B2A51"/>
               </a:buClr>
-              <a:buSzPct val="45000"/>
-              <a:buFont typeface="StarSymbol"/>
-              <a:buChar char=""/>
-            </a:pPr>
-            <a:r>
-              <a:rPr lang="de-DE" sz="2000" spc="-1">
-                <a:latin typeface="Verdana"/>
-              </a:rPr>
-              <a:t>Siebte Gliederungsebene</a:t>
+              <a:buFont typeface="Arial"/>
+              <a:buChar char="•"/>
+            </a:pPr>
+            <a:r>
+              <a:rPr lang="de-DE" sz="2000" strike="noStrike" spc="-1">
+                <a:solidFill>
+                  <a:srgbClr val="0B2A51"/>
+                </a:solidFill>
+                <a:uFill>
+                  <a:solidFill>
+                    <a:srgbClr val="FFFFFF"/>
+                  </a:solidFill>
+                </a:uFill>
+                <a:latin typeface="Verdana"/>
+              </a:rPr>
+              <a:t>Zweite Ebene</a:t>
+            </a:r>
+            <a:endParaRPr/>
+          </a:p>
+          <a:p>
+            <a:pPr marL="1143000" lvl="2" indent="-228240">
+              <a:lnSpc>
+                <a:spcPct val="100000"/>
+              </a:lnSpc>
+              <a:buClr>
+                <a:srgbClr val="0B2A51"/>
+              </a:buClr>
+              <a:buFont typeface="Symbol"/>
+              <a:buChar char="-"/>
+            </a:pPr>
+            <a:r>
+              <a:rPr lang="de-DE" sz="1600" strike="noStrike" spc="-1">
+                <a:solidFill>
+                  <a:srgbClr val="0B2A51"/>
+                </a:solidFill>
+                <a:uFill>
+                  <a:solidFill>
+                    <a:srgbClr val="FFFFFF"/>
+                  </a:solidFill>
+                </a:uFill>
+                <a:latin typeface="Verdana"/>
+              </a:rPr>
+              <a:t>Dritte Ebene</a:t>
+            </a:r>
+            <a:endParaRPr/>
+          </a:p>
+          <a:p>
+            <a:pPr marL="1600200" lvl="3" indent="-228240">
+              <a:lnSpc>
+                <a:spcPct val="100000"/>
+              </a:lnSpc>
+              <a:buClr>
+                <a:srgbClr val="0B2A51"/>
+              </a:buClr>
+              <a:buFont typeface="Wingdings" charset="2"/>
+              <a:buChar char=""/>
+            </a:pPr>
+            <a:r>
+              <a:rPr lang="de-DE" sz="1400" strike="noStrike" spc="-1">
+                <a:solidFill>
+                  <a:srgbClr val="0B2A51"/>
+                </a:solidFill>
+                <a:uFill>
+                  <a:solidFill>
+                    <a:srgbClr val="FFFFFF"/>
+                  </a:solidFill>
+                </a:uFill>
+                <a:latin typeface="Verdana"/>
+              </a:rPr>
+              <a:t>Vierte Ebene</a:t>
+            </a:r>
+            <a:endParaRPr/>
+          </a:p>
+          <a:p>
+            <a:pPr marL="2057400" lvl="4" indent="-228240">
+              <a:lnSpc>
+                <a:spcPct val="100000"/>
+              </a:lnSpc>
+              <a:buClr>
+                <a:srgbClr val="0B2A51"/>
+              </a:buClr>
+              <a:buFont typeface="Arial"/>
+              <a:buChar char="»"/>
+            </a:pPr>
+            <a:r>
+              <a:rPr lang="de-DE" sz="1200" strike="noStrike" spc="-1">
+                <a:solidFill>
+                  <a:srgbClr val="0B2A51"/>
+                </a:solidFill>
+                <a:uFill>
+                  <a:solidFill>
+                    <a:srgbClr val="FFFFFF"/>
+                  </a:solidFill>
+                </a:uFill>
+                <a:latin typeface="Verdana"/>
+              </a:rPr>
+              <a:t>Fünfte Ebene</a:t>
+            </a:r>
+            <a:endParaRPr/>
+          </a:p>
+        </p:txBody>
+      </p:sp>
+      <p:sp>
+        <p:nvSpPr>
+          <p:cNvPr id="50" name="PlaceHolder 5"/>
+          <p:cNvSpPr>
+            <a:spLocks noGrp="1"/>
+          </p:cNvSpPr>
+          <p:nvPr>
+            <p:ph type="dt"/>
+          </p:nvPr>
+        </p:nvSpPr>
+        <p:spPr>
+          <a:xfrm>
+            <a:off x="947880" y="6356520"/>
+            <a:ext cx="1738080" cy="364680"/>
+          </a:xfrm>
+          <a:prstGeom prst="rect">
+            <a:avLst/>
+          </a:prstGeom>
+        </p:spPr>
+        <p:txBody>
+          <a:bodyPr anchor="ctr"/>
+          <a:lstStyle/>
+          <a:p>
+            <a:pPr>
+              <a:lnSpc>
+                <a:spcPct val="100000"/>
+              </a:lnSpc>
+            </a:pPr>
+            <a:r>
+              <a:rPr lang="de-DE" sz="1000" strike="noStrike" spc="-1">
+                <a:solidFill>
+                  <a:srgbClr val="808080"/>
+                </a:solidFill>
+                <a:uFill>
+                  <a:solidFill>
+                    <a:srgbClr val="FFFFFF"/>
+                  </a:solidFill>
+                </a:uFill>
+                <a:latin typeface="Verdana"/>
+              </a:rPr>
+              <a:t>02.02.2016</a:t>
+            </a:r>
+            <a:endParaRPr/>
+          </a:p>
+        </p:txBody>
+      </p:sp>
+      <p:sp>
+        <p:nvSpPr>
+          <p:cNvPr id="51" name="PlaceHolder 6"/>
+          <p:cNvSpPr>
+            <a:spLocks noGrp="1"/>
+          </p:cNvSpPr>
+          <p:nvPr>
+            <p:ph type="ftr"/>
+          </p:nvPr>
+        </p:nvSpPr>
+        <p:spPr>
+          <a:xfrm>
+            <a:off x="3029040" y="6356520"/>
+            <a:ext cx="3085920" cy="364680"/>
+          </a:xfrm>
+          <a:prstGeom prst="rect">
+            <a:avLst/>
+          </a:prstGeom>
+        </p:spPr>
+        <p:txBody>
+          <a:bodyPr anchor="ctr"/>
+          <a:lstStyle/>
+          <a:p>
+            <a:pPr algn="ctr">
+              <a:lnSpc>
+                <a:spcPct val="100000"/>
+              </a:lnSpc>
+            </a:pPr>
+            <a:r>
+              <a:rPr lang="de-DE" sz="1200" strike="noStrike" spc="-1">
+                <a:solidFill>
+                  <a:srgbClr val="8B8E97"/>
+                </a:solidFill>
+                <a:uFill>
+                  <a:solidFill>
+                    <a:srgbClr val="FFFFFF"/>
+                  </a:solidFill>
+                </a:uFill>
+                <a:latin typeface="Calibri"/>
+              </a:rPr>
+              <a:t>Abschlusspräsentation SWT-Projekt</a:t>
+            </a:r>
+            <a:endParaRPr/>
+          </a:p>
+          <a:p>
+            <a:pPr algn="ctr">
+              <a:lnSpc>
+                <a:spcPct val="100000"/>
+              </a:lnSpc>
+            </a:pPr>
+            <a:r>
+              <a:rPr lang="de-DE" sz="1200" strike="noStrike" spc="-1">
+                <a:solidFill>
+                  <a:srgbClr val="8B8E97"/>
+                </a:solidFill>
+                <a:uFill>
+                  <a:solidFill>
+                    <a:srgbClr val="FFFFFF"/>
+                  </a:solidFill>
+                </a:uFill>
+                <a:latin typeface="Calibri"/>
+              </a:rPr>
+              <a:t>Gruppe 3: Fahrgastinformationssystem</a:t>
+            </a:r>
+            <a:endParaRPr/>
+          </a:p>
+        </p:txBody>
+      </p:sp>
+      <p:sp>
+        <p:nvSpPr>
+          <p:cNvPr id="52" name="PlaceHolder 7"/>
+          <p:cNvSpPr>
+            <a:spLocks noGrp="1"/>
+          </p:cNvSpPr>
+          <p:nvPr>
+            <p:ph type="sldNum"/>
+          </p:nvPr>
+        </p:nvSpPr>
+        <p:spPr>
+          <a:xfrm>
+            <a:off x="6458040" y="6356520"/>
+            <a:ext cx="1929960" cy="364680"/>
+          </a:xfrm>
+          <a:prstGeom prst="rect">
+            <a:avLst/>
+          </a:prstGeom>
+        </p:spPr>
+        <p:txBody>
+          <a:bodyPr anchor="ctr"/>
+          <a:lstStyle/>
+          <a:p>
+            <a:pPr algn="r">
+              <a:lnSpc>
+                <a:spcPct val="100000"/>
+              </a:lnSpc>
+            </a:pPr>
+            <a:r>
+              <a:rPr lang="de-DE" sz="1200" strike="noStrike" spc="-1">
+                <a:solidFill>
+                  <a:srgbClr val="8B8E97"/>
+                </a:solidFill>
+                <a:uFill>
+                  <a:solidFill>
+                    <a:srgbClr val="FFFFFF"/>
+                  </a:solidFill>
+                </a:uFill>
+                <a:latin typeface="Calibri"/>
+              </a:rPr>
+              <a:t>Folie </a:t>
+            </a:r>
+            <a:fld id="{1BBC8941-D362-4671-B90B-5A7665D70E13}" type="slidenum">
+              <a:rPr lang="de-DE" sz="1200" strike="noStrike" spc="-1">
+                <a:solidFill>
+                  <a:srgbClr val="8B8E97"/>
+                </a:solidFill>
+                <a:uFill>
+                  <a:solidFill>
+                    <a:srgbClr val="FFFFFF"/>
+                  </a:solidFill>
+                </a:uFill>
+                <a:latin typeface="Calibri"/>
+              </a:rPr>
+              <a:t>‹#›</a:t>
+            </a:fld>
+            <a:r>
+              <a:rPr lang="de-DE" sz="1200" strike="noStrike" spc="-1">
+                <a:solidFill>
+                  <a:srgbClr val="8B8E97"/>
+                </a:solidFill>
+                <a:uFill>
+                  <a:solidFill>
+                    <a:srgbClr val="FFFFFF"/>
+                  </a:solidFill>
+                </a:uFill>
+                <a:latin typeface="Calibri"/>
+              </a:rPr>
+              <a:t> / XYZ</a:t>
             </a:r>
             <a:endParaRPr/>
           </a:p>
@@ -3968,32 +4945,313 @@
       </p:sp>
     </p:spTree>
   </p:cSld>
-  <p:clrMap bg1="lt1" bg2="lt2" tx1="dk1" tx2="dk2" accent1="accent1" accent2="accent2" accent3="accent3" accent4="accent4" accent5="accent5" accent6="accent6" hlink="hlink" folHlink="folHlink"/>
+  <p:clrMap bg1="lt1" tx1="dk1" bg2="lt2" tx2="dk2" accent1="accent1" accent2="accent2" accent3="accent3" accent4="accent4" accent5="accent5" accent6="accent6" hlink="hlink" folHlink="folHlink"/>
   <p:sldLayoutIdLst>
-    <p:sldLayoutId id="2147483649" r:id="rId5"/>
-    <p:sldLayoutId id="2147483650" r:id="rId6"/>
-    <p:sldLayoutId id="2147483651" r:id="rId7"/>
-    <p:sldLayoutId id="2147483652" r:id="rId8"/>
-    <p:sldLayoutId id="2147483653" r:id="rId9"/>
-    <p:sldLayoutId id="2147483654" r:id="rId10"/>
-    <p:sldLayoutId id="2147483655" r:id="rId11"/>
-    <p:sldLayoutId id="2147483656" r:id="rId12"/>
-    <p:sldLayoutId id="2147483657" r:id="rId13"/>
-    <p:sldLayoutId id="2147483658" r:id="rId14"/>
-    <p:sldLayoutId id="2147483659" r:id="rId15"/>
-    <p:sldLayoutId id="2147483660" r:id="rId16"/>
+    <p:sldLayoutId id="2147483662" r:id="rId1"/>
+    <p:sldLayoutId id="2147483663" r:id="rId2"/>
+    <p:sldLayoutId id="2147483664" r:id="rId3"/>
+    <p:sldLayoutId id="2147483665" r:id="rId4"/>
+    <p:sldLayoutId id="2147483666" r:id="rId5"/>
+    <p:sldLayoutId id="2147483667" r:id="rId6"/>
+    <p:sldLayoutId id="2147483668" r:id="rId7"/>
+    <p:sldLayoutId id="2147483669" r:id="rId8"/>
+    <p:sldLayoutId id="2147483670" r:id="rId9"/>
+    <p:sldLayoutId id="2147483671" r:id="rId10"/>
+    <p:sldLayoutId id="2147483672" r:id="rId11"/>
+    <p:sldLayoutId id="2147483673" r:id="rId12"/>
   </p:sldLayoutIdLst>
+  <p:txStyles>
+    <p:titleStyle>
+      <a:lvl1pPr algn="l" defTabSz="914400" rtl="0" eaLnBrk="1" latinLnBrk="0" hangingPunct="1">
+        <a:lnSpc>
+          <a:spcPct val="90000"/>
+        </a:lnSpc>
+        <a:spcBef>
+          <a:spcPct val="0"/>
+        </a:spcBef>
+        <a:buNone/>
+        <a:defRPr sz="4400" kern="1200">
+          <a:solidFill>
+            <a:schemeClr val="tx1"/>
+          </a:solidFill>
+          <a:latin typeface="+mj-lt"/>
+          <a:ea typeface="+mj-ea"/>
+          <a:cs typeface="+mj-cs"/>
+        </a:defRPr>
+      </a:lvl1pPr>
+    </p:titleStyle>
+    <p:bodyStyle>
+      <a:lvl1pPr marL="228600" indent="-228600" algn="l" defTabSz="914400" rtl="0" eaLnBrk="1" latinLnBrk="0" hangingPunct="1">
+        <a:lnSpc>
+          <a:spcPct val="90000"/>
+        </a:lnSpc>
+        <a:spcBef>
+          <a:spcPts val="1000"/>
+        </a:spcBef>
+        <a:buFont typeface="Arial" panose="020B0604020202020204" pitchFamily="34" charset="0"/>
+        <a:buChar char="•"/>
+        <a:defRPr sz="2800" kern="1200">
+          <a:solidFill>
+            <a:schemeClr val="tx1"/>
+          </a:solidFill>
+          <a:latin typeface="+mn-lt"/>
+          <a:ea typeface="+mn-ea"/>
+          <a:cs typeface="+mn-cs"/>
+        </a:defRPr>
+      </a:lvl1pPr>
+      <a:lvl2pPr marL="685800" indent="-228600" algn="l" defTabSz="914400" rtl="0" eaLnBrk="1" latinLnBrk="0" hangingPunct="1">
+        <a:lnSpc>
+          <a:spcPct val="90000"/>
+        </a:lnSpc>
+        <a:spcBef>
+          <a:spcPts val="500"/>
+        </a:spcBef>
+        <a:buFont typeface="Arial" panose="020B0604020202020204" pitchFamily="34" charset="0"/>
+        <a:buChar char="•"/>
+        <a:defRPr sz="2400" kern="1200">
+          <a:solidFill>
+            <a:schemeClr val="tx1"/>
+          </a:solidFill>
+          <a:latin typeface="+mn-lt"/>
+          <a:ea typeface="+mn-ea"/>
+          <a:cs typeface="+mn-cs"/>
+        </a:defRPr>
+      </a:lvl2pPr>
+      <a:lvl3pPr marL="1143000" indent="-228600" algn="l" defTabSz="914400" rtl="0" eaLnBrk="1" latinLnBrk="0" hangingPunct="1">
+        <a:lnSpc>
+          <a:spcPct val="90000"/>
+        </a:lnSpc>
+        <a:spcBef>
+          <a:spcPts val="500"/>
+        </a:spcBef>
+        <a:buFont typeface="Arial" panose="020B0604020202020204" pitchFamily="34" charset="0"/>
+        <a:buChar char="•"/>
+        <a:defRPr sz="2000" kern="1200">
+          <a:solidFill>
+            <a:schemeClr val="tx1"/>
+          </a:solidFill>
+          <a:latin typeface="+mn-lt"/>
+          <a:ea typeface="+mn-ea"/>
+          <a:cs typeface="+mn-cs"/>
+        </a:defRPr>
+      </a:lvl3pPr>
+      <a:lvl4pPr marL="1600200" indent="-228600" algn="l" defTabSz="914400" rtl="0" eaLnBrk="1" latinLnBrk="0" hangingPunct="1">
+        <a:lnSpc>
+          <a:spcPct val="90000"/>
+        </a:lnSpc>
+        <a:spcBef>
+          <a:spcPts val="500"/>
+        </a:spcBef>
+        <a:buFont typeface="Arial" panose="020B0604020202020204" pitchFamily="34" charset="0"/>
+        <a:buChar char="•"/>
+        <a:defRPr sz="1800" kern="1200">
+          <a:solidFill>
+            <a:schemeClr val="tx1"/>
+          </a:solidFill>
+          <a:latin typeface="+mn-lt"/>
+          <a:ea typeface="+mn-ea"/>
+          <a:cs typeface="+mn-cs"/>
+        </a:defRPr>
+      </a:lvl4pPr>
+      <a:lvl5pPr marL="2057400" indent="-228600" algn="l" defTabSz="914400" rtl="0" eaLnBrk="1" latinLnBrk="0" hangingPunct="1">
+        <a:lnSpc>
+          <a:spcPct val="90000"/>
+        </a:lnSpc>
+        <a:spcBef>
+          <a:spcPts val="500"/>
+        </a:spcBef>
+        <a:buFont typeface="Arial" panose="020B0604020202020204" pitchFamily="34" charset="0"/>
+        <a:buChar char="•"/>
+        <a:defRPr sz="1800" kern="1200">
+          <a:solidFill>
+            <a:schemeClr val="tx1"/>
+          </a:solidFill>
+          <a:latin typeface="+mn-lt"/>
+          <a:ea typeface="+mn-ea"/>
+          <a:cs typeface="+mn-cs"/>
+        </a:defRPr>
+      </a:lvl5pPr>
+      <a:lvl6pPr marL="2514600" indent="-228600" algn="l" defTabSz="914400" rtl="0" eaLnBrk="1" latinLnBrk="0" hangingPunct="1">
+        <a:lnSpc>
+          <a:spcPct val="90000"/>
+        </a:lnSpc>
+        <a:spcBef>
+          <a:spcPts val="500"/>
+        </a:spcBef>
+        <a:buFont typeface="Arial" panose="020B0604020202020204" pitchFamily="34" charset="0"/>
+        <a:buChar char="•"/>
+        <a:defRPr sz="1800" kern="1200">
+          <a:solidFill>
+            <a:schemeClr val="tx1"/>
+          </a:solidFill>
+          <a:latin typeface="+mn-lt"/>
+          <a:ea typeface="+mn-ea"/>
+          <a:cs typeface="+mn-cs"/>
+        </a:defRPr>
+      </a:lvl6pPr>
+      <a:lvl7pPr marL="2971800" indent="-228600" algn="l" defTabSz="914400" rtl="0" eaLnBrk="1" latinLnBrk="0" hangingPunct="1">
+        <a:lnSpc>
+          <a:spcPct val="90000"/>
+        </a:lnSpc>
+        <a:spcBef>
+          <a:spcPts val="500"/>
+        </a:spcBef>
+        <a:buFont typeface="Arial" panose="020B0604020202020204" pitchFamily="34" charset="0"/>
+        <a:buChar char="•"/>
+        <a:defRPr sz="1800" kern="1200">
+          <a:solidFill>
+            <a:schemeClr val="tx1"/>
+          </a:solidFill>
+          <a:latin typeface="+mn-lt"/>
+          <a:ea typeface="+mn-ea"/>
+          <a:cs typeface="+mn-cs"/>
+        </a:defRPr>
+      </a:lvl7pPr>
+      <a:lvl8pPr marL="3429000" indent="-228600" algn="l" defTabSz="914400" rtl="0" eaLnBrk="1" latinLnBrk="0" hangingPunct="1">
+        <a:lnSpc>
+          <a:spcPct val="90000"/>
+        </a:lnSpc>
+        <a:spcBef>
+          <a:spcPts val="500"/>
+        </a:spcBef>
+        <a:buFont typeface="Arial" panose="020B0604020202020204" pitchFamily="34" charset="0"/>
+        <a:buChar char="•"/>
+        <a:defRPr sz="1800" kern="1200">
+          <a:solidFill>
+            <a:schemeClr val="tx1"/>
+          </a:solidFill>
+          <a:latin typeface="+mn-lt"/>
+          <a:ea typeface="+mn-ea"/>
+          <a:cs typeface="+mn-cs"/>
+        </a:defRPr>
+      </a:lvl8pPr>
+      <a:lvl9pPr marL="3886200" indent="-228600" algn="l" defTabSz="914400" rtl="0" eaLnBrk="1" latinLnBrk="0" hangingPunct="1">
+        <a:lnSpc>
+          <a:spcPct val="90000"/>
+        </a:lnSpc>
+        <a:spcBef>
+          <a:spcPts val="500"/>
+        </a:spcBef>
+        <a:buFont typeface="Arial" panose="020B0604020202020204" pitchFamily="34" charset="0"/>
+        <a:buChar char="•"/>
+        <a:defRPr sz="1800" kern="1200">
+          <a:solidFill>
+            <a:schemeClr val="tx1"/>
+          </a:solidFill>
+          <a:latin typeface="+mn-lt"/>
+          <a:ea typeface="+mn-ea"/>
+          <a:cs typeface="+mn-cs"/>
+        </a:defRPr>
+      </a:lvl9pPr>
+    </p:bodyStyle>
+    <p:otherStyle>
+      <a:defPPr>
+        <a:defRPr lang="bg-BG"/>
+      </a:defPPr>
+      <a:lvl1pPr marL="0" algn="l" defTabSz="914400" rtl="0" eaLnBrk="1" latinLnBrk="0" hangingPunct="1">
+        <a:defRPr sz="1800" kern="1200">
+          <a:solidFill>
+            <a:schemeClr val="tx1"/>
+          </a:solidFill>
+          <a:latin typeface="+mn-lt"/>
+          <a:ea typeface="+mn-ea"/>
+          <a:cs typeface="+mn-cs"/>
+        </a:defRPr>
+      </a:lvl1pPr>
+      <a:lvl2pPr marL="457200" algn="l" defTabSz="914400" rtl="0" eaLnBrk="1" latinLnBrk="0" hangingPunct="1">
+        <a:defRPr sz="1800" kern="1200">
+          <a:solidFill>
+            <a:schemeClr val="tx1"/>
+          </a:solidFill>
+          <a:latin typeface="+mn-lt"/>
+          <a:ea typeface="+mn-ea"/>
+          <a:cs typeface="+mn-cs"/>
+        </a:defRPr>
+      </a:lvl2pPr>
+      <a:lvl3pPr marL="914400" algn="l" defTabSz="914400" rtl="0" eaLnBrk="1" latinLnBrk="0" hangingPunct="1">
+        <a:defRPr sz="1800" kern="1200">
+          <a:solidFill>
+            <a:schemeClr val="tx1"/>
+          </a:solidFill>
+          <a:latin typeface="+mn-lt"/>
+          <a:ea typeface="+mn-ea"/>
+          <a:cs typeface="+mn-cs"/>
+        </a:defRPr>
+      </a:lvl3pPr>
+      <a:lvl4pPr marL="1371600" algn="l" defTabSz="914400" rtl="0" eaLnBrk="1" latinLnBrk="0" hangingPunct="1">
+        <a:defRPr sz="1800" kern="1200">
+          <a:solidFill>
+            <a:schemeClr val="tx1"/>
+          </a:solidFill>
+          <a:latin typeface="+mn-lt"/>
+          <a:ea typeface="+mn-ea"/>
+          <a:cs typeface="+mn-cs"/>
+        </a:defRPr>
+      </a:lvl4pPr>
+      <a:lvl5pPr marL="1828800" algn="l" defTabSz="914400" rtl="0" eaLnBrk="1" latinLnBrk="0" hangingPunct="1">
+        <a:defRPr sz="1800" kern="1200">
+          <a:solidFill>
+            <a:schemeClr val="tx1"/>
+          </a:solidFill>
+          <a:latin typeface="+mn-lt"/>
+          <a:ea typeface="+mn-ea"/>
+          <a:cs typeface="+mn-cs"/>
+        </a:defRPr>
+      </a:lvl5pPr>
+      <a:lvl6pPr marL="2286000" algn="l" defTabSz="914400" rtl="0" eaLnBrk="1" latinLnBrk="0" hangingPunct="1">
+        <a:defRPr sz="1800" kern="1200">
+          <a:solidFill>
+            <a:schemeClr val="tx1"/>
+          </a:solidFill>
+          <a:latin typeface="+mn-lt"/>
+          <a:ea typeface="+mn-ea"/>
+          <a:cs typeface="+mn-cs"/>
+        </a:defRPr>
+      </a:lvl6pPr>
+      <a:lvl7pPr marL="2743200" algn="l" defTabSz="914400" rtl="0" eaLnBrk="1" latinLnBrk="0" hangingPunct="1">
+        <a:defRPr sz="1800" kern="1200">
+          <a:solidFill>
+            <a:schemeClr val="tx1"/>
+          </a:solidFill>
+          <a:latin typeface="+mn-lt"/>
+          <a:ea typeface="+mn-ea"/>
+          <a:cs typeface="+mn-cs"/>
+        </a:defRPr>
+      </a:lvl7pPr>
+      <a:lvl8pPr marL="3200400" algn="l" defTabSz="914400" rtl="0" eaLnBrk="1" latinLnBrk="0" hangingPunct="1">
+        <a:defRPr sz="1800" kern="1200">
+          <a:solidFill>
+            <a:schemeClr val="tx1"/>
+          </a:solidFill>
+          <a:latin typeface="+mn-lt"/>
+          <a:ea typeface="+mn-ea"/>
+          <a:cs typeface="+mn-cs"/>
+        </a:defRPr>
+      </a:lvl8pPr>
+      <a:lvl9pPr marL="3657600" algn="l" defTabSz="914400" rtl="0" eaLnBrk="1" latinLnBrk="0" hangingPunct="1">
+        <a:defRPr sz="1800" kern="1200">
+          <a:solidFill>
+            <a:schemeClr val="tx1"/>
+          </a:solidFill>
+          <a:latin typeface="+mn-lt"/>
+          <a:ea typeface="+mn-ea"/>
+          <a:cs typeface="+mn-cs"/>
+        </a:defRPr>
+      </a:lvl9pPr>
+    </p:otherStyle>
+  </p:txStyles>
 </p:sldMaster>
 </file>
 
-<file path=ppt/slideMasters/slideMaster2.xml><?xml version="1.0" encoding="utf-8"?>
-<p:sldMaster xmlns:a="http://schemas.openxmlformats.org/drawingml/2006/main" xmlns:p="http://schemas.openxmlformats.org/presentationml/2006/main" xmlns:r="http://schemas.openxmlformats.org/officeDocument/2006/relationships">
+<file path=ppt/slideMasters/slideMaster3.xml><?xml version="1.0" encoding="utf-8"?>
+<p:sldMaster xmlns:a="http://schemas.openxmlformats.org/drawingml/2006/main" xmlns:r="http://schemas.openxmlformats.org/officeDocument/2006/relationships" xmlns:p="http://schemas.openxmlformats.org/presentationml/2006/main">
   <p:cSld>
     <p:bg>
       <p:bgPr>
         <a:solidFill>
-          <a:srgbClr val="ffffff"/>
+          <a:srgbClr val="FFFFFF"/>
         </a:solidFill>
+        <a:effectLst/>
       </p:bgPr>
     </p:bg>
     <p:spTree>
@@ -4012,7 +5270,7 @@
       </p:grpSpPr>
       <p:sp>
         <p:nvSpPr>
-          <p:cNvPr id="45" name="Line 1"/>
+          <p:cNvPr id="87" name="Line 1"/>
           <p:cNvSpPr/>
           <p:nvPr/>
         </p:nvSpPr>
@@ -4046,12 +5304,12 @@
       </p:sp>
       <p:pic>
         <p:nvPicPr>
-          <p:cNvPr id="46" name="Grafik 16" descr=""/>
+          <p:cNvPr id="88" name="Grafik 16"/>
           <p:cNvPicPr/>
           <p:nvPr/>
         </p:nvPicPr>
         <p:blipFill>
-          <a:blip r:embed="rId2"/>
+          <a:blip r:embed="rId14"/>
           <a:stretch/>
         </p:blipFill>
         <p:spPr>
@@ -4069,7 +5327,7 @@
       </p:pic>
       <p:sp>
         <p:nvSpPr>
-          <p:cNvPr id="47" name="Line 2"/>
+          <p:cNvPr id="89" name="Line 2"/>
           <p:cNvSpPr/>
           <p:nvPr/>
         </p:nvSpPr>
@@ -4103,674 +5361,6 @@
       </p:sp>
       <p:sp>
         <p:nvSpPr>
-          <p:cNvPr id="48" name="PlaceHolder 3"/>
-          <p:cNvSpPr>
-            <a:spLocks noGrp="1"/>
-          </p:cNvSpPr>
-          <p:nvPr>
-            <p:ph type="title"/>
-          </p:nvPr>
-        </p:nvSpPr>
-        <p:spPr>
-          <a:xfrm>
-            <a:off x="947880" y="1052640"/>
-            <a:ext cx="7430760" cy="1142640"/>
-          </a:xfrm>
-          <a:prstGeom prst="rect">
-            <a:avLst/>
-          </a:prstGeom>
-        </p:spPr>
-        <p:txBody>
-          <a:bodyPr anchor="ctr"/>
-          <a:p>
-            <a:pPr>
-              <a:lnSpc>
-                <a:spcPct val="100000"/>
-              </a:lnSpc>
-            </a:pPr>
-            <a:r>
-              <a:rPr b="1" lang="de-DE" sz="2400" spc="-1" strike="noStrike">
-                <a:solidFill>
-                  <a:srgbClr val="808080"/>
-                </a:solidFill>
-                <a:uFill>
-                  <a:solidFill>
-                    <a:srgbClr val="ffffff"/>
-                  </a:solidFill>
-                </a:uFill>
-                <a:latin typeface="Verdana"/>
-              </a:rPr>
-              <a:t>Titelmasterformat durch Klicken bearbeiten</a:t>
-            </a:r>
-            <a:endParaRPr/>
-          </a:p>
-        </p:txBody>
-      </p:sp>
-      <p:sp>
-        <p:nvSpPr>
-          <p:cNvPr id="49" name="PlaceHolder 4"/>
-          <p:cNvSpPr>
-            <a:spLocks noGrp="1"/>
-          </p:cNvSpPr>
-          <p:nvPr>
-            <p:ph type="body"/>
-          </p:nvPr>
-        </p:nvSpPr>
-        <p:spPr>
-          <a:xfrm>
-            <a:off x="947880" y="2421000"/>
-            <a:ext cx="7440120" cy="3488760"/>
-          </a:xfrm>
-          <a:prstGeom prst="rect">
-            <a:avLst/>
-          </a:prstGeom>
-        </p:spPr>
-        <p:txBody>
-          <a:bodyPr/>
-          <a:p>
-            <a:pPr marL="432000" indent="-324000">
-              <a:buClr>
-                <a:srgbClr val="ffffff"/>
-              </a:buClr>
-              <a:buSzPct val="45000"/>
-              <a:buFont typeface="StarSymbol"/>
-              <a:buChar char=""/>
-            </a:pPr>
-            <a:r>
-              <a:rPr lang="de-DE" sz="2000" spc="-1" strike="noStrike">
-                <a:solidFill>
-                  <a:srgbClr val="0b2a51"/>
-                </a:solidFill>
-                <a:uFill>
-                  <a:solidFill>
-                    <a:srgbClr val="ffffff"/>
-                  </a:solidFill>
-                </a:uFill>
-                <a:latin typeface="Verdana"/>
-              </a:rPr>
-              <a:t>Format des Gliederungstextes durch Klicken bearbeiten</a:t>
-            </a:r>
-            <a:endParaRPr/>
-          </a:p>
-          <a:p>
-            <a:pPr lvl="1" marL="864000" indent="-324000">
-              <a:buClr>
-                <a:srgbClr val="ffffff"/>
-              </a:buClr>
-              <a:buSzPct val="75000"/>
-              <a:buFont typeface="StarSymbol"/>
-              <a:buChar char=""/>
-            </a:pPr>
-            <a:r>
-              <a:rPr lang="de-DE" sz="2000" spc="-1" strike="noStrike">
-                <a:solidFill>
-                  <a:srgbClr val="0b2a51"/>
-                </a:solidFill>
-                <a:uFill>
-                  <a:solidFill>
-                    <a:srgbClr val="ffffff"/>
-                  </a:solidFill>
-                </a:uFill>
-                <a:latin typeface="Verdana"/>
-              </a:rPr>
-              <a:t>Zweite Gliederungsebene</a:t>
-            </a:r>
-            <a:endParaRPr/>
-          </a:p>
-          <a:p>
-            <a:pPr lvl="2" marL="1296000" indent="-288000">
-              <a:buClr>
-                <a:srgbClr val="ffffff"/>
-              </a:buClr>
-              <a:buSzPct val="45000"/>
-              <a:buFont typeface="StarSymbol"/>
-              <a:buChar char=""/>
-            </a:pPr>
-            <a:r>
-              <a:rPr lang="de-DE" sz="2000" spc="-1" strike="noStrike">
-                <a:solidFill>
-                  <a:srgbClr val="0b2a51"/>
-                </a:solidFill>
-                <a:uFill>
-                  <a:solidFill>
-                    <a:srgbClr val="ffffff"/>
-                  </a:solidFill>
-                </a:uFill>
-                <a:latin typeface="Verdana"/>
-              </a:rPr>
-              <a:t>Dritte Gliederungsebene</a:t>
-            </a:r>
-            <a:endParaRPr/>
-          </a:p>
-          <a:p>
-            <a:pPr lvl="3" marL="1728000" indent="-216000">
-              <a:buClr>
-                <a:srgbClr val="ffffff"/>
-              </a:buClr>
-              <a:buSzPct val="75000"/>
-              <a:buFont typeface="StarSymbol"/>
-              <a:buChar char=""/>
-            </a:pPr>
-            <a:r>
-              <a:rPr lang="de-DE" sz="2000" spc="-1" strike="noStrike">
-                <a:solidFill>
-                  <a:srgbClr val="0b2a51"/>
-                </a:solidFill>
-                <a:uFill>
-                  <a:solidFill>
-                    <a:srgbClr val="ffffff"/>
-                  </a:solidFill>
-                </a:uFill>
-                <a:latin typeface="Verdana"/>
-              </a:rPr>
-              <a:t>Vierte Gliederungsebene</a:t>
-            </a:r>
-            <a:endParaRPr/>
-          </a:p>
-          <a:p>
-            <a:pPr lvl="4" marL="2160000" indent="-216000">
-              <a:buClr>
-                <a:srgbClr val="ffffff"/>
-              </a:buClr>
-              <a:buSzPct val="45000"/>
-              <a:buFont typeface="StarSymbol"/>
-              <a:buChar char=""/>
-            </a:pPr>
-            <a:r>
-              <a:rPr lang="de-DE" sz="2000" spc="-1" strike="noStrike">
-                <a:solidFill>
-                  <a:srgbClr val="0b2a51"/>
-                </a:solidFill>
-                <a:uFill>
-                  <a:solidFill>
-                    <a:srgbClr val="ffffff"/>
-                  </a:solidFill>
-                </a:uFill>
-                <a:latin typeface="Verdana"/>
-              </a:rPr>
-              <a:t>Fünfte Gliederungsebene</a:t>
-            </a:r>
-            <a:endParaRPr/>
-          </a:p>
-          <a:p>
-            <a:pPr lvl="5" marL="2592000" indent="-216000">
-              <a:buClr>
-                <a:srgbClr val="ffffff"/>
-              </a:buClr>
-              <a:buSzPct val="45000"/>
-              <a:buFont typeface="StarSymbol"/>
-              <a:buChar char=""/>
-            </a:pPr>
-            <a:r>
-              <a:rPr lang="de-DE" sz="2000" spc="-1" strike="noStrike">
-                <a:solidFill>
-                  <a:srgbClr val="0b2a51"/>
-                </a:solidFill>
-                <a:uFill>
-                  <a:solidFill>
-                    <a:srgbClr val="ffffff"/>
-                  </a:solidFill>
-                </a:uFill>
-                <a:latin typeface="Verdana"/>
-              </a:rPr>
-              <a:t>Sechste Gliederungsebene</a:t>
-            </a:r>
-            <a:endParaRPr/>
-          </a:p>
-          <a:p>
-            <a:pPr>
-              <a:lnSpc>
-                <a:spcPct val="100000"/>
-              </a:lnSpc>
-            </a:pPr>
-            <a:r>
-              <a:rPr lang="de-DE" sz="2000" spc="-1" strike="noStrike">
-                <a:solidFill>
-                  <a:srgbClr val="0b2a51"/>
-                </a:solidFill>
-                <a:uFill>
-                  <a:solidFill>
-                    <a:srgbClr val="ffffff"/>
-                  </a:solidFill>
-                </a:uFill>
-                <a:latin typeface="Verdana"/>
-              </a:rPr>
-              <a:t>Siebte GliederungsebeneTextmasterformat bearbeiten</a:t>
-            </a:r>
-            <a:endParaRPr/>
-          </a:p>
-          <a:p>
-            <a:pPr lvl="1" marL="743040" indent="-285480">
-              <a:lnSpc>
-                <a:spcPct val="100000"/>
-              </a:lnSpc>
-              <a:buClr>
-                <a:srgbClr val="0b2a51"/>
-              </a:buClr>
-              <a:buFont typeface="Arial"/>
-              <a:buChar char="•"/>
-            </a:pPr>
-            <a:r>
-              <a:rPr lang="de-DE" sz="2000" spc="-1" strike="noStrike">
-                <a:solidFill>
-                  <a:srgbClr val="0b2a51"/>
-                </a:solidFill>
-                <a:uFill>
-                  <a:solidFill>
-                    <a:srgbClr val="ffffff"/>
-                  </a:solidFill>
-                </a:uFill>
-                <a:latin typeface="Verdana"/>
-              </a:rPr>
-              <a:t>Zweite Ebene</a:t>
-            </a:r>
-            <a:endParaRPr/>
-          </a:p>
-          <a:p>
-            <a:pPr lvl="2" marL="1143000" indent="-228240">
-              <a:lnSpc>
-                <a:spcPct val="100000"/>
-              </a:lnSpc>
-              <a:buClr>
-                <a:srgbClr val="0b2a51"/>
-              </a:buClr>
-              <a:buFont typeface="Symbol"/>
-              <a:buChar char="-"/>
-            </a:pPr>
-            <a:r>
-              <a:rPr lang="de-DE" sz="1600" spc="-1" strike="noStrike">
-                <a:solidFill>
-                  <a:srgbClr val="0b2a51"/>
-                </a:solidFill>
-                <a:uFill>
-                  <a:solidFill>
-                    <a:srgbClr val="ffffff"/>
-                  </a:solidFill>
-                </a:uFill>
-                <a:latin typeface="Verdana"/>
-              </a:rPr>
-              <a:t>Dritte Ebene</a:t>
-            </a:r>
-            <a:endParaRPr/>
-          </a:p>
-          <a:p>
-            <a:pPr lvl="3" marL="1600200" indent="-228240">
-              <a:lnSpc>
-                <a:spcPct val="100000"/>
-              </a:lnSpc>
-              <a:buClr>
-                <a:srgbClr val="0b2a51"/>
-              </a:buClr>
-              <a:buFont typeface="Wingdings" charset="2"/>
-              <a:buChar char=""/>
-            </a:pPr>
-            <a:r>
-              <a:rPr lang="de-DE" sz="1400" spc="-1" strike="noStrike">
-                <a:solidFill>
-                  <a:srgbClr val="0b2a51"/>
-                </a:solidFill>
-                <a:uFill>
-                  <a:solidFill>
-                    <a:srgbClr val="ffffff"/>
-                  </a:solidFill>
-                </a:uFill>
-                <a:latin typeface="Verdana"/>
-              </a:rPr>
-              <a:t>Vierte Ebene</a:t>
-            </a:r>
-            <a:endParaRPr/>
-          </a:p>
-          <a:p>
-            <a:pPr lvl="4" marL="2057400" indent="-228240">
-              <a:lnSpc>
-                <a:spcPct val="100000"/>
-              </a:lnSpc>
-              <a:buClr>
-                <a:srgbClr val="0b2a51"/>
-              </a:buClr>
-              <a:buFont typeface="Arial"/>
-              <a:buChar char="»"/>
-            </a:pPr>
-            <a:r>
-              <a:rPr lang="de-DE" sz="1200" spc="-1" strike="noStrike">
-                <a:solidFill>
-                  <a:srgbClr val="0b2a51"/>
-                </a:solidFill>
-                <a:uFill>
-                  <a:solidFill>
-                    <a:srgbClr val="ffffff"/>
-                  </a:solidFill>
-                </a:uFill>
-                <a:latin typeface="Verdana"/>
-              </a:rPr>
-              <a:t>Fünfte Ebene</a:t>
-            </a:r>
-            <a:endParaRPr/>
-          </a:p>
-        </p:txBody>
-      </p:sp>
-      <p:sp>
-        <p:nvSpPr>
-          <p:cNvPr id="50" name="PlaceHolder 5"/>
-          <p:cNvSpPr>
-            <a:spLocks noGrp="1"/>
-          </p:cNvSpPr>
-          <p:nvPr>
-            <p:ph type="dt"/>
-          </p:nvPr>
-        </p:nvSpPr>
-        <p:spPr>
-          <a:xfrm>
-            <a:off x="947880" y="6356520"/>
-            <a:ext cx="1738080" cy="364680"/>
-          </a:xfrm>
-          <a:prstGeom prst="rect">
-            <a:avLst/>
-          </a:prstGeom>
-        </p:spPr>
-        <p:txBody>
-          <a:bodyPr anchor="ctr"/>
-          <a:p>
-            <a:pPr>
-              <a:lnSpc>
-                <a:spcPct val="100000"/>
-              </a:lnSpc>
-            </a:pPr>
-            <a:r>
-              <a:rPr lang="de-DE" sz="1000" spc="-1" strike="noStrike">
-                <a:solidFill>
-                  <a:srgbClr val="808080"/>
-                </a:solidFill>
-                <a:uFill>
-                  <a:solidFill>
-                    <a:srgbClr val="ffffff"/>
-                  </a:solidFill>
-                </a:uFill>
-                <a:latin typeface="Verdana"/>
-              </a:rPr>
-              <a:t>02.02.2016</a:t>
-            </a:r>
-            <a:endParaRPr/>
-          </a:p>
-        </p:txBody>
-      </p:sp>
-      <p:sp>
-        <p:nvSpPr>
-          <p:cNvPr id="51" name="PlaceHolder 6"/>
-          <p:cNvSpPr>
-            <a:spLocks noGrp="1"/>
-          </p:cNvSpPr>
-          <p:nvPr>
-            <p:ph type="ftr"/>
-          </p:nvPr>
-        </p:nvSpPr>
-        <p:spPr>
-          <a:xfrm>
-            <a:off x="3029040" y="6356520"/>
-            <a:ext cx="3085920" cy="364680"/>
-          </a:xfrm>
-          <a:prstGeom prst="rect">
-            <a:avLst/>
-          </a:prstGeom>
-        </p:spPr>
-        <p:txBody>
-          <a:bodyPr anchor="ctr"/>
-          <a:p>
-            <a:pPr algn="ctr">
-              <a:lnSpc>
-                <a:spcPct val="100000"/>
-              </a:lnSpc>
-            </a:pPr>
-            <a:r>
-              <a:rPr lang="de-DE" sz="1200" spc="-1" strike="noStrike">
-                <a:solidFill>
-                  <a:srgbClr val="8b8e97"/>
-                </a:solidFill>
-                <a:uFill>
-                  <a:solidFill>
-                    <a:srgbClr val="ffffff"/>
-                  </a:solidFill>
-                </a:uFill>
-                <a:latin typeface="Calibri"/>
-              </a:rPr>
-              <a:t>Abschlusspräsentation SWT-Projekt</a:t>
-            </a:r>
-            <a:endParaRPr/>
-          </a:p>
-          <a:p>
-            <a:pPr algn="ctr">
-              <a:lnSpc>
-                <a:spcPct val="100000"/>
-              </a:lnSpc>
-            </a:pPr>
-            <a:r>
-              <a:rPr lang="de-DE" sz="1200" spc="-1" strike="noStrike">
-                <a:solidFill>
-                  <a:srgbClr val="8b8e97"/>
-                </a:solidFill>
-                <a:uFill>
-                  <a:solidFill>
-                    <a:srgbClr val="ffffff"/>
-                  </a:solidFill>
-                </a:uFill>
-                <a:latin typeface="Calibri"/>
-              </a:rPr>
-              <a:t>Gruppe 3: Fahrgastinformationssystem</a:t>
-            </a:r>
-            <a:endParaRPr/>
-          </a:p>
-        </p:txBody>
-      </p:sp>
-      <p:sp>
-        <p:nvSpPr>
-          <p:cNvPr id="52" name="PlaceHolder 7"/>
-          <p:cNvSpPr>
-            <a:spLocks noGrp="1"/>
-          </p:cNvSpPr>
-          <p:nvPr>
-            <p:ph type="sldNum"/>
-          </p:nvPr>
-        </p:nvSpPr>
-        <p:spPr>
-          <a:xfrm>
-            <a:off x="6458040" y="6356520"/>
-            <a:ext cx="1929960" cy="364680"/>
-          </a:xfrm>
-          <a:prstGeom prst="rect">
-            <a:avLst/>
-          </a:prstGeom>
-        </p:spPr>
-        <p:txBody>
-          <a:bodyPr anchor="ctr"/>
-          <a:p>
-            <a:pPr algn="r">
-              <a:lnSpc>
-                <a:spcPct val="100000"/>
-              </a:lnSpc>
-            </a:pPr>
-            <a:r>
-              <a:rPr lang="de-DE" sz="1200" spc="-1" strike="noStrike">
-                <a:solidFill>
-                  <a:srgbClr val="8b8e97"/>
-                </a:solidFill>
-                <a:uFill>
-                  <a:solidFill>
-                    <a:srgbClr val="ffffff"/>
-                  </a:solidFill>
-                </a:uFill>
-                <a:latin typeface="Calibri"/>
-              </a:rPr>
-              <a:t>Folie </a:t>
-            </a:r>
-            <a:fld id="{1BBC8941-D362-4671-B90B-5A7665D70E13}" type="slidenum">
-              <a:rPr lang="de-DE" sz="1200" spc="-1" strike="noStrike">
-                <a:solidFill>
-                  <a:srgbClr val="8b8e97"/>
-                </a:solidFill>
-                <a:uFill>
-                  <a:solidFill>
-                    <a:srgbClr val="ffffff"/>
-                  </a:solidFill>
-                </a:uFill>
-                <a:latin typeface="Calibri"/>
-              </a:rPr>
-              <a:t>&lt;Foliennummer&gt;</a:t>
-            </a:fld>
-            <a:r>
-              <a:rPr lang="de-DE" sz="1200" spc="-1" strike="noStrike">
-                <a:solidFill>
-                  <a:srgbClr val="8b8e97"/>
-                </a:solidFill>
-                <a:uFill>
-                  <a:solidFill>
-                    <a:srgbClr val="ffffff"/>
-                  </a:solidFill>
-                </a:uFill>
-                <a:latin typeface="Calibri"/>
-              </a:rPr>
-              <a:t> / XYZ</a:t>
-            </a:r>
-            <a:endParaRPr/>
-          </a:p>
-        </p:txBody>
-      </p:sp>
-    </p:spTree>
-  </p:cSld>
-  <p:clrMap bg1="lt1" bg2="lt2" tx1="dk1" tx2="dk2" accent1="accent1" accent2="accent2" accent3="accent3" accent4="accent4" accent5="accent5" accent6="accent6" hlink="hlink" folHlink="folHlink"/>
-  <p:sldLayoutIdLst>
-    <p:sldLayoutId id="2147483662" r:id="rId3"/>
-    <p:sldLayoutId id="2147483663" r:id="rId4"/>
-    <p:sldLayoutId id="2147483664" r:id="rId5"/>
-    <p:sldLayoutId id="2147483665" r:id="rId6"/>
-    <p:sldLayoutId id="2147483666" r:id="rId7"/>
-    <p:sldLayoutId id="2147483667" r:id="rId8"/>
-    <p:sldLayoutId id="2147483668" r:id="rId9"/>
-    <p:sldLayoutId id="2147483669" r:id="rId10"/>
-    <p:sldLayoutId id="2147483670" r:id="rId11"/>
-    <p:sldLayoutId id="2147483671" r:id="rId12"/>
-    <p:sldLayoutId id="2147483672" r:id="rId13"/>
-    <p:sldLayoutId id="2147483673" r:id="rId14"/>
-  </p:sldLayoutIdLst>
-</p:sldMaster>
-</file>
-
-<file path=ppt/slideMasters/slideMaster3.xml><?xml version="1.0" encoding="utf-8"?>
-<p:sldMaster xmlns:a="http://schemas.openxmlformats.org/drawingml/2006/main" xmlns:p="http://schemas.openxmlformats.org/presentationml/2006/main" xmlns:r="http://schemas.openxmlformats.org/officeDocument/2006/relationships">
-  <p:cSld>
-    <p:bg>
-      <p:bgPr>
-        <a:solidFill>
-          <a:srgbClr val="ffffff"/>
-        </a:solidFill>
-      </p:bgPr>
-    </p:bg>
-    <p:spTree>
-      <p:nvGrpSpPr>
-        <p:cNvPr id="1" name=""/>
-        <p:cNvGrpSpPr/>
-        <p:nvPr/>
-      </p:nvGrpSpPr>
-      <p:grpSpPr>
-        <a:xfrm>
-          <a:off x="0" y="0"/>
-          <a:ext cx="0" cy="0"/>
-          <a:chOff x="0" y="0"/>
-          <a:chExt cx="0" cy="0"/>
-        </a:xfrm>
-      </p:grpSpPr>
-      <p:sp>
-        <p:nvSpPr>
-          <p:cNvPr id="87" name="Line 1"/>
-          <p:cNvSpPr/>
-          <p:nvPr/>
-        </p:nvSpPr>
-        <p:spPr>
-          <a:xfrm>
-            <a:off x="0" y="908640"/>
-            <a:ext cx="9143640" cy="0"/>
-          </a:xfrm>
-          <a:prstGeom prst="line">
-            <a:avLst/>
-          </a:prstGeom>
-          <a:ln w="6480">
-            <a:solidFill>
-              <a:schemeClr val="bg2"/>
-            </a:solidFill>
-            <a:round/>
-          </a:ln>
-        </p:spPr>
-        <p:style>
-          <a:lnRef idx="1">
-            <a:schemeClr val="accent1"/>
-          </a:lnRef>
-          <a:fillRef idx="0">
-            <a:schemeClr val="accent1"/>
-          </a:fillRef>
-          <a:effectRef idx="0">
-            <a:schemeClr val="accent1"/>
-          </a:effectRef>
-          <a:fontRef idx="minor"/>
-        </p:style>
-      </p:sp>
-      <p:pic>
-        <p:nvPicPr>
-          <p:cNvPr id="88" name="Grafik 16" descr=""/>
-          <p:cNvPicPr/>
-          <p:nvPr/>
-        </p:nvPicPr>
-        <p:blipFill>
-          <a:blip r:embed="rId2"/>
-          <a:stretch/>
-        </p:blipFill>
-        <p:spPr>
-          <a:xfrm>
-            <a:off x="549000" y="332640"/>
-            <a:ext cx="1439640" cy="426600"/>
-          </a:xfrm>
-          <a:prstGeom prst="rect">
-            <a:avLst/>
-          </a:prstGeom>
-          <a:ln>
-            <a:noFill/>
-          </a:ln>
-        </p:spPr>
-      </p:pic>
-      <p:sp>
-        <p:nvSpPr>
-          <p:cNvPr id="89" name="Line 2"/>
-          <p:cNvSpPr/>
-          <p:nvPr/>
-        </p:nvSpPr>
-        <p:spPr>
-          <a:xfrm>
-            <a:off x="0" y="1052640"/>
-            <a:ext cx="9143640" cy="0"/>
-          </a:xfrm>
-          <a:prstGeom prst="line">
-            <a:avLst/>
-          </a:prstGeom>
-          <a:ln w="6480">
-            <a:solidFill>
-              <a:schemeClr val="bg2"/>
-            </a:solidFill>
-            <a:round/>
-          </a:ln>
-        </p:spPr>
-        <p:style>
-          <a:lnRef idx="1">
-            <a:schemeClr val="accent1"/>
-          </a:lnRef>
-          <a:fillRef idx="0">
-            <a:schemeClr val="accent1"/>
-          </a:fillRef>
-          <a:effectRef idx="0">
-            <a:schemeClr val="accent1"/>
-          </a:effectRef>
-          <a:fontRef idx="minor"/>
-        </p:style>
-      </p:sp>
-      <p:sp>
-        <p:nvSpPr>
           <p:cNvPr id="90" name="PlaceHolder 3"/>
           <p:cNvSpPr>
             <a:spLocks noGrp="1"/>
@@ -4790,6 +5380,7 @@
         </p:spPr>
         <p:txBody>
           <a:bodyPr anchor="b"/>
+          <a:lstStyle/>
           <a:p>
             <a:pPr>
               <a:lnSpc>
@@ -4797,13 +5388,13 @@
               </a:lnSpc>
             </a:pPr>
             <a:r>
-              <a:rPr b="1" lang="de-DE" sz="2000" spc="-1" strike="noStrike">
+              <a:rPr lang="de-DE" sz="2000" b="1" strike="noStrike" spc="-1">
                 <a:solidFill>
                   <a:srgbClr val="808080"/>
                 </a:solidFill>
                 <a:uFill>
                   <a:solidFill>
-                    <a:srgbClr val="ffffff"/>
+                    <a:srgbClr val="FFFFFF"/>
                   </a:solidFill>
                 </a:uFill>
                 <a:latin typeface="Verdana"/>
@@ -4834,11 +5425,12 @@
           </a:prstGeom>
         </p:spPr>
         <p:txBody>
-          <a:bodyPr lIns="90000" rIns="90000" tIns="45000" bIns="45000"/>
+          <a:bodyPr lIns="90000" tIns="45000" rIns="90000" bIns="45000"/>
+          <a:lstStyle/>
           <a:p>
             <a:pPr marL="432000" indent="-324000">
               <a:buClr>
-                <a:srgbClr val="ffffff"/>
+                <a:srgbClr val="FFFFFF"/>
               </a:buClr>
               <a:buSzPct val="45000"/>
               <a:buFont typeface="StarSymbol"/>
@@ -4853,9 +5445,9 @@
             <a:endParaRPr/>
           </a:p>
           <a:p>
-            <a:pPr lvl="1" marL="864000" indent="-324000">
+            <a:pPr marL="864000" lvl="1" indent="-324000">
               <a:buClr>
-                <a:srgbClr val="ffffff"/>
+                <a:srgbClr val="FFFFFF"/>
               </a:buClr>
               <a:buSzPct val="75000"/>
               <a:buFont typeface="StarSymbol"/>
@@ -4870,9 +5462,9 @@
             <a:endParaRPr/>
           </a:p>
           <a:p>
-            <a:pPr lvl="2" marL="1296000" indent="-288000">
+            <a:pPr marL="1296000" lvl="2" indent="-288000">
               <a:buClr>
-                <a:srgbClr val="ffffff"/>
+                <a:srgbClr val="FFFFFF"/>
               </a:buClr>
               <a:buSzPct val="45000"/>
               <a:buFont typeface="StarSymbol"/>
@@ -4887,9 +5479,9 @@
             <a:endParaRPr/>
           </a:p>
           <a:p>
-            <a:pPr lvl="3" marL="1728000" indent="-216000">
+            <a:pPr marL="1728000" lvl="3" indent="-216000">
               <a:buClr>
-                <a:srgbClr val="ffffff"/>
+                <a:srgbClr val="FFFFFF"/>
               </a:buClr>
               <a:buSzPct val="75000"/>
               <a:buFont typeface="StarSymbol"/>
@@ -4904,9 +5496,9 @@
             <a:endParaRPr/>
           </a:p>
           <a:p>
-            <a:pPr lvl="4" marL="2160000" indent="-216000">
+            <a:pPr marL="2160000" lvl="4" indent="-216000">
               <a:buClr>
-                <a:srgbClr val="ffffff"/>
+                <a:srgbClr val="FFFFFF"/>
               </a:buClr>
               <a:buSzPct val="45000"/>
               <a:buFont typeface="StarSymbol"/>
@@ -4921,9 +5513,9 @@
             <a:endParaRPr/>
           </a:p>
           <a:p>
-            <a:pPr lvl="5" marL="2592000" indent="-216000">
+            <a:pPr marL="2592000" lvl="5" indent="-216000">
               <a:buClr>
-                <a:srgbClr val="ffffff"/>
+                <a:srgbClr val="FFFFFF"/>
               </a:buClr>
               <a:buSzPct val="45000"/>
               <a:buFont typeface="StarSymbol"/>
@@ -4938,9 +5530,9 @@
             <a:endParaRPr/>
           </a:p>
           <a:p>
-            <a:pPr lvl="6" marL="3024000" indent="-216000">
+            <a:pPr marL="3024000" lvl="6" indent="-216000">
               <a:buClr>
-                <a:srgbClr val="ffffff"/>
+                <a:srgbClr val="FFFFFF"/>
               </a:buClr>
               <a:buSzPct val="45000"/>
               <a:buFont typeface="StarSymbol"/>
@@ -4977,23 +5569,24 @@
         </p:spPr>
         <p:txBody>
           <a:bodyPr/>
+          <a:lstStyle/>
           <a:p>
             <a:pPr marL="432000" indent="-324000">
               <a:buClr>
-                <a:srgbClr val="ffffff"/>
+                <a:srgbClr val="FFFFFF"/>
               </a:buClr>
               <a:buSzPct val="45000"/>
               <a:buFont typeface="StarSymbol"/>
               <a:buChar char=""/>
             </a:pPr>
             <a:r>
-              <a:rPr lang="de-DE" sz="1400" spc="-1" strike="noStrike">
+              <a:rPr lang="de-DE" sz="1400" strike="noStrike" spc="-1">
                 <a:solidFill>
-                  <a:srgbClr val="0b2a51"/>
+                  <a:srgbClr val="0B2A51"/>
                 </a:solidFill>
                 <a:uFill>
                   <a:solidFill>
-                    <a:srgbClr val="ffffff"/>
+                    <a:srgbClr val="FFFFFF"/>
                   </a:solidFill>
                 </a:uFill>
                 <a:latin typeface="Verdana"/>
@@ -5003,22 +5596,22 @@
             <a:endParaRPr/>
           </a:p>
           <a:p>
-            <a:pPr lvl="1" marL="864000" indent="-324000">
+            <a:pPr marL="864000" lvl="1" indent="-324000">
               <a:buClr>
-                <a:srgbClr val="ffffff"/>
+                <a:srgbClr val="FFFFFF"/>
               </a:buClr>
               <a:buSzPct val="75000"/>
               <a:buFont typeface="StarSymbol"/>
               <a:buChar char=""/>
             </a:pPr>
             <a:r>
-              <a:rPr lang="de-DE" sz="1400" spc="-1" strike="noStrike">
+              <a:rPr lang="de-DE" sz="1400" strike="noStrike" spc="-1">
                 <a:solidFill>
-                  <a:srgbClr val="0b2a51"/>
+                  <a:srgbClr val="0B2A51"/>
                 </a:solidFill>
                 <a:uFill>
                   <a:solidFill>
-                    <a:srgbClr val="ffffff"/>
+                    <a:srgbClr val="FFFFFF"/>
                   </a:solidFill>
                 </a:uFill>
                 <a:latin typeface="Verdana"/>
@@ -5028,22 +5621,22 @@
             <a:endParaRPr/>
           </a:p>
           <a:p>
-            <a:pPr lvl="2" marL="1296000" indent="-288000">
+            <a:pPr marL="1296000" lvl="2" indent="-288000">
               <a:buClr>
-                <a:srgbClr val="ffffff"/>
+                <a:srgbClr val="FFFFFF"/>
               </a:buClr>
               <a:buSzPct val="45000"/>
               <a:buFont typeface="StarSymbol"/>
               <a:buChar char=""/>
             </a:pPr>
             <a:r>
-              <a:rPr lang="de-DE" sz="1400" spc="-1" strike="noStrike">
+              <a:rPr lang="de-DE" sz="1400" strike="noStrike" spc="-1">
                 <a:solidFill>
-                  <a:srgbClr val="0b2a51"/>
+                  <a:srgbClr val="0B2A51"/>
                 </a:solidFill>
                 <a:uFill>
                   <a:solidFill>
-                    <a:srgbClr val="ffffff"/>
+                    <a:srgbClr val="FFFFFF"/>
                   </a:solidFill>
                 </a:uFill>
                 <a:latin typeface="Verdana"/>
@@ -5053,22 +5646,22 @@
             <a:endParaRPr/>
           </a:p>
           <a:p>
-            <a:pPr lvl="3" marL="1728000" indent="-216000">
+            <a:pPr marL="1728000" lvl="3" indent="-216000">
               <a:buClr>
-                <a:srgbClr val="ffffff"/>
+                <a:srgbClr val="FFFFFF"/>
               </a:buClr>
               <a:buSzPct val="75000"/>
               <a:buFont typeface="StarSymbol"/>
               <a:buChar char=""/>
             </a:pPr>
             <a:r>
-              <a:rPr lang="de-DE" sz="1400" spc="-1" strike="noStrike">
+              <a:rPr lang="de-DE" sz="1400" strike="noStrike" spc="-1">
                 <a:solidFill>
-                  <a:srgbClr val="0b2a51"/>
+                  <a:srgbClr val="0B2A51"/>
                 </a:solidFill>
                 <a:uFill>
                   <a:solidFill>
-                    <a:srgbClr val="ffffff"/>
+                    <a:srgbClr val="FFFFFF"/>
                   </a:solidFill>
                 </a:uFill>
                 <a:latin typeface="Verdana"/>
@@ -5078,22 +5671,22 @@
             <a:endParaRPr/>
           </a:p>
           <a:p>
-            <a:pPr lvl="4" marL="2160000" indent="-216000">
+            <a:pPr marL="2160000" lvl="4" indent="-216000">
               <a:buClr>
-                <a:srgbClr val="ffffff"/>
+                <a:srgbClr val="FFFFFF"/>
               </a:buClr>
               <a:buSzPct val="45000"/>
               <a:buFont typeface="StarSymbol"/>
               <a:buChar char=""/>
             </a:pPr>
             <a:r>
-              <a:rPr lang="de-DE" sz="1400" spc="-1" strike="noStrike">
+              <a:rPr lang="de-DE" sz="1400" strike="noStrike" spc="-1">
                 <a:solidFill>
-                  <a:srgbClr val="0b2a51"/>
+                  <a:srgbClr val="0B2A51"/>
                 </a:solidFill>
                 <a:uFill>
                   <a:solidFill>
-                    <a:srgbClr val="ffffff"/>
+                    <a:srgbClr val="FFFFFF"/>
                   </a:solidFill>
                 </a:uFill>
                 <a:latin typeface="Verdana"/>
@@ -5103,22 +5696,22 @@
             <a:endParaRPr/>
           </a:p>
           <a:p>
-            <a:pPr lvl="5" marL="2592000" indent="-216000">
+            <a:pPr marL="2592000" lvl="5" indent="-216000">
               <a:buClr>
-                <a:srgbClr val="ffffff"/>
+                <a:srgbClr val="FFFFFF"/>
               </a:buClr>
               <a:buSzPct val="45000"/>
               <a:buFont typeface="StarSymbol"/>
               <a:buChar char=""/>
             </a:pPr>
             <a:r>
-              <a:rPr lang="de-DE" sz="1400" spc="-1" strike="noStrike">
+              <a:rPr lang="de-DE" sz="1400" strike="noStrike" spc="-1">
                 <a:solidFill>
-                  <a:srgbClr val="0b2a51"/>
+                  <a:srgbClr val="0B2A51"/>
                 </a:solidFill>
                 <a:uFill>
                   <a:solidFill>
-                    <a:srgbClr val="ffffff"/>
+                    <a:srgbClr val="FFFFFF"/>
                   </a:solidFill>
                 </a:uFill>
                 <a:latin typeface="Verdana"/>
@@ -5134,13 +5727,13 @@
               </a:lnSpc>
             </a:pPr>
             <a:r>
-              <a:rPr lang="de-DE" sz="1400" spc="-1" strike="noStrike">
+              <a:rPr lang="de-DE" sz="1400" strike="noStrike" spc="-1">
                 <a:solidFill>
-                  <a:srgbClr val="0b2a51"/>
+                  <a:srgbClr val="0B2A51"/>
                 </a:solidFill>
                 <a:uFill>
                   <a:solidFill>
-                    <a:srgbClr val="ffffff"/>
+                    <a:srgbClr val="FFFFFF"/>
                   </a:solidFill>
                 </a:uFill>
                 <a:latin typeface="Verdana"/>
@@ -5172,6 +5765,7 @@
         </p:spPr>
         <p:txBody>
           <a:bodyPr anchor="ctr"/>
+          <a:lstStyle/>
           <a:p>
             <a:pPr>
               <a:lnSpc>
@@ -5179,13 +5773,13 @@
               </a:lnSpc>
             </a:pPr>
             <a:r>
-              <a:rPr lang="de-DE" sz="1000" spc="-1" strike="noStrike">
+              <a:rPr lang="de-DE" sz="1000" strike="noStrike" spc="-1">
                 <a:solidFill>
                   <a:srgbClr val="808080"/>
                 </a:solidFill>
                 <a:uFill>
                   <a:solidFill>
-                    <a:srgbClr val="ffffff"/>
+                    <a:srgbClr val="FFFFFF"/>
                   </a:solidFill>
                 </a:uFill>
                 <a:latin typeface="Verdana"/>
@@ -5217,6 +5811,7 @@
         </p:spPr>
         <p:txBody>
           <a:bodyPr anchor="ctr"/>
+          <a:lstStyle/>
           <a:p>
             <a:pPr algn="ctr">
               <a:lnSpc>
@@ -5224,13 +5819,13 @@
               </a:lnSpc>
             </a:pPr>
             <a:r>
-              <a:rPr lang="de-DE" sz="1200" spc="-1" strike="noStrike">
+              <a:rPr lang="de-DE" sz="1200" strike="noStrike" spc="-1">
                 <a:solidFill>
-                  <a:srgbClr val="8b8e97"/>
+                  <a:srgbClr val="8B8E97"/>
                 </a:solidFill>
                 <a:uFill>
                   <a:solidFill>
-                    <a:srgbClr val="ffffff"/>
+                    <a:srgbClr val="FFFFFF"/>
                   </a:solidFill>
                 </a:uFill>
                 <a:latin typeface="Calibri"/>
@@ -5246,13 +5841,13 @@
               </a:lnSpc>
             </a:pPr>
             <a:r>
-              <a:rPr lang="de-DE" sz="1200" spc="-1" strike="noStrike">
+              <a:rPr lang="de-DE" sz="1200" strike="noStrike" spc="-1">
                 <a:solidFill>
-                  <a:srgbClr val="8b8e97"/>
+                  <a:srgbClr val="8B8E97"/>
                 </a:solidFill>
                 <a:uFill>
                   <a:solidFill>
-                    <a:srgbClr val="ffffff"/>
+                    <a:srgbClr val="FFFFFF"/>
                   </a:solidFill>
                 </a:uFill>
                 <a:latin typeface="Calibri"/>
@@ -5284,6 +5879,7 @@
         </p:spPr>
         <p:txBody>
           <a:bodyPr anchor="ctr"/>
+          <a:lstStyle/>
           <a:p>
             <a:pPr algn="r">
               <a:lnSpc>
@@ -5291,13 +5887,13 @@
               </a:lnSpc>
             </a:pPr>
             <a:r>
-              <a:rPr lang="de-DE" sz="1200" spc="-1" strike="noStrike">
+              <a:rPr lang="de-DE" sz="1200" strike="noStrike" spc="-1">
                 <a:solidFill>
-                  <a:srgbClr val="8b8e97"/>
+                  <a:srgbClr val="8B8E97"/>
                 </a:solidFill>
                 <a:uFill>
                   <a:solidFill>
-                    <a:srgbClr val="ffffff"/>
+                    <a:srgbClr val="FFFFFF"/>
                   </a:solidFill>
                 </a:uFill>
                 <a:latin typeface="Calibri"/>
@@ -5305,27 +5901,27 @@
               <a:t>Folie </a:t>
             </a:r>
             <a:fld id="{33662365-F9B8-47E9-9A03-4263CBF0A7A3}" type="slidenum">
-              <a:rPr lang="de-DE" sz="1200" spc="-1" strike="noStrike">
+              <a:rPr lang="de-DE" sz="1200" strike="noStrike" spc="-1">
                 <a:solidFill>
-                  <a:srgbClr val="8b8e97"/>
+                  <a:srgbClr val="8B8E97"/>
                 </a:solidFill>
                 <a:uFill>
                   <a:solidFill>
-                    <a:srgbClr val="ffffff"/>
+                    <a:srgbClr val="FFFFFF"/>
                   </a:solidFill>
                 </a:uFill>
                 <a:latin typeface="Calibri"/>
               </a:rPr>
-              <a:t>&lt;Foliennummer&gt;</a:t>
+              <a:t>‹#›</a:t>
             </a:fld>
             <a:r>
-              <a:rPr lang="de-DE" sz="1200" spc="-1" strike="noStrike">
+              <a:rPr lang="de-DE" sz="1200" strike="noStrike" spc="-1">
                 <a:solidFill>
-                  <a:srgbClr val="8b8e97"/>
+                  <a:srgbClr val="8B8E97"/>
                 </a:solidFill>
                 <a:uFill>
                   <a:solidFill>
-                    <a:srgbClr val="ffffff"/>
+                    <a:srgbClr val="FFFFFF"/>
                   </a:solidFill>
                 </a:uFill>
                 <a:latin typeface="Calibri"/>
@@ -5338,26 +5934,306 @@
       </p:sp>
     </p:spTree>
   </p:cSld>
-  <p:clrMap bg1="lt1" bg2="lt2" tx1="dk1" tx2="dk2" accent1="accent1" accent2="accent2" accent3="accent3" accent4="accent4" accent5="accent5" accent6="accent6" hlink="hlink" folHlink="folHlink"/>
+  <p:clrMap bg1="lt1" tx1="dk1" bg2="lt2" tx2="dk2" accent1="accent1" accent2="accent2" accent3="accent3" accent4="accent4" accent5="accent5" accent6="accent6" hlink="hlink" folHlink="folHlink"/>
   <p:sldLayoutIdLst>
-    <p:sldLayoutId id="2147483675" r:id="rId3"/>
-    <p:sldLayoutId id="2147483676" r:id="rId4"/>
-    <p:sldLayoutId id="2147483677" r:id="rId5"/>
-    <p:sldLayoutId id="2147483678" r:id="rId6"/>
-    <p:sldLayoutId id="2147483679" r:id="rId7"/>
-    <p:sldLayoutId id="2147483680" r:id="rId8"/>
-    <p:sldLayoutId id="2147483681" r:id="rId9"/>
-    <p:sldLayoutId id="2147483682" r:id="rId10"/>
-    <p:sldLayoutId id="2147483683" r:id="rId11"/>
-    <p:sldLayoutId id="2147483684" r:id="rId12"/>
-    <p:sldLayoutId id="2147483685" r:id="rId13"/>
-    <p:sldLayoutId id="2147483686" r:id="rId14"/>
+    <p:sldLayoutId id="2147483675" r:id="rId1"/>
+    <p:sldLayoutId id="2147483676" r:id="rId2"/>
+    <p:sldLayoutId id="2147483677" r:id="rId3"/>
+    <p:sldLayoutId id="2147483678" r:id="rId4"/>
+    <p:sldLayoutId id="2147483679" r:id="rId5"/>
+    <p:sldLayoutId id="2147483680" r:id="rId6"/>
+    <p:sldLayoutId id="2147483681" r:id="rId7"/>
+    <p:sldLayoutId id="2147483682" r:id="rId8"/>
+    <p:sldLayoutId id="2147483683" r:id="rId9"/>
+    <p:sldLayoutId id="2147483684" r:id="rId10"/>
+    <p:sldLayoutId id="2147483685" r:id="rId11"/>
+    <p:sldLayoutId id="2147483686" r:id="rId12"/>
   </p:sldLayoutIdLst>
+  <p:txStyles>
+    <p:titleStyle>
+      <a:lvl1pPr algn="l" defTabSz="914400" rtl="0" eaLnBrk="1" latinLnBrk="0" hangingPunct="1">
+        <a:lnSpc>
+          <a:spcPct val="90000"/>
+        </a:lnSpc>
+        <a:spcBef>
+          <a:spcPct val="0"/>
+        </a:spcBef>
+        <a:buNone/>
+        <a:defRPr sz="4400" kern="1200">
+          <a:solidFill>
+            <a:schemeClr val="tx1"/>
+          </a:solidFill>
+          <a:latin typeface="+mj-lt"/>
+          <a:ea typeface="+mj-ea"/>
+          <a:cs typeface="+mj-cs"/>
+        </a:defRPr>
+      </a:lvl1pPr>
+    </p:titleStyle>
+    <p:bodyStyle>
+      <a:lvl1pPr marL="228600" indent="-228600" algn="l" defTabSz="914400" rtl="0" eaLnBrk="1" latinLnBrk="0" hangingPunct="1">
+        <a:lnSpc>
+          <a:spcPct val="90000"/>
+        </a:lnSpc>
+        <a:spcBef>
+          <a:spcPts val="1000"/>
+        </a:spcBef>
+        <a:buFont typeface="Arial" panose="020B0604020202020204" pitchFamily="34" charset="0"/>
+        <a:buChar char="•"/>
+        <a:defRPr sz="2800" kern="1200">
+          <a:solidFill>
+            <a:schemeClr val="tx1"/>
+          </a:solidFill>
+          <a:latin typeface="+mn-lt"/>
+          <a:ea typeface="+mn-ea"/>
+          <a:cs typeface="+mn-cs"/>
+        </a:defRPr>
+      </a:lvl1pPr>
+      <a:lvl2pPr marL="685800" indent="-228600" algn="l" defTabSz="914400" rtl="0" eaLnBrk="1" latinLnBrk="0" hangingPunct="1">
+        <a:lnSpc>
+          <a:spcPct val="90000"/>
+        </a:lnSpc>
+        <a:spcBef>
+          <a:spcPts val="500"/>
+        </a:spcBef>
+        <a:buFont typeface="Arial" panose="020B0604020202020204" pitchFamily="34" charset="0"/>
+        <a:buChar char="•"/>
+        <a:defRPr sz="2400" kern="1200">
+          <a:solidFill>
+            <a:schemeClr val="tx1"/>
+          </a:solidFill>
+          <a:latin typeface="+mn-lt"/>
+          <a:ea typeface="+mn-ea"/>
+          <a:cs typeface="+mn-cs"/>
+        </a:defRPr>
+      </a:lvl2pPr>
+      <a:lvl3pPr marL="1143000" indent="-228600" algn="l" defTabSz="914400" rtl="0" eaLnBrk="1" latinLnBrk="0" hangingPunct="1">
+        <a:lnSpc>
+          <a:spcPct val="90000"/>
+        </a:lnSpc>
+        <a:spcBef>
+          <a:spcPts val="500"/>
+        </a:spcBef>
+        <a:buFont typeface="Arial" panose="020B0604020202020204" pitchFamily="34" charset="0"/>
+        <a:buChar char="•"/>
+        <a:defRPr sz="2000" kern="1200">
+          <a:solidFill>
+            <a:schemeClr val="tx1"/>
+          </a:solidFill>
+          <a:latin typeface="+mn-lt"/>
+          <a:ea typeface="+mn-ea"/>
+          <a:cs typeface="+mn-cs"/>
+        </a:defRPr>
+      </a:lvl3pPr>
+      <a:lvl4pPr marL="1600200" indent="-228600" algn="l" defTabSz="914400" rtl="0" eaLnBrk="1" latinLnBrk="0" hangingPunct="1">
+        <a:lnSpc>
+          <a:spcPct val="90000"/>
+        </a:lnSpc>
+        <a:spcBef>
+          <a:spcPts val="500"/>
+        </a:spcBef>
+        <a:buFont typeface="Arial" panose="020B0604020202020204" pitchFamily="34" charset="0"/>
+        <a:buChar char="•"/>
+        <a:defRPr sz="1800" kern="1200">
+          <a:solidFill>
+            <a:schemeClr val="tx1"/>
+          </a:solidFill>
+          <a:latin typeface="+mn-lt"/>
+          <a:ea typeface="+mn-ea"/>
+          <a:cs typeface="+mn-cs"/>
+        </a:defRPr>
+      </a:lvl4pPr>
+      <a:lvl5pPr marL="2057400" indent="-228600" algn="l" defTabSz="914400" rtl="0" eaLnBrk="1" latinLnBrk="0" hangingPunct="1">
+        <a:lnSpc>
+          <a:spcPct val="90000"/>
+        </a:lnSpc>
+        <a:spcBef>
+          <a:spcPts val="500"/>
+        </a:spcBef>
+        <a:buFont typeface="Arial" panose="020B0604020202020204" pitchFamily="34" charset="0"/>
+        <a:buChar char="•"/>
+        <a:defRPr sz="1800" kern="1200">
+          <a:solidFill>
+            <a:schemeClr val="tx1"/>
+          </a:solidFill>
+          <a:latin typeface="+mn-lt"/>
+          <a:ea typeface="+mn-ea"/>
+          <a:cs typeface="+mn-cs"/>
+        </a:defRPr>
+      </a:lvl5pPr>
+      <a:lvl6pPr marL="2514600" indent="-228600" algn="l" defTabSz="914400" rtl="0" eaLnBrk="1" latinLnBrk="0" hangingPunct="1">
+        <a:lnSpc>
+          <a:spcPct val="90000"/>
+        </a:lnSpc>
+        <a:spcBef>
+          <a:spcPts val="500"/>
+        </a:spcBef>
+        <a:buFont typeface="Arial" panose="020B0604020202020204" pitchFamily="34" charset="0"/>
+        <a:buChar char="•"/>
+        <a:defRPr sz="1800" kern="1200">
+          <a:solidFill>
+            <a:schemeClr val="tx1"/>
+          </a:solidFill>
+          <a:latin typeface="+mn-lt"/>
+          <a:ea typeface="+mn-ea"/>
+          <a:cs typeface="+mn-cs"/>
+        </a:defRPr>
+      </a:lvl6pPr>
+      <a:lvl7pPr marL="2971800" indent="-228600" algn="l" defTabSz="914400" rtl="0" eaLnBrk="1" latinLnBrk="0" hangingPunct="1">
+        <a:lnSpc>
+          <a:spcPct val="90000"/>
+        </a:lnSpc>
+        <a:spcBef>
+          <a:spcPts val="500"/>
+        </a:spcBef>
+        <a:buFont typeface="Arial" panose="020B0604020202020204" pitchFamily="34" charset="0"/>
+        <a:buChar char="•"/>
+        <a:defRPr sz="1800" kern="1200">
+          <a:solidFill>
+            <a:schemeClr val="tx1"/>
+          </a:solidFill>
+          <a:latin typeface="+mn-lt"/>
+          <a:ea typeface="+mn-ea"/>
+          <a:cs typeface="+mn-cs"/>
+        </a:defRPr>
+      </a:lvl7pPr>
+      <a:lvl8pPr marL="3429000" indent="-228600" algn="l" defTabSz="914400" rtl="0" eaLnBrk="1" latinLnBrk="0" hangingPunct="1">
+        <a:lnSpc>
+          <a:spcPct val="90000"/>
+        </a:lnSpc>
+        <a:spcBef>
+          <a:spcPts val="500"/>
+        </a:spcBef>
+        <a:buFont typeface="Arial" panose="020B0604020202020204" pitchFamily="34" charset="0"/>
+        <a:buChar char="•"/>
+        <a:defRPr sz="1800" kern="1200">
+          <a:solidFill>
+            <a:schemeClr val="tx1"/>
+          </a:solidFill>
+          <a:latin typeface="+mn-lt"/>
+          <a:ea typeface="+mn-ea"/>
+          <a:cs typeface="+mn-cs"/>
+        </a:defRPr>
+      </a:lvl8pPr>
+      <a:lvl9pPr marL="3886200" indent="-228600" algn="l" defTabSz="914400" rtl="0" eaLnBrk="1" latinLnBrk="0" hangingPunct="1">
+        <a:lnSpc>
+          <a:spcPct val="90000"/>
+        </a:lnSpc>
+        <a:spcBef>
+          <a:spcPts val="500"/>
+        </a:spcBef>
+        <a:buFont typeface="Arial" panose="020B0604020202020204" pitchFamily="34" charset="0"/>
+        <a:buChar char="•"/>
+        <a:defRPr sz="1800" kern="1200">
+          <a:solidFill>
+            <a:schemeClr val="tx1"/>
+          </a:solidFill>
+          <a:latin typeface="+mn-lt"/>
+          <a:ea typeface="+mn-ea"/>
+          <a:cs typeface="+mn-cs"/>
+        </a:defRPr>
+      </a:lvl9pPr>
+    </p:bodyStyle>
+    <p:otherStyle>
+      <a:defPPr>
+        <a:defRPr lang="bg-BG"/>
+      </a:defPPr>
+      <a:lvl1pPr marL="0" algn="l" defTabSz="914400" rtl="0" eaLnBrk="1" latinLnBrk="0" hangingPunct="1">
+        <a:defRPr sz="1800" kern="1200">
+          <a:solidFill>
+            <a:schemeClr val="tx1"/>
+          </a:solidFill>
+          <a:latin typeface="+mn-lt"/>
+          <a:ea typeface="+mn-ea"/>
+          <a:cs typeface="+mn-cs"/>
+        </a:defRPr>
+      </a:lvl1pPr>
+      <a:lvl2pPr marL="457200" algn="l" defTabSz="914400" rtl="0" eaLnBrk="1" latinLnBrk="0" hangingPunct="1">
+        <a:defRPr sz="1800" kern="1200">
+          <a:solidFill>
+            <a:schemeClr val="tx1"/>
+          </a:solidFill>
+          <a:latin typeface="+mn-lt"/>
+          <a:ea typeface="+mn-ea"/>
+          <a:cs typeface="+mn-cs"/>
+        </a:defRPr>
+      </a:lvl2pPr>
+      <a:lvl3pPr marL="914400" algn="l" defTabSz="914400" rtl="0" eaLnBrk="1" latinLnBrk="0" hangingPunct="1">
+        <a:defRPr sz="1800" kern="1200">
+          <a:solidFill>
+            <a:schemeClr val="tx1"/>
+          </a:solidFill>
+          <a:latin typeface="+mn-lt"/>
+          <a:ea typeface="+mn-ea"/>
+          <a:cs typeface="+mn-cs"/>
+        </a:defRPr>
+      </a:lvl3pPr>
+      <a:lvl4pPr marL="1371600" algn="l" defTabSz="914400" rtl="0" eaLnBrk="1" latinLnBrk="0" hangingPunct="1">
+        <a:defRPr sz="1800" kern="1200">
+          <a:solidFill>
+            <a:schemeClr val="tx1"/>
+          </a:solidFill>
+          <a:latin typeface="+mn-lt"/>
+          <a:ea typeface="+mn-ea"/>
+          <a:cs typeface="+mn-cs"/>
+        </a:defRPr>
+      </a:lvl4pPr>
+      <a:lvl5pPr marL="1828800" algn="l" defTabSz="914400" rtl="0" eaLnBrk="1" latinLnBrk="0" hangingPunct="1">
+        <a:defRPr sz="1800" kern="1200">
+          <a:solidFill>
+            <a:schemeClr val="tx1"/>
+          </a:solidFill>
+          <a:latin typeface="+mn-lt"/>
+          <a:ea typeface="+mn-ea"/>
+          <a:cs typeface="+mn-cs"/>
+        </a:defRPr>
+      </a:lvl5pPr>
+      <a:lvl6pPr marL="2286000" algn="l" defTabSz="914400" rtl="0" eaLnBrk="1" latinLnBrk="0" hangingPunct="1">
+        <a:defRPr sz="1800" kern="1200">
+          <a:solidFill>
+            <a:schemeClr val="tx1"/>
+          </a:solidFill>
+          <a:latin typeface="+mn-lt"/>
+          <a:ea typeface="+mn-ea"/>
+          <a:cs typeface="+mn-cs"/>
+        </a:defRPr>
+      </a:lvl6pPr>
+      <a:lvl7pPr marL="2743200" algn="l" defTabSz="914400" rtl="0" eaLnBrk="1" latinLnBrk="0" hangingPunct="1">
+        <a:defRPr sz="1800" kern="1200">
+          <a:solidFill>
+            <a:schemeClr val="tx1"/>
+          </a:solidFill>
+          <a:latin typeface="+mn-lt"/>
+          <a:ea typeface="+mn-ea"/>
+          <a:cs typeface="+mn-cs"/>
+        </a:defRPr>
+      </a:lvl7pPr>
+      <a:lvl8pPr marL="3200400" algn="l" defTabSz="914400" rtl="0" eaLnBrk="1" latinLnBrk="0" hangingPunct="1">
+        <a:defRPr sz="1800" kern="1200">
+          <a:solidFill>
+            <a:schemeClr val="tx1"/>
+          </a:solidFill>
+          <a:latin typeface="+mn-lt"/>
+          <a:ea typeface="+mn-ea"/>
+          <a:cs typeface="+mn-cs"/>
+        </a:defRPr>
+      </a:lvl8pPr>
+      <a:lvl9pPr marL="3657600" algn="l" defTabSz="914400" rtl="0" eaLnBrk="1" latinLnBrk="0" hangingPunct="1">
+        <a:defRPr sz="1800" kern="1200">
+          <a:solidFill>
+            <a:schemeClr val="tx1"/>
+          </a:solidFill>
+          <a:latin typeface="+mn-lt"/>
+          <a:ea typeface="+mn-ea"/>
+          <a:cs typeface="+mn-cs"/>
+        </a:defRPr>
+      </a:lvl9pPr>
+    </p:otherStyle>
+  </p:txStyles>
 </p:sldMaster>
 </file>
 
 <file path=ppt/slides/slide1.xml><?xml version="1.0" encoding="utf-8"?>
-<p:sld xmlns:a="http://schemas.openxmlformats.org/drawingml/2006/main" xmlns:p="http://schemas.openxmlformats.org/presentationml/2006/main" xmlns:r="http://schemas.openxmlformats.org/officeDocument/2006/relationships">
+<p:sld xmlns:a="http://schemas.openxmlformats.org/drawingml/2006/main" xmlns:r="http://schemas.openxmlformats.org/officeDocument/2006/relationships" xmlns:p="http://schemas.openxmlformats.org/presentationml/2006/main">
   <p:cSld>
     <p:spTree>
       <p:nvGrpSpPr>
@@ -5394,10 +6270,11 @@
         </p:spPr>
         <p:txBody>
           <a:bodyPr/>
+          <a:lstStyle/>
           <a:p>
             <a:pPr marL="432000" indent="-324000">
               <a:buClr>
-                <a:srgbClr val="ffffff"/>
+                <a:srgbClr val="FFFFFF"/>
               </a:buClr>
               <a:buSzPct val="45000"/>
               <a:buFont typeface="StarSymbol"/>
@@ -5414,7 +6291,7 @@
           <a:p>
             <a:pPr marL="432000" indent="-324000">
               <a:buClr>
-                <a:srgbClr val="ffffff"/>
+                <a:srgbClr val="FFFFFF"/>
               </a:buClr>
               <a:buSzPct val="45000"/>
               <a:buFont typeface="StarSymbol"/>
@@ -5429,9 +6306,9 @@
             <a:endParaRPr/>
           </a:p>
           <a:p>
-            <a:pPr lvl="1" marL="864000" indent="-324000">
+            <a:pPr marL="864000" lvl="1" indent="-324000">
               <a:buClr>
-                <a:srgbClr val="ffffff"/>
+                <a:srgbClr val="FFFFFF"/>
               </a:buClr>
               <a:buSzPct val="75000"/>
               <a:buFont typeface="StarSymbol"/>
@@ -5446,9 +6323,9 @@
             <a:endParaRPr/>
           </a:p>
           <a:p>
-            <a:pPr lvl="1" marL="864000" indent="-324000">
+            <a:pPr marL="864000" lvl="1" indent="-324000">
               <a:buClr>
-                <a:srgbClr val="ffffff"/>
+                <a:srgbClr val="FFFFFF"/>
               </a:buClr>
               <a:buSzPct val="75000"/>
               <a:buFont typeface="StarSymbol"/>
@@ -5463,9 +6340,9 @@
             <a:endParaRPr/>
           </a:p>
           <a:p>
-            <a:pPr lvl="1" marL="864000" indent="-324000">
+            <a:pPr marL="864000" lvl="1" indent="-324000">
               <a:buClr>
-                <a:srgbClr val="ffffff"/>
+                <a:srgbClr val="FFFFFF"/>
               </a:buClr>
               <a:buSzPct val="75000"/>
               <a:buFont typeface="StarSymbol"/>
@@ -5480,9 +6357,9 @@
             <a:endParaRPr/>
           </a:p>
           <a:p>
-            <a:pPr lvl="1" marL="864000" indent="-324000">
+            <a:pPr marL="864000" lvl="1" indent="-324000">
               <a:buClr>
-                <a:srgbClr val="ffffff"/>
+                <a:srgbClr val="FFFFFF"/>
               </a:buClr>
               <a:buSzPct val="75000"/>
               <a:buFont typeface="StarSymbol"/>
@@ -5519,6 +6396,7 @@
         </p:spPr>
         <p:txBody>
           <a:bodyPr anchor="ctr"/>
+          <a:lstStyle/>
           <a:p>
             <a:pPr>
               <a:lnSpc>
@@ -5526,13 +6404,13 @@
               </a:lnSpc>
             </a:pPr>
             <a:r>
-              <a:rPr lang="de-DE" sz="1000" spc="-1" strike="noStrike">
+              <a:rPr lang="de-DE" sz="1000" strike="noStrike" spc="-1">
                 <a:solidFill>
                   <a:srgbClr val="808080"/>
                 </a:solidFill>
                 <a:uFill>
                   <a:solidFill>
-                    <a:srgbClr val="ffffff"/>
+                    <a:srgbClr val="FFFFFF"/>
                   </a:solidFill>
                 </a:uFill>
                 <a:latin typeface="Verdana"/>
@@ -5581,13 +6459,20 @@
           </a:ln>
         </p:spPr>
         <p:style>
-          <a:lnRef idx="2"/>
-          <a:fillRef idx="0"/>
-          <a:effectRef idx="0"/>
+          <a:lnRef idx="2">
+            <a:scrgbClr r="0" g="0" b="0"/>
+          </a:lnRef>
+          <a:fillRef idx="0">
+            <a:scrgbClr r="0" g="0" b="0"/>
+          </a:fillRef>
+          <a:effectRef idx="0">
+            <a:scrgbClr r="0" g="0" b="0"/>
+          </a:effectRef>
           <a:fontRef idx="minor"/>
         </p:style>
         <p:txBody>
-          <a:bodyPr lIns="60120" rIns="20160" tIns="20160" bIns="20160" anchor="ctr"/>
+          <a:bodyPr lIns="60120" tIns="20160" rIns="20160" bIns="20160" anchor="ctr"/>
+          <a:lstStyle/>
           <a:p>
             <a:pPr algn="ctr">
               <a:lnSpc>
@@ -5595,13 +6480,13 @@
               </a:lnSpc>
             </a:pPr>
             <a:r>
-              <a:rPr b="1" lang="de-DE" sz="1500" spc="-1" strike="noStrike">
+              <a:rPr lang="de-DE" sz="1500" b="1" strike="noStrike" spc="-1">
                 <a:solidFill>
-                  <a:srgbClr val="ffffff"/>
+                  <a:srgbClr val="FFFFFF"/>
                 </a:solidFill>
                 <a:uFill>
                   <a:solidFill>
-                    <a:srgbClr val="ffffff"/>
+                    <a:srgbClr val="FFFFFF"/>
                   </a:solidFill>
                 </a:uFill>
                 <a:latin typeface="Calibri"/>
@@ -5650,13 +6535,20 @@
           </a:ln>
         </p:spPr>
         <p:style>
-          <a:lnRef idx="2"/>
-          <a:fillRef idx="0"/>
-          <a:effectRef idx="0"/>
+          <a:lnRef idx="2">
+            <a:scrgbClr r="0" g="0" b="0"/>
+          </a:lnRef>
+          <a:fillRef idx="0">
+            <a:scrgbClr r="0" g="0" b="0"/>
+          </a:fillRef>
+          <a:effectRef idx="0">
+            <a:scrgbClr r="0" g="0" b="0"/>
+          </a:effectRef>
           <a:fontRef idx="minor"/>
         </p:style>
         <p:txBody>
-          <a:bodyPr lIns="60120" rIns="20160" tIns="20160" bIns="20160" anchor="ctr"/>
+          <a:bodyPr lIns="60120" tIns="20160" rIns="20160" bIns="20160" anchor="ctr"/>
+          <a:lstStyle/>
           <a:p>
             <a:pPr algn="ctr">
               <a:lnSpc>
@@ -5664,13 +6556,13 @@
               </a:lnSpc>
             </a:pPr>
             <a:r>
-              <a:rPr b="1" lang="de-DE" sz="1500" spc="-1" strike="noStrike">
+              <a:rPr lang="de-DE" sz="1500" b="1" strike="noStrike" spc="-1">
                 <a:solidFill>
-                  <a:srgbClr val="ffffff"/>
+                  <a:srgbClr val="FFFFFF"/>
                 </a:solidFill>
                 <a:uFill>
                   <a:solidFill>
-                    <a:srgbClr val="ffffff"/>
+                    <a:srgbClr val="FFFFFF"/>
                   </a:solidFill>
                 </a:uFill>
                 <a:latin typeface="Calibri"/>
@@ -5719,13 +6611,20 @@
           </a:ln>
         </p:spPr>
         <p:style>
-          <a:lnRef idx="2"/>
-          <a:fillRef idx="0"/>
-          <a:effectRef idx="0"/>
+          <a:lnRef idx="2">
+            <a:scrgbClr r="0" g="0" b="0"/>
+          </a:lnRef>
+          <a:fillRef idx="0">
+            <a:scrgbClr r="0" g="0" b="0"/>
+          </a:fillRef>
+          <a:effectRef idx="0">
+            <a:scrgbClr r="0" g="0" b="0"/>
+          </a:effectRef>
           <a:fontRef idx="minor"/>
         </p:style>
         <p:txBody>
-          <a:bodyPr lIns="60120" rIns="20160" tIns="20160" bIns="20160" anchor="ctr"/>
+          <a:bodyPr lIns="60120" tIns="20160" rIns="20160" bIns="20160" anchor="ctr"/>
+          <a:lstStyle/>
           <a:p>
             <a:pPr algn="ctr">
               <a:lnSpc>
@@ -5733,13 +6632,13 @@
               </a:lnSpc>
             </a:pPr>
             <a:r>
-              <a:rPr b="1" lang="de-DE" sz="1500" spc="-1" strike="noStrike">
+              <a:rPr lang="de-DE" sz="1500" b="1" strike="noStrike" spc="-1">
                 <a:solidFill>
-                  <a:srgbClr val="ffffff"/>
+                  <a:srgbClr val="FFFFFF"/>
                 </a:solidFill>
                 <a:uFill>
                   <a:solidFill>
-                    <a:srgbClr val="ffffff"/>
+                    <a:srgbClr val="FFFFFF"/>
                   </a:solidFill>
                 </a:uFill>
                 <a:latin typeface="Calibri"/>
@@ -5782,13 +6681,20 @@
           </a:ln>
         </p:spPr>
         <p:style>
-          <a:lnRef idx="2"/>
-          <a:fillRef idx="0"/>
-          <a:effectRef idx="0"/>
+          <a:lnRef idx="2">
+            <a:scrgbClr r="0" g="0" b="0"/>
+          </a:lnRef>
+          <a:fillRef idx="0">
+            <a:scrgbClr r="0" g="0" b="0"/>
+          </a:fillRef>
+          <a:effectRef idx="0">
+            <a:scrgbClr r="0" g="0" b="0"/>
+          </a:effectRef>
           <a:fontRef idx="minor"/>
         </p:style>
         <p:txBody>
-          <a:bodyPr lIns="60120" rIns="20160" tIns="20160" bIns="20160" anchor="ctr"/>
+          <a:bodyPr lIns="60120" tIns="20160" rIns="20160" bIns="20160" anchor="ctr"/>
+          <a:lstStyle/>
           <a:p>
             <a:pPr algn="ctr">
               <a:lnSpc>
@@ -5796,13 +6702,13 @@
               </a:lnSpc>
             </a:pPr>
             <a:r>
-              <a:rPr b="1" lang="de-DE" sz="1500" spc="-1" strike="noStrike">
+              <a:rPr lang="de-DE" sz="1500" b="1" strike="noStrike" spc="-1">
                 <a:solidFill>
-                  <a:srgbClr val="ffffff"/>
+                  <a:srgbClr val="FFFFFF"/>
                 </a:solidFill>
                 <a:uFill>
                   <a:solidFill>
-                    <a:srgbClr val="ffffff"/>
+                    <a:srgbClr val="FFFFFF"/>
                   </a:solidFill>
                 </a:uFill>
                 <a:latin typeface="Calibri"/>
@@ -5845,13 +6751,20 @@
           </a:ln>
         </p:spPr>
         <p:style>
-          <a:lnRef idx="2"/>
-          <a:fillRef idx="0"/>
-          <a:effectRef idx="0"/>
+          <a:lnRef idx="2">
+            <a:scrgbClr r="0" g="0" b="0"/>
+          </a:lnRef>
+          <a:fillRef idx="0">
+            <a:scrgbClr r="0" g="0" b="0"/>
+          </a:fillRef>
+          <a:effectRef idx="0">
+            <a:scrgbClr r="0" g="0" b="0"/>
+          </a:effectRef>
           <a:fontRef idx="minor"/>
         </p:style>
         <p:txBody>
-          <a:bodyPr lIns="60120" rIns="20160" tIns="20160" bIns="20160" anchor="ctr"/>
+          <a:bodyPr lIns="60120" tIns="20160" rIns="20160" bIns="20160" anchor="ctr"/>
+          <a:lstStyle/>
           <a:p>
             <a:pPr algn="ctr">
               <a:lnSpc>
@@ -5859,13 +6772,13 @@
               </a:lnSpc>
             </a:pPr>
             <a:r>
-              <a:rPr b="1" lang="de-DE" sz="1500" spc="-1" strike="noStrike">
+              <a:rPr lang="de-DE" sz="1500" b="1" strike="noStrike" spc="-1">
                 <a:solidFill>
-                  <a:srgbClr val="ffffff"/>
+                  <a:srgbClr val="FFFFFF"/>
                 </a:solidFill>
                 <a:uFill>
                   <a:solidFill>
-                    <a:srgbClr val="ffffff"/>
+                    <a:srgbClr val="FFFFFF"/>
                   </a:solidFill>
                 </a:uFill>
                 <a:latin typeface="Calibri"/>
@@ -5897,6 +6810,7 @@
         </p:spPr>
         <p:txBody>
           <a:bodyPr anchor="ctr"/>
+          <a:lstStyle/>
           <a:p>
             <a:pPr algn="ctr">
               <a:lnSpc>
@@ -5904,13 +6818,13 @@
               </a:lnSpc>
             </a:pPr>
             <a:r>
-              <a:rPr lang="de-DE" sz="1200" spc="-1" strike="noStrike">
+              <a:rPr lang="de-DE" sz="1200" strike="noStrike" spc="-1">
                 <a:solidFill>
-                  <a:srgbClr val="8b8e97"/>
+                  <a:srgbClr val="8B8E97"/>
                 </a:solidFill>
                 <a:uFill>
                   <a:solidFill>
-                    <a:srgbClr val="ffffff"/>
+                    <a:srgbClr val="FFFFFF"/>
                   </a:solidFill>
                 </a:uFill>
                 <a:latin typeface="Calibri"/>
@@ -5926,13 +6840,13 @@
               </a:lnSpc>
             </a:pPr>
             <a:r>
-              <a:rPr lang="de-DE" sz="1200" spc="-1" strike="noStrike">
+              <a:rPr lang="de-DE" sz="1200" strike="noStrike" spc="-1">
                 <a:solidFill>
-                  <a:srgbClr val="8b8e97"/>
+                  <a:srgbClr val="8B8E97"/>
                 </a:solidFill>
                 <a:uFill>
                   <a:solidFill>
-                    <a:srgbClr val="ffffff"/>
+                    <a:srgbClr val="FFFFFF"/>
                   </a:solidFill>
                 </a:uFill>
                 <a:latin typeface="Calibri"/>
@@ -5964,6 +6878,7 @@
         </p:spPr>
         <p:txBody>
           <a:bodyPr anchor="ctr"/>
+          <a:lstStyle/>
           <a:p>
             <a:pPr algn="r">
               <a:lnSpc>
@@ -5971,13 +6886,13 @@
               </a:lnSpc>
             </a:pPr>
             <a:r>
-              <a:rPr lang="de-DE" sz="1200" spc="-1" strike="noStrike">
+              <a:rPr lang="de-DE" sz="1200" strike="noStrike" spc="-1">
                 <a:solidFill>
-                  <a:srgbClr val="8b8e97"/>
+                  <a:srgbClr val="8B8E97"/>
                 </a:solidFill>
                 <a:uFill>
                   <a:solidFill>
-                    <a:srgbClr val="ffffff"/>
+                    <a:srgbClr val="FFFFFF"/>
                   </a:solidFill>
                 </a:uFill>
                 <a:latin typeface="Calibri"/>
@@ -5985,27 +6900,27 @@
               <a:t>Folie </a:t>
             </a:r>
             <a:fld id="{D858E552-F480-49FF-9AFC-C32623BC8262}" type="slidenum">
-              <a:rPr lang="de-DE" sz="1200" spc="-1" strike="noStrike">
+              <a:rPr lang="de-DE" sz="1200" strike="noStrike" spc="-1">
                 <a:solidFill>
-                  <a:srgbClr val="8b8e97"/>
+                  <a:srgbClr val="8B8E97"/>
                 </a:solidFill>
                 <a:uFill>
                   <a:solidFill>
-                    <a:srgbClr val="ffffff"/>
+                    <a:srgbClr val="FFFFFF"/>
                   </a:solidFill>
                 </a:uFill>
                 <a:latin typeface="Calibri"/>
               </a:rPr>
-              <a:t>&lt;Foliennummer&gt;</a:t>
+              <a:t>1</a:t>
             </a:fld>
             <a:r>
-              <a:rPr lang="de-DE" sz="1200" spc="-1" strike="noStrike">
+              <a:rPr lang="de-DE" sz="1200" strike="noStrike" spc="-1">
                 <a:solidFill>
-                  <a:srgbClr val="8b8e97"/>
+                  <a:srgbClr val="8B8E97"/>
                 </a:solidFill>
                 <a:uFill>
                   <a:solidFill>
-                    <a:srgbClr val="ffffff"/>
+                    <a:srgbClr val="FFFFFF"/>
                   </a:solidFill>
                 </a:uFill>
                 <a:latin typeface="Calibri"/>
@@ -6018,6 +6933,9 @@
       </p:sp>
     </p:spTree>
   </p:cSld>
+  <p:clrMapOvr>
+    <a:masterClrMapping/>
+  </p:clrMapOvr>
   <p:timing>
     <p:tnLst>
       <p:par>
@@ -6026,14 +6944,14 @@
             <p:seq>
               <p:cTn id="2" nodeType="mainSeq"/>
               <p:prevCondLst>
-                <p:cond delay="0" evt="onPrev">
+                <p:cond evt="onPrev" delay="0">
                   <p:tgtEl>
                     <p:sldTgt/>
                   </p:tgtEl>
                 </p:cond>
               </p:prevCondLst>
               <p:nextCondLst>
-                <p:cond delay="0" evt="onNext">
+                <p:cond evt="onNext" delay="0">
                   <p:tgtEl>
                     <p:sldTgt/>
                   </p:tgtEl>
@@ -6049,7 +6967,7 @@
 </file>
 
 <file path=ppt/slides/slide2.xml><?xml version="1.0" encoding="utf-8"?>
-<p:sld xmlns:a="http://schemas.openxmlformats.org/drawingml/2006/main" xmlns:p="http://schemas.openxmlformats.org/presentationml/2006/main" xmlns:r="http://schemas.openxmlformats.org/officeDocument/2006/relationships">
+<p:sld xmlns:a="http://schemas.openxmlformats.org/drawingml/2006/main" xmlns:r="http://schemas.openxmlformats.org/officeDocument/2006/relationships" xmlns:p="http://schemas.openxmlformats.org/presentationml/2006/main">
   <p:cSld>
     <p:spTree>
       <p:nvGrpSpPr>
@@ -6086,10 +7004,11 @@
         </p:spPr>
         <p:txBody>
           <a:bodyPr/>
+          <a:lstStyle/>
           <a:p>
             <a:pPr marL="432000" indent="-324000">
               <a:buClr>
-                <a:srgbClr val="ffffff"/>
+                <a:srgbClr val="FFFFFF"/>
               </a:buClr>
               <a:buSzPct val="45000"/>
               <a:buFont typeface="StarSymbol"/>
@@ -6104,9 +7023,9 @@
             <a:endParaRPr/>
           </a:p>
           <a:p>
-            <a:pPr lvl="1" marL="864000" indent="-324000">
+            <a:pPr marL="864000" lvl="1" indent="-324000">
               <a:buClr>
-                <a:srgbClr val="ffffff"/>
+                <a:srgbClr val="FFFFFF"/>
               </a:buClr>
               <a:buSzPct val="75000"/>
               <a:buFont typeface="StarSymbol"/>
@@ -6121,9 +7040,9 @@
             <a:endParaRPr/>
           </a:p>
           <a:p>
-            <a:pPr lvl="1" marL="864000" indent="-324000">
+            <a:pPr marL="864000" lvl="1" indent="-324000">
               <a:buClr>
-                <a:srgbClr val="ffffff"/>
+                <a:srgbClr val="FFFFFF"/>
               </a:buClr>
               <a:buSzPct val="75000"/>
               <a:buFont typeface="StarSymbol"/>
@@ -6138,9 +7057,9 @@
             <a:endParaRPr/>
           </a:p>
           <a:p>
-            <a:pPr lvl="1" marL="864000" indent="-324000">
+            <a:pPr marL="864000" lvl="1" indent="-324000">
               <a:buClr>
-                <a:srgbClr val="ffffff"/>
+                <a:srgbClr val="FFFFFF"/>
               </a:buClr>
               <a:buSzPct val="75000"/>
               <a:buFont typeface="StarSymbol"/>
@@ -6155,9 +7074,9 @@
             <a:endParaRPr/>
           </a:p>
           <a:p>
-            <a:pPr lvl="2" marL="1296000" indent="-288000">
+            <a:pPr marL="1296000" lvl="2" indent="-288000">
               <a:buClr>
-                <a:srgbClr val="ffffff"/>
+                <a:srgbClr val="FFFFFF"/>
               </a:buClr>
               <a:buSzPct val="45000"/>
               <a:buFont typeface="StarSymbol"/>
@@ -6172,9 +7091,9 @@
             <a:endParaRPr/>
           </a:p>
           <a:p>
-            <a:pPr lvl="2" marL="1296000" indent="-288000">
+            <a:pPr marL="1296000" lvl="2" indent="-288000">
               <a:buClr>
-                <a:srgbClr val="ffffff"/>
+                <a:srgbClr val="FFFFFF"/>
               </a:buClr>
               <a:buSzPct val="45000"/>
               <a:buFont typeface="StarSymbol"/>
@@ -6189,9 +7108,9 @@
             <a:endParaRPr/>
           </a:p>
           <a:p>
-            <a:pPr lvl="1" marL="864000" indent="-324000">
+            <a:pPr marL="864000" lvl="1" indent="-324000">
               <a:buClr>
-                <a:srgbClr val="ffffff"/>
+                <a:srgbClr val="FFFFFF"/>
               </a:buClr>
               <a:buSzPct val="75000"/>
               <a:buFont typeface="StarSymbol"/>
@@ -6228,6 +7147,7 @@
         </p:spPr>
         <p:txBody>
           <a:bodyPr anchor="ctr"/>
+          <a:lstStyle/>
           <a:p>
             <a:pPr>
               <a:lnSpc>
@@ -6235,13 +7155,13 @@
               </a:lnSpc>
             </a:pPr>
             <a:r>
-              <a:rPr lang="de-DE" sz="1000" spc="-1" strike="noStrike">
+              <a:rPr lang="de-DE" sz="1000" strike="noStrike" spc="-1">
                 <a:solidFill>
                   <a:srgbClr val="808080"/>
                 </a:solidFill>
                 <a:uFill>
                   <a:solidFill>
-                    <a:srgbClr val="ffffff"/>
+                    <a:srgbClr val="FFFFFF"/>
                   </a:solidFill>
                 </a:uFill>
                 <a:latin typeface="Verdana"/>
@@ -6290,13 +7210,20 @@
           </a:ln>
         </p:spPr>
         <p:style>
-          <a:lnRef idx="2"/>
-          <a:fillRef idx="0"/>
-          <a:effectRef idx="0"/>
+          <a:lnRef idx="2">
+            <a:scrgbClr r="0" g="0" b="0"/>
+          </a:lnRef>
+          <a:fillRef idx="0">
+            <a:scrgbClr r="0" g="0" b="0"/>
+          </a:fillRef>
+          <a:effectRef idx="0">
+            <a:scrgbClr r="0" g="0" b="0"/>
+          </a:effectRef>
           <a:fontRef idx="minor"/>
         </p:style>
         <p:txBody>
-          <a:bodyPr lIns="60120" rIns="20160" tIns="20160" bIns="20160" anchor="ctr"/>
+          <a:bodyPr lIns="60120" tIns="20160" rIns="20160" bIns="20160" anchor="ctr"/>
+          <a:lstStyle/>
           <a:p>
             <a:pPr algn="ctr">
               <a:lnSpc>
@@ -6304,13 +7231,13 @@
               </a:lnSpc>
             </a:pPr>
             <a:r>
-              <a:rPr b="1" lang="de-DE" sz="1500" spc="-1" strike="noStrike">
+              <a:rPr lang="de-DE" sz="1500" b="1" strike="noStrike" spc="-1">
                 <a:solidFill>
-                  <a:srgbClr val="ffffff"/>
+                  <a:srgbClr val="FFFFFF"/>
                 </a:solidFill>
                 <a:uFill>
                   <a:solidFill>
-                    <a:srgbClr val="ffffff"/>
+                    <a:srgbClr val="FFFFFF"/>
                   </a:solidFill>
                 </a:uFill>
                 <a:latin typeface="Calibri"/>
@@ -6359,13 +7286,20 @@
           </a:ln>
         </p:spPr>
         <p:style>
-          <a:lnRef idx="2"/>
-          <a:fillRef idx="0"/>
-          <a:effectRef idx="0"/>
+          <a:lnRef idx="2">
+            <a:scrgbClr r="0" g="0" b="0"/>
+          </a:lnRef>
+          <a:fillRef idx="0">
+            <a:scrgbClr r="0" g="0" b="0"/>
+          </a:fillRef>
+          <a:effectRef idx="0">
+            <a:scrgbClr r="0" g="0" b="0"/>
+          </a:effectRef>
           <a:fontRef idx="minor"/>
         </p:style>
         <p:txBody>
-          <a:bodyPr lIns="60120" rIns="20160" tIns="20160" bIns="20160" anchor="ctr"/>
+          <a:bodyPr lIns="60120" tIns="20160" rIns="20160" bIns="20160" anchor="ctr"/>
+          <a:lstStyle/>
           <a:p>
             <a:pPr algn="ctr">
               <a:lnSpc>
@@ -6373,13 +7307,13 @@
               </a:lnSpc>
             </a:pPr>
             <a:r>
-              <a:rPr b="1" lang="de-DE" sz="1500" spc="-1" strike="noStrike">
+              <a:rPr lang="de-DE" sz="1500" b="1" strike="noStrike" spc="-1">
                 <a:solidFill>
-                  <a:srgbClr val="ffffff"/>
+                  <a:srgbClr val="FFFFFF"/>
                 </a:solidFill>
                 <a:uFill>
                   <a:solidFill>
-                    <a:srgbClr val="ffffff"/>
+                    <a:srgbClr val="FFFFFF"/>
                   </a:solidFill>
                 </a:uFill>
                 <a:latin typeface="Calibri"/>
@@ -6428,13 +7362,20 @@
           </a:ln>
         </p:spPr>
         <p:style>
-          <a:lnRef idx="2"/>
-          <a:fillRef idx="0"/>
-          <a:effectRef idx="0"/>
+          <a:lnRef idx="2">
+            <a:scrgbClr r="0" g="0" b="0"/>
+          </a:lnRef>
+          <a:fillRef idx="0">
+            <a:scrgbClr r="0" g="0" b="0"/>
+          </a:fillRef>
+          <a:effectRef idx="0">
+            <a:scrgbClr r="0" g="0" b="0"/>
+          </a:effectRef>
           <a:fontRef idx="minor"/>
         </p:style>
         <p:txBody>
-          <a:bodyPr lIns="60120" rIns="20160" tIns="20160" bIns="20160" anchor="ctr"/>
+          <a:bodyPr lIns="60120" tIns="20160" rIns="20160" bIns="20160" anchor="ctr"/>
+          <a:lstStyle/>
           <a:p>
             <a:pPr algn="ctr">
               <a:lnSpc>
@@ -6442,13 +7383,13 @@
               </a:lnSpc>
             </a:pPr>
             <a:r>
-              <a:rPr b="1" lang="de-DE" sz="1500" spc="-1" strike="noStrike">
+              <a:rPr lang="de-DE" sz="1500" b="1" strike="noStrike" spc="-1">
                 <a:solidFill>
-                  <a:srgbClr val="ffffff"/>
+                  <a:srgbClr val="FFFFFF"/>
                 </a:solidFill>
                 <a:uFill>
                   <a:solidFill>
-                    <a:srgbClr val="ffffff"/>
+                    <a:srgbClr val="FFFFFF"/>
                   </a:solidFill>
                 </a:uFill>
                 <a:latin typeface="Calibri"/>
@@ -6491,13 +7432,20 @@
           </a:ln>
         </p:spPr>
         <p:style>
-          <a:lnRef idx="2"/>
-          <a:fillRef idx="0"/>
-          <a:effectRef idx="0"/>
+          <a:lnRef idx="2">
+            <a:scrgbClr r="0" g="0" b="0"/>
+          </a:lnRef>
+          <a:fillRef idx="0">
+            <a:scrgbClr r="0" g="0" b="0"/>
+          </a:fillRef>
+          <a:effectRef idx="0">
+            <a:scrgbClr r="0" g="0" b="0"/>
+          </a:effectRef>
           <a:fontRef idx="minor"/>
         </p:style>
         <p:txBody>
-          <a:bodyPr lIns="60120" rIns="20160" tIns="20160" bIns="20160" anchor="ctr"/>
+          <a:bodyPr lIns="60120" tIns="20160" rIns="20160" bIns="20160" anchor="ctr"/>
+          <a:lstStyle/>
           <a:p>
             <a:pPr algn="ctr">
               <a:lnSpc>
@@ -6505,13 +7453,13 @@
               </a:lnSpc>
             </a:pPr>
             <a:r>
-              <a:rPr b="1" lang="de-DE" sz="1500" spc="-1" strike="noStrike">
+              <a:rPr lang="de-DE" sz="1500" b="1" strike="noStrike" spc="-1">
                 <a:solidFill>
-                  <a:srgbClr val="ffffff"/>
+                  <a:srgbClr val="FFFFFF"/>
                 </a:solidFill>
                 <a:uFill>
                   <a:solidFill>
-                    <a:srgbClr val="ffffff"/>
+                    <a:srgbClr val="FFFFFF"/>
                   </a:solidFill>
                 </a:uFill>
                 <a:latin typeface="Calibri"/>
@@ -6554,13 +7502,20 @@
           </a:ln>
         </p:spPr>
         <p:style>
-          <a:lnRef idx="2"/>
-          <a:fillRef idx="0"/>
-          <a:effectRef idx="0"/>
+          <a:lnRef idx="2">
+            <a:scrgbClr r="0" g="0" b="0"/>
+          </a:lnRef>
+          <a:fillRef idx="0">
+            <a:scrgbClr r="0" g="0" b="0"/>
+          </a:fillRef>
+          <a:effectRef idx="0">
+            <a:scrgbClr r="0" g="0" b="0"/>
+          </a:effectRef>
           <a:fontRef idx="minor"/>
         </p:style>
         <p:txBody>
-          <a:bodyPr lIns="60120" rIns="20160" tIns="20160" bIns="20160" anchor="ctr"/>
+          <a:bodyPr lIns="60120" tIns="20160" rIns="20160" bIns="20160" anchor="ctr"/>
+          <a:lstStyle/>
           <a:p>
             <a:pPr algn="ctr">
               <a:lnSpc>
@@ -6568,13 +7523,13 @@
               </a:lnSpc>
             </a:pPr>
             <a:r>
-              <a:rPr b="1" lang="de-DE" sz="1500" spc="-1" strike="noStrike">
+              <a:rPr lang="de-DE" sz="1500" b="1" strike="noStrike" spc="-1">
                 <a:solidFill>
-                  <a:srgbClr val="ffffff"/>
+                  <a:srgbClr val="FFFFFF"/>
                 </a:solidFill>
                 <a:uFill>
                   <a:solidFill>
-                    <a:srgbClr val="ffffff"/>
+                    <a:srgbClr val="FFFFFF"/>
                   </a:solidFill>
                 </a:uFill>
                 <a:latin typeface="Calibri"/>
@@ -6606,6 +7561,7 @@
         </p:spPr>
         <p:txBody>
           <a:bodyPr anchor="ctr"/>
+          <a:lstStyle/>
           <a:p>
             <a:pPr algn="ctr">
               <a:lnSpc>
@@ -6613,13 +7569,13 @@
               </a:lnSpc>
             </a:pPr>
             <a:r>
-              <a:rPr lang="de-DE" sz="1200" spc="-1" strike="noStrike">
+              <a:rPr lang="de-DE" sz="1200" strike="noStrike" spc="-1">
                 <a:solidFill>
-                  <a:srgbClr val="8b8e97"/>
+                  <a:srgbClr val="8B8E97"/>
                 </a:solidFill>
                 <a:uFill>
                   <a:solidFill>
-                    <a:srgbClr val="ffffff"/>
+                    <a:srgbClr val="FFFFFF"/>
                   </a:solidFill>
                 </a:uFill>
                 <a:latin typeface="Calibri"/>
@@ -6635,13 +7591,13 @@
               </a:lnSpc>
             </a:pPr>
             <a:r>
-              <a:rPr lang="de-DE" sz="1200" spc="-1" strike="noStrike">
+              <a:rPr lang="de-DE" sz="1200" strike="noStrike" spc="-1">
                 <a:solidFill>
-                  <a:srgbClr val="8b8e97"/>
+                  <a:srgbClr val="8B8E97"/>
                 </a:solidFill>
                 <a:uFill>
                   <a:solidFill>
-                    <a:srgbClr val="ffffff"/>
+                    <a:srgbClr val="FFFFFF"/>
                   </a:solidFill>
                 </a:uFill>
                 <a:latin typeface="Calibri"/>
@@ -6673,6 +7629,7 @@
         </p:spPr>
         <p:txBody>
           <a:bodyPr anchor="ctr"/>
+          <a:lstStyle/>
           <a:p>
             <a:pPr algn="r">
               <a:lnSpc>
@@ -6680,13 +7637,13 @@
               </a:lnSpc>
             </a:pPr>
             <a:r>
-              <a:rPr lang="de-DE" sz="1200" spc="-1" strike="noStrike">
+              <a:rPr lang="de-DE" sz="1200" strike="noStrike" spc="-1">
                 <a:solidFill>
-                  <a:srgbClr val="8b8e97"/>
+                  <a:srgbClr val="8B8E97"/>
                 </a:solidFill>
                 <a:uFill>
                   <a:solidFill>
-                    <a:srgbClr val="ffffff"/>
+                    <a:srgbClr val="FFFFFF"/>
                   </a:solidFill>
                 </a:uFill>
                 <a:latin typeface="Calibri"/>
@@ -6694,27 +7651,27 @@
               <a:t>Folie </a:t>
             </a:r>
             <a:fld id="{058E1E91-4DA9-45C6-99B9-AC93F63D7403}" type="slidenum">
-              <a:rPr lang="de-DE" sz="1200" spc="-1" strike="noStrike">
+              <a:rPr lang="de-DE" sz="1200" strike="noStrike" spc="-1">
                 <a:solidFill>
-                  <a:srgbClr val="8b8e97"/>
+                  <a:srgbClr val="8B8E97"/>
                 </a:solidFill>
                 <a:uFill>
                   <a:solidFill>
-                    <a:srgbClr val="ffffff"/>
+                    <a:srgbClr val="FFFFFF"/>
                   </a:solidFill>
                 </a:uFill>
                 <a:latin typeface="Calibri"/>
               </a:rPr>
-              <a:t>&lt;Foliennummer&gt;</a:t>
+              <a:t>2</a:t>
             </a:fld>
             <a:r>
-              <a:rPr lang="de-DE" sz="1200" spc="-1" strike="noStrike">
+              <a:rPr lang="de-DE" sz="1200" strike="noStrike" spc="-1">
                 <a:solidFill>
-                  <a:srgbClr val="8b8e97"/>
+                  <a:srgbClr val="8B8E97"/>
                 </a:solidFill>
                 <a:uFill>
                   <a:solidFill>
-                    <a:srgbClr val="ffffff"/>
+                    <a:srgbClr val="FFFFFF"/>
                   </a:solidFill>
                 </a:uFill>
                 <a:latin typeface="Calibri"/>
@@ -6727,22 +7684,25 @@
       </p:sp>
     </p:spTree>
   </p:cSld>
+  <p:clrMapOvr>
+    <a:masterClrMapping/>
+  </p:clrMapOvr>
   <p:timing>
     <p:tnLst>
       <p:par>
-        <p:cTn id="3" dur="indefinite" restart="never" nodeType="tmRoot">
+        <p:cTn id="1" dur="indefinite" restart="never" nodeType="tmRoot">
           <p:childTnLst>
             <p:seq>
-              <p:cTn id="4" nodeType="mainSeq"/>
+              <p:cTn id="2" nodeType="mainSeq"/>
               <p:prevCondLst>
-                <p:cond delay="0" evt="onPrev">
+                <p:cond evt="onPrev" delay="0">
                   <p:tgtEl>
                     <p:sldTgt/>
                   </p:tgtEl>
                 </p:cond>
               </p:prevCondLst>
               <p:nextCondLst>
-                <p:cond delay="0" evt="onNext">
+                <p:cond evt="onNext" delay="0">
                   <p:tgtEl>
                     <p:sldTgt/>
                   </p:tgtEl>
@@ -6758,7 +7718,7 @@
 </file>
 
 <file path=ppt/slides/slide3.xml><?xml version="1.0" encoding="utf-8"?>
-<p:sld xmlns:a="http://schemas.openxmlformats.org/drawingml/2006/main" xmlns:p="http://schemas.openxmlformats.org/presentationml/2006/main" xmlns:r="http://schemas.openxmlformats.org/officeDocument/2006/relationships">
+<p:sld xmlns:a="http://schemas.openxmlformats.org/drawingml/2006/main" xmlns:r="http://schemas.openxmlformats.org/officeDocument/2006/relationships" xmlns:p="http://schemas.openxmlformats.org/presentationml/2006/main">
   <p:cSld>
     <p:spTree>
       <p:nvGrpSpPr>
@@ -6795,10 +7755,11 @@
         </p:spPr>
         <p:txBody>
           <a:bodyPr/>
+          <a:lstStyle/>
           <a:p>
             <a:pPr marL="432000" indent="-324000">
               <a:buClr>
-                <a:srgbClr val="ffffff"/>
+                <a:srgbClr val="FFFFFF"/>
               </a:buClr>
               <a:buSzPct val="45000"/>
               <a:buFont typeface="StarSymbol"/>
@@ -6813,9 +7774,9 @@
             <a:endParaRPr/>
           </a:p>
           <a:p>
-            <a:pPr lvl="1" marL="864000" indent="-324000">
+            <a:pPr marL="864000" lvl="1" indent="-324000">
               <a:buClr>
-                <a:srgbClr val="ffffff"/>
+                <a:srgbClr val="FFFFFF"/>
               </a:buClr>
               <a:buSzPct val="75000"/>
               <a:buFont typeface="StarSymbol"/>
@@ -6830,9 +7791,9 @@
             <a:endParaRPr/>
           </a:p>
           <a:p>
-            <a:pPr lvl="1" marL="864000" indent="-324000">
+            <a:pPr marL="864000" lvl="1" indent="-324000">
               <a:buClr>
-                <a:srgbClr val="ffffff"/>
+                <a:srgbClr val="FFFFFF"/>
               </a:buClr>
               <a:buSzPct val="75000"/>
               <a:buFont typeface="StarSymbol"/>
@@ -6847,9 +7808,9 @@
             <a:endParaRPr/>
           </a:p>
           <a:p>
-            <a:pPr lvl="2" marL="1296000" indent="-288000">
+            <a:pPr marL="1296000" lvl="2" indent="-288000">
               <a:buClr>
-                <a:srgbClr val="ffffff"/>
+                <a:srgbClr val="FFFFFF"/>
               </a:buClr>
               <a:buSzPct val="45000"/>
               <a:buFont typeface="StarSymbol"/>
@@ -6864,9 +7825,9 @@
             <a:endParaRPr/>
           </a:p>
           <a:p>
-            <a:pPr lvl="1" marL="864000" indent="-324000">
+            <a:pPr marL="864000" lvl="1" indent="-324000">
               <a:buClr>
-                <a:srgbClr val="ffffff"/>
+                <a:srgbClr val="FFFFFF"/>
               </a:buClr>
               <a:buSzPct val="75000"/>
               <a:buFont typeface="StarSymbol"/>
@@ -6881,9 +7842,9 @@
             <a:endParaRPr/>
           </a:p>
           <a:p>
-            <a:pPr lvl="1" marL="864000" indent="-324000">
+            <a:pPr marL="864000" lvl="1" indent="-324000">
               <a:buClr>
-                <a:srgbClr val="ffffff"/>
+                <a:srgbClr val="FFFFFF"/>
               </a:buClr>
               <a:buSzPct val="75000"/>
               <a:buFont typeface="StarSymbol"/>
@@ -6898,9 +7859,9 @@
             <a:endParaRPr/>
           </a:p>
           <a:p>
-            <a:pPr lvl="2" marL="1296000" indent="-288000">
+            <a:pPr marL="1296000" lvl="2" indent="-288000">
               <a:buClr>
-                <a:srgbClr val="ffffff"/>
+                <a:srgbClr val="FFFFFF"/>
               </a:buClr>
               <a:buSzPct val="45000"/>
               <a:buFont typeface="StarSymbol"/>
@@ -6937,6 +7898,7 @@
         </p:spPr>
         <p:txBody>
           <a:bodyPr anchor="ctr"/>
+          <a:lstStyle/>
           <a:p>
             <a:pPr>
               <a:lnSpc>
@@ -6944,13 +7906,13 @@
               </a:lnSpc>
             </a:pPr>
             <a:r>
-              <a:rPr lang="de-DE" sz="1000" spc="-1" strike="noStrike">
+              <a:rPr lang="de-DE" sz="1000" strike="noStrike" spc="-1">
                 <a:solidFill>
                   <a:srgbClr val="808080"/>
                 </a:solidFill>
                 <a:uFill>
                   <a:solidFill>
-                    <a:srgbClr val="ffffff"/>
+                    <a:srgbClr val="FFFFFF"/>
                   </a:solidFill>
                 </a:uFill>
                 <a:latin typeface="Verdana"/>
@@ -6999,13 +7961,20 @@
           </a:ln>
         </p:spPr>
         <p:style>
-          <a:lnRef idx="2"/>
-          <a:fillRef idx="0"/>
-          <a:effectRef idx="0"/>
+          <a:lnRef idx="2">
+            <a:scrgbClr r="0" g="0" b="0"/>
+          </a:lnRef>
+          <a:fillRef idx="0">
+            <a:scrgbClr r="0" g="0" b="0"/>
+          </a:fillRef>
+          <a:effectRef idx="0">
+            <a:scrgbClr r="0" g="0" b="0"/>
+          </a:effectRef>
           <a:fontRef idx="minor"/>
         </p:style>
         <p:txBody>
-          <a:bodyPr lIns="60120" rIns="20160" tIns="20160" bIns="20160" anchor="ctr"/>
+          <a:bodyPr lIns="60120" tIns="20160" rIns="20160" bIns="20160" anchor="ctr"/>
+          <a:lstStyle/>
           <a:p>
             <a:pPr algn="ctr">
               <a:lnSpc>
@@ -7013,13 +7982,13 @@
               </a:lnSpc>
             </a:pPr>
             <a:r>
-              <a:rPr b="1" lang="de-DE" sz="1500" spc="-1" strike="noStrike">
+              <a:rPr lang="de-DE" sz="1500" b="1" strike="noStrike" spc="-1">
                 <a:solidFill>
-                  <a:srgbClr val="ffffff"/>
+                  <a:srgbClr val="FFFFFF"/>
                 </a:solidFill>
                 <a:uFill>
                   <a:solidFill>
-                    <a:srgbClr val="ffffff"/>
+                    <a:srgbClr val="FFFFFF"/>
                   </a:solidFill>
                 </a:uFill>
                 <a:latin typeface="Calibri"/>
@@ -7068,13 +8037,20 @@
           </a:ln>
         </p:spPr>
         <p:style>
-          <a:lnRef idx="2"/>
-          <a:fillRef idx="0"/>
-          <a:effectRef idx="0"/>
+          <a:lnRef idx="2">
+            <a:scrgbClr r="0" g="0" b="0"/>
+          </a:lnRef>
+          <a:fillRef idx="0">
+            <a:scrgbClr r="0" g="0" b="0"/>
+          </a:fillRef>
+          <a:effectRef idx="0">
+            <a:scrgbClr r="0" g="0" b="0"/>
+          </a:effectRef>
           <a:fontRef idx="minor"/>
         </p:style>
         <p:txBody>
-          <a:bodyPr lIns="60120" rIns="20160" tIns="20160" bIns="20160" anchor="ctr"/>
+          <a:bodyPr lIns="60120" tIns="20160" rIns="20160" bIns="20160" anchor="ctr"/>
+          <a:lstStyle/>
           <a:p>
             <a:pPr algn="ctr">
               <a:lnSpc>
@@ -7082,13 +8058,13 @@
               </a:lnSpc>
             </a:pPr>
             <a:r>
-              <a:rPr b="1" lang="de-DE" sz="1500" spc="-1" strike="noStrike">
+              <a:rPr lang="de-DE" sz="1500" b="1" strike="noStrike" spc="-1">
                 <a:solidFill>
-                  <a:srgbClr val="ffffff"/>
+                  <a:srgbClr val="FFFFFF"/>
                 </a:solidFill>
                 <a:uFill>
                   <a:solidFill>
-                    <a:srgbClr val="ffffff"/>
+                    <a:srgbClr val="FFFFFF"/>
                   </a:solidFill>
                 </a:uFill>
                 <a:latin typeface="Calibri"/>
@@ -7137,13 +8113,20 @@
           </a:ln>
         </p:spPr>
         <p:style>
-          <a:lnRef idx="2"/>
-          <a:fillRef idx="0"/>
-          <a:effectRef idx="0"/>
+          <a:lnRef idx="2">
+            <a:scrgbClr r="0" g="0" b="0"/>
+          </a:lnRef>
+          <a:fillRef idx="0">
+            <a:scrgbClr r="0" g="0" b="0"/>
+          </a:fillRef>
+          <a:effectRef idx="0">
+            <a:scrgbClr r="0" g="0" b="0"/>
+          </a:effectRef>
           <a:fontRef idx="minor"/>
         </p:style>
         <p:txBody>
-          <a:bodyPr lIns="60120" rIns="20160" tIns="20160" bIns="20160" anchor="ctr"/>
+          <a:bodyPr lIns="60120" tIns="20160" rIns="20160" bIns="20160" anchor="ctr"/>
+          <a:lstStyle/>
           <a:p>
             <a:pPr algn="ctr">
               <a:lnSpc>
@@ -7151,13 +8134,13 @@
               </a:lnSpc>
             </a:pPr>
             <a:r>
-              <a:rPr b="1" lang="de-DE" sz="1500" spc="-1" strike="noStrike">
+              <a:rPr lang="de-DE" sz="1500" b="1" strike="noStrike" spc="-1">
                 <a:solidFill>
-                  <a:srgbClr val="ffffff"/>
+                  <a:srgbClr val="FFFFFF"/>
                 </a:solidFill>
                 <a:uFill>
                   <a:solidFill>
-                    <a:srgbClr val="ffffff"/>
+                    <a:srgbClr val="FFFFFF"/>
                   </a:solidFill>
                 </a:uFill>
                 <a:latin typeface="Calibri"/>
@@ -7200,13 +8183,20 @@
           </a:ln>
         </p:spPr>
         <p:style>
-          <a:lnRef idx="2"/>
-          <a:fillRef idx="0"/>
-          <a:effectRef idx="0"/>
+          <a:lnRef idx="2">
+            <a:scrgbClr r="0" g="0" b="0"/>
+          </a:lnRef>
+          <a:fillRef idx="0">
+            <a:scrgbClr r="0" g="0" b="0"/>
+          </a:fillRef>
+          <a:effectRef idx="0">
+            <a:scrgbClr r="0" g="0" b="0"/>
+          </a:effectRef>
           <a:fontRef idx="minor"/>
         </p:style>
         <p:txBody>
-          <a:bodyPr lIns="60120" rIns="20160" tIns="20160" bIns="20160" anchor="ctr"/>
+          <a:bodyPr lIns="60120" tIns="20160" rIns="20160" bIns="20160" anchor="ctr"/>
+          <a:lstStyle/>
           <a:p>
             <a:pPr algn="ctr">
               <a:lnSpc>
@@ -7214,13 +8204,13 @@
               </a:lnSpc>
             </a:pPr>
             <a:r>
-              <a:rPr b="1" lang="de-DE" sz="1500" spc="-1" strike="noStrike">
+              <a:rPr lang="de-DE" sz="1500" b="1" strike="noStrike" spc="-1">
                 <a:solidFill>
-                  <a:srgbClr val="ffffff"/>
+                  <a:srgbClr val="FFFFFF"/>
                 </a:solidFill>
                 <a:uFill>
                   <a:solidFill>
-                    <a:srgbClr val="ffffff"/>
+                    <a:srgbClr val="FFFFFF"/>
                   </a:solidFill>
                 </a:uFill>
                 <a:latin typeface="Calibri"/>
@@ -7263,13 +8253,20 @@
           </a:ln>
         </p:spPr>
         <p:style>
-          <a:lnRef idx="2"/>
-          <a:fillRef idx="0"/>
-          <a:effectRef idx="0"/>
+          <a:lnRef idx="2">
+            <a:scrgbClr r="0" g="0" b="0"/>
+          </a:lnRef>
+          <a:fillRef idx="0">
+            <a:scrgbClr r="0" g="0" b="0"/>
+          </a:fillRef>
+          <a:effectRef idx="0">
+            <a:scrgbClr r="0" g="0" b="0"/>
+          </a:effectRef>
           <a:fontRef idx="minor"/>
         </p:style>
         <p:txBody>
-          <a:bodyPr lIns="60120" rIns="20160" tIns="20160" bIns="20160" anchor="ctr"/>
+          <a:bodyPr lIns="60120" tIns="20160" rIns="20160" bIns="20160" anchor="ctr"/>
+          <a:lstStyle/>
           <a:p>
             <a:pPr algn="ctr">
               <a:lnSpc>
@@ -7277,13 +8274,13 @@
               </a:lnSpc>
             </a:pPr>
             <a:r>
-              <a:rPr b="1" lang="de-DE" sz="1500" spc="-1" strike="noStrike">
+              <a:rPr lang="de-DE" sz="1500" b="1" strike="noStrike" spc="-1">
                 <a:solidFill>
-                  <a:srgbClr val="ffffff"/>
+                  <a:srgbClr val="FFFFFF"/>
                 </a:solidFill>
                 <a:uFill>
                   <a:solidFill>
-                    <a:srgbClr val="ffffff"/>
+                    <a:srgbClr val="FFFFFF"/>
                   </a:solidFill>
                 </a:uFill>
                 <a:latin typeface="Calibri"/>
@@ -7315,6 +8312,7 @@
         </p:spPr>
         <p:txBody>
           <a:bodyPr anchor="ctr"/>
+          <a:lstStyle/>
           <a:p>
             <a:pPr algn="ctr">
               <a:lnSpc>
@@ -7322,13 +8320,13 @@
               </a:lnSpc>
             </a:pPr>
             <a:r>
-              <a:rPr lang="de-DE" sz="1200" spc="-1" strike="noStrike">
+              <a:rPr lang="de-DE" sz="1200" strike="noStrike" spc="-1">
                 <a:solidFill>
-                  <a:srgbClr val="8b8e97"/>
+                  <a:srgbClr val="8B8E97"/>
                 </a:solidFill>
                 <a:uFill>
                   <a:solidFill>
-                    <a:srgbClr val="ffffff"/>
+                    <a:srgbClr val="FFFFFF"/>
                   </a:solidFill>
                 </a:uFill>
                 <a:latin typeface="Calibri"/>
@@ -7344,13 +8342,13 @@
               </a:lnSpc>
             </a:pPr>
             <a:r>
-              <a:rPr lang="de-DE" sz="1200" spc="-1" strike="noStrike">
+              <a:rPr lang="de-DE" sz="1200" strike="noStrike" spc="-1">
                 <a:solidFill>
-                  <a:srgbClr val="8b8e97"/>
+                  <a:srgbClr val="8B8E97"/>
                 </a:solidFill>
                 <a:uFill>
                   <a:solidFill>
-                    <a:srgbClr val="ffffff"/>
+                    <a:srgbClr val="FFFFFF"/>
                   </a:solidFill>
                 </a:uFill>
                 <a:latin typeface="Calibri"/>
@@ -7382,6 +8380,7 @@
         </p:spPr>
         <p:txBody>
           <a:bodyPr anchor="ctr"/>
+          <a:lstStyle/>
           <a:p>
             <a:pPr algn="r">
               <a:lnSpc>
@@ -7389,13 +8388,13 @@
               </a:lnSpc>
             </a:pPr>
             <a:r>
-              <a:rPr lang="de-DE" sz="1200" spc="-1" strike="noStrike">
+              <a:rPr lang="de-DE" sz="1200" strike="noStrike" spc="-1">
                 <a:solidFill>
-                  <a:srgbClr val="8b8e97"/>
+                  <a:srgbClr val="8B8E97"/>
                 </a:solidFill>
                 <a:uFill>
                   <a:solidFill>
-                    <a:srgbClr val="ffffff"/>
+                    <a:srgbClr val="FFFFFF"/>
                   </a:solidFill>
                 </a:uFill>
                 <a:latin typeface="Calibri"/>
@@ -7403,27 +8402,27 @@
               <a:t>Folie </a:t>
             </a:r>
             <a:fld id="{C1799BC4-A234-40D5-9D6D-6C7E3557FE6A}" type="slidenum">
-              <a:rPr lang="de-DE" sz="1200" spc="-1" strike="noStrike">
+              <a:rPr lang="de-DE" sz="1200" strike="noStrike" spc="-1">
                 <a:solidFill>
-                  <a:srgbClr val="8b8e97"/>
+                  <a:srgbClr val="8B8E97"/>
                 </a:solidFill>
                 <a:uFill>
                   <a:solidFill>
-                    <a:srgbClr val="ffffff"/>
+                    <a:srgbClr val="FFFFFF"/>
                   </a:solidFill>
                 </a:uFill>
                 <a:latin typeface="Calibri"/>
               </a:rPr>
-              <a:t>&lt;Foliennummer&gt;</a:t>
+              <a:t>3</a:t>
             </a:fld>
             <a:r>
-              <a:rPr lang="de-DE" sz="1200" spc="-1" strike="noStrike">
+              <a:rPr lang="de-DE" sz="1200" strike="noStrike" spc="-1">
                 <a:solidFill>
-                  <a:srgbClr val="8b8e97"/>
+                  <a:srgbClr val="8B8E97"/>
                 </a:solidFill>
                 <a:uFill>
                   <a:solidFill>
-                    <a:srgbClr val="ffffff"/>
+                    <a:srgbClr val="FFFFFF"/>
                   </a:solidFill>
                 </a:uFill>
                 <a:latin typeface="Calibri"/>
@@ -7436,22 +8435,25 @@
       </p:sp>
     </p:spTree>
   </p:cSld>
+  <p:clrMapOvr>
+    <a:masterClrMapping/>
+  </p:clrMapOvr>
   <p:timing>
     <p:tnLst>
       <p:par>
-        <p:cTn id="5" dur="indefinite" restart="never" nodeType="tmRoot">
+        <p:cTn id="1" dur="indefinite" restart="never" nodeType="tmRoot">
           <p:childTnLst>
             <p:seq>
-              <p:cTn id="6" nodeType="mainSeq"/>
+              <p:cTn id="2" nodeType="mainSeq"/>
               <p:prevCondLst>
-                <p:cond delay="0" evt="onPrev">
+                <p:cond evt="onPrev" delay="0">
                   <p:tgtEl>
                     <p:sldTgt/>
                   </p:tgtEl>
                 </p:cond>
               </p:prevCondLst>
               <p:nextCondLst>
-                <p:cond delay="0" evt="onNext">
+                <p:cond evt="onNext" delay="0">
                   <p:tgtEl>
                     <p:sldTgt/>
                   </p:tgtEl>
@@ -7467,7 +8469,7 @@
 </file>
 
 <file path=ppt/slides/slide4.xml><?xml version="1.0" encoding="utf-8"?>
-<p:sld xmlns:a="http://schemas.openxmlformats.org/drawingml/2006/main" xmlns:p="http://schemas.openxmlformats.org/presentationml/2006/main" xmlns:r="http://schemas.openxmlformats.org/officeDocument/2006/relationships">
+<p:sld xmlns:a="http://schemas.openxmlformats.org/drawingml/2006/main" xmlns:r="http://schemas.openxmlformats.org/officeDocument/2006/relationships" xmlns:p="http://schemas.openxmlformats.org/presentationml/2006/main">
   <p:cSld>
     <p:spTree>
       <p:nvGrpSpPr>
@@ -7504,39 +8506,345 @@
         </p:spPr>
         <p:txBody>
           <a:bodyPr/>
+          <a:lstStyle/>
           <a:p>
             <a:pPr marL="432000" indent="-324000">
               <a:buClr>
-                <a:srgbClr val="ffffff"/>
+                <a:srgbClr val="FFFFFF"/>
               </a:buClr>
               <a:buSzPct val="45000"/>
               <a:buFont typeface="StarSymbol"/>
               <a:buChar char=""/>
             </a:pPr>
             <a:r>
-              <a:rPr lang="de-DE" sz="2000" spc="-1">
+              <a:rPr lang="de-DE" sz="2000" spc="-1" dirty="0" err="1" smtClean="0">
                 <a:latin typeface="Verdana"/>
               </a:rPr>
               <a:t>RailML</a:t>
             </a:r>
-            <a:endParaRPr/>
-          </a:p>
-          <a:p>
-            <a:pPr lvl="1" marL="864000" indent="-324000">
+            <a:r>
+              <a:rPr lang="de-DE" sz="2000" spc="-1" baseline="30000" dirty="0" smtClean="0">
+                <a:latin typeface="Verdana"/>
+              </a:rPr>
+              <a:t>®</a:t>
+            </a:r>
+          </a:p>
+          <a:p>
+            <a:pPr marL="889200" lvl="1" indent="-324000">
               <a:buClr>
-                <a:srgbClr val="ffffff"/>
+                <a:srgbClr val="FFFFFF"/>
+              </a:buClr>
+              <a:buSzPct val="45000"/>
+              <a:buFont typeface="StarSymbol"/>
+              <a:buChar char=""/>
+            </a:pPr>
+            <a:r>
+              <a:rPr lang="en-US" sz="1600" spc="-1" dirty="0" smtClean="0">
+                <a:latin typeface="Verdana"/>
+              </a:rPr>
+              <a:t>XML-Format </a:t>
+            </a:r>
+            <a:r>
+              <a:rPr lang="en-US" sz="1600" spc="-1" dirty="0" err="1" smtClean="0">
+                <a:latin typeface="Verdana"/>
+              </a:rPr>
+              <a:t>zum</a:t>
+            </a:r>
+            <a:r>
+              <a:rPr lang="en-US" sz="1600" spc="-1" dirty="0" smtClean="0">
+                <a:latin typeface="Verdana"/>
+              </a:rPr>
+              <a:t> </a:t>
+            </a:r>
+            <a:r>
+              <a:rPr lang="en-US" sz="1600" spc="-1" dirty="0" err="1" smtClean="0">
+                <a:latin typeface="Verdana"/>
+              </a:rPr>
+              <a:t>Datenaustausch</a:t>
+            </a:r>
+            <a:r>
+              <a:rPr lang="en-US" sz="1600" spc="-1" dirty="0" smtClean="0">
+                <a:latin typeface="Verdana"/>
+              </a:rPr>
+              <a:t> </a:t>
+            </a:r>
+            <a:r>
+              <a:rPr lang="en-US" sz="1600" spc="-1" dirty="0" err="1" smtClean="0">
+                <a:latin typeface="Verdana"/>
+              </a:rPr>
+              <a:t>im</a:t>
+            </a:r>
+            <a:r>
+              <a:rPr lang="en-US" sz="1600" spc="-1" dirty="0" smtClean="0">
+                <a:latin typeface="Verdana"/>
+              </a:rPr>
+              <a:t> </a:t>
+            </a:r>
+            <a:r>
+              <a:rPr lang="en-US" sz="1600" spc="-1" dirty="0" err="1" smtClean="0">
+                <a:latin typeface="Verdana"/>
+              </a:rPr>
+              <a:t>Schienenverkehr</a:t>
+            </a:r>
+            <a:endParaRPr lang="en-US" sz="1600" spc="-1" dirty="0" smtClean="0">
+              <a:latin typeface="Verdana"/>
+            </a:endParaRPr>
+          </a:p>
+          <a:p>
+            <a:pPr marL="889200" lvl="1" indent="-324000">
+              <a:buClr>
+                <a:srgbClr val="FFFFFF"/>
+              </a:buClr>
+              <a:buSzPct val="45000"/>
+              <a:buFont typeface="StarSymbol"/>
+              <a:buChar char=""/>
+            </a:pPr>
+            <a:endParaRPr lang="en-US" sz="1600" spc="-1" dirty="0" smtClean="0">
+              <a:latin typeface="Verdana"/>
+            </a:endParaRPr>
+          </a:p>
+          <a:p>
+            <a:pPr marL="889200" lvl="1" indent="-324000">
+              <a:buClr>
+                <a:srgbClr val="FFFFFF"/>
+              </a:buClr>
+              <a:buSzPct val="45000"/>
+              <a:buFont typeface="StarSymbol"/>
+              <a:buChar char=""/>
+            </a:pPr>
+            <a:r>
+              <a:rPr lang="en-US" sz="1600" spc="-1" dirty="0" err="1">
+                <a:latin typeface="Verdana"/>
+              </a:rPr>
+              <a:t>Enth</a:t>
+            </a:r>
+            <a:r>
+              <a:rPr lang="de-DE" sz="1600" spc="-1" dirty="0" err="1">
+                <a:latin typeface="Verdana"/>
+              </a:rPr>
+              <a:t>ält</a:t>
+            </a:r>
+            <a:r>
+              <a:rPr lang="de-DE" sz="1600" spc="-1" dirty="0">
+                <a:latin typeface="Verdana"/>
+              </a:rPr>
+              <a:t> Daten über die Infrastruktur, die Schienenfahrzeuge und den </a:t>
+            </a:r>
+            <a:r>
+              <a:rPr lang="de-DE" sz="1600" b="1" spc="-1" dirty="0">
+                <a:latin typeface="Verdana"/>
+              </a:rPr>
+              <a:t>Fahrplan</a:t>
+            </a:r>
+            <a:r>
+              <a:rPr lang="de-DE" sz="1600" spc="-1" dirty="0">
+                <a:latin typeface="Verdana"/>
+              </a:rPr>
+              <a:t> eines </a:t>
+            </a:r>
+            <a:r>
+              <a:rPr lang="de-DE" sz="1600" spc="-1" dirty="0" smtClean="0">
+                <a:latin typeface="Verdana"/>
+              </a:rPr>
+              <a:t>Eisenbahnsystems</a:t>
+            </a:r>
+            <a:endParaRPr lang="bg-BG" sz="1600" spc="-1" dirty="0" smtClean="0">
+              <a:latin typeface="Verdana"/>
+            </a:endParaRPr>
+          </a:p>
+          <a:p>
+            <a:pPr marL="889200" lvl="1" indent="-324000">
+              <a:buClr>
+                <a:srgbClr val="FFFFFF"/>
+              </a:buClr>
+              <a:buSzPct val="45000"/>
+              <a:buFont typeface="StarSymbol"/>
+              <a:buChar char=""/>
+            </a:pPr>
+            <a:endParaRPr lang="bg-BG" sz="1600" spc="-1" dirty="0">
+              <a:latin typeface="Verdana"/>
+            </a:endParaRPr>
+          </a:p>
+          <a:p>
+            <a:pPr marL="889200" lvl="1" indent="-324000">
+              <a:buClr>
+                <a:srgbClr val="FFFFFF"/>
+              </a:buClr>
+              <a:buSzPct val="45000"/>
+              <a:buFont typeface="StarSymbol"/>
+              <a:buChar char=""/>
+            </a:pPr>
+            <a:r>
+              <a:rPr lang="en-US" sz="1600" spc="-1" dirty="0" smtClean="0">
+                <a:latin typeface="Verdana"/>
+              </a:rPr>
+              <a:t>Der </a:t>
+            </a:r>
+            <a:r>
+              <a:rPr lang="en-US" sz="1600" spc="-1" dirty="0" err="1" smtClean="0">
+                <a:latin typeface="Verdana"/>
+              </a:rPr>
+              <a:t>RailML</a:t>
+            </a:r>
+            <a:r>
+              <a:rPr lang="en-US" sz="1600" spc="-1" dirty="0" smtClean="0">
+                <a:latin typeface="Verdana"/>
+              </a:rPr>
+              <a:t>-Parser </a:t>
+            </a:r>
+            <a:r>
+              <a:rPr lang="en-US" sz="1600" spc="-1" dirty="0" err="1" smtClean="0">
+                <a:latin typeface="Verdana"/>
+              </a:rPr>
+              <a:t>stellt</a:t>
+            </a:r>
+            <a:r>
+              <a:rPr lang="en-US" sz="1600" spc="-1" dirty="0" smtClean="0">
+                <a:latin typeface="Verdana"/>
+              </a:rPr>
+              <a:t> den </a:t>
+            </a:r>
+            <a:r>
+              <a:rPr lang="en-US" sz="1600" spc="-1" dirty="0" err="1" smtClean="0">
+                <a:latin typeface="Verdana"/>
+              </a:rPr>
+              <a:t>anderen</a:t>
+            </a:r>
+            <a:r>
+              <a:rPr lang="en-US" sz="1600" spc="-1" dirty="0" smtClean="0">
+                <a:latin typeface="Verdana"/>
+              </a:rPr>
+              <a:t> </a:t>
+            </a:r>
+            <a:r>
+              <a:rPr lang="en-US" sz="1600" spc="-1" dirty="0" err="1" smtClean="0">
+                <a:latin typeface="Verdana"/>
+              </a:rPr>
+              <a:t>Programmkomponenten</a:t>
+            </a:r>
+            <a:r>
+              <a:rPr lang="en-US" sz="1600" spc="-1" dirty="0" smtClean="0">
+                <a:latin typeface="Verdana"/>
+              </a:rPr>
+              <a:t> die </a:t>
+            </a:r>
+            <a:r>
+              <a:rPr lang="en-US" sz="1600" spc="-1" dirty="0" err="1" smtClean="0">
+                <a:latin typeface="Verdana"/>
+              </a:rPr>
+              <a:t>Daten</a:t>
+            </a:r>
+            <a:r>
+              <a:rPr lang="en-US" sz="1600" spc="-1" dirty="0" smtClean="0">
+                <a:latin typeface="Verdana"/>
+              </a:rPr>
+              <a:t> </a:t>
+            </a:r>
+            <a:r>
+              <a:rPr lang="en-US" sz="1600" spc="-1" dirty="0" err="1" smtClean="0">
+                <a:latin typeface="Verdana"/>
+              </a:rPr>
+              <a:t>aus</a:t>
+            </a:r>
+            <a:r>
+              <a:rPr lang="en-US" sz="1600" spc="-1" dirty="0" smtClean="0">
+                <a:latin typeface="Verdana"/>
+              </a:rPr>
+              <a:t> der </a:t>
+            </a:r>
+            <a:r>
+              <a:rPr lang="en-US" sz="1600" spc="-1" dirty="0" err="1" smtClean="0">
+                <a:latin typeface="Verdana"/>
+              </a:rPr>
+              <a:t>RailML-Datei</a:t>
+            </a:r>
+            <a:r>
+              <a:rPr lang="en-US" sz="1600" spc="-1" dirty="0" smtClean="0">
+                <a:latin typeface="Verdana"/>
+              </a:rPr>
+              <a:t> </a:t>
+            </a:r>
+            <a:r>
+              <a:rPr lang="en-US" sz="1600" spc="-1" dirty="0" err="1" smtClean="0">
+                <a:latin typeface="Verdana"/>
+              </a:rPr>
+              <a:t>bereit</a:t>
+            </a:r>
+            <a:endParaRPr lang="de-DE" sz="1600" spc="-1" dirty="0">
+              <a:latin typeface="Verdana"/>
+            </a:endParaRPr>
+          </a:p>
+          <a:p>
+            <a:pPr marL="889200" lvl="1" indent="-324000">
+              <a:buClr>
+                <a:srgbClr val="FFFFFF"/>
+              </a:buClr>
+              <a:buSzPct val="45000"/>
+              <a:buFont typeface="StarSymbol"/>
+              <a:buChar char=""/>
+            </a:pPr>
+            <a:endParaRPr sz="1600" i="1" spc="-1" dirty="0">
+              <a:latin typeface="Verdana"/>
+            </a:endParaRPr>
+          </a:p>
+          <a:p>
+            <a:pPr marL="864000" lvl="1" indent="-324000">
+              <a:buClr>
+                <a:srgbClr val="FFFFFF"/>
               </a:buClr>
               <a:buSzPct val="75000"/>
               <a:buFont typeface="StarSymbol"/>
               <a:buChar char=""/>
             </a:pPr>
             <a:r>
-              <a:rPr lang="de-DE" sz="1600" spc="-1">
-                <a:latin typeface="Verdana"/>
-              </a:rPr>
-              <a:t>Laden der Fahrplandatei</a:t>
-            </a:r>
-            <a:endParaRPr/>
+              <a:rPr lang="de-DE" sz="1600" spc="-1" dirty="0" smtClean="0">
+                <a:latin typeface="Verdana"/>
+              </a:rPr>
+              <a:t>Vorgehensweise: Trennung von XML</a:t>
+            </a:r>
+            <a:r>
+              <a:rPr lang="en-US" sz="1600" spc="-1" dirty="0" smtClean="0">
+                <a:latin typeface="Verdana"/>
+              </a:rPr>
+              <a:t>-Parser und </a:t>
+            </a:r>
+            <a:r>
+              <a:rPr lang="en-US" sz="1600" spc="-1" dirty="0" err="1" smtClean="0">
+                <a:latin typeface="Verdana"/>
+              </a:rPr>
+              <a:t>Datenstruktur</a:t>
+            </a:r>
+            <a:r>
+              <a:rPr lang="en-US" sz="1600" spc="-1" dirty="0" smtClean="0">
+                <a:latin typeface="Verdana"/>
+              </a:rPr>
+              <a:t> -&gt; </a:t>
+            </a:r>
+            <a:r>
+              <a:rPr lang="en-US" sz="1600" spc="-1" dirty="0" err="1" smtClean="0">
+                <a:latin typeface="Verdana"/>
+              </a:rPr>
+              <a:t>mehr</a:t>
+            </a:r>
+            <a:r>
+              <a:rPr lang="en-US" sz="1600" spc="-1" dirty="0" smtClean="0">
+                <a:latin typeface="Verdana"/>
+              </a:rPr>
+              <a:t> </a:t>
+            </a:r>
+            <a:r>
+              <a:rPr lang="en-US" sz="1600" spc="-1" dirty="0" err="1" smtClean="0">
+                <a:latin typeface="Verdana"/>
+              </a:rPr>
+              <a:t>Flexibilit</a:t>
+            </a:r>
+            <a:r>
+              <a:rPr lang="de-DE" sz="1600" spc="-1" dirty="0" err="1" smtClean="0">
+                <a:latin typeface="Verdana"/>
+              </a:rPr>
+              <a:t>ät</a:t>
+            </a:r>
+            <a:endParaRPr dirty="0"/>
           </a:p>
         </p:txBody>
       </p:sp>
@@ -7561,6 +8869,7 @@
         </p:spPr>
         <p:txBody>
           <a:bodyPr anchor="ctr"/>
+          <a:lstStyle/>
           <a:p>
             <a:pPr>
               <a:lnSpc>
@@ -7568,13 +8877,13 @@
               </a:lnSpc>
             </a:pPr>
             <a:r>
-              <a:rPr lang="de-DE" sz="1000" spc="-1" strike="noStrike">
+              <a:rPr lang="de-DE" sz="1000" strike="noStrike" spc="-1">
                 <a:solidFill>
                   <a:srgbClr val="808080"/>
                 </a:solidFill>
                 <a:uFill>
                   <a:solidFill>
-                    <a:srgbClr val="ffffff"/>
+                    <a:srgbClr val="FFFFFF"/>
                   </a:solidFill>
                 </a:uFill>
                 <a:latin typeface="Verdana"/>
@@ -7623,13 +8932,20 @@
           </a:ln>
         </p:spPr>
         <p:style>
-          <a:lnRef idx="2"/>
-          <a:fillRef idx="0"/>
-          <a:effectRef idx="0"/>
+          <a:lnRef idx="2">
+            <a:scrgbClr r="0" g="0" b="0"/>
+          </a:lnRef>
+          <a:fillRef idx="0">
+            <a:scrgbClr r="0" g="0" b="0"/>
+          </a:fillRef>
+          <a:effectRef idx="0">
+            <a:scrgbClr r="0" g="0" b="0"/>
+          </a:effectRef>
           <a:fontRef idx="minor"/>
         </p:style>
         <p:txBody>
-          <a:bodyPr lIns="60120" rIns="20160" tIns="20160" bIns="20160" anchor="ctr"/>
+          <a:bodyPr lIns="60120" tIns="20160" rIns="20160" bIns="20160" anchor="ctr"/>
+          <a:lstStyle/>
           <a:p>
             <a:pPr algn="ctr">
               <a:lnSpc>
@@ -7637,13 +8953,13 @@
               </a:lnSpc>
             </a:pPr>
             <a:r>
-              <a:rPr b="1" lang="de-DE" sz="1500" spc="-1" strike="noStrike">
+              <a:rPr lang="de-DE" sz="1500" b="1" strike="noStrike" spc="-1">
                 <a:solidFill>
-                  <a:srgbClr val="ffffff"/>
+                  <a:srgbClr val="FFFFFF"/>
                 </a:solidFill>
                 <a:uFill>
                   <a:solidFill>
-                    <a:srgbClr val="ffffff"/>
+                    <a:srgbClr val="FFFFFF"/>
                   </a:solidFill>
                 </a:uFill>
                 <a:latin typeface="Calibri"/>
@@ -7692,13 +9008,20 @@
           </a:ln>
         </p:spPr>
         <p:style>
-          <a:lnRef idx="2"/>
-          <a:fillRef idx="0"/>
-          <a:effectRef idx="0"/>
+          <a:lnRef idx="2">
+            <a:scrgbClr r="0" g="0" b="0"/>
+          </a:lnRef>
+          <a:fillRef idx="0">
+            <a:scrgbClr r="0" g="0" b="0"/>
+          </a:fillRef>
+          <a:effectRef idx="0">
+            <a:scrgbClr r="0" g="0" b="0"/>
+          </a:effectRef>
           <a:fontRef idx="minor"/>
         </p:style>
         <p:txBody>
-          <a:bodyPr lIns="60120" rIns="20160" tIns="20160" bIns="20160" anchor="ctr"/>
+          <a:bodyPr lIns="60120" tIns="20160" rIns="20160" bIns="20160" anchor="ctr"/>
+          <a:lstStyle/>
           <a:p>
             <a:pPr algn="ctr">
               <a:lnSpc>
@@ -7706,13 +9029,13 @@
               </a:lnSpc>
             </a:pPr>
             <a:r>
-              <a:rPr b="1" lang="de-DE" sz="1500" spc="-1" strike="noStrike">
+              <a:rPr lang="de-DE" sz="1500" b="1" strike="noStrike" spc="-1">
                 <a:solidFill>
-                  <a:srgbClr val="ffffff"/>
+                  <a:srgbClr val="FFFFFF"/>
                 </a:solidFill>
                 <a:uFill>
                   <a:solidFill>
-                    <a:srgbClr val="ffffff"/>
+                    <a:srgbClr val="FFFFFF"/>
                   </a:solidFill>
                 </a:uFill>
                 <a:latin typeface="Calibri"/>
@@ -7761,13 +9084,20 @@
           </a:ln>
         </p:spPr>
         <p:style>
-          <a:lnRef idx="2"/>
-          <a:fillRef idx="0"/>
-          <a:effectRef idx="0"/>
+          <a:lnRef idx="2">
+            <a:scrgbClr r="0" g="0" b="0"/>
+          </a:lnRef>
+          <a:fillRef idx="0">
+            <a:scrgbClr r="0" g="0" b="0"/>
+          </a:fillRef>
+          <a:effectRef idx="0">
+            <a:scrgbClr r="0" g="0" b="0"/>
+          </a:effectRef>
           <a:fontRef idx="minor"/>
         </p:style>
         <p:txBody>
-          <a:bodyPr lIns="60120" rIns="20160" tIns="20160" bIns="20160" anchor="ctr"/>
+          <a:bodyPr lIns="60120" tIns="20160" rIns="20160" bIns="20160" anchor="ctr"/>
+          <a:lstStyle/>
           <a:p>
             <a:pPr algn="ctr">
               <a:lnSpc>
@@ -7775,13 +9105,13 @@
               </a:lnSpc>
             </a:pPr>
             <a:r>
-              <a:rPr b="1" lang="de-DE" sz="1500" spc="-1" strike="noStrike">
+              <a:rPr lang="de-DE" sz="1500" b="1" strike="noStrike" spc="-1">
                 <a:solidFill>
-                  <a:srgbClr val="ffffff"/>
+                  <a:srgbClr val="FFFFFF"/>
                 </a:solidFill>
                 <a:uFill>
                   <a:solidFill>
-                    <a:srgbClr val="ffffff"/>
+                    <a:srgbClr val="FFFFFF"/>
                   </a:solidFill>
                 </a:uFill>
                 <a:latin typeface="Calibri"/>
@@ -7824,13 +9154,20 @@
           </a:ln>
         </p:spPr>
         <p:style>
-          <a:lnRef idx="2"/>
-          <a:fillRef idx="0"/>
-          <a:effectRef idx="0"/>
+          <a:lnRef idx="2">
+            <a:scrgbClr r="0" g="0" b="0"/>
+          </a:lnRef>
+          <a:fillRef idx="0">
+            <a:scrgbClr r="0" g="0" b="0"/>
+          </a:fillRef>
+          <a:effectRef idx="0">
+            <a:scrgbClr r="0" g="0" b="0"/>
+          </a:effectRef>
           <a:fontRef idx="minor"/>
         </p:style>
         <p:txBody>
-          <a:bodyPr lIns="60120" rIns="20160" tIns="20160" bIns="20160" anchor="ctr"/>
+          <a:bodyPr lIns="60120" tIns="20160" rIns="20160" bIns="20160" anchor="ctr"/>
+          <a:lstStyle/>
           <a:p>
             <a:pPr algn="ctr">
               <a:lnSpc>
@@ -7838,13 +9175,13 @@
               </a:lnSpc>
             </a:pPr>
             <a:r>
-              <a:rPr b="1" lang="de-DE" sz="1500" spc="-1" strike="noStrike">
+              <a:rPr lang="de-DE" sz="1500" b="1" strike="noStrike" spc="-1">
                 <a:solidFill>
-                  <a:srgbClr val="ffffff"/>
+                  <a:srgbClr val="FFFFFF"/>
                 </a:solidFill>
                 <a:uFill>
                   <a:solidFill>
-                    <a:srgbClr val="ffffff"/>
+                    <a:srgbClr val="FFFFFF"/>
                   </a:solidFill>
                 </a:uFill>
                 <a:latin typeface="Calibri"/>
@@ -7887,13 +9224,20 @@
           </a:ln>
         </p:spPr>
         <p:style>
-          <a:lnRef idx="2"/>
-          <a:fillRef idx="0"/>
-          <a:effectRef idx="0"/>
+          <a:lnRef idx="2">
+            <a:scrgbClr r="0" g="0" b="0"/>
+          </a:lnRef>
+          <a:fillRef idx="0">
+            <a:scrgbClr r="0" g="0" b="0"/>
+          </a:fillRef>
+          <a:effectRef idx="0">
+            <a:scrgbClr r="0" g="0" b="0"/>
+          </a:effectRef>
           <a:fontRef idx="minor"/>
         </p:style>
         <p:txBody>
-          <a:bodyPr lIns="60120" rIns="20160" tIns="20160" bIns="20160" anchor="ctr"/>
+          <a:bodyPr lIns="60120" tIns="20160" rIns="20160" bIns="20160" anchor="ctr"/>
+          <a:lstStyle/>
           <a:p>
             <a:pPr algn="ctr">
               <a:lnSpc>
@@ -7901,13 +9245,13 @@
               </a:lnSpc>
             </a:pPr>
             <a:r>
-              <a:rPr b="1" lang="de-DE" sz="1500" spc="-1" strike="noStrike">
+              <a:rPr lang="de-DE" sz="1500" b="1" strike="noStrike" spc="-1">
                 <a:solidFill>
-                  <a:srgbClr val="ffffff"/>
+                  <a:srgbClr val="FFFFFF"/>
                 </a:solidFill>
                 <a:uFill>
                   <a:solidFill>
-                    <a:srgbClr val="ffffff"/>
+                    <a:srgbClr val="FFFFFF"/>
                   </a:solidFill>
                 </a:uFill>
                 <a:latin typeface="Calibri"/>
@@ -7939,6 +9283,7 @@
         </p:spPr>
         <p:txBody>
           <a:bodyPr anchor="ctr"/>
+          <a:lstStyle/>
           <a:p>
             <a:pPr algn="ctr">
               <a:lnSpc>
@@ -7946,13 +9291,13 @@
               </a:lnSpc>
             </a:pPr>
             <a:r>
-              <a:rPr lang="de-DE" sz="1200" spc="-1" strike="noStrike">
+              <a:rPr lang="de-DE" sz="1200" strike="noStrike" spc="-1">
                 <a:solidFill>
-                  <a:srgbClr val="8b8e97"/>
+                  <a:srgbClr val="8B8E97"/>
                 </a:solidFill>
                 <a:uFill>
                   <a:solidFill>
-                    <a:srgbClr val="ffffff"/>
+                    <a:srgbClr val="FFFFFF"/>
                   </a:solidFill>
                 </a:uFill>
                 <a:latin typeface="Calibri"/>
@@ -7968,13 +9313,13 @@
               </a:lnSpc>
             </a:pPr>
             <a:r>
-              <a:rPr lang="de-DE" sz="1200" spc="-1" strike="noStrike">
+              <a:rPr lang="de-DE" sz="1200" strike="noStrike" spc="-1">
                 <a:solidFill>
-                  <a:srgbClr val="8b8e97"/>
+                  <a:srgbClr val="8B8E97"/>
                 </a:solidFill>
                 <a:uFill>
                   <a:solidFill>
-                    <a:srgbClr val="ffffff"/>
+                    <a:srgbClr val="FFFFFF"/>
                   </a:solidFill>
                 </a:uFill>
                 <a:latin typeface="Calibri"/>
@@ -8006,6 +9351,7 @@
         </p:spPr>
         <p:txBody>
           <a:bodyPr anchor="ctr"/>
+          <a:lstStyle/>
           <a:p>
             <a:pPr algn="r">
               <a:lnSpc>
@@ -8013,13 +9359,13 @@
               </a:lnSpc>
             </a:pPr>
             <a:r>
-              <a:rPr lang="de-DE" sz="1200" spc="-1" strike="noStrike">
+              <a:rPr lang="de-DE" sz="1200" strike="noStrike" spc="-1">
                 <a:solidFill>
-                  <a:srgbClr val="8b8e97"/>
+                  <a:srgbClr val="8B8E97"/>
                 </a:solidFill>
                 <a:uFill>
                   <a:solidFill>
-                    <a:srgbClr val="ffffff"/>
+                    <a:srgbClr val="FFFFFF"/>
                   </a:solidFill>
                 </a:uFill>
                 <a:latin typeface="Calibri"/>
@@ -8027,27 +9373,27 @@
               <a:t>Folie </a:t>
             </a:r>
             <a:fld id="{E587C9D7-CA0D-40DD-AB54-F3FB657BCD92}" type="slidenum">
-              <a:rPr lang="de-DE" sz="1200" spc="-1" strike="noStrike">
+              <a:rPr lang="de-DE" sz="1200" strike="noStrike" spc="-1">
                 <a:solidFill>
-                  <a:srgbClr val="8b8e97"/>
+                  <a:srgbClr val="8B8E97"/>
                 </a:solidFill>
                 <a:uFill>
                   <a:solidFill>
-                    <a:srgbClr val="ffffff"/>
+                    <a:srgbClr val="FFFFFF"/>
                   </a:solidFill>
                 </a:uFill>
                 <a:latin typeface="Calibri"/>
               </a:rPr>
-              <a:t>&lt;Foliennummer&gt;</a:t>
+              <a:t>4</a:t>
             </a:fld>
             <a:r>
-              <a:rPr lang="de-DE" sz="1200" spc="-1" strike="noStrike">
+              <a:rPr lang="de-DE" sz="1200" strike="noStrike" spc="-1">
                 <a:solidFill>
-                  <a:srgbClr val="8b8e97"/>
+                  <a:srgbClr val="8B8E97"/>
                 </a:solidFill>
                 <a:uFill>
                   <a:solidFill>
-                    <a:srgbClr val="ffffff"/>
+                    <a:srgbClr val="FFFFFF"/>
                   </a:solidFill>
                 </a:uFill>
                 <a:latin typeface="Calibri"/>
@@ -8060,22 +9406,25 @@
       </p:sp>
     </p:spTree>
   </p:cSld>
+  <p:clrMapOvr>
+    <a:masterClrMapping/>
+  </p:clrMapOvr>
   <p:timing>
     <p:tnLst>
       <p:par>
-        <p:cTn id="7" dur="indefinite" restart="never" nodeType="tmRoot">
+        <p:cTn id="1" dur="indefinite" restart="never" nodeType="tmRoot">
           <p:childTnLst>
             <p:seq>
-              <p:cTn id="8" nodeType="mainSeq"/>
+              <p:cTn id="2" nodeType="mainSeq"/>
               <p:prevCondLst>
-                <p:cond delay="0" evt="onPrev">
+                <p:cond evt="onPrev" delay="0">
                   <p:tgtEl>
                     <p:sldTgt/>
                   </p:tgtEl>
                 </p:cond>
               </p:prevCondLst>
               <p:nextCondLst>
-                <p:cond delay="0" evt="onNext">
+                <p:cond evt="onNext" delay="0">
                   <p:tgtEl>
                     <p:sldTgt/>
                   </p:tgtEl>
@@ -8091,7 +9440,7 @@
 </file>
 
 <file path=ppt/slides/slide5.xml><?xml version="1.0" encoding="utf-8"?>
-<p:sld xmlns:a="http://schemas.openxmlformats.org/drawingml/2006/main" xmlns:p="http://schemas.openxmlformats.org/presentationml/2006/main" xmlns:r="http://schemas.openxmlformats.org/officeDocument/2006/relationships">
+<p:sld xmlns:a="http://schemas.openxmlformats.org/drawingml/2006/main" xmlns:r="http://schemas.openxmlformats.org/officeDocument/2006/relationships" xmlns:p="http://schemas.openxmlformats.org/presentationml/2006/main">
   <p:cSld>
     <p:spTree>
       <p:nvGrpSpPr>
@@ -8128,10 +9477,11 @@
         </p:spPr>
         <p:txBody>
           <a:bodyPr/>
+          <a:lstStyle/>
           <a:p>
             <a:pPr marL="432000" indent="-324000">
               <a:buClr>
-                <a:srgbClr val="ffffff"/>
+                <a:srgbClr val="FFFFFF"/>
               </a:buClr>
               <a:buSzPct val="45000"/>
               <a:buFont typeface="StarSymbol"/>
@@ -8146,9 +9496,9 @@
             <a:endParaRPr/>
           </a:p>
           <a:p>
-            <a:pPr lvl="1" marL="864000" indent="-324000">
+            <a:pPr marL="864000" lvl="1" indent="-324000">
               <a:buClr>
-                <a:srgbClr val="ffffff"/>
+                <a:srgbClr val="FFFFFF"/>
               </a:buClr>
               <a:buSzPct val="75000"/>
               <a:buFont typeface="StarSymbol"/>
@@ -8163,9 +9513,9 @@
             <a:endParaRPr/>
           </a:p>
           <a:p>
-            <a:pPr lvl="1" marL="864000" indent="-324000">
+            <a:pPr marL="864000" lvl="1" indent="-324000">
               <a:buClr>
-                <a:srgbClr val="ffffff"/>
+                <a:srgbClr val="FFFFFF"/>
               </a:buClr>
               <a:buSzPct val="75000"/>
               <a:buFont typeface="StarSymbol"/>
@@ -8180,9 +9530,9 @@
             <a:endParaRPr/>
           </a:p>
           <a:p>
-            <a:pPr lvl="1" marL="864000" indent="-324000">
+            <a:pPr marL="864000" lvl="1" indent="-324000">
               <a:buClr>
-                <a:srgbClr val="ffffff"/>
+                <a:srgbClr val="FFFFFF"/>
               </a:buClr>
               <a:buSzPct val="75000"/>
               <a:buFont typeface="StarSymbol"/>
@@ -8219,6 +9569,7 @@
         </p:spPr>
         <p:txBody>
           <a:bodyPr anchor="ctr"/>
+          <a:lstStyle/>
           <a:p>
             <a:pPr>
               <a:lnSpc>
@@ -8226,13 +9577,13 @@
               </a:lnSpc>
             </a:pPr>
             <a:r>
-              <a:rPr lang="de-DE" sz="1000" spc="-1" strike="noStrike">
+              <a:rPr lang="de-DE" sz="1000" strike="noStrike" spc="-1">
                 <a:solidFill>
                   <a:srgbClr val="808080"/>
                 </a:solidFill>
                 <a:uFill>
                   <a:solidFill>
-                    <a:srgbClr val="ffffff"/>
+                    <a:srgbClr val="FFFFFF"/>
                   </a:solidFill>
                 </a:uFill>
                 <a:latin typeface="Verdana"/>
@@ -8281,13 +9632,20 @@
           </a:ln>
         </p:spPr>
         <p:style>
-          <a:lnRef idx="2"/>
-          <a:fillRef idx="0"/>
-          <a:effectRef idx="0"/>
+          <a:lnRef idx="2">
+            <a:scrgbClr r="0" g="0" b="0"/>
+          </a:lnRef>
+          <a:fillRef idx="0">
+            <a:scrgbClr r="0" g="0" b="0"/>
+          </a:fillRef>
+          <a:effectRef idx="0">
+            <a:scrgbClr r="0" g="0" b="0"/>
+          </a:effectRef>
           <a:fontRef idx="minor"/>
         </p:style>
         <p:txBody>
-          <a:bodyPr lIns="60120" rIns="20160" tIns="20160" bIns="20160" anchor="ctr"/>
+          <a:bodyPr lIns="60120" tIns="20160" rIns="20160" bIns="20160" anchor="ctr"/>
+          <a:lstStyle/>
           <a:p>
             <a:pPr algn="ctr">
               <a:lnSpc>
@@ -8295,13 +9653,13 @@
               </a:lnSpc>
             </a:pPr>
             <a:r>
-              <a:rPr b="1" lang="de-DE" sz="1500" spc="-1" strike="noStrike">
+              <a:rPr lang="de-DE" sz="1500" b="1" strike="noStrike" spc="-1">
                 <a:solidFill>
-                  <a:srgbClr val="ffffff"/>
+                  <a:srgbClr val="FFFFFF"/>
                 </a:solidFill>
                 <a:uFill>
                   <a:solidFill>
-                    <a:srgbClr val="ffffff"/>
+                    <a:srgbClr val="FFFFFF"/>
                   </a:solidFill>
                 </a:uFill>
                 <a:latin typeface="Calibri"/>
@@ -8350,13 +9708,20 @@
           </a:ln>
         </p:spPr>
         <p:style>
-          <a:lnRef idx="2"/>
-          <a:fillRef idx="0"/>
-          <a:effectRef idx="0"/>
+          <a:lnRef idx="2">
+            <a:scrgbClr r="0" g="0" b="0"/>
+          </a:lnRef>
+          <a:fillRef idx="0">
+            <a:scrgbClr r="0" g="0" b="0"/>
+          </a:fillRef>
+          <a:effectRef idx="0">
+            <a:scrgbClr r="0" g="0" b="0"/>
+          </a:effectRef>
           <a:fontRef idx="minor"/>
         </p:style>
         <p:txBody>
-          <a:bodyPr lIns="60120" rIns="20160" tIns="20160" bIns="20160" anchor="ctr"/>
+          <a:bodyPr lIns="60120" tIns="20160" rIns="20160" bIns="20160" anchor="ctr"/>
+          <a:lstStyle/>
           <a:p>
             <a:pPr algn="ctr">
               <a:lnSpc>
@@ -8364,13 +9729,13 @@
               </a:lnSpc>
             </a:pPr>
             <a:r>
-              <a:rPr b="1" lang="de-DE" sz="1500" spc="-1" strike="noStrike">
+              <a:rPr lang="de-DE" sz="1500" b="1" strike="noStrike" spc="-1">
                 <a:solidFill>
-                  <a:srgbClr val="ffffff"/>
+                  <a:srgbClr val="FFFFFF"/>
                 </a:solidFill>
                 <a:uFill>
                   <a:solidFill>
-                    <a:srgbClr val="ffffff"/>
+                    <a:srgbClr val="FFFFFF"/>
                   </a:solidFill>
                 </a:uFill>
                 <a:latin typeface="Calibri"/>
@@ -8419,13 +9784,20 @@
           </a:ln>
         </p:spPr>
         <p:style>
-          <a:lnRef idx="2"/>
-          <a:fillRef idx="0"/>
-          <a:effectRef idx="0"/>
+          <a:lnRef idx="2">
+            <a:scrgbClr r="0" g="0" b="0"/>
+          </a:lnRef>
+          <a:fillRef idx="0">
+            <a:scrgbClr r="0" g="0" b="0"/>
+          </a:fillRef>
+          <a:effectRef idx="0">
+            <a:scrgbClr r="0" g="0" b="0"/>
+          </a:effectRef>
           <a:fontRef idx="minor"/>
         </p:style>
         <p:txBody>
-          <a:bodyPr lIns="60120" rIns="20160" tIns="20160" bIns="20160" anchor="ctr"/>
+          <a:bodyPr lIns="60120" tIns="20160" rIns="20160" bIns="20160" anchor="ctr"/>
+          <a:lstStyle/>
           <a:p>
             <a:pPr algn="ctr">
               <a:lnSpc>
@@ -8433,13 +9805,13 @@
               </a:lnSpc>
             </a:pPr>
             <a:r>
-              <a:rPr b="1" lang="de-DE" sz="1500" spc="-1" strike="noStrike">
+              <a:rPr lang="de-DE" sz="1500" b="1" strike="noStrike" spc="-1">
                 <a:solidFill>
-                  <a:srgbClr val="ffffff"/>
+                  <a:srgbClr val="FFFFFF"/>
                 </a:solidFill>
                 <a:uFill>
                   <a:solidFill>
-                    <a:srgbClr val="ffffff"/>
+                    <a:srgbClr val="FFFFFF"/>
                   </a:solidFill>
                 </a:uFill>
                 <a:latin typeface="Calibri"/>
@@ -8482,13 +9854,20 @@
           </a:ln>
         </p:spPr>
         <p:style>
-          <a:lnRef idx="2"/>
-          <a:fillRef idx="0"/>
-          <a:effectRef idx="0"/>
+          <a:lnRef idx="2">
+            <a:scrgbClr r="0" g="0" b="0"/>
+          </a:lnRef>
+          <a:fillRef idx="0">
+            <a:scrgbClr r="0" g="0" b="0"/>
+          </a:fillRef>
+          <a:effectRef idx="0">
+            <a:scrgbClr r="0" g="0" b="0"/>
+          </a:effectRef>
           <a:fontRef idx="minor"/>
         </p:style>
         <p:txBody>
-          <a:bodyPr lIns="60120" rIns="20160" tIns="20160" bIns="20160" anchor="ctr"/>
+          <a:bodyPr lIns="60120" tIns="20160" rIns="20160" bIns="20160" anchor="ctr"/>
+          <a:lstStyle/>
           <a:p>
             <a:pPr algn="ctr">
               <a:lnSpc>
@@ -8496,13 +9875,13 @@
               </a:lnSpc>
             </a:pPr>
             <a:r>
-              <a:rPr b="1" lang="de-DE" sz="1500" spc="-1" strike="noStrike">
+              <a:rPr lang="de-DE" sz="1500" b="1" strike="noStrike" spc="-1">
                 <a:solidFill>
-                  <a:srgbClr val="ffffff"/>
+                  <a:srgbClr val="FFFFFF"/>
                 </a:solidFill>
                 <a:uFill>
                   <a:solidFill>
-                    <a:srgbClr val="ffffff"/>
+                    <a:srgbClr val="FFFFFF"/>
                   </a:solidFill>
                 </a:uFill>
                 <a:latin typeface="Calibri"/>
@@ -8545,13 +9924,20 @@
           </a:ln>
         </p:spPr>
         <p:style>
-          <a:lnRef idx="2"/>
-          <a:fillRef idx="0"/>
-          <a:effectRef idx="0"/>
+          <a:lnRef idx="2">
+            <a:scrgbClr r="0" g="0" b="0"/>
+          </a:lnRef>
+          <a:fillRef idx="0">
+            <a:scrgbClr r="0" g="0" b="0"/>
+          </a:fillRef>
+          <a:effectRef idx="0">
+            <a:scrgbClr r="0" g="0" b="0"/>
+          </a:effectRef>
           <a:fontRef idx="minor"/>
         </p:style>
         <p:txBody>
-          <a:bodyPr lIns="60120" rIns="20160" tIns="20160" bIns="20160" anchor="ctr"/>
+          <a:bodyPr lIns="60120" tIns="20160" rIns="20160" bIns="20160" anchor="ctr"/>
+          <a:lstStyle/>
           <a:p>
             <a:pPr algn="ctr">
               <a:lnSpc>
@@ -8559,13 +9945,13 @@
               </a:lnSpc>
             </a:pPr>
             <a:r>
-              <a:rPr b="1" lang="de-DE" sz="1500" spc="-1" strike="noStrike">
+              <a:rPr lang="de-DE" sz="1500" b="1" strike="noStrike" spc="-1">
                 <a:solidFill>
-                  <a:srgbClr val="ffffff"/>
+                  <a:srgbClr val="FFFFFF"/>
                 </a:solidFill>
                 <a:uFill>
                   <a:solidFill>
-                    <a:srgbClr val="ffffff"/>
+                    <a:srgbClr val="FFFFFF"/>
                   </a:solidFill>
                 </a:uFill>
                 <a:latin typeface="Calibri"/>
@@ -8597,6 +9983,7 @@
         </p:spPr>
         <p:txBody>
           <a:bodyPr anchor="ctr"/>
+          <a:lstStyle/>
           <a:p>
             <a:pPr algn="ctr">
               <a:lnSpc>
@@ -8604,13 +9991,13 @@
               </a:lnSpc>
             </a:pPr>
             <a:r>
-              <a:rPr lang="de-DE" sz="1200" spc="-1" strike="noStrike">
+              <a:rPr lang="de-DE" sz="1200" strike="noStrike" spc="-1">
                 <a:solidFill>
-                  <a:srgbClr val="8b8e97"/>
+                  <a:srgbClr val="8B8E97"/>
                 </a:solidFill>
                 <a:uFill>
                   <a:solidFill>
-                    <a:srgbClr val="ffffff"/>
+                    <a:srgbClr val="FFFFFF"/>
                   </a:solidFill>
                 </a:uFill>
                 <a:latin typeface="Calibri"/>
@@ -8626,13 +10013,13 @@
               </a:lnSpc>
             </a:pPr>
             <a:r>
-              <a:rPr lang="de-DE" sz="1200" spc="-1" strike="noStrike">
+              <a:rPr lang="de-DE" sz="1200" strike="noStrike" spc="-1">
                 <a:solidFill>
-                  <a:srgbClr val="8b8e97"/>
+                  <a:srgbClr val="8B8E97"/>
                 </a:solidFill>
                 <a:uFill>
                   <a:solidFill>
-                    <a:srgbClr val="ffffff"/>
+                    <a:srgbClr val="FFFFFF"/>
                   </a:solidFill>
                 </a:uFill>
                 <a:latin typeface="Calibri"/>
@@ -8664,6 +10051,7 @@
         </p:spPr>
         <p:txBody>
           <a:bodyPr anchor="ctr"/>
+          <a:lstStyle/>
           <a:p>
             <a:pPr algn="r">
               <a:lnSpc>
@@ -8671,13 +10059,13 @@
               </a:lnSpc>
             </a:pPr>
             <a:r>
-              <a:rPr lang="de-DE" sz="1200" spc="-1" strike="noStrike">
+              <a:rPr lang="de-DE" sz="1200" strike="noStrike" spc="-1">
                 <a:solidFill>
-                  <a:srgbClr val="8b8e97"/>
+                  <a:srgbClr val="8B8E97"/>
                 </a:solidFill>
                 <a:uFill>
                   <a:solidFill>
-                    <a:srgbClr val="ffffff"/>
+                    <a:srgbClr val="FFFFFF"/>
                   </a:solidFill>
                 </a:uFill>
                 <a:latin typeface="Calibri"/>
@@ -8685,27 +10073,27 @@
               <a:t>Folie </a:t>
             </a:r>
             <a:fld id="{19B1C2D1-002F-486C-B2FA-64C110742A5A}" type="slidenum">
-              <a:rPr lang="de-DE" sz="1200" spc="-1" strike="noStrike">
+              <a:rPr lang="de-DE" sz="1200" strike="noStrike" spc="-1">
                 <a:solidFill>
-                  <a:srgbClr val="8b8e97"/>
+                  <a:srgbClr val="8B8E97"/>
                 </a:solidFill>
                 <a:uFill>
                   <a:solidFill>
-                    <a:srgbClr val="ffffff"/>
+                    <a:srgbClr val="FFFFFF"/>
                   </a:solidFill>
                 </a:uFill>
                 <a:latin typeface="Calibri"/>
               </a:rPr>
-              <a:t>&lt;Foliennummer&gt;</a:t>
+              <a:t>5</a:t>
             </a:fld>
             <a:r>
-              <a:rPr lang="de-DE" sz="1200" spc="-1" strike="noStrike">
+              <a:rPr lang="de-DE" sz="1200" strike="noStrike" spc="-1">
                 <a:solidFill>
-                  <a:srgbClr val="8b8e97"/>
+                  <a:srgbClr val="8B8E97"/>
                 </a:solidFill>
                 <a:uFill>
                   <a:solidFill>
-                    <a:srgbClr val="ffffff"/>
+                    <a:srgbClr val="FFFFFF"/>
                   </a:solidFill>
                 </a:uFill>
                 <a:latin typeface="Calibri"/>
@@ -8718,22 +10106,25 @@
       </p:sp>
     </p:spTree>
   </p:cSld>
+  <p:clrMapOvr>
+    <a:masterClrMapping/>
+  </p:clrMapOvr>
   <p:timing>
     <p:tnLst>
       <p:par>
-        <p:cTn id="9" dur="indefinite" restart="never" nodeType="tmRoot">
+        <p:cTn id="1" dur="indefinite" restart="never" nodeType="tmRoot">
           <p:childTnLst>
             <p:seq>
-              <p:cTn id="10" nodeType="mainSeq"/>
+              <p:cTn id="2" nodeType="mainSeq"/>
               <p:prevCondLst>
-                <p:cond delay="0" evt="onPrev">
+                <p:cond evt="onPrev" delay="0">
                   <p:tgtEl>
                     <p:sldTgt/>
                   </p:tgtEl>
                 </p:cond>
               </p:prevCondLst>
               <p:nextCondLst>
-                <p:cond delay="0" evt="onNext">
+                <p:cond evt="onNext" delay="0">
                   <p:tgtEl>
                     <p:sldTgt/>
                   </p:tgtEl>
@@ -8749,7 +10140,7 @@
 </file>
 
 <file path=ppt/slides/slide6.xml><?xml version="1.0" encoding="utf-8"?>
-<p:sld xmlns:a="http://schemas.openxmlformats.org/drawingml/2006/main" xmlns:p="http://schemas.openxmlformats.org/presentationml/2006/main" xmlns:r="http://schemas.openxmlformats.org/officeDocument/2006/relationships">
+<p:sld xmlns:a="http://schemas.openxmlformats.org/drawingml/2006/main" xmlns:r="http://schemas.openxmlformats.org/officeDocument/2006/relationships" xmlns:p="http://schemas.openxmlformats.org/presentationml/2006/main">
   <p:cSld>
     <p:spTree>
       <p:nvGrpSpPr>
@@ -8786,10 +10177,11 @@
         </p:spPr>
         <p:txBody>
           <a:bodyPr/>
+          <a:lstStyle/>
           <a:p>
             <a:pPr marL="432000" indent="-324000">
               <a:buClr>
-                <a:srgbClr val="ffffff"/>
+                <a:srgbClr val="FFFFFF"/>
               </a:buClr>
               <a:buSzPct val="45000"/>
               <a:buFont typeface="StarSymbol"/>
@@ -8806,7 +10198,7 @@
           <a:p>
             <a:pPr marL="432000" indent="-324000">
               <a:buClr>
-                <a:srgbClr val="ffffff"/>
+                <a:srgbClr val="FFFFFF"/>
               </a:buClr>
               <a:buSzPct val="45000"/>
               <a:buFont typeface="StarSymbol"/>
@@ -8823,7 +10215,7 @@
           <a:p>
             <a:pPr marL="432000" indent="-324000">
               <a:buClr>
-                <a:srgbClr val="ffffff"/>
+                <a:srgbClr val="FFFFFF"/>
               </a:buClr>
               <a:buSzPct val="45000"/>
               <a:buFont typeface="StarSymbol"/>
@@ -8840,7 +10232,7 @@
           <a:p>
             <a:pPr marL="432000" indent="-324000">
               <a:buClr>
-                <a:srgbClr val="ffffff"/>
+                <a:srgbClr val="FFFFFF"/>
               </a:buClr>
               <a:buSzPct val="45000"/>
               <a:buFont typeface="StarSymbol"/>
@@ -8877,6 +10269,7 @@
         </p:spPr>
         <p:txBody>
           <a:bodyPr anchor="ctr"/>
+          <a:lstStyle/>
           <a:p>
             <a:pPr>
               <a:lnSpc>
@@ -8884,13 +10277,13 @@
               </a:lnSpc>
             </a:pPr>
             <a:r>
-              <a:rPr lang="de-DE" sz="1000" spc="-1" strike="noStrike">
+              <a:rPr lang="de-DE" sz="1000" strike="noStrike" spc="-1">
                 <a:solidFill>
                   <a:srgbClr val="808080"/>
                 </a:solidFill>
                 <a:uFill>
                   <a:solidFill>
-                    <a:srgbClr val="ffffff"/>
+                    <a:srgbClr val="FFFFFF"/>
                   </a:solidFill>
                 </a:uFill>
                 <a:latin typeface="Verdana"/>
@@ -8939,13 +10332,20 @@
           </a:ln>
         </p:spPr>
         <p:style>
-          <a:lnRef idx="2"/>
-          <a:fillRef idx="0"/>
-          <a:effectRef idx="0"/>
+          <a:lnRef idx="2">
+            <a:scrgbClr r="0" g="0" b="0"/>
+          </a:lnRef>
+          <a:fillRef idx="0">
+            <a:scrgbClr r="0" g="0" b="0"/>
+          </a:fillRef>
+          <a:effectRef idx="0">
+            <a:scrgbClr r="0" g="0" b="0"/>
+          </a:effectRef>
           <a:fontRef idx="minor"/>
         </p:style>
         <p:txBody>
-          <a:bodyPr lIns="60120" rIns="20160" tIns="20160" bIns="20160" anchor="ctr"/>
+          <a:bodyPr lIns="60120" tIns="20160" rIns="20160" bIns="20160" anchor="ctr"/>
+          <a:lstStyle/>
           <a:p>
             <a:pPr algn="ctr">
               <a:lnSpc>
@@ -8953,13 +10353,13 @@
               </a:lnSpc>
             </a:pPr>
             <a:r>
-              <a:rPr b="1" lang="de-DE" sz="1500" spc="-1" strike="noStrike">
+              <a:rPr lang="de-DE" sz="1500" b="1" strike="noStrike" spc="-1">
                 <a:solidFill>
-                  <a:srgbClr val="ffffff"/>
+                  <a:srgbClr val="FFFFFF"/>
                 </a:solidFill>
                 <a:uFill>
                   <a:solidFill>
-                    <a:srgbClr val="ffffff"/>
+                    <a:srgbClr val="FFFFFF"/>
                   </a:solidFill>
                 </a:uFill>
                 <a:latin typeface="Calibri"/>
@@ -9008,13 +10408,20 @@
           </a:ln>
         </p:spPr>
         <p:style>
-          <a:lnRef idx="2"/>
-          <a:fillRef idx="0"/>
-          <a:effectRef idx="0"/>
+          <a:lnRef idx="2">
+            <a:scrgbClr r="0" g="0" b="0"/>
+          </a:lnRef>
+          <a:fillRef idx="0">
+            <a:scrgbClr r="0" g="0" b="0"/>
+          </a:fillRef>
+          <a:effectRef idx="0">
+            <a:scrgbClr r="0" g="0" b="0"/>
+          </a:effectRef>
           <a:fontRef idx="minor"/>
         </p:style>
         <p:txBody>
-          <a:bodyPr lIns="60120" rIns="20160" tIns="20160" bIns="20160" anchor="ctr"/>
+          <a:bodyPr lIns="60120" tIns="20160" rIns="20160" bIns="20160" anchor="ctr"/>
+          <a:lstStyle/>
           <a:p>
             <a:pPr algn="ctr">
               <a:lnSpc>
@@ -9022,13 +10429,13 @@
               </a:lnSpc>
             </a:pPr>
             <a:r>
-              <a:rPr b="1" lang="de-DE" sz="1500" spc="-1" strike="noStrike">
+              <a:rPr lang="de-DE" sz="1500" b="1" strike="noStrike" spc="-1">
                 <a:solidFill>
-                  <a:srgbClr val="ffffff"/>
+                  <a:srgbClr val="FFFFFF"/>
                 </a:solidFill>
                 <a:uFill>
                   <a:solidFill>
-                    <a:srgbClr val="ffffff"/>
+                    <a:srgbClr val="FFFFFF"/>
                   </a:solidFill>
                 </a:uFill>
                 <a:latin typeface="Calibri"/>
@@ -9077,13 +10484,20 @@
           </a:ln>
         </p:spPr>
         <p:style>
-          <a:lnRef idx="2"/>
-          <a:fillRef idx="0"/>
-          <a:effectRef idx="0"/>
+          <a:lnRef idx="2">
+            <a:scrgbClr r="0" g="0" b="0"/>
+          </a:lnRef>
+          <a:fillRef idx="0">
+            <a:scrgbClr r="0" g="0" b="0"/>
+          </a:fillRef>
+          <a:effectRef idx="0">
+            <a:scrgbClr r="0" g="0" b="0"/>
+          </a:effectRef>
           <a:fontRef idx="minor"/>
         </p:style>
         <p:txBody>
-          <a:bodyPr lIns="60120" rIns="20160" tIns="20160" bIns="20160" anchor="ctr"/>
+          <a:bodyPr lIns="60120" tIns="20160" rIns="20160" bIns="20160" anchor="ctr"/>
+          <a:lstStyle/>
           <a:p>
             <a:pPr algn="ctr">
               <a:lnSpc>
@@ -9091,13 +10505,13 @@
               </a:lnSpc>
             </a:pPr>
             <a:r>
-              <a:rPr b="1" lang="de-DE" sz="1500" spc="-1" strike="noStrike">
+              <a:rPr lang="de-DE" sz="1500" b="1" strike="noStrike" spc="-1">
                 <a:solidFill>
-                  <a:srgbClr val="ffffff"/>
+                  <a:srgbClr val="FFFFFF"/>
                 </a:solidFill>
                 <a:uFill>
                   <a:solidFill>
-                    <a:srgbClr val="ffffff"/>
+                    <a:srgbClr val="FFFFFF"/>
                   </a:solidFill>
                 </a:uFill>
                 <a:latin typeface="Calibri"/>
@@ -9146,13 +10560,20 @@
           </a:ln>
         </p:spPr>
         <p:style>
-          <a:lnRef idx="2"/>
-          <a:fillRef idx="0"/>
-          <a:effectRef idx="0"/>
+          <a:lnRef idx="2">
+            <a:scrgbClr r="0" g="0" b="0"/>
+          </a:lnRef>
+          <a:fillRef idx="0">
+            <a:scrgbClr r="0" g="0" b="0"/>
+          </a:fillRef>
+          <a:effectRef idx="0">
+            <a:scrgbClr r="0" g="0" b="0"/>
+          </a:effectRef>
           <a:fontRef idx="minor"/>
         </p:style>
         <p:txBody>
-          <a:bodyPr lIns="60120" rIns="20160" tIns="20160" bIns="20160" anchor="ctr"/>
+          <a:bodyPr lIns="60120" tIns="20160" rIns="20160" bIns="20160" anchor="ctr"/>
+          <a:lstStyle/>
           <a:p>
             <a:pPr algn="ctr">
               <a:lnSpc>
@@ -9160,13 +10581,13 @@
               </a:lnSpc>
             </a:pPr>
             <a:r>
-              <a:rPr b="1" lang="de-DE" sz="1500" spc="-1" strike="noStrike">
+              <a:rPr lang="de-DE" sz="1500" b="1" strike="noStrike" spc="-1">
                 <a:solidFill>
-                  <a:srgbClr val="ffffff"/>
+                  <a:srgbClr val="FFFFFF"/>
                 </a:solidFill>
                 <a:uFill>
                   <a:solidFill>
-                    <a:srgbClr val="ffffff"/>
+                    <a:srgbClr val="FFFFFF"/>
                   </a:solidFill>
                 </a:uFill>
                 <a:latin typeface="Calibri"/>
@@ -9209,13 +10630,20 @@
           </a:ln>
         </p:spPr>
         <p:style>
-          <a:lnRef idx="2"/>
-          <a:fillRef idx="0"/>
-          <a:effectRef idx="0"/>
+          <a:lnRef idx="2">
+            <a:scrgbClr r="0" g="0" b="0"/>
+          </a:lnRef>
+          <a:fillRef idx="0">
+            <a:scrgbClr r="0" g="0" b="0"/>
+          </a:fillRef>
+          <a:effectRef idx="0">
+            <a:scrgbClr r="0" g="0" b="0"/>
+          </a:effectRef>
           <a:fontRef idx="minor"/>
         </p:style>
         <p:txBody>
-          <a:bodyPr lIns="60120" rIns="20160" tIns="20160" bIns="20160" anchor="ctr"/>
+          <a:bodyPr lIns="60120" tIns="20160" rIns="20160" bIns="20160" anchor="ctr"/>
+          <a:lstStyle/>
           <a:p>
             <a:pPr algn="ctr">
               <a:lnSpc>
@@ -9223,13 +10651,13 @@
               </a:lnSpc>
             </a:pPr>
             <a:r>
-              <a:rPr b="1" lang="de-DE" sz="1500" spc="-1" strike="noStrike">
+              <a:rPr lang="de-DE" sz="1500" b="1" strike="noStrike" spc="-1">
                 <a:solidFill>
-                  <a:srgbClr val="ffffff"/>
+                  <a:srgbClr val="FFFFFF"/>
                 </a:solidFill>
                 <a:uFill>
                   <a:solidFill>
-                    <a:srgbClr val="ffffff"/>
+                    <a:srgbClr val="FFFFFF"/>
                   </a:solidFill>
                 </a:uFill>
                 <a:latin typeface="Calibri"/>
@@ -9261,6 +10689,7 @@
         </p:spPr>
         <p:txBody>
           <a:bodyPr anchor="ctr"/>
+          <a:lstStyle/>
           <a:p>
             <a:pPr algn="ctr">
               <a:lnSpc>
@@ -9268,13 +10697,13 @@
               </a:lnSpc>
             </a:pPr>
             <a:r>
-              <a:rPr lang="de-DE" sz="1200" spc="-1" strike="noStrike">
+              <a:rPr lang="de-DE" sz="1200" strike="noStrike" spc="-1">
                 <a:solidFill>
-                  <a:srgbClr val="8b8e97"/>
+                  <a:srgbClr val="8B8E97"/>
                 </a:solidFill>
                 <a:uFill>
                   <a:solidFill>
-                    <a:srgbClr val="ffffff"/>
+                    <a:srgbClr val="FFFFFF"/>
                   </a:solidFill>
                 </a:uFill>
                 <a:latin typeface="Calibri"/>
@@ -9290,13 +10719,13 @@
               </a:lnSpc>
             </a:pPr>
             <a:r>
-              <a:rPr lang="de-DE" sz="1200" spc="-1" strike="noStrike">
+              <a:rPr lang="de-DE" sz="1200" strike="noStrike" spc="-1">
                 <a:solidFill>
-                  <a:srgbClr val="8b8e97"/>
+                  <a:srgbClr val="8B8E97"/>
                 </a:solidFill>
                 <a:uFill>
                   <a:solidFill>
-                    <a:srgbClr val="ffffff"/>
+                    <a:srgbClr val="FFFFFF"/>
                   </a:solidFill>
                 </a:uFill>
                 <a:latin typeface="Calibri"/>
@@ -9328,6 +10757,7 @@
         </p:spPr>
         <p:txBody>
           <a:bodyPr anchor="ctr"/>
+          <a:lstStyle/>
           <a:p>
             <a:pPr algn="r">
               <a:lnSpc>
@@ -9335,13 +10765,13 @@
               </a:lnSpc>
             </a:pPr>
             <a:r>
-              <a:rPr lang="de-DE" sz="1200" spc="-1" strike="noStrike">
+              <a:rPr lang="de-DE" sz="1200" strike="noStrike" spc="-1">
                 <a:solidFill>
-                  <a:srgbClr val="8b8e97"/>
+                  <a:srgbClr val="8B8E97"/>
                 </a:solidFill>
                 <a:uFill>
                   <a:solidFill>
-                    <a:srgbClr val="ffffff"/>
+                    <a:srgbClr val="FFFFFF"/>
                   </a:solidFill>
                 </a:uFill>
                 <a:latin typeface="Calibri"/>
@@ -9349,27 +10779,27 @@
               <a:t>Folie </a:t>
             </a:r>
             <a:fld id="{F9A9918F-D970-4CF5-8E5C-DA5CCC4A9803}" type="slidenum">
-              <a:rPr lang="de-DE" sz="1200" spc="-1" strike="noStrike">
+              <a:rPr lang="de-DE" sz="1200" strike="noStrike" spc="-1">
                 <a:solidFill>
-                  <a:srgbClr val="8b8e97"/>
+                  <a:srgbClr val="8B8E97"/>
                 </a:solidFill>
                 <a:uFill>
                   <a:solidFill>
-                    <a:srgbClr val="ffffff"/>
+                    <a:srgbClr val="FFFFFF"/>
                   </a:solidFill>
                 </a:uFill>
                 <a:latin typeface="Calibri"/>
               </a:rPr>
-              <a:t>&lt;Foliennummer&gt;</a:t>
+              <a:t>6</a:t>
             </a:fld>
             <a:r>
-              <a:rPr lang="de-DE" sz="1200" spc="-1" strike="noStrike">
+              <a:rPr lang="de-DE" sz="1200" strike="noStrike" spc="-1">
                 <a:solidFill>
-                  <a:srgbClr val="8b8e97"/>
+                  <a:srgbClr val="8B8E97"/>
                 </a:solidFill>
                 <a:uFill>
                   <a:solidFill>
-                    <a:srgbClr val="ffffff"/>
+                    <a:srgbClr val="FFFFFF"/>
                   </a:solidFill>
                 </a:uFill>
                 <a:latin typeface="Calibri"/>
@@ -9382,22 +10812,25 @@
       </p:sp>
     </p:spTree>
   </p:cSld>
+  <p:clrMapOvr>
+    <a:masterClrMapping/>
+  </p:clrMapOvr>
   <p:timing>
     <p:tnLst>
       <p:par>
-        <p:cTn id="11" dur="indefinite" restart="never" nodeType="tmRoot">
+        <p:cTn id="1" dur="indefinite" restart="never" nodeType="tmRoot">
           <p:childTnLst>
             <p:seq>
-              <p:cTn id="12" nodeType="mainSeq"/>
+              <p:cTn id="2" nodeType="mainSeq"/>
               <p:prevCondLst>
-                <p:cond delay="0" evt="onPrev">
+                <p:cond evt="onPrev" delay="0">
                   <p:tgtEl>
                     <p:sldTgt/>
                   </p:tgtEl>
                 </p:cond>
               </p:prevCondLst>
               <p:nextCondLst>
-                <p:cond delay="0" evt="onNext">
+                <p:cond evt="onNext" delay="0">
                   <p:tgtEl>
                     <p:sldTgt/>
                   </p:tgtEl>
@@ -9413,7 +10846,7 @@
 </file>
 
 <file path=ppt/slides/slide7.xml><?xml version="1.0" encoding="utf-8"?>
-<p:sld xmlns:a="http://schemas.openxmlformats.org/drawingml/2006/main" xmlns:p="http://schemas.openxmlformats.org/presentationml/2006/main" xmlns:r="http://schemas.openxmlformats.org/officeDocument/2006/relationships">
+<p:sld xmlns:a="http://schemas.openxmlformats.org/drawingml/2006/main" xmlns:r="http://schemas.openxmlformats.org/officeDocument/2006/relationships" xmlns:p="http://schemas.openxmlformats.org/presentationml/2006/main">
   <p:cSld>
     <p:spTree>
       <p:nvGrpSpPr>
@@ -9450,10 +10883,11 @@
         </p:spPr>
         <p:txBody>
           <a:bodyPr/>
+          <a:lstStyle/>
           <a:p>
             <a:pPr marL="432000" indent="-324000">
               <a:buClr>
-                <a:srgbClr val="ffffff"/>
+                <a:srgbClr val="FFFFFF"/>
               </a:buClr>
               <a:buSzPct val="45000"/>
               <a:buFont typeface="StarSymbol"/>
@@ -9468,9 +10902,9 @@
             <a:endParaRPr/>
           </a:p>
           <a:p>
-            <a:pPr lvl="1" marL="864000" indent="-324000">
+            <a:pPr marL="864000" lvl="1" indent="-324000">
               <a:buClr>
-                <a:srgbClr val="ffffff"/>
+                <a:srgbClr val="FFFFFF"/>
               </a:buClr>
               <a:buSzPct val="75000"/>
               <a:buFont typeface="StarSymbol"/>
@@ -9485,9 +10919,9 @@
             <a:endParaRPr/>
           </a:p>
           <a:p>
-            <a:pPr lvl="1" marL="864000" indent="-324000">
+            <a:pPr marL="864000" lvl="1" indent="-324000">
               <a:buClr>
-                <a:srgbClr val="ffffff"/>
+                <a:srgbClr val="FFFFFF"/>
               </a:buClr>
               <a:buSzPct val="75000"/>
               <a:buFont typeface="StarSymbol"/>
@@ -9504,7 +10938,7 @@
           <a:p>
             <a:pPr marL="432000" indent="-324000">
               <a:buClr>
-                <a:srgbClr val="ffffff"/>
+                <a:srgbClr val="FFFFFF"/>
               </a:buClr>
               <a:buSzPct val="45000"/>
               <a:buFont typeface="StarSymbol"/>
@@ -9519,9 +10953,9 @@
             <a:endParaRPr/>
           </a:p>
           <a:p>
-            <a:pPr lvl="1" marL="864000" indent="-324000">
+            <a:pPr marL="864000" lvl="1" indent="-324000">
               <a:buClr>
-                <a:srgbClr val="ffffff"/>
+                <a:srgbClr val="FFFFFF"/>
               </a:buClr>
               <a:buSzPct val="75000"/>
               <a:buFont typeface="StarSymbol"/>
@@ -9536,9 +10970,9 @@
             <a:endParaRPr/>
           </a:p>
           <a:p>
-            <a:pPr lvl="1" marL="864000" indent="-324000">
+            <a:pPr marL="864000" lvl="1" indent="-324000">
               <a:buClr>
-                <a:srgbClr val="ffffff"/>
+                <a:srgbClr val="FFFFFF"/>
               </a:buClr>
               <a:buSzPct val="75000"/>
               <a:buFont typeface="StarSymbol"/>
@@ -9553,9 +10987,9 @@
             <a:endParaRPr/>
           </a:p>
           <a:p>
-            <a:pPr lvl="2" marL="1296000" indent="-288000">
+            <a:pPr marL="1296000" lvl="2" indent="-288000">
               <a:buClr>
-                <a:srgbClr val="ffffff"/>
+                <a:srgbClr val="FFFFFF"/>
               </a:buClr>
               <a:buSzPct val="45000"/>
               <a:buFont typeface="StarSymbol"/>
@@ -9572,7 +11006,7 @@
           <a:p>
             <a:pPr marL="432000" indent="-324000">
               <a:buClr>
-                <a:srgbClr val="ffffff"/>
+                <a:srgbClr val="FFFFFF"/>
               </a:buClr>
               <a:buSzPct val="45000"/>
               <a:buFont typeface="StarSymbol"/>
@@ -9609,6 +11043,7 @@
         </p:spPr>
         <p:txBody>
           <a:bodyPr anchor="ctr"/>
+          <a:lstStyle/>
           <a:p>
             <a:pPr>
               <a:lnSpc>
@@ -9616,13 +11051,13 @@
               </a:lnSpc>
             </a:pPr>
             <a:r>
-              <a:rPr lang="de-DE" sz="1000" spc="-1" strike="noStrike">
+              <a:rPr lang="de-DE" sz="1000" strike="noStrike" spc="-1">
                 <a:solidFill>
                   <a:srgbClr val="808080"/>
                 </a:solidFill>
                 <a:uFill>
                   <a:solidFill>
-                    <a:srgbClr val="ffffff"/>
+                    <a:srgbClr val="FFFFFF"/>
                   </a:solidFill>
                 </a:uFill>
                 <a:latin typeface="Verdana"/>
@@ -9671,13 +11106,20 @@
           </a:ln>
         </p:spPr>
         <p:style>
-          <a:lnRef idx="2"/>
-          <a:fillRef idx="0"/>
-          <a:effectRef idx="0"/>
+          <a:lnRef idx="2">
+            <a:scrgbClr r="0" g="0" b="0"/>
+          </a:lnRef>
+          <a:fillRef idx="0">
+            <a:scrgbClr r="0" g="0" b="0"/>
+          </a:fillRef>
+          <a:effectRef idx="0">
+            <a:scrgbClr r="0" g="0" b="0"/>
+          </a:effectRef>
           <a:fontRef idx="minor"/>
         </p:style>
         <p:txBody>
-          <a:bodyPr lIns="60120" rIns="20160" tIns="20160" bIns="20160" anchor="ctr"/>
+          <a:bodyPr lIns="60120" tIns="20160" rIns="20160" bIns="20160" anchor="ctr"/>
+          <a:lstStyle/>
           <a:p>
             <a:pPr algn="ctr">
               <a:lnSpc>
@@ -9685,13 +11127,13 @@
               </a:lnSpc>
             </a:pPr>
             <a:r>
-              <a:rPr b="1" lang="de-DE" sz="1500" spc="-1" strike="noStrike">
+              <a:rPr lang="de-DE" sz="1500" b="1" strike="noStrike" spc="-1">
                 <a:solidFill>
-                  <a:srgbClr val="ffffff"/>
+                  <a:srgbClr val="FFFFFF"/>
                 </a:solidFill>
                 <a:uFill>
                   <a:solidFill>
-                    <a:srgbClr val="ffffff"/>
+                    <a:srgbClr val="FFFFFF"/>
                   </a:solidFill>
                 </a:uFill>
                 <a:latin typeface="Calibri"/>
@@ -9740,13 +11182,20 @@
           </a:ln>
         </p:spPr>
         <p:style>
-          <a:lnRef idx="2"/>
-          <a:fillRef idx="0"/>
-          <a:effectRef idx="0"/>
+          <a:lnRef idx="2">
+            <a:scrgbClr r="0" g="0" b="0"/>
+          </a:lnRef>
+          <a:fillRef idx="0">
+            <a:scrgbClr r="0" g="0" b="0"/>
+          </a:fillRef>
+          <a:effectRef idx="0">
+            <a:scrgbClr r="0" g="0" b="0"/>
+          </a:effectRef>
           <a:fontRef idx="minor"/>
         </p:style>
         <p:txBody>
-          <a:bodyPr lIns="60120" rIns="20160" tIns="20160" bIns="20160" anchor="ctr"/>
+          <a:bodyPr lIns="60120" tIns="20160" rIns="20160" bIns="20160" anchor="ctr"/>
+          <a:lstStyle/>
           <a:p>
             <a:pPr algn="ctr">
               <a:lnSpc>
@@ -9754,13 +11203,13 @@
               </a:lnSpc>
             </a:pPr>
             <a:r>
-              <a:rPr b="1" lang="de-DE" sz="1500" spc="-1" strike="noStrike">
+              <a:rPr lang="de-DE" sz="1500" b="1" strike="noStrike" spc="-1">
                 <a:solidFill>
-                  <a:srgbClr val="ffffff"/>
+                  <a:srgbClr val="FFFFFF"/>
                 </a:solidFill>
                 <a:uFill>
                   <a:solidFill>
-                    <a:srgbClr val="ffffff"/>
+                    <a:srgbClr val="FFFFFF"/>
                   </a:solidFill>
                 </a:uFill>
                 <a:latin typeface="Calibri"/>
@@ -9809,13 +11258,20 @@
           </a:ln>
         </p:spPr>
         <p:style>
-          <a:lnRef idx="2"/>
-          <a:fillRef idx="0"/>
-          <a:effectRef idx="0"/>
+          <a:lnRef idx="2">
+            <a:scrgbClr r="0" g="0" b="0"/>
+          </a:lnRef>
+          <a:fillRef idx="0">
+            <a:scrgbClr r="0" g="0" b="0"/>
+          </a:fillRef>
+          <a:effectRef idx="0">
+            <a:scrgbClr r="0" g="0" b="0"/>
+          </a:effectRef>
           <a:fontRef idx="minor"/>
         </p:style>
         <p:txBody>
-          <a:bodyPr lIns="60120" rIns="20160" tIns="20160" bIns="20160" anchor="ctr"/>
+          <a:bodyPr lIns="60120" tIns="20160" rIns="20160" bIns="20160" anchor="ctr"/>
+          <a:lstStyle/>
           <a:p>
             <a:pPr algn="ctr">
               <a:lnSpc>
@@ -9823,13 +11279,13 @@
               </a:lnSpc>
             </a:pPr>
             <a:r>
-              <a:rPr b="1" lang="de-DE" sz="1500" spc="-1" strike="noStrike">
+              <a:rPr lang="de-DE" sz="1500" b="1" strike="noStrike" spc="-1">
                 <a:solidFill>
-                  <a:srgbClr val="ffffff"/>
+                  <a:srgbClr val="FFFFFF"/>
                 </a:solidFill>
                 <a:uFill>
                   <a:solidFill>
-                    <a:srgbClr val="ffffff"/>
+                    <a:srgbClr val="FFFFFF"/>
                   </a:solidFill>
                 </a:uFill>
                 <a:latin typeface="Calibri"/>
@@ -9878,13 +11334,20 @@
           </a:ln>
         </p:spPr>
         <p:style>
-          <a:lnRef idx="2"/>
-          <a:fillRef idx="0"/>
-          <a:effectRef idx="0"/>
+          <a:lnRef idx="2">
+            <a:scrgbClr r="0" g="0" b="0"/>
+          </a:lnRef>
+          <a:fillRef idx="0">
+            <a:scrgbClr r="0" g="0" b="0"/>
+          </a:fillRef>
+          <a:effectRef idx="0">
+            <a:scrgbClr r="0" g="0" b="0"/>
+          </a:effectRef>
           <a:fontRef idx="minor"/>
         </p:style>
         <p:txBody>
-          <a:bodyPr lIns="60120" rIns="20160" tIns="20160" bIns="20160" anchor="ctr"/>
+          <a:bodyPr lIns="60120" tIns="20160" rIns="20160" bIns="20160" anchor="ctr"/>
+          <a:lstStyle/>
           <a:p>
             <a:pPr algn="ctr">
               <a:lnSpc>
@@ -9892,13 +11355,13 @@
               </a:lnSpc>
             </a:pPr>
             <a:r>
-              <a:rPr b="1" lang="de-DE" sz="1500" spc="-1" strike="noStrike">
+              <a:rPr lang="de-DE" sz="1500" b="1" strike="noStrike" spc="-1">
                 <a:solidFill>
-                  <a:srgbClr val="ffffff"/>
+                  <a:srgbClr val="FFFFFF"/>
                 </a:solidFill>
                 <a:uFill>
                   <a:solidFill>
-                    <a:srgbClr val="ffffff"/>
+                    <a:srgbClr val="FFFFFF"/>
                   </a:solidFill>
                 </a:uFill>
                 <a:latin typeface="Calibri"/>
@@ -9941,13 +11404,20 @@
           </a:ln>
         </p:spPr>
         <p:style>
-          <a:lnRef idx="2"/>
-          <a:fillRef idx="0"/>
-          <a:effectRef idx="0"/>
+          <a:lnRef idx="2">
+            <a:scrgbClr r="0" g="0" b="0"/>
+          </a:lnRef>
+          <a:fillRef idx="0">
+            <a:scrgbClr r="0" g="0" b="0"/>
+          </a:fillRef>
+          <a:effectRef idx="0">
+            <a:scrgbClr r="0" g="0" b="0"/>
+          </a:effectRef>
           <a:fontRef idx="minor"/>
         </p:style>
         <p:txBody>
-          <a:bodyPr lIns="60120" rIns="20160" tIns="20160" bIns="20160" anchor="ctr"/>
+          <a:bodyPr lIns="60120" tIns="20160" rIns="20160" bIns="20160" anchor="ctr"/>
+          <a:lstStyle/>
           <a:p>
             <a:pPr algn="ctr">
               <a:lnSpc>
@@ -9955,13 +11425,13 @@
               </a:lnSpc>
             </a:pPr>
             <a:r>
-              <a:rPr b="1" lang="de-DE" sz="1500" spc="-1" strike="noStrike">
+              <a:rPr lang="de-DE" sz="1500" b="1" strike="noStrike" spc="-1">
                 <a:solidFill>
-                  <a:srgbClr val="ffffff"/>
+                  <a:srgbClr val="FFFFFF"/>
                 </a:solidFill>
                 <a:uFill>
                   <a:solidFill>
-                    <a:srgbClr val="ffffff"/>
+                    <a:srgbClr val="FFFFFF"/>
                   </a:solidFill>
                 </a:uFill>
                 <a:latin typeface="Calibri"/>
@@ -9993,6 +11463,7 @@
         </p:spPr>
         <p:txBody>
           <a:bodyPr anchor="ctr"/>
+          <a:lstStyle/>
           <a:p>
             <a:pPr algn="ctr">
               <a:lnSpc>
@@ -10000,13 +11471,13 @@
               </a:lnSpc>
             </a:pPr>
             <a:r>
-              <a:rPr lang="de-DE" sz="1200" spc="-1" strike="noStrike">
+              <a:rPr lang="de-DE" sz="1200" strike="noStrike" spc="-1">
                 <a:solidFill>
-                  <a:srgbClr val="8b8e97"/>
+                  <a:srgbClr val="8B8E97"/>
                 </a:solidFill>
                 <a:uFill>
                   <a:solidFill>
-                    <a:srgbClr val="ffffff"/>
+                    <a:srgbClr val="FFFFFF"/>
                   </a:solidFill>
                 </a:uFill>
                 <a:latin typeface="Calibri"/>
@@ -10022,13 +11493,13 @@
               </a:lnSpc>
             </a:pPr>
             <a:r>
-              <a:rPr lang="de-DE" sz="1200" spc="-1" strike="noStrike">
+              <a:rPr lang="de-DE" sz="1200" strike="noStrike" spc="-1">
                 <a:solidFill>
-                  <a:srgbClr val="8b8e97"/>
+                  <a:srgbClr val="8B8E97"/>
                 </a:solidFill>
                 <a:uFill>
                   <a:solidFill>
-                    <a:srgbClr val="ffffff"/>
+                    <a:srgbClr val="FFFFFF"/>
                   </a:solidFill>
                 </a:uFill>
                 <a:latin typeface="Calibri"/>
@@ -10060,6 +11531,7 @@
         </p:spPr>
         <p:txBody>
           <a:bodyPr anchor="ctr"/>
+          <a:lstStyle/>
           <a:p>
             <a:pPr algn="r">
               <a:lnSpc>
@@ -10067,13 +11539,13 @@
               </a:lnSpc>
             </a:pPr>
             <a:r>
-              <a:rPr lang="de-DE" sz="1200" spc="-1" strike="noStrike">
+              <a:rPr lang="de-DE" sz="1200" strike="noStrike" spc="-1">
                 <a:solidFill>
-                  <a:srgbClr val="8b8e97"/>
+                  <a:srgbClr val="8B8E97"/>
                 </a:solidFill>
                 <a:uFill>
                   <a:solidFill>
-                    <a:srgbClr val="ffffff"/>
+                    <a:srgbClr val="FFFFFF"/>
                   </a:solidFill>
                 </a:uFill>
                 <a:latin typeface="Calibri"/>
@@ -10081,27 +11553,27 @@
               <a:t>Folie </a:t>
             </a:r>
             <a:fld id="{B7B563B2-ECD3-4508-BA6F-2026BD1EE299}" type="slidenum">
-              <a:rPr lang="de-DE" sz="1200" spc="-1" strike="noStrike">
+              <a:rPr lang="de-DE" sz="1200" strike="noStrike" spc="-1">
                 <a:solidFill>
-                  <a:srgbClr val="8b8e97"/>
+                  <a:srgbClr val="8B8E97"/>
                 </a:solidFill>
                 <a:uFill>
                   <a:solidFill>
-                    <a:srgbClr val="ffffff"/>
+                    <a:srgbClr val="FFFFFF"/>
                   </a:solidFill>
                 </a:uFill>
                 <a:latin typeface="Calibri"/>
               </a:rPr>
-              <a:t>&lt;Foliennummer&gt;</a:t>
+              <a:t>7</a:t>
             </a:fld>
             <a:r>
-              <a:rPr lang="de-DE" sz="1200" spc="-1" strike="noStrike">
+              <a:rPr lang="de-DE" sz="1200" strike="noStrike" spc="-1">
                 <a:solidFill>
-                  <a:srgbClr val="8b8e97"/>
+                  <a:srgbClr val="8B8E97"/>
                 </a:solidFill>
                 <a:uFill>
                   <a:solidFill>
-                    <a:srgbClr val="ffffff"/>
+                    <a:srgbClr val="FFFFFF"/>
                   </a:solidFill>
                 </a:uFill>
                 <a:latin typeface="Calibri"/>
@@ -10114,22 +11586,25 @@
       </p:sp>
     </p:spTree>
   </p:cSld>
+  <p:clrMapOvr>
+    <a:masterClrMapping/>
+  </p:clrMapOvr>
   <p:timing>
     <p:tnLst>
       <p:par>
-        <p:cTn id="13" dur="indefinite" restart="never" nodeType="tmRoot">
+        <p:cTn id="1" dur="indefinite" restart="never" nodeType="tmRoot">
           <p:childTnLst>
             <p:seq>
-              <p:cTn id="14" nodeType="mainSeq"/>
+              <p:cTn id="2" nodeType="mainSeq"/>
               <p:prevCondLst>
-                <p:cond delay="0" evt="onPrev">
+                <p:cond evt="onPrev" delay="0">
                   <p:tgtEl>
                     <p:sldTgt/>
                   </p:tgtEl>
                 </p:cond>
               </p:prevCondLst>
               <p:nextCondLst>
-                <p:cond delay="0" evt="onNext">
+                <p:cond evt="onNext" delay="0">
                   <p:tgtEl>
                     <p:sldTgt/>
                   </p:tgtEl>
@@ -10145,7 +11620,7 @@
 </file>
 
 <file path=ppt/slides/slide8.xml><?xml version="1.0" encoding="utf-8"?>
-<p:sld xmlns:a="http://schemas.openxmlformats.org/drawingml/2006/main" xmlns:p="http://schemas.openxmlformats.org/presentationml/2006/main" xmlns:r="http://schemas.openxmlformats.org/officeDocument/2006/relationships">
+<p:sld xmlns:a="http://schemas.openxmlformats.org/drawingml/2006/main" xmlns:r="http://schemas.openxmlformats.org/officeDocument/2006/relationships" xmlns:p="http://schemas.openxmlformats.org/presentationml/2006/main">
   <p:cSld>
     <p:spTree>
       <p:nvGrpSpPr>
@@ -10182,56 +11657,247 @@
         </p:spPr>
         <p:txBody>
           <a:bodyPr/>
+          <a:lstStyle/>
           <a:p>
             <a:pPr marL="432000" indent="-324000">
               <a:buClr>
-                <a:srgbClr val="ffffff"/>
+                <a:srgbClr val="FFFFFF"/>
               </a:buClr>
               <a:buSzPct val="45000"/>
               <a:buFont typeface="StarSymbol"/>
               <a:buChar char=""/>
             </a:pPr>
             <a:r>
-              <a:rPr lang="de-DE" sz="2000" spc="-1">
+              <a:rPr lang="de-DE" sz="2000" spc="-1" dirty="0" err="1" smtClean="0">
                 <a:latin typeface="Verdana"/>
               </a:rPr>
               <a:t>RailML</a:t>
             </a:r>
-            <a:endParaRPr/>
-          </a:p>
-          <a:p>
-            <a:pPr lvl="1" marL="864000" indent="-324000">
+            <a:r>
+              <a:rPr lang="de-DE" sz="2000" spc="-1" baseline="30000" dirty="0" smtClean="0">
+                <a:latin typeface="Verdana"/>
+              </a:rPr>
+              <a:t>®</a:t>
+            </a:r>
+            <a:r>
+              <a:rPr lang="de-DE" sz="2000" spc="-1" dirty="0" smtClean="0">
+                <a:latin typeface="Verdana"/>
+              </a:rPr>
+              <a:t>-</a:t>
+            </a:r>
+            <a:r>
+              <a:rPr lang="de-DE" sz="2000" spc="-1" dirty="0" smtClean="0">
+                <a:latin typeface="Verdana"/>
+              </a:rPr>
+              <a:t>Parser</a:t>
+            </a:r>
+            <a:endParaRPr lang="de-DE" sz="2000" spc="-1" dirty="0">
+              <a:latin typeface="Verdana"/>
+            </a:endParaRPr>
+          </a:p>
+          <a:p>
+            <a:pPr marL="864000" lvl="1" indent="-324000">
               <a:buClr>
-                <a:srgbClr val="ffffff"/>
+                <a:srgbClr val="FFFFFF"/>
               </a:buClr>
               <a:buSzPct val="75000"/>
               <a:buFont typeface="StarSymbol"/>
               <a:buChar char=""/>
             </a:pPr>
             <a:r>
-              <a:rPr lang="de-DE" sz="1600" spc="-1">
-                <a:latin typeface="Verdana"/>
-              </a:rPr>
-              <a:t>[Zdravko, hier musst du ran :P]</a:t>
-            </a:r>
-            <a:endParaRPr/>
-          </a:p>
-          <a:p>
-            <a:pPr marL="432000" indent="-324000">
+              <a:rPr lang="de-DE" sz="1600" spc="-1" dirty="0" smtClean="0">
+                <a:latin typeface="Verdana"/>
+              </a:rPr>
+              <a:t>Implementierung unter Benutzung von Spring Framework </a:t>
+            </a:r>
+            <a:r>
+              <a:rPr lang="de-DE" sz="1600" i="1" spc="-1" dirty="0" smtClean="0">
+                <a:latin typeface="Verdana"/>
+              </a:rPr>
+              <a:t>(Spring OXM)</a:t>
+            </a:r>
+            <a:r>
+              <a:rPr lang="de-DE" sz="2000" i="1" spc="-1" dirty="0" smtClean="0">
+                <a:latin typeface="Verdana"/>
+              </a:rPr>
+              <a:t> </a:t>
+            </a:r>
+          </a:p>
+          <a:p>
+            <a:pPr marL="864000" lvl="1" indent="-324000">
               <a:buClr>
-                <a:srgbClr val="ffffff"/>
+                <a:srgbClr val="FFFFFF"/>
               </a:buClr>
-              <a:buSzPct val="45000"/>
+              <a:buSzPct val="75000"/>
               <a:buFont typeface="StarSymbol"/>
-              <a:buChar char=""/>
-            </a:pPr>
-            <a:r>
-              <a:rPr lang="de-DE" sz="2000" spc="-1">
+              <a:buChar char=""/>
+            </a:pPr>
+            <a:endParaRPr lang="de-DE" sz="2000" spc="-1" dirty="0" smtClean="0">
+              <a:latin typeface="Verdana"/>
+            </a:endParaRPr>
+          </a:p>
+          <a:p>
+            <a:pPr marL="864000" lvl="1" indent="-324000">
+              <a:buClr>
+                <a:srgbClr val="FFFFFF"/>
+              </a:buClr>
+              <a:buSzPct val="75000"/>
+              <a:buFont typeface="StarSymbol"/>
+              <a:buChar char=""/>
+            </a:pPr>
+            <a:r>
+              <a:rPr lang="de-DE" sz="1600" spc="-1" dirty="0">
+                <a:latin typeface="Verdana"/>
+              </a:rPr>
+              <a:t>Laden der ganzen Datei in den Speicher, anschließende</a:t>
+            </a:r>
+          </a:p>
+          <a:p>
+            <a:pPr marL="864000" lvl="1" indent="-324000">
+              <a:buClr>
+                <a:srgbClr val="FFFFFF"/>
+              </a:buClr>
+              <a:buSzPct val="75000"/>
+              <a:buFont typeface="StarSymbol"/>
+              <a:buChar char=""/>
+            </a:pPr>
+            <a:r>
+              <a:rPr lang="en-US" sz="1600" spc="-1" dirty="0" err="1">
+                <a:latin typeface="Verdana"/>
+              </a:rPr>
+              <a:t>Verarbeitung</a:t>
+            </a:r>
+            <a:r>
+              <a:rPr lang="en-US" sz="1600" spc="-1" dirty="0">
+                <a:latin typeface="Verdana"/>
+              </a:rPr>
+              <a:t> in die interne </a:t>
+            </a:r>
+            <a:r>
+              <a:rPr lang="en-US" sz="1600" spc="-1" dirty="0" err="1">
+                <a:latin typeface="Verdana"/>
+              </a:rPr>
+              <a:t>Datenstruktur</a:t>
+            </a:r>
+            <a:endParaRPr lang="en-US" sz="1600" spc="-1" dirty="0">
+              <a:latin typeface="Verdana"/>
+            </a:endParaRPr>
+          </a:p>
+          <a:p>
+            <a:pPr marL="864000" lvl="1" indent="-324000">
+              <a:buClr>
+                <a:srgbClr val="FFFFFF"/>
+              </a:buClr>
+              <a:buSzPct val="75000"/>
+              <a:buFont typeface="StarSymbol"/>
+              <a:buChar char=""/>
+            </a:pPr>
+            <a:endParaRPr lang="en-US" sz="1600" spc="-1" dirty="0">
+              <a:latin typeface="Verdana"/>
+            </a:endParaRPr>
+          </a:p>
+          <a:p>
+            <a:pPr marL="864000" lvl="1" indent="-324000">
+              <a:buClr>
+                <a:srgbClr val="FFFFFF"/>
+              </a:buClr>
+              <a:buSzPct val="75000"/>
+              <a:buFont typeface="StarSymbol"/>
+              <a:buChar char=""/>
+            </a:pPr>
+            <a:r>
+              <a:rPr lang="en-US" sz="1600" spc="-1" dirty="0" err="1" smtClean="0">
+                <a:latin typeface="Verdana"/>
+              </a:rPr>
+              <a:t>Probleme</a:t>
+            </a:r>
+            <a:r>
+              <a:rPr lang="en-US" sz="1600" spc="-1" dirty="0" smtClean="0">
                 <a:latin typeface="Verdana"/>
               </a:rPr>
               <a:t> </a:t>
             </a:r>
-            <a:endParaRPr/>
+            <a:r>
+              <a:rPr lang="en-US" sz="1600" spc="-1" dirty="0" err="1" smtClean="0">
+                <a:latin typeface="Verdana"/>
+              </a:rPr>
+              <a:t>beim</a:t>
+            </a:r>
+            <a:r>
+              <a:rPr lang="en-US" sz="1600" spc="-1" dirty="0" smtClean="0">
+                <a:latin typeface="Verdana"/>
+              </a:rPr>
+              <a:t> </a:t>
+            </a:r>
+            <a:r>
+              <a:rPr lang="en-US" sz="1600" spc="-1" dirty="0" err="1" smtClean="0">
+                <a:latin typeface="Verdana"/>
+              </a:rPr>
+              <a:t>Parsen</a:t>
+            </a:r>
+            <a:r>
+              <a:rPr lang="en-US" sz="1600" spc="-1" dirty="0" smtClean="0">
+                <a:latin typeface="Verdana"/>
+              </a:rPr>
+              <a:t> von </a:t>
+            </a:r>
+            <a:r>
+              <a:rPr lang="en-US" sz="1600" spc="-1" dirty="0" err="1" smtClean="0">
+                <a:latin typeface="Verdana"/>
+              </a:rPr>
+              <a:t>nicht</a:t>
+            </a:r>
+            <a:r>
+              <a:rPr lang="en-US" sz="1600" spc="-1" dirty="0" smtClean="0">
+                <a:latin typeface="Verdana"/>
+              </a:rPr>
+              <a:t> </a:t>
+            </a:r>
+            <a:r>
+              <a:rPr lang="en-US" sz="1600" spc="-1" dirty="0" err="1" smtClean="0">
+                <a:latin typeface="Verdana"/>
+              </a:rPr>
+              <a:t>dem</a:t>
+            </a:r>
+            <a:r>
+              <a:rPr lang="en-US" sz="1600" spc="-1" dirty="0" smtClean="0">
+                <a:latin typeface="Verdana"/>
+              </a:rPr>
+              <a:t> </a:t>
+            </a:r>
+            <a:r>
+              <a:rPr lang="en-US" sz="1600" spc="-1" dirty="0" err="1" smtClean="0">
+                <a:latin typeface="Verdana"/>
+              </a:rPr>
+              <a:t>RailML</a:t>
+            </a:r>
+            <a:r>
+              <a:rPr lang="en-US" sz="1600" spc="-1" dirty="0" smtClean="0">
+                <a:latin typeface="Verdana"/>
+              </a:rPr>
+              <a:t>-Standard </a:t>
+            </a:r>
+            <a:r>
+              <a:rPr lang="en-US" sz="1600" spc="-1" dirty="0" err="1" smtClean="0">
+                <a:latin typeface="Verdana"/>
+              </a:rPr>
+              <a:t>entsprechenden</a:t>
+            </a:r>
+            <a:r>
+              <a:rPr lang="en-US" sz="1600" spc="-1" dirty="0" smtClean="0">
+                <a:latin typeface="Verdana"/>
+              </a:rPr>
+              <a:t> </a:t>
+            </a:r>
+            <a:r>
+              <a:rPr lang="en-US" sz="1600" spc="-1" dirty="0" err="1" smtClean="0">
+                <a:latin typeface="Verdana"/>
+              </a:rPr>
+              <a:t>Dateien</a:t>
+            </a:r>
+            <a:endParaRPr sz="1600" spc="-1" dirty="0">
+              <a:latin typeface="Verdana"/>
+            </a:endParaRPr>
           </a:p>
         </p:txBody>
       </p:sp>
@@ -10256,6 +11922,7 @@
         </p:spPr>
         <p:txBody>
           <a:bodyPr anchor="ctr"/>
+          <a:lstStyle/>
           <a:p>
             <a:pPr>
               <a:lnSpc>
@@ -10263,13 +11930,13 @@
               </a:lnSpc>
             </a:pPr>
             <a:r>
-              <a:rPr lang="de-DE" sz="1000" spc="-1" strike="noStrike">
+              <a:rPr lang="de-DE" sz="1000" strike="noStrike" spc="-1">
                 <a:solidFill>
                   <a:srgbClr val="808080"/>
                 </a:solidFill>
                 <a:uFill>
                   <a:solidFill>
-                    <a:srgbClr val="ffffff"/>
+                    <a:srgbClr val="FFFFFF"/>
                   </a:solidFill>
                 </a:uFill>
                 <a:latin typeface="Verdana"/>
@@ -10318,13 +11985,20 @@
           </a:ln>
         </p:spPr>
         <p:style>
-          <a:lnRef idx="2"/>
-          <a:fillRef idx="0"/>
-          <a:effectRef idx="0"/>
+          <a:lnRef idx="2">
+            <a:scrgbClr r="0" g="0" b="0"/>
+          </a:lnRef>
+          <a:fillRef idx="0">
+            <a:scrgbClr r="0" g="0" b="0"/>
+          </a:fillRef>
+          <a:effectRef idx="0">
+            <a:scrgbClr r="0" g="0" b="0"/>
+          </a:effectRef>
           <a:fontRef idx="minor"/>
         </p:style>
         <p:txBody>
-          <a:bodyPr lIns="60120" rIns="20160" tIns="20160" bIns="20160" anchor="ctr"/>
+          <a:bodyPr lIns="60120" tIns="20160" rIns="20160" bIns="20160" anchor="ctr"/>
+          <a:lstStyle/>
           <a:p>
             <a:pPr algn="ctr">
               <a:lnSpc>
@@ -10332,13 +12006,13 @@
               </a:lnSpc>
             </a:pPr>
             <a:r>
-              <a:rPr b="1" lang="de-DE" sz="1500" spc="-1" strike="noStrike">
+              <a:rPr lang="de-DE" sz="1500" b="1" strike="noStrike" spc="-1">
                 <a:solidFill>
-                  <a:srgbClr val="ffffff"/>
+                  <a:srgbClr val="FFFFFF"/>
                 </a:solidFill>
                 <a:uFill>
                   <a:solidFill>
-                    <a:srgbClr val="ffffff"/>
+                    <a:srgbClr val="FFFFFF"/>
                   </a:solidFill>
                 </a:uFill>
                 <a:latin typeface="Calibri"/>
@@ -10387,13 +12061,20 @@
           </a:ln>
         </p:spPr>
         <p:style>
-          <a:lnRef idx="2"/>
-          <a:fillRef idx="0"/>
-          <a:effectRef idx="0"/>
+          <a:lnRef idx="2">
+            <a:scrgbClr r="0" g="0" b="0"/>
+          </a:lnRef>
+          <a:fillRef idx="0">
+            <a:scrgbClr r="0" g="0" b="0"/>
+          </a:fillRef>
+          <a:effectRef idx="0">
+            <a:scrgbClr r="0" g="0" b="0"/>
+          </a:effectRef>
           <a:fontRef idx="minor"/>
         </p:style>
         <p:txBody>
-          <a:bodyPr lIns="60120" rIns="20160" tIns="20160" bIns="20160" anchor="ctr"/>
+          <a:bodyPr lIns="60120" tIns="20160" rIns="20160" bIns="20160" anchor="ctr"/>
+          <a:lstStyle/>
           <a:p>
             <a:pPr algn="ctr">
               <a:lnSpc>
@@ -10401,13 +12082,13 @@
               </a:lnSpc>
             </a:pPr>
             <a:r>
-              <a:rPr b="1" lang="de-DE" sz="1500" spc="-1" strike="noStrike">
+              <a:rPr lang="de-DE" sz="1500" b="1" strike="noStrike" spc="-1">
                 <a:solidFill>
-                  <a:srgbClr val="ffffff"/>
+                  <a:srgbClr val="FFFFFF"/>
                 </a:solidFill>
                 <a:uFill>
                   <a:solidFill>
-                    <a:srgbClr val="ffffff"/>
+                    <a:srgbClr val="FFFFFF"/>
                   </a:solidFill>
                 </a:uFill>
                 <a:latin typeface="Calibri"/>
@@ -10456,13 +12137,20 @@
           </a:ln>
         </p:spPr>
         <p:style>
-          <a:lnRef idx="2"/>
-          <a:fillRef idx="0"/>
-          <a:effectRef idx="0"/>
+          <a:lnRef idx="2">
+            <a:scrgbClr r="0" g="0" b="0"/>
+          </a:lnRef>
+          <a:fillRef idx="0">
+            <a:scrgbClr r="0" g="0" b="0"/>
+          </a:fillRef>
+          <a:effectRef idx="0">
+            <a:scrgbClr r="0" g="0" b="0"/>
+          </a:effectRef>
           <a:fontRef idx="minor"/>
         </p:style>
         <p:txBody>
-          <a:bodyPr lIns="60120" rIns="20160" tIns="20160" bIns="20160" anchor="ctr"/>
+          <a:bodyPr lIns="60120" tIns="20160" rIns="20160" bIns="20160" anchor="ctr"/>
+          <a:lstStyle/>
           <a:p>
             <a:pPr algn="ctr">
               <a:lnSpc>
@@ -10470,13 +12158,13 @@
               </a:lnSpc>
             </a:pPr>
             <a:r>
-              <a:rPr b="1" lang="de-DE" sz="1500" spc="-1" strike="noStrike">
+              <a:rPr lang="de-DE" sz="1500" b="1" strike="noStrike" spc="-1">
                 <a:solidFill>
-                  <a:srgbClr val="ffffff"/>
+                  <a:srgbClr val="FFFFFF"/>
                 </a:solidFill>
                 <a:uFill>
                   <a:solidFill>
-                    <a:srgbClr val="ffffff"/>
+                    <a:srgbClr val="FFFFFF"/>
                   </a:solidFill>
                 </a:uFill>
                 <a:latin typeface="Calibri"/>
@@ -10525,13 +12213,20 @@
           </a:ln>
         </p:spPr>
         <p:style>
-          <a:lnRef idx="2"/>
-          <a:fillRef idx="0"/>
-          <a:effectRef idx="0"/>
+          <a:lnRef idx="2">
+            <a:scrgbClr r="0" g="0" b="0"/>
+          </a:lnRef>
+          <a:fillRef idx="0">
+            <a:scrgbClr r="0" g="0" b="0"/>
+          </a:fillRef>
+          <a:effectRef idx="0">
+            <a:scrgbClr r="0" g="0" b="0"/>
+          </a:effectRef>
           <a:fontRef idx="minor"/>
         </p:style>
         <p:txBody>
-          <a:bodyPr lIns="60120" rIns="20160" tIns="20160" bIns="20160" anchor="ctr"/>
+          <a:bodyPr lIns="60120" tIns="20160" rIns="20160" bIns="20160" anchor="ctr"/>
+          <a:lstStyle/>
           <a:p>
             <a:pPr algn="ctr">
               <a:lnSpc>
@@ -10539,13 +12234,13 @@
               </a:lnSpc>
             </a:pPr>
             <a:r>
-              <a:rPr b="1" lang="de-DE" sz="1500" spc="-1" strike="noStrike">
+              <a:rPr lang="de-DE" sz="1500" b="1" strike="noStrike" spc="-1">
                 <a:solidFill>
-                  <a:srgbClr val="ffffff"/>
+                  <a:srgbClr val="FFFFFF"/>
                 </a:solidFill>
                 <a:uFill>
                   <a:solidFill>
-                    <a:srgbClr val="ffffff"/>
+                    <a:srgbClr val="FFFFFF"/>
                   </a:solidFill>
                 </a:uFill>
                 <a:latin typeface="Calibri"/>
@@ -10588,13 +12283,20 @@
           </a:ln>
         </p:spPr>
         <p:style>
-          <a:lnRef idx="2"/>
-          <a:fillRef idx="0"/>
-          <a:effectRef idx="0"/>
+          <a:lnRef idx="2">
+            <a:scrgbClr r="0" g="0" b="0"/>
+          </a:lnRef>
+          <a:fillRef idx="0">
+            <a:scrgbClr r="0" g="0" b="0"/>
+          </a:fillRef>
+          <a:effectRef idx="0">
+            <a:scrgbClr r="0" g="0" b="0"/>
+          </a:effectRef>
           <a:fontRef idx="minor"/>
         </p:style>
         <p:txBody>
-          <a:bodyPr lIns="60120" rIns="20160" tIns="20160" bIns="20160" anchor="ctr"/>
+          <a:bodyPr lIns="60120" tIns="20160" rIns="20160" bIns="20160" anchor="ctr"/>
+          <a:lstStyle/>
           <a:p>
             <a:pPr algn="ctr">
               <a:lnSpc>
@@ -10602,13 +12304,13 @@
               </a:lnSpc>
             </a:pPr>
             <a:r>
-              <a:rPr b="1" lang="de-DE" sz="1500" spc="-1" strike="noStrike">
+              <a:rPr lang="de-DE" sz="1500" b="1" strike="noStrike" spc="-1">
                 <a:solidFill>
-                  <a:srgbClr val="ffffff"/>
+                  <a:srgbClr val="FFFFFF"/>
                 </a:solidFill>
                 <a:uFill>
                   <a:solidFill>
-                    <a:srgbClr val="ffffff"/>
+                    <a:srgbClr val="FFFFFF"/>
                   </a:solidFill>
                 </a:uFill>
                 <a:latin typeface="Calibri"/>
@@ -10640,6 +12342,7 @@
         </p:spPr>
         <p:txBody>
           <a:bodyPr anchor="ctr"/>
+          <a:lstStyle/>
           <a:p>
             <a:pPr algn="ctr">
               <a:lnSpc>
@@ -10647,13 +12350,13 @@
               </a:lnSpc>
             </a:pPr>
             <a:r>
-              <a:rPr lang="de-DE" sz="1200" spc="-1" strike="noStrike">
+              <a:rPr lang="de-DE" sz="1200" strike="noStrike" spc="-1">
                 <a:solidFill>
-                  <a:srgbClr val="8b8e97"/>
+                  <a:srgbClr val="8B8E97"/>
                 </a:solidFill>
                 <a:uFill>
                   <a:solidFill>
-                    <a:srgbClr val="ffffff"/>
+                    <a:srgbClr val="FFFFFF"/>
                   </a:solidFill>
                 </a:uFill>
                 <a:latin typeface="Calibri"/>
@@ -10669,13 +12372,13 @@
               </a:lnSpc>
             </a:pPr>
             <a:r>
-              <a:rPr lang="de-DE" sz="1200" spc="-1" strike="noStrike">
+              <a:rPr lang="de-DE" sz="1200" strike="noStrike" spc="-1">
                 <a:solidFill>
-                  <a:srgbClr val="8b8e97"/>
+                  <a:srgbClr val="8B8E97"/>
                 </a:solidFill>
                 <a:uFill>
                   <a:solidFill>
-                    <a:srgbClr val="ffffff"/>
+                    <a:srgbClr val="FFFFFF"/>
                   </a:solidFill>
                 </a:uFill>
                 <a:latin typeface="Calibri"/>
@@ -10707,6 +12410,7 @@
         </p:spPr>
         <p:txBody>
           <a:bodyPr anchor="ctr"/>
+          <a:lstStyle/>
           <a:p>
             <a:pPr algn="r">
               <a:lnSpc>
@@ -10714,13 +12418,13 @@
               </a:lnSpc>
             </a:pPr>
             <a:r>
-              <a:rPr lang="de-DE" sz="1200" spc="-1" strike="noStrike">
+              <a:rPr lang="de-DE" sz="1200" strike="noStrike" spc="-1">
                 <a:solidFill>
-                  <a:srgbClr val="8b8e97"/>
+                  <a:srgbClr val="8B8E97"/>
                 </a:solidFill>
                 <a:uFill>
                   <a:solidFill>
-                    <a:srgbClr val="ffffff"/>
+                    <a:srgbClr val="FFFFFF"/>
                   </a:solidFill>
                 </a:uFill>
                 <a:latin typeface="Calibri"/>
@@ -10728,27 +12432,27 @@
               <a:t>Folie </a:t>
             </a:r>
             <a:fld id="{976FE79D-F16A-4CB6-9648-C3DF6C7F8E9C}" type="slidenum">
-              <a:rPr lang="de-DE" sz="1200" spc="-1" strike="noStrike">
+              <a:rPr lang="de-DE" sz="1200" strike="noStrike" spc="-1">
                 <a:solidFill>
-                  <a:srgbClr val="8b8e97"/>
+                  <a:srgbClr val="8B8E97"/>
                 </a:solidFill>
                 <a:uFill>
                   <a:solidFill>
-                    <a:srgbClr val="ffffff"/>
+                    <a:srgbClr val="FFFFFF"/>
                   </a:solidFill>
                 </a:uFill>
                 <a:latin typeface="Calibri"/>
               </a:rPr>
-              <a:t>&lt;Foliennummer&gt;</a:t>
+              <a:t>8</a:t>
             </a:fld>
             <a:r>
-              <a:rPr lang="de-DE" sz="1200" spc="-1" strike="noStrike">
+              <a:rPr lang="de-DE" sz="1200" strike="noStrike" spc="-1">
                 <a:solidFill>
-                  <a:srgbClr val="8b8e97"/>
+                  <a:srgbClr val="8B8E97"/>
                 </a:solidFill>
                 <a:uFill>
                   <a:solidFill>
-                    <a:srgbClr val="ffffff"/>
+                    <a:srgbClr val="FFFFFF"/>
                   </a:solidFill>
                 </a:uFill>
                 <a:latin typeface="Calibri"/>
@@ -10761,22 +12465,25 @@
       </p:sp>
     </p:spTree>
   </p:cSld>
+  <p:clrMapOvr>
+    <a:masterClrMapping/>
+  </p:clrMapOvr>
   <p:timing>
     <p:tnLst>
       <p:par>
-        <p:cTn id="15" dur="indefinite" restart="never" nodeType="tmRoot">
+        <p:cTn id="1" dur="indefinite" restart="never" nodeType="tmRoot">
           <p:childTnLst>
             <p:seq>
-              <p:cTn id="16" nodeType="mainSeq"/>
+              <p:cTn id="2" nodeType="mainSeq"/>
               <p:prevCondLst>
-                <p:cond delay="0" evt="onPrev">
+                <p:cond evt="onPrev" delay="0">
                   <p:tgtEl>
                     <p:sldTgt/>
                   </p:tgtEl>
                 </p:cond>
               </p:prevCondLst>
               <p:nextCondLst>
-                <p:cond delay="0" evt="onNext">
+                <p:cond evt="onNext" delay="0">
                   <p:tgtEl>
                     <p:sldTgt/>
                   </p:tgtEl>
@@ -10792,7 +12499,7 @@
 </file>
 
 <file path=ppt/slides/slide9.xml><?xml version="1.0" encoding="utf-8"?>
-<p:sld xmlns:a="http://schemas.openxmlformats.org/drawingml/2006/main" xmlns:p="http://schemas.openxmlformats.org/presentationml/2006/main" xmlns:r="http://schemas.openxmlformats.org/officeDocument/2006/relationships">
+<p:sld xmlns:a="http://schemas.openxmlformats.org/drawingml/2006/main" xmlns:r="http://schemas.openxmlformats.org/officeDocument/2006/relationships" xmlns:p="http://schemas.openxmlformats.org/presentationml/2006/main">
   <p:cSld>
     <p:spTree>
       <p:nvGrpSpPr>
@@ -10829,10 +12536,11 @@
         </p:spPr>
         <p:txBody>
           <a:bodyPr/>
+          <a:lstStyle/>
           <a:p>
             <a:pPr marL="432000" indent="-324000">
               <a:buClr>
-                <a:srgbClr val="ffffff"/>
+                <a:srgbClr val="FFFFFF"/>
               </a:buClr>
               <a:buSzPct val="45000"/>
               <a:buFont typeface="StarSymbol"/>
@@ -10847,9 +12555,9 @@
             <a:endParaRPr/>
           </a:p>
           <a:p>
-            <a:pPr lvl="1" marL="864000" indent="-324000">
+            <a:pPr marL="864000" lvl="1" indent="-324000">
               <a:buClr>
-                <a:srgbClr val="ffffff"/>
+                <a:srgbClr val="FFFFFF"/>
               </a:buClr>
               <a:buSzPct val="75000"/>
               <a:buFont typeface="StarSymbol"/>
@@ -10866,7 +12574,7 @@
           <a:p>
             <a:pPr marL="432000" indent="-324000">
               <a:buClr>
-                <a:srgbClr val="ffffff"/>
+                <a:srgbClr val="FFFFFF"/>
               </a:buClr>
               <a:buSzPct val="45000"/>
               <a:buFont typeface="StarSymbol"/>
@@ -10903,6 +12611,7 @@
         </p:spPr>
         <p:txBody>
           <a:bodyPr anchor="ctr"/>
+          <a:lstStyle/>
           <a:p>
             <a:pPr>
               <a:lnSpc>
@@ -10910,13 +12619,13 @@
               </a:lnSpc>
             </a:pPr>
             <a:r>
-              <a:rPr lang="de-DE" sz="1000" spc="-1" strike="noStrike">
+              <a:rPr lang="de-DE" sz="1000" strike="noStrike" spc="-1">
                 <a:solidFill>
                   <a:srgbClr val="808080"/>
                 </a:solidFill>
                 <a:uFill>
                   <a:solidFill>
-                    <a:srgbClr val="ffffff"/>
+                    <a:srgbClr val="FFFFFF"/>
                   </a:solidFill>
                 </a:uFill>
                 <a:latin typeface="Verdana"/>
@@ -10965,13 +12674,20 @@
           </a:ln>
         </p:spPr>
         <p:style>
-          <a:lnRef idx="2"/>
-          <a:fillRef idx="0"/>
-          <a:effectRef idx="0"/>
+          <a:lnRef idx="2">
+            <a:scrgbClr r="0" g="0" b="0"/>
+          </a:lnRef>
+          <a:fillRef idx="0">
+            <a:scrgbClr r="0" g="0" b="0"/>
+          </a:fillRef>
+          <a:effectRef idx="0">
+            <a:scrgbClr r="0" g="0" b="0"/>
+          </a:effectRef>
           <a:fontRef idx="minor"/>
         </p:style>
         <p:txBody>
-          <a:bodyPr lIns="60120" rIns="20160" tIns="20160" bIns="20160" anchor="ctr"/>
+          <a:bodyPr lIns="60120" tIns="20160" rIns="20160" bIns="20160" anchor="ctr"/>
+          <a:lstStyle/>
           <a:p>
             <a:pPr algn="ctr">
               <a:lnSpc>
@@ -10979,13 +12695,13 @@
               </a:lnSpc>
             </a:pPr>
             <a:r>
-              <a:rPr b="1" lang="de-DE" sz="1500" spc="-1" strike="noStrike">
+              <a:rPr lang="de-DE" sz="1500" b="1" strike="noStrike" spc="-1">
                 <a:solidFill>
-                  <a:srgbClr val="ffffff"/>
+                  <a:srgbClr val="FFFFFF"/>
                 </a:solidFill>
                 <a:uFill>
                   <a:solidFill>
-                    <a:srgbClr val="ffffff"/>
+                    <a:srgbClr val="FFFFFF"/>
                   </a:solidFill>
                 </a:uFill>
                 <a:latin typeface="Calibri"/>
@@ -11034,13 +12750,20 @@
           </a:ln>
         </p:spPr>
         <p:style>
-          <a:lnRef idx="2"/>
-          <a:fillRef idx="0"/>
-          <a:effectRef idx="0"/>
+          <a:lnRef idx="2">
+            <a:scrgbClr r="0" g="0" b="0"/>
+          </a:lnRef>
+          <a:fillRef idx="0">
+            <a:scrgbClr r="0" g="0" b="0"/>
+          </a:fillRef>
+          <a:effectRef idx="0">
+            <a:scrgbClr r="0" g="0" b="0"/>
+          </a:effectRef>
           <a:fontRef idx="minor"/>
         </p:style>
         <p:txBody>
-          <a:bodyPr lIns="60120" rIns="20160" tIns="20160" bIns="20160" anchor="ctr"/>
+          <a:bodyPr lIns="60120" tIns="20160" rIns="20160" bIns="20160" anchor="ctr"/>
+          <a:lstStyle/>
           <a:p>
             <a:pPr algn="ctr">
               <a:lnSpc>
@@ -11048,13 +12771,13 @@
               </a:lnSpc>
             </a:pPr>
             <a:r>
-              <a:rPr b="1" lang="de-DE" sz="1500" spc="-1" strike="noStrike">
+              <a:rPr lang="de-DE" sz="1500" b="1" strike="noStrike" spc="-1">
                 <a:solidFill>
-                  <a:srgbClr val="ffffff"/>
+                  <a:srgbClr val="FFFFFF"/>
                 </a:solidFill>
                 <a:uFill>
                   <a:solidFill>
-                    <a:srgbClr val="ffffff"/>
+                    <a:srgbClr val="FFFFFF"/>
                   </a:solidFill>
                 </a:uFill>
                 <a:latin typeface="Calibri"/>
@@ -11103,13 +12826,20 @@
           </a:ln>
         </p:spPr>
         <p:style>
-          <a:lnRef idx="2"/>
-          <a:fillRef idx="0"/>
-          <a:effectRef idx="0"/>
+          <a:lnRef idx="2">
+            <a:scrgbClr r="0" g="0" b="0"/>
+          </a:lnRef>
+          <a:fillRef idx="0">
+            <a:scrgbClr r="0" g="0" b="0"/>
+          </a:fillRef>
+          <a:effectRef idx="0">
+            <a:scrgbClr r="0" g="0" b="0"/>
+          </a:effectRef>
           <a:fontRef idx="minor"/>
         </p:style>
         <p:txBody>
-          <a:bodyPr lIns="60120" rIns="20160" tIns="20160" bIns="20160" anchor="ctr"/>
+          <a:bodyPr lIns="60120" tIns="20160" rIns="20160" bIns="20160" anchor="ctr"/>
+          <a:lstStyle/>
           <a:p>
             <a:pPr algn="ctr">
               <a:lnSpc>
@@ -11117,13 +12847,13 @@
               </a:lnSpc>
             </a:pPr>
             <a:r>
-              <a:rPr b="1" lang="de-DE" sz="1500" spc="-1" strike="noStrike">
+              <a:rPr lang="de-DE" sz="1500" b="1" strike="noStrike" spc="-1">
                 <a:solidFill>
-                  <a:srgbClr val="ffffff"/>
+                  <a:srgbClr val="FFFFFF"/>
                 </a:solidFill>
                 <a:uFill>
                   <a:solidFill>
-                    <a:srgbClr val="ffffff"/>
+                    <a:srgbClr val="FFFFFF"/>
                   </a:solidFill>
                 </a:uFill>
                 <a:latin typeface="Calibri"/>
@@ -11172,13 +12902,20 @@
           </a:ln>
         </p:spPr>
         <p:style>
-          <a:lnRef idx="2"/>
-          <a:fillRef idx="0"/>
-          <a:effectRef idx="0"/>
+          <a:lnRef idx="2">
+            <a:scrgbClr r="0" g="0" b="0"/>
+          </a:lnRef>
+          <a:fillRef idx="0">
+            <a:scrgbClr r="0" g="0" b="0"/>
+          </a:fillRef>
+          <a:effectRef idx="0">
+            <a:scrgbClr r="0" g="0" b="0"/>
+          </a:effectRef>
           <a:fontRef idx="minor"/>
         </p:style>
         <p:txBody>
-          <a:bodyPr lIns="60120" rIns="20160" tIns="20160" bIns="20160" anchor="ctr"/>
+          <a:bodyPr lIns="60120" tIns="20160" rIns="20160" bIns="20160" anchor="ctr"/>
+          <a:lstStyle/>
           <a:p>
             <a:pPr algn="ctr">
               <a:lnSpc>
@@ -11186,13 +12923,13 @@
               </a:lnSpc>
             </a:pPr>
             <a:r>
-              <a:rPr b="1" lang="de-DE" sz="1500" spc="-1" strike="noStrike">
+              <a:rPr lang="de-DE" sz="1500" b="1" strike="noStrike" spc="-1">
                 <a:solidFill>
-                  <a:srgbClr val="ffffff"/>
+                  <a:srgbClr val="FFFFFF"/>
                 </a:solidFill>
                 <a:uFill>
                   <a:solidFill>
-                    <a:srgbClr val="ffffff"/>
+                    <a:srgbClr val="FFFFFF"/>
                   </a:solidFill>
                 </a:uFill>
                 <a:latin typeface="Calibri"/>
@@ -11235,13 +12972,20 @@
           </a:ln>
         </p:spPr>
         <p:style>
-          <a:lnRef idx="2"/>
-          <a:fillRef idx="0"/>
-          <a:effectRef idx="0"/>
+          <a:lnRef idx="2">
+            <a:scrgbClr r="0" g="0" b="0"/>
+          </a:lnRef>
+          <a:fillRef idx="0">
+            <a:scrgbClr r="0" g="0" b="0"/>
+          </a:fillRef>
+          <a:effectRef idx="0">
+            <a:scrgbClr r="0" g="0" b="0"/>
+          </a:effectRef>
           <a:fontRef idx="minor"/>
         </p:style>
         <p:txBody>
-          <a:bodyPr lIns="60120" rIns="20160" tIns="20160" bIns="20160" anchor="ctr"/>
+          <a:bodyPr lIns="60120" tIns="20160" rIns="20160" bIns="20160" anchor="ctr"/>
+          <a:lstStyle/>
           <a:p>
             <a:pPr algn="ctr">
               <a:lnSpc>
@@ -11249,13 +12993,13 @@
               </a:lnSpc>
             </a:pPr>
             <a:r>
-              <a:rPr b="1" lang="de-DE" sz="1500" spc="-1" strike="noStrike">
+              <a:rPr lang="de-DE" sz="1500" b="1" strike="noStrike" spc="-1">
                 <a:solidFill>
-                  <a:srgbClr val="ffffff"/>
+                  <a:srgbClr val="FFFFFF"/>
                 </a:solidFill>
                 <a:uFill>
                   <a:solidFill>
-                    <a:srgbClr val="ffffff"/>
+                    <a:srgbClr val="FFFFFF"/>
                   </a:solidFill>
                 </a:uFill>
                 <a:latin typeface="Calibri"/>
@@ -11287,6 +13031,7 @@
         </p:spPr>
         <p:txBody>
           <a:bodyPr anchor="ctr"/>
+          <a:lstStyle/>
           <a:p>
             <a:pPr algn="ctr">
               <a:lnSpc>
@@ -11294,13 +13039,13 @@
               </a:lnSpc>
             </a:pPr>
             <a:r>
-              <a:rPr lang="de-DE" sz="1200" spc="-1" strike="noStrike">
+              <a:rPr lang="de-DE" sz="1200" strike="noStrike" spc="-1">
                 <a:solidFill>
-                  <a:srgbClr val="8b8e97"/>
+                  <a:srgbClr val="8B8E97"/>
                 </a:solidFill>
                 <a:uFill>
                   <a:solidFill>
-                    <a:srgbClr val="ffffff"/>
+                    <a:srgbClr val="FFFFFF"/>
                   </a:solidFill>
                 </a:uFill>
                 <a:latin typeface="Calibri"/>
@@ -11316,13 +13061,13 @@
               </a:lnSpc>
             </a:pPr>
             <a:r>
-              <a:rPr lang="de-DE" sz="1200" spc="-1" strike="noStrike">
+              <a:rPr lang="de-DE" sz="1200" strike="noStrike" spc="-1">
                 <a:solidFill>
-                  <a:srgbClr val="8b8e97"/>
+                  <a:srgbClr val="8B8E97"/>
                 </a:solidFill>
                 <a:uFill>
                   <a:solidFill>
-                    <a:srgbClr val="ffffff"/>
+                    <a:srgbClr val="FFFFFF"/>
                   </a:solidFill>
                 </a:uFill>
                 <a:latin typeface="Calibri"/>
@@ -11354,6 +13099,7 @@
         </p:spPr>
         <p:txBody>
           <a:bodyPr anchor="ctr"/>
+          <a:lstStyle/>
           <a:p>
             <a:pPr algn="r">
               <a:lnSpc>
@@ -11361,13 +13107,13 @@
               </a:lnSpc>
             </a:pPr>
             <a:r>
-              <a:rPr lang="de-DE" sz="1200" spc="-1" strike="noStrike">
+              <a:rPr lang="de-DE" sz="1200" strike="noStrike" spc="-1">
                 <a:solidFill>
-                  <a:srgbClr val="8b8e97"/>
+                  <a:srgbClr val="8B8E97"/>
                 </a:solidFill>
                 <a:uFill>
                   <a:solidFill>
-                    <a:srgbClr val="ffffff"/>
+                    <a:srgbClr val="FFFFFF"/>
                   </a:solidFill>
                 </a:uFill>
                 <a:latin typeface="Calibri"/>
@@ -11375,27 +13121,27 @@
               <a:t>Folie </a:t>
             </a:r>
             <a:fld id="{059752ED-3A74-4E7E-AB5B-B841FDEE2390}" type="slidenum">
-              <a:rPr lang="de-DE" sz="1200" spc="-1" strike="noStrike">
+              <a:rPr lang="de-DE" sz="1200" strike="noStrike" spc="-1">
                 <a:solidFill>
-                  <a:srgbClr val="8b8e97"/>
+                  <a:srgbClr val="8B8E97"/>
                 </a:solidFill>
                 <a:uFill>
                   <a:solidFill>
-                    <a:srgbClr val="ffffff"/>
+                    <a:srgbClr val="FFFFFF"/>
                   </a:solidFill>
                 </a:uFill>
                 <a:latin typeface="Calibri"/>
               </a:rPr>
-              <a:t>&lt;Foliennummer&gt;</a:t>
+              <a:t>9</a:t>
             </a:fld>
             <a:r>
-              <a:rPr lang="de-DE" sz="1200" spc="-1" strike="noStrike">
+              <a:rPr lang="de-DE" sz="1200" strike="noStrike" spc="-1">
                 <a:solidFill>
-                  <a:srgbClr val="8b8e97"/>
+                  <a:srgbClr val="8B8E97"/>
                 </a:solidFill>
                 <a:uFill>
                   <a:solidFill>
-                    <a:srgbClr val="ffffff"/>
+                    <a:srgbClr val="FFFFFF"/>
                   </a:solidFill>
                 </a:uFill>
                 <a:latin typeface="Calibri"/>
@@ -11408,22 +13154,25 @@
       </p:sp>
     </p:spTree>
   </p:cSld>
+  <p:clrMapOvr>
+    <a:masterClrMapping/>
+  </p:clrMapOvr>
   <p:timing>
     <p:tnLst>
       <p:par>
-        <p:cTn id="17" dur="indefinite" restart="never" nodeType="tmRoot">
+        <p:cTn id="1" dur="indefinite" restart="never" nodeType="tmRoot">
           <p:childTnLst>
             <p:seq>
-              <p:cTn id="18" nodeType="mainSeq"/>
+              <p:cTn id="2" nodeType="mainSeq"/>
               <p:prevCondLst>
-                <p:cond delay="0" evt="onPrev">
+                <p:cond evt="onPrev" delay="0">
                   <p:tgtEl>
                     <p:sldTgt/>
                   </p:tgtEl>
                 </p:cond>
               </p:prevCondLst>
               <p:nextCondLst>
-                <p:cond delay="0" evt="onNext">
+                <p:cond evt="onNext" delay="0">
                   <p:tgtEl>
                     <p:sldTgt/>
                   </p:tgtEl>
@@ -11439,9 +13188,9 @@
 </file>
 
 <file path=ppt/theme/theme1.xml><?xml version="1.0" encoding="utf-8"?>
-<a:theme xmlns:a="http://schemas.openxmlformats.org/drawingml/2006/main" name="Office Theme">
+<a:theme xmlns:a="http://schemas.openxmlformats.org/drawingml/2006/main" name="Office тема">
   <a:themeElements>
-    <a:clrScheme name="Office">
+    <a:clrScheme name="Оffice">
       <a:dk1>
         <a:sysClr val="windowText" lastClr="000000"/>
       </a:dk1>
@@ -11449,49 +13198,109 @@
         <a:sysClr val="window" lastClr="FFFFFF"/>
       </a:lt1>
       <a:dk2>
-        <a:srgbClr val="1F497D"/>
+        <a:srgbClr val="44546A"/>
       </a:dk2>
       <a:lt2>
-        <a:srgbClr val="EEECE1"/>
+        <a:srgbClr val="E7E6E6"/>
       </a:lt2>
       <a:accent1>
-        <a:srgbClr val="4F81BD"/>
+        <a:srgbClr val="5B9BD5"/>
       </a:accent1>
       <a:accent2>
-        <a:srgbClr val="C0504D"/>
+        <a:srgbClr val="ED7D31"/>
       </a:accent2>
       <a:accent3>
-        <a:srgbClr val="9BBB59"/>
+        <a:srgbClr val="A5A5A5"/>
       </a:accent3>
       <a:accent4>
-        <a:srgbClr val="8064A2"/>
+        <a:srgbClr val="FFC000"/>
       </a:accent4>
       <a:accent5>
-        <a:srgbClr val="4BACC6"/>
+        <a:srgbClr val="4472C4"/>
       </a:accent5>
       <a:accent6>
-        <a:srgbClr val="F79646"/>
+        <a:srgbClr val="70AD47"/>
       </a:accent6>
       <a:hlink>
-        <a:srgbClr val="0000FF"/>
+        <a:srgbClr val="0563C1"/>
       </a:hlink>
       <a:folHlink>
-        <a:srgbClr val="800080"/>
+        <a:srgbClr val="954F72"/>
       </a:folHlink>
     </a:clrScheme>
-    <a:fontScheme name="Office">
+    <a:fontScheme name="Оffice">
       <a:majorFont>
-        <a:latin typeface="Arial"/>
-        <a:ea typeface="DejaVu Sans"/>
-        <a:cs typeface="DejaVu Sans"/>
+        <a:latin typeface="Calibri Light" panose="020F0302020204030204"/>
+        <a:ea typeface=""/>
+        <a:cs typeface=""/>
+        <a:font script="Jpan" typeface="ＭＳ Ｐゴシック"/>
+        <a:font script="Hang" typeface="맑은 고딕"/>
+        <a:font script="Hans" typeface="宋体"/>
+        <a:font script="Hant" typeface="新細明體"/>
+        <a:font script="Arab" typeface="Times New Roman"/>
+        <a:font script="Hebr" typeface="Times New Roman"/>
+        <a:font script="Thai" typeface="Angsana New"/>
+        <a:font script="Ethi" typeface="Nyala"/>
+        <a:font script="Beng" typeface="Vrinda"/>
+        <a:font script="Gujr" typeface="Shruti"/>
+        <a:font script="Khmr" typeface="MoolBoran"/>
+        <a:font script="Knda" typeface="Tunga"/>
+        <a:font script="Guru" typeface="Raavi"/>
+        <a:font script="Cans" typeface="Euphemia"/>
+        <a:font script="Cher" typeface="Plantagenet Cherokee"/>
+        <a:font script="Yiii" typeface="Microsoft Yi Baiti"/>
+        <a:font script="Tibt" typeface="Microsoft Himalaya"/>
+        <a:font script="Thaa" typeface="MV Boli"/>
+        <a:font script="Deva" typeface="Mangal"/>
+        <a:font script="Telu" typeface="Gautami"/>
+        <a:font script="Taml" typeface="Latha"/>
+        <a:font script="Syrc" typeface="Estrangelo Edessa"/>
+        <a:font script="Orya" typeface="Kalinga"/>
+        <a:font script="Mlym" typeface="Kartika"/>
+        <a:font script="Laoo" typeface="DokChampa"/>
+        <a:font script="Sinh" typeface="Iskoola Pota"/>
+        <a:font script="Mong" typeface="Mongolian Baiti"/>
+        <a:font script="Viet" typeface="Times New Roman"/>
+        <a:font script="Uigh" typeface="Microsoft Uighur"/>
+        <a:font script="Geor" typeface="Sylfaen"/>
       </a:majorFont>
       <a:minorFont>
-        <a:latin typeface="Arial"/>
-        <a:ea typeface="DejaVu Sans"/>
-        <a:cs typeface="DejaVu Sans"/>
+        <a:latin typeface="Calibri" panose="020F0502020204030204"/>
+        <a:ea typeface=""/>
+        <a:cs typeface=""/>
+        <a:font script="Jpan" typeface="ＭＳ Ｐゴシック"/>
+        <a:font script="Hang" typeface="맑은 고딕"/>
+        <a:font script="Hans" typeface="宋体"/>
+        <a:font script="Hant" typeface="新細明體"/>
+        <a:font script="Arab" typeface="Arial"/>
+        <a:font script="Hebr" typeface="Arial"/>
+        <a:font script="Thai" typeface="Cordia New"/>
+        <a:font script="Ethi" typeface="Nyala"/>
+        <a:font script="Beng" typeface="Vrinda"/>
+        <a:font script="Gujr" typeface="Shruti"/>
+        <a:font script="Khmr" typeface="DaunPenh"/>
+        <a:font script="Knda" typeface="Tunga"/>
+        <a:font script="Guru" typeface="Raavi"/>
+        <a:font script="Cans" typeface="Euphemia"/>
+        <a:font script="Cher" typeface="Plantagenet Cherokee"/>
+        <a:font script="Yiii" typeface="Microsoft Yi Baiti"/>
+        <a:font script="Tibt" typeface="Microsoft Himalaya"/>
+        <a:font script="Thaa" typeface="MV Boli"/>
+        <a:font script="Deva" typeface="Mangal"/>
+        <a:font script="Telu" typeface="Gautami"/>
+        <a:font script="Taml" typeface="Latha"/>
+        <a:font script="Syrc" typeface="Estrangelo Edessa"/>
+        <a:font script="Orya" typeface="Kalinga"/>
+        <a:font script="Mlym" typeface="Kartika"/>
+        <a:font script="Laoo" typeface="DokChampa"/>
+        <a:font script="Sinh" typeface="Iskoola Pota"/>
+        <a:font script="Mong" typeface="Mongolian Baiti"/>
+        <a:font script="Viet" typeface="Arial"/>
+        <a:font script="Uigh" typeface="Microsoft Uighur"/>
+        <a:font script="Geor" typeface="Sylfaen"/>
       </a:minorFont>
     </a:fontScheme>
-    <a:fmtScheme name="Office">
+    <a:fmtScheme name="Оffice">
       <a:fillStyleLst>
         <a:solidFill>
           <a:schemeClr val="phClr"/>
@@ -11500,164 +13309,142 @@
           <a:gsLst>
             <a:gs pos="0">
               <a:schemeClr val="phClr">
-                <a:tint val="50000"/>
-                <a:satMod val="300000"/>
+                <a:lumMod val="110000"/>
+                <a:satMod val="105000"/>
+                <a:tint val="67000"/>
               </a:schemeClr>
             </a:gs>
-            <a:gs pos="35000">
+            <a:gs pos="50000">
               <a:schemeClr val="phClr">
-                <a:tint val="37000"/>
-                <a:satMod val="300000"/>
+                <a:lumMod val="105000"/>
+                <a:satMod val="103000"/>
+                <a:tint val="73000"/>
               </a:schemeClr>
             </a:gs>
             <a:gs pos="100000">
               <a:schemeClr val="phClr">
-                <a:tint val="15000"/>
-                <a:satMod val="350000"/>
+                <a:lumMod val="105000"/>
+                <a:satMod val="109000"/>
+                <a:tint val="81000"/>
               </a:schemeClr>
             </a:gs>
           </a:gsLst>
-          <a:lin ang="16200000" scaled="1"/>
+          <a:lin ang="5400000" scaled="0"/>
         </a:gradFill>
         <a:gradFill rotWithShape="1">
           <a:gsLst>
             <a:gs pos="0">
               <a:schemeClr val="phClr">
-                <a:shade val="51000"/>
-                <a:satMod val="130000"/>
+                <a:satMod val="103000"/>
+                <a:lumMod val="102000"/>
+                <a:tint val="94000"/>
               </a:schemeClr>
             </a:gs>
-            <a:gs pos="80000">
+            <a:gs pos="50000">
               <a:schemeClr val="phClr">
-                <a:shade val="93000"/>
-                <a:satMod val="130000"/>
+                <a:satMod val="110000"/>
+                <a:lumMod val="100000"/>
+                <a:shade val="100000"/>
               </a:schemeClr>
             </a:gs>
             <a:gs pos="100000">
               <a:schemeClr val="phClr">
-                <a:shade val="94000"/>
-                <a:satMod val="135000"/>
+                <a:lumMod val="99000"/>
+                <a:satMod val="120000"/>
+                <a:shade val="78000"/>
               </a:schemeClr>
             </a:gs>
           </a:gsLst>
-          <a:lin ang="16200000" scaled="0"/>
+          <a:lin ang="5400000" scaled="0"/>
         </a:gradFill>
       </a:fillStyleLst>
       <a:lnStyleLst>
-        <a:ln w="9525" cap="flat" cmpd="sng" algn="ctr">
-          <a:solidFill>
-            <a:schemeClr val="phClr">
-              <a:shade val="95000"/>
-              <a:satMod val="105000"/>
-            </a:schemeClr>
-          </a:solidFill>
-          <a:prstDash val="solid"/>
-        </a:ln>
-        <a:ln w="25400" cap="flat" cmpd="sng" algn="ctr">
+        <a:ln w="6350" cap="flat" cmpd="sng" algn="ctr">
           <a:solidFill>
             <a:schemeClr val="phClr"/>
           </a:solidFill>
           <a:prstDash val="solid"/>
+          <a:miter lim="800000"/>
         </a:ln>
-        <a:ln w="38100" cap="flat" cmpd="sng" algn="ctr">
+        <a:ln w="12700" cap="flat" cmpd="sng" algn="ctr">
           <a:solidFill>
             <a:schemeClr val="phClr"/>
           </a:solidFill>
           <a:prstDash val="solid"/>
+          <a:miter lim="800000"/>
+        </a:ln>
+        <a:ln w="19050" cap="flat" cmpd="sng" algn="ctr">
+          <a:solidFill>
+            <a:schemeClr val="phClr"/>
+          </a:solidFill>
+          <a:prstDash val="solid"/>
+          <a:miter lim="800000"/>
         </a:ln>
       </a:lnStyleLst>
       <a:effectStyleLst>
         <a:effectStyle>
+          <a:effectLst/>
+        </a:effectStyle>
+        <a:effectStyle>
+          <a:effectLst/>
+        </a:effectStyle>
+        <a:effectStyle>
           <a:effectLst>
-            <a:outerShdw blurRad="40000" dist="20000" dir="5400000" rotWithShape="0">
+            <a:outerShdw blurRad="57150" dist="19050" dir="5400000" algn="ctr" rotWithShape="0">
               <a:srgbClr val="000000">
-                <a:alpha val="38000"/>
+                <a:alpha val="63000"/>
               </a:srgbClr>
             </a:outerShdw>
           </a:effectLst>
-        </a:effectStyle>
-        <a:effectStyle>
-          <a:effectLst>
-            <a:outerShdw blurRad="40000" dist="23000" dir="5400000" rotWithShape="0">
-              <a:srgbClr val="000000">
-                <a:alpha val="35000"/>
-              </a:srgbClr>
-            </a:outerShdw>
-          </a:effectLst>
-        </a:effectStyle>
-        <a:effectStyle>
-          <a:effectLst>
-            <a:outerShdw blurRad="40000" dist="23000" dir="5400000" rotWithShape="0">
-              <a:srgbClr val="000000">
-                <a:alpha val="35000"/>
-              </a:srgbClr>
-            </a:outerShdw>
-          </a:effectLst>
-          <a:scene3d>
-            <a:camera prst="orthographicFront">
-              <a:rot lat="0" lon="0" rev="0"/>
-            </a:camera>
-            <a:lightRig rig="threePt" dir="t">
-              <a:rot lat="0" lon="0" rev="1200000"/>
-            </a:lightRig>
-          </a:scene3d>
-          <a:sp3d>
-            <a:bevelT w="63500" h="25400"/>
-          </a:sp3d>
         </a:effectStyle>
       </a:effectStyleLst>
       <a:bgFillStyleLst>
         <a:solidFill>
           <a:schemeClr val="phClr"/>
         </a:solidFill>
+        <a:solidFill>
+          <a:schemeClr val="phClr">
+            <a:tint val="95000"/>
+            <a:satMod val="170000"/>
+          </a:schemeClr>
+        </a:solidFill>
         <a:gradFill rotWithShape="1">
           <a:gsLst>
             <a:gs pos="0">
               <a:schemeClr val="phClr">
-                <a:tint val="40000"/>
-                <a:satMod val="350000"/>
+                <a:tint val="93000"/>
+                <a:satMod val="150000"/>
+                <a:shade val="98000"/>
+                <a:lumMod val="102000"/>
               </a:schemeClr>
             </a:gs>
-            <a:gs pos="40000">
+            <a:gs pos="50000">
               <a:schemeClr val="phClr">
-                <a:tint val="45000"/>
-                <a:shade val="99000"/>
-                <a:satMod val="350000"/>
+                <a:tint val="98000"/>
+                <a:satMod val="130000"/>
+                <a:shade val="90000"/>
+                <a:lumMod val="103000"/>
               </a:schemeClr>
             </a:gs>
             <a:gs pos="100000">
               <a:schemeClr val="phClr">
-                <a:shade val="20000"/>
-                <a:satMod val="255000"/>
+                <a:shade val="63000"/>
+                <a:satMod val="120000"/>
               </a:schemeClr>
             </a:gs>
           </a:gsLst>
-          <a:path path="circle">
-            <a:fillToRect l="50000" t="-80000" r="50000" b="180000"/>
-          </a:path>
-        </a:gradFill>
-        <a:gradFill rotWithShape="1">
-          <a:gsLst>
-            <a:gs pos="0">
-              <a:schemeClr val="phClr">
-                <a:tint val="80000"/>
-                <a:satMod val="300000"/>
-              </a:schemeClr>
-            </a:gs>
-            <a:gs pos="100000">
-              <a:schemeClr val="phClr">
-                <a:shade val="30000"/>
-                <a:satMod val="200000"/>
-              </a:schemeClr>
-            </a:gs>
-          </a:gsLst>
-          <a:path path="circle">
-            <a:fillToRect l="50000" t="50000" r="50000" b="50000"/>
-          </a:path>
+          <a:lin ang="5400000" scaled="0"/>
         </a:gradFill>
       </a:bgFillStyleLst>
     </a:fmtScheme>
   </a:themeElements>
+  <a:objectDefaults/>
+  <a:extraClrSchemeLst/>
+  <a:extLst>
+    <a:ext uri="{05A4C25C-085E-4340-85A3-A5531E510DB2}">
+      <thm15:themeFamily xmlns:thm15="http://schemas.microsoft.com/office/thememl/2012/main" name="Office Theme" id="{62F939B6-93AF-4DB8-9C6B-D6C7DFDC589F}" vid="{4A3C46E8-61CC-4603-A589-7422A47A8E4A}"/>
+    </a:ext>
+  </a:extLst>
 </a:theme>
 </file>
 
@@ -11881,6 +13668,8 @@
       </a:bgFillStyleLst>
     </a:fmtScheme>
   </a:themeElements>
+  <a:objectDefaults/>
+  <a:extraClrSchemeLst/>
 </a:theme>
 </file>
 
@@ -12104,5 +13893,7 @@
       </a:bgFillStyleLst>
     </a:fmtScheme>
   </a:themeElements>
+  <a:objectDefaults/>
+  <a:extraClrSchemeLst/>
 </a:theme>
 </file>